--- a/extending_stats_toolbox_phd-day2019_short.pptx
+++ b/extending_stats_toolbox_phd-day2019_short.pptx
@@ -6,30 +6,30 @@
     <p:sldMasterId id="2147483660" r:id="rId2"/>
   </p:sldMasterIdLst>
   <p:notesMasterIdLst>
-    <p:notesMasterId r:id="rId36"/>
+    <p:notesMasterId r:id="rId35"/>
   </p:notesMasterIdLst>
   <p:handoutMasterIdLst>
-    <p:handoutMasterId r:id="rId37"/>
+    <p:handoutMasterId r:id="rId36"/>
   </p:handoutMasterIdLst>
   <p:sldIdLst>
     <p:sldId id="325" r:id="rId3"/>
     <p:sldId id="334" r:id="rId4"/>
     <p:sldId id="340" r:id="rId5"/>
-    <p:sldId id="341" r:id="rId6"/>
-    <p:sldId id="362" r:id="rId7"/>
-    <p:sldId id="298" r:id="rId8"/>
-    <p:sldId id="304" r:id="rId9"/>
-    <p:sldId id="361" r:id="rId10"/>
-    <p:sldId id="342" r:id="rId11"/>
-    <p:sldId id="355" r:id="rId12"/>
-    <p:sldId id="352" r:id="rId13"/>
-    <p:sldId id="348" r:id="rId14"/>
-    <p:sldId id="356" r:id="rId15"/>
-    <p:sldId id="357" r:id="rId16"/>
-    <p:sldId id="345" r:id="rId17"/>
-    <p:sldId id="359" r:id="rId18"/>
-    <p:sldId id="292" r:id="rId19"/>
-    <p:sldId id="259" r:id="rId20"/>
+    <p:sldId id="362" r:id="rId6"/>
+    <p:sldId id="298" r:id="rId7"/>
+    <p:sldId id="304" r:id="rId8"/>
+    <p:sldId id="361" r:id="rId9"/>
+    <p:sldId id="342" r:id="rId10"/>
+    <p:sldId id="355" r:id="rId11"/>
+    <p:sldId id="352" r:id="rId12"/>
+    <p:sldId id="348" r:id="rId13"/>
+    <p:sldId id="356" r:id="rId14"/>
+    <p:sldId id="357" r:id="rId15"/>
+    <p:sldId id="345" r:id="rId16"/>
+    <p:sldId id="359" r:id="rId17"/>
+    <p:sldId id="292" r:id="rId18"/>
+    <p:sldId id="259" r:id="rId19"/>
+    <p:sldId id="360" r:id="rId20"/>
     <p:sldId id="257" r:id="rId21"/>
     <p:sldId id="261" r:id="rId22"/>
     <p:sldId id="260" r:id="rId23"/>
@@ -41,10 +41,9 @@
     <p:sldId id="265" r:id="rId29"/>
     <p:sldId id="273" r:id="rId30"/>
     <p:sldId id="269" r:id="rId31"/>
-    <p:sldId id="360" r:id="rId32"/>
-    <p:sldId id="287" r:id="rId33"/>
-    <p:sldId id="274" r:id="rId34"/>
-    <p:sldId id="363" r:id="rId35"/>
+    <p:sldId id="287" r:id="rId32"/>
+    <p:sldId id="274" r:id="rId33"/>
+    <p:sldId id="363" r:id="rId34"/>
   </p:sldIdLst>
   <p:sldSz cx="17346613" cy="9756775"/>
   <p:notesSz cx="6858000" cy="9144000"/>
@@ -3527,1569 +3526,6 @@
       </p:grpSpPr>
       <p:sp>
         <p:nvSpPr>
-          <p:cNvPr id="17" name="Titel 1">
-            <a:extLst>
-              <a:ext uri="{FF2B5EF4-FFF2-40B4-BE49-F238E27FC236}">
-                <a16:creationId xmlns:a16="http://schemas.microsoft.com/office/drawing/2014/main" id="{42377BEA-D02A-4FFB-B140-C9359A2CDDDF}"/>
-              </a:ext>
-            </a:extLst>
-          </p:cNvPr>
-          <p:cNvSpPr>
-            <a:spLocks noGrp="1"/>
-          </p:cNvSpPr>
-          <p:nvPr>
-            <p:ph type="title"/>
-          </p:nvPr>
-        </p:nvSpPr>
-        <p:spPr>
-          <a:xfrm>
-            <a:off x="0" y="0"/>
-            <a:ext cx="17360617" cy="1400473"/>
-          </a:xfrm>
-        </p:spPr>
-        <p:txBody>
-          <a:bodyPr/>
-          <a:lstStyle/>
-          <a:p>
-            <a:pPr algn="ctr"/>
-            <a:r>
-              <a:rPr lang="en-US" sz="4000" dirty="0">
-                <a:solidFill>
-                  <a:schemeClr val="tx1"/>
-                </a:solidFill>
-                <a:latin typeface="Tahoma" panose="020B0604030504040204" pitchFamily="34" charset="0"/>
-                <a:ea typeface="Tahoma" panose="020B0604030504040204" pitchFamily="34" charset="0"/>
-                <a:cs typeface="Tahoma" panose="020B0604030504040204" pitchFamily="34" charset="0"/>
-              </a:rPr>
-              <a:t>Priors</a:t>
-            </a:r>
-          </a:p>
-        </p:txBody>
-      </p:sp>
-      <mc:AlternateContent xmlns:mc="http://schemas.openxmlformats.org/markup-compatibility/2006">
-        <mc:Choice xmlns:a14="http://schemas.microsoft.com/office/drawing/2010/main" Requires="a14">
-          <p:sp>
-            <p:nvSpPr>
-              <p:cNvPr id="9" name="Content Placeholder 2">
-                <a:extLst>
-                  <a:ext uri="{FF2B5EF4-FFF2-40B4-BE49-F238E27FC236}">
-                    <a16:creationId xmlns:a16="http://schemas.microsoft.com/office/drawing/2014/main" id="{B272478E-D9A9-4C74-93DF-07F5B9596B02}"/>
-                  </a:ext>
-                </a:extLst>
-              </p:cNvPr>
-              <p:cNvSpPr txBox="1">
-                <a:spLocks/>
-              </p:cNvSpPr>
-              <p:nvPr/>
-            </p:nvSpPr>
-            <p:spPr bwMode="auto">
-              <a:xfrm>
-                <a:off x="292173" y="1020656"/>
-                <a:ext cx="16762265" cy="4372980"/>
-              </a:xfrm>
-              <a:prstGeom prst="rect">
-                <a:avLst/>
-              </a:prstGeom>
-              <a:noFill/>
-              <a:ln w="9525">
-                <a:noFill/>
-                <a:miter lim="800000"/>
-                <a:headEnd/>
-                <a:tailEnd/>
-              </a:ln>
-            </p:spPr>
-            <p:txBody>
-              <a:bodyPr vert="horz" wrap="square" lIns="36000" tIns="36000" rIns="36000" bIns="36000" numCol="1" anchor="t" anchorCtr="0" compatLnSpc="1">
-                <a:prstTxWarp prst="textNoShape">
-                  <a:avLst/>
-                </a:prstTxWarp>
-              </a:bodyPr>
-              <a:lstStyle>
-                <a:lvl1pPr marL="358775" indent="-358775" algn="l" defTabSz="649288" rtl="0" eaLnBrk="1" fontAlgn="base" hangingPunct="1">
-                  <a:spcBef>
-                    <a:spcPct val="0"/>
-                  </a:spcBef>
-                  <a:spcAft>
-                    <a:spcPct val="0"/>
-                  </a:spcAft>
-                  <a:buFont typeface="Arial" pitchFamily="34" charset="0"/>
-                  <a:buChar char="•"/>
-                  <a:defRPr sz="2500" kern="1200">
-                    <a:solidFill>
-                      <a:schemeClr val="tx1"/>
-                    </a:solidFill>
-                    <a:latin typeface="+mn-lt"/>
-                    <a:ea typeface="ＭＳ Ｐゴシック" charset="0"/>
-                    <a:cs typeface="ＭＳ Ｐゴシック" charset="0"/>
-                  </a:defRPr>
-                </a:lvl1pPr>
-                <a:lvl2pPr marL="719138" indent="-358775" algn="l" defTabSz="649288" rtl="0" eaLnBrk="1" fontAlgn="base" hangingPunct="1">
-                  <a:spcBef>
-                    <a:spcPct val="0"/>
-                  </a:spcBef>
-                  <a:spcAft>
-                    <a:spcPct val="0"/>
-                  </a:spcAft>
-                  <a:buFont typeface="Lucida Grande" charset="0"/>
-                  <a:buChar char="-"/>
-                  <a:defRPr sz="2500" kern="1200">
-                    <a:solidFill>
-                      <a:schemeClr val="tx1"/>
-                    </a:solidFill>
-                    <a:latin typeface="+mn-lt"/>
-                    <a:ea typeface="ＭＳ Ｐゴシック" charset="0"/>
-                    <a:cs typeface="+mn-cs"/>
-                  </a:defRPr>
-                </a:lvl2pPr>
-                <a:lvl3pPr marL="1114425" indent="-358775" algn="l" defTabSz="649288" rtl="0" eaLnBrk="1" fontAlgn="base" hangingPunct="1">
-                  <a:spcBef>
-                    <a:spcPct val="0"/>
-                  </a:spcBef>
-                  <a:spcAft>
-                    <a:spcPct val="0"/>
-                  </a:spcAft>
-                  <a:buFont typeface="Lucida Grande" charset="0"/>
-                  <a:buChar char="–"/>
-                  <a:defRPr sz="2100" kern="1200">
-                    <a:solidFill>
-                      <a:schemeClr val="tx1"/>
-                    </a:solidFill>
-                    <a:latin typeface="+mn-lt"/>
-                    <a:ea typeface="ＭＳ Ｐゴシック" charset="0"/>
-                    <a:cs typeface="+mn-cs"/>
-                  </a:defRPr>
-                </a:lvl3pPr>
-                <a:lvl4pPr marL="1511300" indent="-358775" algn="l" defTabSz="649288" rtl="0" eaLnBrk="1" fontAlgn="base" hangingPunct="1">
-                  <a:spcBef>
-                    <a:spcPct val="0"/>
-                  </a:spcBef>
-                  <a:spcAft>
-                    <a:spcPct val="0"/>
-                  </a:spcAft>
-                  <a:buFont typeface="Lucida Grande" charset="0"/>
-                  <a:buChar char="-"/>
-                  <a:defRPr sz="2100" kern="1200">
-                    <a:solidFill>
-                      <a:schemeClr val="tx1"/>
-                    </a:solidFill>
-                    <a:latin typeface="+mn-lt"/>
-                    <a:ea typeface="ＭＳ Ｐゴシック" charset="0"/>
-                    <a:cs typeface="+mn-cs"/>
-                  </a:defRPr>
-                </a:lvl4pPr>
-                <a:lvl5pPr marL="1906588" indent="-358775" algn="l" defTabSz="649288" rtl="0" eaLnBrk="1" fontAlgn="base" hangingPunct="1">
-                  <a:spcBef>
-                    <a:spcPct val="0"/>
-                  </a:spcBef>
-                  <a:spcAft>
-                    <a:spcPct val="0"/>
-                  </a:spcAft>
-                  <a:buFont typeface="Lucida Grande" charset="0"/>
-                  <a:buChar char="-"/>
-                  <a:defRPr sz="2100" kern="1200">
-                    <a:solidFill>
-                      <a:schemeClr val="tx1"/>
-                    </a:solidFill>
-                    <a:latin typeface="+mn-lt"/>
-                    <a:ea typeface="ＭＳ Ｐゴシック" charset="0"/>
-                    <a:cs typeface="+mn-cs"/>
-                  </a:defRPr>
-                </a:lvl5pPr>
-                <a:lvl6pPr marL="3576516" indent="-325138" algn="l" defTabSz="650276" rtl="0" eaLnBrk="1" latinLnBrk="0" hangingPunct="1">
-                  <a:spcBef>
-                    <a:spcPct val="20000"/>
-                  </a:spcBef>
-                  <a:buFont typeface="Arial"/>
-                  <a:buChar char="•"/>
-                  <a:defRPr sz="2800" kern="1200">
-                    <a:solidFill>
-                      <a:schemeClr val="tx1"/>
-                    </a:solidFill>
-                    <a:latin typeface="+mn-lt"/>
-                    <a:ea typeface="+mn-ea"/>
-                    <a:cs typeface="+mn-cs"/>
-                  </a:defRPr>
-                </a:lvl6pPr>
-                <a:lvl7pPr marL="4226791" indent="-325138" algn="l" defTabSz="650276" rtl="0" eaLnBrk="1" latinLnBrk="0" hangingPunct="1">
-                  <a:spcBef>
-                    <a:spcPct val="20000"/>
-                  </a:spcBef>
-                  <a:buFont typeface="Arial"/>
-                  <a:buChar char="•"/>
-                  <a:defRPr sz="2800" kern="1200">
-                    <a:solidFill>
-                      <a:schemeClr val="tx1"/>
-                    </a:solidFill>
-                    <a:latin typeface="+mn-lt"/>
-                    <a:ea typeface="+mn-ea"/>
-                    <a:cs typeface="+mn-cs"/>
-                  </a:defRPr>
-                </a:lvl7pPr>
-                <a:lvl8pPr marL="4877067" indent="-325138" algn="l" defTabSz="650276" rtl="0" eaLnBrk="1" latinLnBrk="0" hangingPunct="1">
-                  <a:spcBef>
-                    <a:spcPct val="20000"/>
-                  </a:spcBef>
-                  <a:buFont typeface="Arial"/>
-                  <a:buChar char="•"/>
-                  <a:defRPr sz="2800" kern="1200">
-                    <a:solidFill>
-                      <a:schemeClr val="tx1"/>
-                    </a:solidFill>
-                    <a:latin typeface="+mn-lt"/>
-                    <a:ea typeface="+mn-ea"/>
-                    <a:cs typeface="+mn-cs"/>
-                  </a:defRPr>
-                </a:lvl8pPr>
-                <a:lvl9pPr marL="5527342" indent="-325138" algn="l" defTabSz="650276" rtl="0" eaLnBrk="1" latinLnBrk="0" hangingPunct="1">
-                  <a:spcBef>
-                    <a:spcPct val="20000"/>
-                  </a:spcBef>
-                  <a:buFont typeface="Arial"/>
-                  <a:buChar char="•"/>
-                  <a:defRPr sz="2800" kern="1200">
-                    <a:solidFill>
-                      <a:schemeClr val="tx1"/>
-                    </a:solidFill>
-                    <a:latin typeface="+mn-lt"/>
-                    <a:ea typeface="+mn-ea"/>
-                    <a:cs typeface="+mn-cs"/>
-                  </a:defRPr>
-                </a:lvl9pPr>
-              </a:lstStyle>
-              <a:p>
-                <a:pPr marL="360363" lvl="1" indent="0">
-                  <a:buNone/>
-                </a:pPr>
-                <a:r>
-                  <a:rPr lang="en-US" sz="3200" dirty="0">
-                    <a:latin typeface="Tahoma" panose="020B0604030504040204" pitchFamily="34" charset="0"/>
-                    <a:ea typeface="Tahoma" panose="020B0604030504040204" pitchFamily="34" charset="0"/>
-                    <a:cs typeface="Tahoma" panose="020B0604030504040204" pitchFamily="34" charset="0"/>
-                    <a:sym typeface="Wingdings" panose="05000000000000000000" pitchFamily="2" charset="2"/>
-                  </a:rPr>
-                  <a:t>Possible prior expectation for </a:t>
-                </a:r>
-                <a:r>
-                  <a:rPr lang="en-GB" sz="3200" b="1" dirty="0">
-                    <a:latin typeface="Tahoma" panose="020B0604030504040204" pitchFamily="34" charset="0"/>
-                    <a:ea typeface="Tahoma" panose="020B0604030504040204" pitchFamily="34" charset="0"/>
-                    <a:cs typeface="Tahoma" panose="020B0604030504040204" pitchFamily="34" charset="0"/>
-                    <a:sym typeface="Wingdings" panose="05000000000000000000" pitchFamily="2" charset="2"/>
-                  </a:rPr>
-                  <a:t>H1: percentage </a:t>
-                </a:r>
-                <a14:m>
-                  <m:oMath xmlns:m="http://schemas.openxmlformats.org/officeDocument/2006/math">
-                    <m:r>
-                      <a:rPr lang="en-GB" sz="3200" i="1">
-                        <a:latin typeface="Cambria Math" panose="02040503050406030204" pitchFamily="18" charset="0"/>
-                        <a:sym typeface="Wingdings" panose="05000000000000000000" pitchFamily="2" charset="2"/>
-                      </a:rPr>
-                      <m:t>≠</m:t>
-                    </m:r>
-                    <m:r>
-                      <a:rPr lang="de-DE" sz="3200" b="1">
-                        <a:latin typeface="Cambria Math" panose="02040503050406030204" pitchFamily="18" charset="0"/>
-                        <a:sym typeface="Wingdings" panose="05000000000000000000" pitchFamily="2" charset="2"/>
-                      </a:rPr>
-                      <m:t> </m:t>
-                    </m:r>
-                  </m:oMath>
-                </a14:m>
-                <a:r>
-                  <a:rPr lang="en-US" sz="3200" b="1" dirty="0">
-                    <a:latin typeface="Tahoma" panose="020B0604030504040204" pitchFamily="34" charset="0"/>
-                    <a:ea typeface="Tahoma" panose="020B0604030504040204" pitchFamily="34" charset="0"/>
-                    <a:cs typeface="Tahoma" panose="020B0604030504040204" pitchFamily="34" charset="0"/>
-                    <a:sym typeface="Wingdings" panose="05000000000000000000" pitchFamily="2" charset="2"/>
-                  </a:rPr>
-                  <a:t>50% </a:t>
-                </a:r>
-                <a:r>
-                  <a:rPr lang="en-US" sz="3200" dirty="0">
-                    <a:latin typeface="Tahoma" panose="020B0604030504040204" pitchFamily="34" charset="0"/>
-                    <a:ea typeface="Tahoma" panose="020B0604030504040204" pitchFamily="34" charset="0"/>
-                    <a:cs typeface="Tahoma" panose="020B0604030504040204" pitchFamily="34" charset="0"/>
-                    <a:sym typeface="Wingdings" panose="05000000000000000000" pitchFamily="2" charset="2"/>
-                  </a:rPr>
-                  <a:t>could for example be that before seeing the data, each sex ratio would be equally likely. </a:t>
-                </a:r>
-              </a:p>
-              <a:p>
-                <a:pPr marL="360363" lvl="1" indent="0">
-                  <a:buNone/>
-                </a:pPr>
-                <a:r>
-                  <a:rPr lang="en-US" sz="3200" b="1" dirty="0">
-                    <a:latin typeface="Tahoma" panose="020B0604030504040204" pitchFamily="34" charset="0"/>
-                    <a:ea typeface="Tahoma" panose="020B0604030504040204" pitchFamily="34" charset="0"/>
-                    <a:cs typeface="Tahoma" panose="020B0604030504040204" pitchFamily="34" charset="0"/>
-                    <a:sym typeface="Wingdings" panose="05000000000000000000" pitchFamily="2" charset="2"/>
-                  </a:rPr>
-                  <a:t> This would result in a uniform prior distribution between 0 and 100</a:t>
-                </a:r>
-              </a:p>
-              <a:p>
-                <a:pPr marL="360363" lvl="1" indent="0">
-                  <a:buNone/>
-                </a:pPr>
-                <a:endParaRPr lang="en-US" sz="3200" b="1" dirty="0">
-                  <a:latin typeface="Tahoma" panose="020B0604030504040204" pitchFamily="34" charset="0"/>
-                  <a:ea typeface="Tahoma" panose="020B0604030504040204" pitchFamily="34" charset="0"/>
-                  <a:cs typeface="Tahoma" panose="020B0604030504040204" pitchFamily="34" charset="0"/>
-                  <a:sym typeface="Wingdings" panose="05000000000000000000" pitchFamily="2" charset="2"/>
-                </a:endParaRPr>
-              </a:p>
-              <a:p>
-                <a:pPr marL="0" indent="0">
-                  <a:buFont typeface="Arial" pitchFamily="34" charset="0"/>
-                  <a:buNone/>
-                </a:pPr>
-                <a:endParaRPr lang="en-US" sz="3200" dirty="0">
-                  <a:latin typeface="Tahoma" panose="020B0604030504040204" pitchFamily="34" charset="0"/>
-                  <a:ea typeface="Tahoma" panose="020B0604030504040204" pitchFamily="34" charset="0"/>
-                  <a:cs typeface="Tahoma" panose="020B0604030504040204" pitchFamily="34" charset="0"/>
-                  <a:sym typeface="Wingdings" panose="05000000000000000000" pitchFamily="2" charset="2"/>
-                </a:endParaRPr>
-              </a:p>
-              <a:p>
-                <a:pPr marL="0" indent="0">
-                  <a:buFont typeface="Arial" pitchFamily="34" charset="0"/>
-                  <a:buNone/>
-                </a:pPr>
-                <a:endParaRPr lang="en-US" sz="3200" dirty="0">
-                  <a:latin typeface="Tahoma" panose="020B0604030504040204" pitchFamily="34" charset="0"/>
-                  <a:ea typeface="Tahoma" panose="020B0604030504040204" pitchFamily="34" charset="0"/>
-                  <a:cs typeface="Tahoma" panose="020B0604030504040204" pitchFamily="34" charset="0"/>
-                  <a:sym typeface="Wingdings" panose="05000000000000000000" pitchFamily="2" charset="2"/>
-                </a:endParaRPr>
-              </a:p>
-              <a:p>
-                <a:pPr marL="0" indent="0">
-                  <a:buFont typeface="Arial" pitchFamily="34" charset="0"/>
-                  <a:buNone/>
-                </a:pPr>
-                <a:endParaRPr lang="en-US" sz="3200" b="1" strike="sngStrike" dirty="0">
-                  <a:latin typeface="Tahoma" panose="020B0604030504040204" pitchFamily="34" charset="0"/>
-                  <a:ea typeface="Tahoma" panose="020B0604030504040204" pitchFamily="34" charset="0"/>
-                  <a:cs typeface="Tahoma" panose="020B0604030504040204" pitchFamily="34" charset="0"/>
-                  <a:sym typeface="Wingdings" panose="05000000000000000000" pitchFamily="2" charset="2"/>
-                </a:endParaRPr>
-              </a:p>
-              <a:p>
-                <a:pPr marL="0" indent="0" algn="ctr">
-                  <a:buFont typeface="Arial" pitchFamily="34" charset="0"/>
-                  <a:buNone/>
-                </a:pPr>
-                <a:endParaRPr lang="en-US" sz="3200" b="1" dirty="0">
-                  <a:latin typeface="Tahoma" panose="020B0604030504040204" pitchFamily="34" charset="0"/>
-                  <a:ea typeface="Tahoma" panose="020B0604030504040204" pitchFamily="34" charset="0"/>
-                  <a:cs typeface="Tahoma" panose="020B0604030504040204" pitchFamily="34" charset="0"/>
-                  <a:sym typeface="Wingdings" panose="05000000000000000000" pitchFamily="2" charset="2"/>
-                </a:endParaRPr>
-              </a:p>
-              <a:p>
-                <a:pPr marL="0" indent="0" algn="ctr">
-                  <a:buFont typeface="Arial" pitchFamily="34" charset="0"/>
-                  <a:buNone/>
-                </a:pPr>
-                <a:endParaRPr lang="en-US" sz="3200" b="1" u="sng" dirty="0">
-                  <a:latin typeface="Tahoma" panose="020B0604030504040204" pitchFamily="34" charset="0"/>
-                  <a:ea typeface="Tahoma" panose="020B0604030504040204" pitchFamily="34" charset="0"/>
-                  <a:cs typeface="Tahoma" panose="020B0604030504040204" pitchFamily="34" charset="0"/>
-                  <a:sym typeface="Wingdings" panose="05000000000000000000" pitchFamily="2" charset="2"/>
-                </a:endParaRPr>
-              </a:p>
-              <a:p>
-                <a:pPr marL="0" indent="0" algn="ctr">
-                  <a:buFont typeface="Arial" pitchFamily="34" charset="0"/>
-                  <a:buNone/>
-                </a:pPr>
-                <a:endParaRPr lang="en-US" sz="3200" dirty="0">
-                  <a:latin typeface="Tahoma" panose="020B0604030504040204" pitchFamily="34" charset="0"/>
-                  <a:ea typeface="Tahoma" panose="020B0604030504040204" pitchFamily="34" charset="0"/>
-                  <a:cs typeface="Tahoma" panose="020B0604030504040204" pitchFamily="34" charset="0"/>
-                  <a:sym typeface="Wingdings" panose="05000000000000000000" pitchFamily="2" charset="2"/>
-                </a:endParaRPr>
-              </a:p>
-              <a:p>
-                <a:pPr marL="360363" lvl="1" indent="0" algn="ctr">
-                  <a:buNone/>
-                </a:pPr>
-                <a:endParaRPr lang="en-US" sz="3200" dirty="0">
-                  <a:latin typeface="Cambria Math" panose="02040503050406030204" pitchFamily="18" charset="0"/>
-                  <a:ea typeface="Cambria Math" panose="02040503050406030204" pitchFamily="18" charset="0"/>
-                  <a:cs typeface="Tahoma" panose="020B0604030504040204" pitchFamily="34" charset="0"/>
-                  <a:sym typeface="Wingdings" panose="05000000000000000000" pitchFamily="2" charset="2"/>
-                </a:endParaRPr>
-              </a:p>
-              <a:p>
-                <a:pPr marL="360363" lvl="1" indent="0">
-                  <a:buFont typeface="Arial" pitchFamily="34" charset="0"/>
-                  <a:buNone/>
-                </a:pPr>
-                <a:endParaRPr lang="en-US" sz="2400" b="1" dirty="0">
-                  <a:latin typeface="Tahoma" panose="020B0604030504040204" pitchFamily="34" charset="0"/>
-                  <a:ea typeface="Tahoma" panose="020B0604030504040204" pitchFamily="34" charset="0"/>
-                  <a:cs typeface="Tahoma" panose="020B0604030504040204" pitchFamily="34" charset="0"/>
-                  <a:sym typeface="Wingdings" panose="05000000000000000000" pitchFamily="2" charset="2"/>
-                </a:endParaRPr>
-              </a:p>
-              <a:p>
-                <a:pPr marL="0" indent="0">
-                  <a:buFont typeface="Arial" pitchFamily="34" charset="0"/>
-                  <a:buNone/>
-                </a:pPr>
-                <a:r>
-                  <a:rPr lang="en-US" sz="2400" b="1" dirty="0">
-                    <a:latin typeface="Tahoma" panose="020B0604030504040204" pitchFamily="34" charset="0"/>
-                    <a:ea typeface="Tahoma" panose="020B0604030504040204" pitchFamily="34" charset="0"/>
-                    <a:cs typeface="Tahoma" panose="020B0604030504040204" pitchFamily="34" charset="0"/>
-                    <a:sym typeface="Wingdings" panose="05000000000000000000" pitchFamily="2" charset="2"/>
-                  </a:rPr>
-                  <a:t>											 Equally likely under both hypotheses! </a:t>
-                </a:r>
-              </a:p>
-              <a:p>
-                <a:pPr marL="0" indent="0">
-                  <a:buFont typeface="Arial" pitchFamily="34" charset="0"/>
-                  <a:buNone/>
-                </a:pPr>
-                <a:r>
-                  <a:rPr lang="en-US" sz="2400" b="1" dirty="0">
-                    <a:latin typeface="Tahoma" panose="020B0604030504040204" pitchFamily="34" charset="0"/>
-                    <a:ea typeface="Tahoma" panose="020B0604030504040204" pitchFamily="34" charset="0"/>
-                    <a:cs typeface="Tahoma" panose="020B0604030504040204" pitchFamily="34" charset="0"/>
-                    <a:sym typeface="Wingdings" panose="05000000000000000000" pitchFamily="2" charset="2"/>
-                  </a:rPr>
-                  <a:t>											 Evidence is inconclusive!</a:t>
-                </a:r>
-                <a:endParaRPr lang="en-US" sz="2400" dirty="0">
-                  <a:latin typeface="Tahoma" panose="020B0604030504040204" pitchFamily="34" charset="0"/>
-                  <a:ea typeface="Tahoma" panose="020B0604030504040204" pitchFamily="34" charset="0"/>
-                  <a:cs typeface="Tahoma" panose="020B0604030504040204" pitchFamily="34" charset="0"/>
-                  <a:sym typeface="Wingdings" panose="05000000000000000000" pitchFamily="2" charset="2"/>
-                </a:endParaRPr>
-              </a:p>
-              <a:p>
-                <a:pPr marL="0" indent="0">
-                  <a:buFont typeface="Arial" pitchFamily="34" charset="0"/>
-                  <a:buNone/>
-                </a:pPr>
-                <a:endParaRPr lang="en-US" sz="2400" dirty="0">
-                  <a:latin typeface="Tahoma" panose="020B0604030504040204" pitchFamily="34" charset="0"/>
-                  <a:ea typeface="Tahoma" panose="020B0604030504040204" pitchFamily="34" charset="0"/>
-                  <a:cs typeface="Tahoma" panose="020B0604030504040204" pitchFamily="34" charset="0"/>
-                  <a:sym typeface="Wingdings" panose="05000000000000000000" pitchFamily="2" charset="2"/>
-                </a:endParaRPr>
-              </a:p>
-              <a:p>
-                <a:pPr marL="0" indent="0">
-                  <a:buFont typeface="Arial" pitchFamily="34" charset="0"/>
-                  <a:buNone/>
-                </a:pPr>
-                <a:endParaRPr lang="en-US" sz="2400" dirty="0">
-                  <a:latin typeface="Tahoma" panose="020B0604030504040204" pitchFamily="34" charset="0"/>
-                  <a:ea typeface="Tahoma" panose="020B0604030504040204" pitchFamily="34" charset="0"/>
-                  <a:cs typeface="Tahoma" panose="020B0604030504040204" pitchFamily="34" charset="0"/>
-                  <a:sym typeface="Wingdings" panose="05000000000000000000" pitchFamily="2" charset="2"/>
-                </a:endParaRPr>
-              </a:p>
-              <a:p>
-                <a:pPr marL="0" indent="0">
-                  <a:buFont typeface="Arial" pitchFamily="34" charset="0"/>
-                  <a:buNone/>
-                </a:pPr>
-                <a:endParaRPr lang="en-US" sz="2400" dirty="0">
-                  <a:latin typeface="Tahoma" panose="020B0604030504040204" pitchFamily="34" charset="0"/>
-                  <a:ea typeface="Tahoma" panose="020B0604030504040204" pitchFamily="34" charset="0"/>
-                  <a:cs typeface="Tahoma" panose="020B0604030504040204" pitchFamily="34" charset="0"/>
-                  <a:sym typeface="Wingdings" panose="05000000000000000000" pitchFamily="2" charset="2"/>
-                </a:endParaRPr>
-              </a:p>
-              <a:p>
-                <a:pPr marL="0" indent="0">
-                  <a:buFont typeface="Arial" pitchFamily="34" charset="0"/>
-                  <a:buNone/>
-                </a:pPr>
-                <a:endParaRPr lang="en-US" sz="2400" dirty="0">
-                  <a:latin typeface="Tahoma" panose="020B0604030504040204" pitchFamily="34" charset="0"/>
-                  <a:ea typeface="Tahoma" panose="020B0604030504040204" pitchFamily="34" charset="0"/>
-                  <a:cs typeface="Tahoma" panose="020B0604030504040204" pitchFamily="34" charset="0"/>
-                  <a:sym typeface="Wingdings" panose="05000000000000000000" pitchFamily="2" charset="2"/>
-                </a:endParaRPr>
-              </a:p>
-              <a:p>
-                <a:pPr marL="0" indent="0">
-                  <a:buFont typeface="Arial" pitchFamily="34" charset="0"/>
-                  <a:buNone/>
-                </a:pPr>
-                <a:endParaRPr lang="en-US" sz="2400" dirty="0">
-                  <a:latin typeface="Tahoma" panose="020B0604030504040204" pitchFamily="34" charset="0"/>
-                  <a:ea typeface="Tahoma" panose="020B0604030504040204" pitchFamily="34" charset="0"/>
-                  <a:cs typeface="Tahoma" panose="020B0604030504040204" pitchFamily="34" charset="0"/>
-                  <a:sym typeface="Wingdings" panose="05000000000000000000" pitchFamily="2" charset="2"/>
-                </a:endParaRPr>
-              </a:p>
-              <a:p>
-                <a:pPr marL="0" indent="0">
-                  <a:buFont typeface="Arial" pitchFamily="34" charset="0"/>
-                  <a:buNone/>
-                </a:pPr>
-                <a:endParaRPr lang="en-US" sz="2400" dirty="0">
-                  <a:latin typeface="Tahoma" panose="020B0604030504040204" pitchFamily="34" charset="0"/>
-                  <a:ea typeface="Tahoma" panose="020B0604030504040204" pitchFamily="34" charset="0"/>
-                  <a:cs typeface="Tahoma" panose="020B0604030504040204" pitchFamily="34" charset="0"/>
-                  <a:sym typeface="Wingdings" panose="05000000000000000000" pitchFamily="2" charset="2"/>
-                </a:endParaRPr>
-              </a:p>
-              <a:p>
-                <a:pPr marL="0" indent="0">
-                  <a:buFont typeface="Arial" pitchFamily="34" charset="0"/>
-                  <a:buNone/>
-                </a:pPr>
-                <a:endParaRPr lang="en-US" sz="2400" dirty="0">
-                  <a:latin typeface="Tahoma" panose="020B0604030504040204" pitchFamily="34" charset="0"/>
-                  <a:ea typeface="Tahoma" panose="020B0604030504040204" pitchFamily="34" charset="0"/>
-                  <a:cs typeface="Tahoma" panose="020B0604030504040204" pitchFamily="34" charset="0"/>
-                  <a:sym typeface="Wingdings" panose="05000000000000000000" pitchFamily="2" charset="2"/>
-                </a:endParaRPr>
-              </a:p>
-              <a:p>
-                <a:pPr marL="0" indent="0">
-                  <a:buFont typeface="Arial" pitchFamily="34" charset="0"/>
-                  <a:buNone/>
-                </a:pPr>
-                <a:endParaRPr lang="en-US" sz="2400" dirty="0">
-                  <a:latin typeface="Tahoma" panose="020B0604030504040204" pitchFamily="34" charset="0"/>
-                  <a:ea typeface="Tahoma" panose="020B0604030504040204" pitchFamily="34" charset="0"/>
-                  <a:cs typeface="Tahoma" panose="020B0604030504040204" pitchFamily="34" charset="0"/>
-                  <a:sym typeface="Wingdings" panose="05000000000000000000" pitchFamily="2" charset="2"/>
-                </a:endParaRPr>
-              </a:p>
-              <a:p>
-                <a:pPr marL="0" indent="0">
-                  <a:buFont typeface="Arial" pitchFamily="34" charset="0"/>
-                  <a:buNone/>
-                </a:pPr>
-                <a:endParaRPr lang="en-US" sz="2400" dirty="0">
-                  <a:latin typeface="Tahoma" panose="020B0604030504040204" pitchFamily="34" charset="0"/>
-                  <a:ea typeface="Tahoma" panose="020B0604030504040204" pitchFamily="34" charset="0"/>
-                  <a:cs typeface="Tahoma" panose="020B0604030504040204" pitchFamily="34" charset="0"/>
-                  <a:sym typeface="Wingdings" panose="05000000000000000000" pitchFamily="2" charset="2"/>
-                </a:endParaRPr>
-              </a:p>
-              <a:p>
-                <a:pPr marL="0" indent="0">
-                  <a:buFont typeface="Arial" pitchFamily="34" charset="0"/>
-                  <a:buNone/>
-                </a:pPr>
-                <a:endParaRPr lang="en-US" sz="3200" dirty="0"/>
-              </a:p>
-            </p:txBody>
-          </p:sp>
-        </mc:Choice>
-        <mc:Fallback>
-          <p:sp>
-            <p:nvSpPr>
-              <p:cNvPr id="9" name="Content Placeholder 2">
-                <a:extLst>
-                  <a:ext uri="{FF2B5EF4-FFF2-40B4-BE49-F238E27FC236}">
-                    <a16:creationId xmlns:a16="http://schemas.microsoft.com/office/drawing/2014/main" id="{B272478E-D9A9-4C74-93DF-07F5B9596B02}"/>
-                  </a:ext>
-                </a:extLst>
-              </p:cNvPr>
-              <p:cNvSpPr txBox="1">
-                <a:spLocks noRot="1" noChangeAspect="1" noMove="1" noResize="1" noEditPoints="1" noAdjustHandles="1" noChangeArrowheads="1" noChangeShapeType="1" noTextEdit="1"/>
-              </p:cNvSpPr>
-              <p:nvPr/>
-            </p:nvSpPr>
-            <p:spPr bwMode="auto">
-              <a:xfrm>
-                <a:off x="292173" y="1020656"/>
-                <a:ext cx="16762265" cy="4372980"/>
-              </a:xfrm>
-              <a:prstGeom prst="rect">
-                <a:avLst/>
-              </a:prstGeom>
-              <a:blipFill>
-                <a:blip r:embed="rId2"/>
-                <a:stretch>
-                  <a:fillRect t="-2089" b="-52925"/>
-                </a:stretch>
-              </a:blipFill>
-              <a:ln w="9525">
-                <a:noFill/>
-                <a:miter lim="800000"/>
-                <a:headEnd/>
-                <a:tailEnd/>
-              </a:ln>
-            </p:spPr>
-            <p:txBody>
-              <a:bodyPr/>
-              <a:lstStyle/>
-              <a:p>
-                <a:r>
-                  <a:rPr lang="en-US">
-                    <a:noFill/>
-                  </a:rPr>
-                  <a:t> </a:t>
-                </a:r>
-              </a:p>
-            </p:txBody>
-          </p:sp>
-        </mc:Fallback>
-      </mc:AlternateContent>
-      <p:pic>
-        <p:nvPicPr>
-          <p:cNvPr id="2" name="Picture 1">
-            <a:extLst>
-              <a:ext uri="{FF2B5EF4-FFF2-40B4-BE49-F238E27FC236}">
-                <a16:creationId xmlns:a16="http://schemas.microsoft.com/office/drawing/2014/main" id="{0FA6911B-AF9D-4D20-850F-C98C9E4834A2}"/>
-              </a:ext>
-            </a:extLst>
-          </p:cNvPr>
-          <p:cNvPicPr>
-            <a:picLocks noChangeAspect="1"/>
-          </p:cNvPicPr>
-          <p:nvPr/>
-        </p:nvPicPr>
-        <p:blipFill>
-          <a:blip r:embed="rId3"/>
-          <a:stretch>
-            <a:fillRect/>
-          </a:stretch>
-        </p:blipFill>
-        <p:spPr>
-          <a:xfrm>
-            <a:off x="113361" y="2749582"/>
-            <a:ext cx="6784687" cy="4868402"/>
-          </a:xfrm>
-          <a:prstGeom prst="rect">
-            <a:avLst/>
-          </a:prstGeom>
-        </p:spPr>
-      </p:pic>
-      <mc:AlternateContent xmlns:mc="http://schemas.openxmlformats.org/markup-compatibility/2006" xmlns:a14="http://schemas.microsoft.com/office/drawing/2010/main">
-        <mc:Choice Requires="a14">
-          <p:sp>
-            <p:nvSpPr>
-              <p:cNvPr id="5" name="Rectangle 4">
-                <a:extLst>
-                  <a:ext uri="{FF2B5EF4-FFF2-40B4-BE49-F238E27FC236}">
-                    <a16:creationId xmlns:a16="http://schemas.microsoft.com/office/drawing/2014/main" id="{B56A1602-F643-4762-88F4-FC7495CE59E1}"/>
-                  </a:ext>
-                </a:extLst>
-              </p:cNvPr>
-              <p:cNvSpPr/>
-              <p:nvPr/>
-            </p:nvSpPr>
-            <p:spPr>
-              <a:xfrm>
-                <a:off x="6733309" y="4155562"/>
-                <a:ext cx="10613302" cy="876843"/>
-              </a:xfrm>
-              <a:prstGeom prst="rect">
-                <a:avLst/>
-              </a:prstGeom>
-            </p:spPr>
-            <p:txBody>
-              <a:bodyPr wrap="square">
-                <a:spAutoFit/>
-              </a:bodyPr>
-              <a:lstStyle/>
-              <a:p>
-                <a:r>
-                  <a:rPr lang="de-DE" sz="3200" dirty="0">
-                    <a:solidFill>
-                      <a:srgbClr val="00B050"/>
-                    </a:solidFill>
-                    <a:ea typeface="Cambria Math" panose="02040503050406030204" pitchFamily="18" charset="0"/>
-                    <a:cs typeface="Tahoma" panose="020B0604030504040204" pitchFamily="34" charset="0"/>
-                    <a:sym typeface="Wingdings" panose="05000000000000000000" pitchFamily="2" charset="2"/>
-                  </a:rPr>
-                  <a:t> </a:t>
-                </a:r>
-                <a14:m>
-                  <m:oMath xmlns:m="http://schemas.openxmlformats.org/officeDocument/2006/math">
-                    <m:f>
-                      <m:fPr>
-                        <m:ctrlPr>
-                          <a:rPr lang="de-DE" sz="3200" i="1" smtClean="0">
-                            <a:solidFill>
-                              <a:schemeClr val="tx1"/>
-                            </a:solidFill>
-                            <a:latin typeface="Cambria Math" panose="02040503050406030204" pitchFamily="18" charset="0"/>
-                            <a:ea typeface="Cambria Math" panose="02040503050406030204" pitchFamily="18" charset="0"/>
-                            <a:cs typeface="Tahoma" panose="020B0604030504040204" pitchFamily="34" charset="0"/>
-                            <a:sym typeface="Wingdings" panose="05000000000000000000" pitchFamily="2" charset="2"/>
-                          </a:rPr>
-                        </m:ctrlPr>
-                      </m:fPr>
-                      <m:num>
-                        <m:r>
-                          <a:rPr lang="de-DE" sz="3200" i="1">
-                            <a:solidFill>
-                              <a:schemeClr val="tx1"/>
-                            </a:solidFill>
-                            <a:latin typeface="Cambria Math" panose="02040503050406030204" pitchFamily="18" charset="0"/>
-                            <a:ea typeface="Cambria Math" panose="02040503050406030204" pitchFamily="18" charset="0"/>
-                            <a:cs typeface="Tahoma" panose="020B0604030504040204" pitchFamily="34" charset="0"/>
-                            <a:sym typeface="Wingdings" panose="05000000000000000000" pitchFamily="2" charset="2"/>
-                          </a:rPr>
-                          <m:t>𝑃</m:t>
-                        </m:r>
-                        <m:r>
-                          <a:rPr lang="de-DE" sz="3200" i="1">
-                            <a:solidFill>
-                              <a:schemeClr val="tx1"/>
-                            </a:solidFill>
-                            <a:latin typeface="Cambria Math" panose="02040503050406030204" pitchFamily="18" charset="0"/>
-                            <a:ea typeface="Cambria Math" panose="02040503050406030204" pitchFamily="18" charset="0"/>
-                            <a:cs typeface="Tahoma" panose="020B0604030504040204" pitchFamily="34" charset="0"/>
-                            <a:sym typeface="Wingdings" panose="05000000000000000000" pitchFamily="2" charset="2"/>
-                          </a:rPr>
-                          <m:t>(</m:t>
-                        </m:r>
-                        <m:r>
-                          <a:rPr lang="de-DE" sz="3200" i="1">
-                            <a:solidFill>
-                              <a:schemeClr val="tx1"/>
-                            </a:solidFill>
-                            <a:latin typeface="Cambria Math" panose="02040503050406030204" pitchFamily="18" charset="0"/>
-                            <a:ea typeface="Cambria Math" panose="02040503050406030204" pitchFamily="18" charset="0"/>
-                            <a:cs typeface="Tahoma" panose="020B0604030504040204" pitchFamily="34" charset="0"/>
-                            <a:sym typeface="Wingdings" panose="05000000000000000000" pitchFamily="2" charset="2"/>
-                          </a:rPr>
-                          <m:t>𝐷</m:t>
-                        </m:r>
-                        <m:r>
-                          <a:rPr lang="de-DE" sz="3200" i="1">
-                            <a:solidFill>
-                              <a:schemeClr val="tx1"/>
-                            </a:solidFill>
-                            <a:latin typeface="Cambria Math" panose="02040503050406030204" pitchFamily="18" charset="0"/>
-                            <a:ea typeface="Cambria Math" panose="02040503050406030204" pitchFamily="18" charset="0"/>
-                            <a:cs typeface="Tahoma" panose="020B0604030504040204" pitchFamily="34" charset="0"/>
-                            <a:sym typeface="Wingdings" panose="05000000000000000000" pitchFamily="2" charset="2"/>
-                          </a:rPr>
-                          <m:t>|</m:t>
-                        </m:r>
-                        <m:sSub>
-                          <m:sSubPr>
-                            <m:ctrlPr>
-                              <a:rPr lang="en-US" sz="3200" i="1" dirty="0">
-                                <a:solidFill>
-                                  <a:schemeClr val="tx1"/>
-                                </a:solidFill>
-                                <a:latin typeface="Cambria Math" panose="02040503050406030204" pitchFamily="18" charset="0"/>
-                                <a:ea typeface="Cambria Math" panose="02040503050406030204" pitchFamily="18" charset="0"/>
-                                <a:sym typeface="Wingdings" panose="05000000000000000000" pitchFamily="2" charset="2"/>
-                              </a:rPr>
-                            </m:ctrlPr>
-                          </m:sSubPr>
-                          <m:e>
-                            <m:r>
-                              <a:rPr lang="en-US" sz="3200" i="1" dirty="0">
-                                <a:solidFill>
-                                  <a:schemeClr val="tx1"/>
-                                </a:solidFill>
-                                <a:latin typeface="Cambria Math" panose="02040503050406030204" pitchFamily="18" charset="0"/>
-                                <a:ea typeface="Cambria Math" panose="02040503050406030204" pitchFamily="18" charset="0"/>
-                                <a:sym typeface="Wingdings" panose="05000000000000000000" pitchFamily="2" charset="2"/>
-                              </a:rPr>
-                              <m:t>𝐻</m:t>
-                            </m:r>
-                          </m:e>
-                          <m:sub>
-                            <m:r>
-                              <a:rPr lang="en-US" sz="3200" dirty="0">
-                                <a:solidFill>
-                                  <a:schemeClr val="tx1"/>
-                                </a:solidFill>
-                                <a:latin typeface="Cambria Math" panose="02040503050406030204" pitchFamily="18" charset="0"/>
-                                <a:ea typeface="Cambria Math" panose="02040503050406030204" pitchFamily="18" charset="0"/>
-                                <a:sym typeface="Wingdings" panose="05000000000000000000" pitchFamily="2" charset="2"/>
-                              </a:rPr>
-                              <m:t>0</m:t>
-                            </m:r>
-                          </m:sub>
-                        </m:sSub>
-                        <m:r>
-                          <a:rPr lang="de-DE" sz="3200" i="1" dirty="0">
-                            <a:solidFill>
-                              <a:schemeClr val="tx1"/>
-                            </a:solidFill>
-                            <a:latin typeface="Cambria Math" panose="02040503050406030204" pitchFamily="18" charset="0"/>
-                            <a:ea typeface="Cambria Math" panose="02040503050406030204" pitchFamily="18" charset="0"/>
-                            <a:sym typeface="Wingdings" panose="05000000000000000000" pitchFamily="2" charset="2"/>
-                          </a:rPr>
-                          <m:t>)</m:t>
-                        </m:r>
-                        <m:r>
-                          <m:rPr>
-                            <m:nor/>
-                          </m:rPr>
-                          <a:rPr lang="en-US" sz="3200" dirty="0">
-                            <a:solidFill>
-                              <a:schemeClr val="tx1"/>
-                            </a:solidFill>
-                            <a:latin typeface="Cambria Math" panose="02040503050406030204" pitchFamily="18" charset="0"/>
-                            <a:ea typeface="Cambria Math" panose="02040503050406030204" pitchFamily="18" charset="0"/>
-                            <a:cs typeface="Tahoma" panose="020B0604030504040204" pitchFamily="34" charset="0"/>
-                            <a:sym typeface="Wingdings" panose="05000000000000000000" pitchFamily="2" charset="2"/>
-                          </a:rPr>
-                          <m:t> </m:t>
-                        </m:r>
-                      </m:num>
-                      <m:den>
-                        <m:r>
-                          <a:rPr lang="de-DE" sz="3200" i="1">
-                            <a:solidFill>
-                              <a:schemeClr val="tx1"/>
-                            </a:solidFill>
-                            <a:latin typeface="Cambria Math" panose="02040503050406030204" pitchFamily="18" charset="0"/>
-                            <a:ea typeface="Cambria Math" panose="02040503050406030204" pitchFamily="18" charset="0"/>
-                            <a:cs typeface="Tahoma" panose="020B0604030504040204" pitchFamily="34" charset="0"/>
-                            <a:sym typeface="Wingdings" panose="05000000000000000000" pitchFamily="2" charset="2"/>
-                          </a:rPr>
-                          <m:t>𝑃</m:t>
-                        </m:r>
-                        <m:r>
-                          <a:rPr lang="de-DE" sz="3200" i="1">
-                            <a:solidFill>
-                              <a:schemeClr val="tx1"/>
-                            </a:solidFill>
-                            <a:latin typeface="Cambria Math" panose="02040503050406030204" pitchFamily="18" charset="0"/>
-                            <a:ea typeface="Cambria Math" panose="02040503050406030204" pitchFamily="18" charset="0"/>
-                            <a:cs typeface="Tahoma" panose="020B0604030504040204" pitchFamily="34" charset="0"/>
-                            <a:sym typeface="Wingdings" panose="05000000000000000000" pitchFamily="2" charset="2"/>
-                          </a:rPr>
-                          <m:t>(</m:t>
-                        </m:r>
-                        <m:r>
-                          <a:rPr lang="de-DE" sz="3200" i="1">
-                            <a:solidFill>
-                              <a:schemeClr val="tx1"/>
-                            </a:solidFill>
-                            <a:latin typeface="Cambria Math" panose="02040503050406030204" pitchFamily="18" charset="0"/>
-                            <a:ea typeface="Cambria Math" panose="02040503050406030204" pitchFamily="18" charset="0"/>
-                            <a:cs typeface="Tahoma" panose="020B0604030504040204" pitchFamily="34" charset="0"/>
-                            <a:sym typeface="Wingdings" panose="05000000000000000000" pitchFamily="2" charset="2"/>
-                          </a:rPr>
-                          <m:t>𝐷</m:t>
-                        </m:r>
-                        <m:r>
-                          <a:rPr lang="de-DE" sz="3200" i="1">
-                            <a:solidFill>
-                              <a:schemeClr val="tx1"/>
-                            </a:solidFill>
-                            <a:latin typeface="Cambria Math" panose="02040503050406030204" pitchFamily="18" charset="0"/>
-                            <a:ea typeface="Cambria Math" panose="02040503050406030204" pitchFamily="18" charset="0"/>
-                            <a:cs typeface="Tahoma" panose="020B0604030504040204" pitchFamily="34" charset="0"/>
-                            <a:sym typeface="Wingdings" panose="05000000000000000000" pitchFamily="2" charset="2"/>
-                          </a:rPr>
-                          <m:t>|</m:t>
-                        </m:r>
-                        <m:sSub>
-                          <m:sSubPr>
-                            <m:ctrlPr>
-                              <a:rPr lang="en-US" sz="3200" i="1" dirty="0">
-                                <a:solidFill>
-                                  <a:schemeClr val="tx1"/>
-                                </a:solidFill>
-                                <a:latin typeface="Cambria Math" panose="02040503050406030204" pitchFamily="18" charset="0"/>
-                                <a:ea typeface="Cambria Math" panose="02040503050406030204" pitchFamily="18" charset="0"/>
-                                <a:sym typeface="Wingdings" panose="05000000000000000000" pitchFamily="2" charset="2"/>
-                              </a:rPr>
-                            </m:ctrlPr>
-                          </m:sSubPr>
-                          <m:e>
-                            <m:r>
-                              <a:rPr lang="en-US" sz="3200" i="1" dirty="0">
-                                <a:solidFill>
-                                  <a:schemeClr val="tx1"/>
-                                </a:solidFill>
-                                <a:latin typeface="Cambria Math" panose="02040503050406030204" pitchFamily="18" charset="0"/>
-                                <a:ea typeface="Cambria Math" panose="02040503050406030204" pitchFamily="18" charset="0"/>
-                                <a:sym typeface="Wingdings" panose="05000000000000000000" pitchFamily="2" charset="2"/>
-                              </a:rPr>
-                              <m:t>𝐻</m:t>
-                            </m:r>
-                          </m:e>
-                          <m:sub>
-                            <m:r>
-                              <a:rPr lang="de-DE" sz="3200" dirty="0">
-                                <a:solidFill>
-                                  <a:schemeClr val="tx1"/>
-                                </a:solidFill>
-                                <a:latin typeface="Cambria Math" panose="02040503050406030204" pitchFamily="18" charset="0"/>
-                                <a:ea typeface="Cambria Math" panose="02040503050406030204" pitchFamily="18" charset="0"/>
-                                <a:sym typeface="Wingdings" panose="05000000000000000000" pitchFamily="2" charset="2"/>
-                              </a:rPr>
-                              <m:t>1</m:t>
-                            </m:r>
-                          </m:sub>
-                        </m:sSub>
-                        <m:r>
-                          <a:rPr lang="de-DE" sz="3200" i="1" dirty="0">
-                            <a:solidFill>
-                              <a:schemeClr val="tx1"/>
-                            </a:solidFill>
-                            <a:latin typeface="Cambria Math" panose="02040503050406030204" pitchFamily="18" charset="0"/>
-                            <a:ea typeface="Cambria Math" panose="02040503050406030204" pitchFamily="18" charset="0"/>
-                            <a:sym typeface="Wingdings" panose="05000000000000000000" pitchFamily="2" charset="2"/>
-                          </a:rPr>
-                          <m:t>)</m:t>
-                        </m:r>
-                        <m:r>
-                          <m:rPr>
-                            <m:nor/>
-                          </m:rPr>
-                          <a:rPr lang="en-US" sz="3200" dirty="0">
-                            <a:solidFill>
-                              <a:schemeClr val="tx1"/>
-                            </a:solidFill>
-                            <a:latin typeface="Cambria Math" panose="02040503050406030204" pitchFamily="18" charset="0"/>
-                            <a:ea typeface="Cambria Math" panose="02040503050406030204" pitchFamily="18" charset="0"/>
-                            <a:cs typeface="Tahoma" panose="020B0604030504040204" pitchFamily="34" charset="0"/>
-                            <a:sym typeface="Wingdings" panose="05000000000000000000" pitchFamily="2" charset="2"/>
-                          </a:rPr>
-                          <m:t> </m:t>
-                        </m:r>
-                      </m:den>
-                    </m:f>
-                  </m:oMath>
-                </a14:m>
-                <a:r>
-                  <a:rPr lang="en-US" sz="3200" dirty="0">
-                    <a:solidFill>
-                      <a:schemeClr val="tx1"/>
-                    </a:solidFill>
-                    <a:latin typeface="Cambria Math" panose="02040503050406030204" pitchFamily="18" charset="0"/>
-                    <a:ea typeface="Cambria Math" panose="02040503050406030204" pitchFamily="18" charset="0"/>
-                    <a:cs typeface="Tahoma" panose="020B0604030504040204" pitchFamily="34" charset="0"/>
-                    <a:sym typeface="Wingdings" panose="05000000000000000000" pitchFamily="2" charset="2"/>
-                  </a:rPr>
-                  <a:t> = </a:t>
-                </a:r>
-                <a14:m>
-                  <m:oMath xmlns:m="http://schemas.openxmlformats.org/officeDocument/2006/math">
-                    <m:f>
-                      <m:fPr>
-                        <m:ctrlPr>
-                          <a:rPr lang="de-DE" sz="3200" i="1">
-                            <a:solidFill>
-                              <a:schemeClr val="tx1"/>
-                            </a:solidFill>
-                            <a:latin typeface="Cambria Math" panose="02040503050406030204" pitchFamily="18" charset="0"/>
-                            <a:ea typeface="Cambria Math" panose="02040503050406030204" pitchFamily="18" charset="0"/>
-                            <a:cs typeface="Tahoma" panose="020B0604030504040204" pitchFamily="34" charset="0"/>
-                            <a:sym typeface="Wingdings" panose="05000000000000000000" pitchFamily="2" charset="2"/>
-                          </a:rPr>
-                        </m:ctrlPr>
-                      </m:fPr>
-                      <m:num>
-                        <m:r>
-                          <a:rPr lang="de-DE" sz="3200" i="1">
-                            <a:solidFill>
-                              <a:schemeClr val="tx1"/>
-                            </a:solidFill>
-                            <a:latin typeface="Cambria Math" panose="02040503050406030204" pitchFamily="18" charset="0"/>
-                            <a:ea typeface="Cambria Math" panose="02040503050406030204" pitchFamily="18" charset="0"/>
-                            <a:cs typeface="Tahoma" panose="020B0604030504040204" pitchFamily="34" charset="0"/>
-                            <a:sym typeface="Wingdings" panose="05000000000000000000" pitchFamily="2" charset="2"/>
-                          </a:rPr>
-                          <m:t>𝑃</m:t>
-                        </m:r>
-                        <m:r>
-                          <a:rPr lang="de-DE" sz="3200" i="1">
-                            <a:solidFill>
-                              <a:schemeClr val="tx1"/>
-                            </a:solidFill>
-                            <a:latin typeface="Cambria Math" panose="02040503050406030204" pitchFamily="18" charset="0"/>
-                            <a:ea typeface="Cambria Math" panose="02040503050406030204" pitchFamily="18" charset="0"/>
-                            <a:cs typeface="Tahoma" panose="020B0604030504040204" pitchFamily="34" charset="0"/>
-                            <a:sym typeface="Wingdings" panose="05000000000000000000" pitchFamily="2" charset="2"/>
-                          </a:rPr>
-                          <m:t>(60 </m:t>
-                        </m:r>
-                        <m:r>
-                          <a:rPr lang="de-DE" sz="3200" i="1">
-                            <a:solidFill>
-                              <a:schemeClr val="tx1"/>
-                            </a:solidFill>
-                            <a:latin typeface="Cambria Math" panose="02040503050406030204" pitchFamily="18" charset="0"/>
-                            <a:ea typeface="Cambria Math" panose="02040503050406030204" pitchFamily="18" charset="0"/>
-                            <a:cs typeface="Tahoma" panose="020B0604030504040204" pitchFamily="34" charset="0"/>
-                            <a:sym typeface="Wingdings" panose="05000000000000000000" pitchFamily="2" charset="2"/>
-                          </a:rPr>
-                          <m:t>𝑤𝑜𝑚𝑒𝑛</m:t>
-                        </m:r>
-                        <m:r>
-                          <a:rPr lang="de-DE" sz="3200" i="1">
-                            <a:solidFill>
-                              <a:schemeClr val="tx1"/>
-                            </a:solidFill>
-                            <a:latin typeface="Cambria Math" panose="02040503050406030204" pitchFamily="18" charset="0"/>
-                            <a:ea typeface="Cambria Math" panose="02040503050406030204" pitchFamily="18" charset="0"/>
-                            <a:cs typeface="Tahoma" panose="020B0604030504040204" pitchFamily="34" charset="0"/>
-                            <a:sym typeface="Wingdings" panose="05000000000000000000" pitchFamily="2" charset="2"/>
-                          </a:rPr>
-                          <m:t>|</m:t>
-                        </m:r>
-                        <m:r>
-                          <a:rPr lang="de-DE" sz="3200" i="1">
-                            <a:solidFill>
-                              <a:schemeClr val="tx1"/>
-                            </a:solidFill>
-                            <a:latin typeface="Cambria Math" panose="02040503050406030204" pitchFamily="18" charset="0"/>
-                            <a:ea typeface="Cambria Math" panose="02040503050406030204" pitchFamily="18" charset="0"/>
-                            <a:cs typeface="Tahoma" panose="020B0604030504040204" pitchFamily="34" charset="0"/>
-                            <a:sym typeface="Wingdings" panose="05000000000000000000" pitchFamily="2" charset="2"/>
-                          </a:rPr>
-                          <m:t>𝑆𝑒𝑥</m:t>
-                        </m:r>
-                        <m:r>
-                          <a:rPr lang="de-DE" sz="3200" i="1">
-                            <a:solidFill>
-                              <a:schemeClr val="tx1"/>
-                            </a:solidFill>
-                            <a:latin typeface="Cambria Math" panose="02040503050406030204" pitchFamily="18" charset="0"/>
-                            <a:ea typeface="Cambria Math" panose="02040503050406030204" pitchFamily="18" charset="0"/>
-                            <a:cs typeface="Tahoma" panose="020B0604030504040204" pitchFamily="34" charset="0"/>
-                            <a:sym typeface="Wingdings" panose="05000000000000000000" pitchFamily="2" charset="2"/>
-                          </a:rPr>
-                          <m:t> </m:t>
-                        </m:r>
-                        <m:r>
-                          <a:rPr lang="de-DE" sz="3200" i="1">
-                            <a:solidFill>
-                              <a:schemeClr val="tx1"/>
-                            </a:solidFill>
-                            <a:latin typeface="Cambria Math" panose="02040503050406030204" pitchFamily="18" charset="0"/>
-                            <a:ea typeface="Cambria Math" panose="02040503050406030204" pitchFamily="18" charset="0"/>
-                            <a:cs typeface="Tahoma" panose="020B0604030504040204" pitchFamily="34" charset="0"/>
-                            <a:sym typeface="Wingdings" panose="05000000000000000000" pitchFamily="2" charset="2"/>
-                          </a:rPr>
-                          <m:t>𝑅𝑎𝑡𝑖𝑜</m:t>
-                        </m:r>
-                        <m:r>
-                          <a:rPr lang="de-DE" sz="3200" i="1">
-                            <a:solidFill>
-                              <a:schemeClr val="tx1"/>
-                            </a:solidFill>
-                            <a:latin typeface="Cambria Math" panose="02040503050406030204" pitchFamily="18" charset="0"/>
-                            <a:ea typeface="Cambria Math" panose="02040503050406030204" pitchFamily="18" charset="0"/>
-                            <a:cs typeface="Tahoma" panose="020B0604030504040204" pitchFamily="34" charset="0"/>
-                            <a:sym typeface="Wingdings" panose="05000000000000000000" pitchFamily="2" charset="2"/>
-                          </a:rPr>
-                          <m:t>=50%)</m:t>
-                        </m:r>
-                        <m:r>
-                          <m:rPr>
-                            <m:nor/>
-                          </m:rPr>
-                          <a:rPr lang="en-US" sz="3200" dirty="0">
-                            <a:solidFill>
-                              <a:schemeClr val="tx1"/>
-                            </a:solidFill>
-                            <a:latin typeface="Cambria Math" panose="02040503050406030204" pitchFamily="18" charset="0"/>
-                            <a:ea typeface="Cambria Math" panose="02040503050406030204" pitchFamily="18" charset="0"/>
-                            <a:cs typeface="Tahoma" panose="020B0604030504040204" pitchFamily="34" charset="0"/>
-                            <a:sym typeface="Wingdings" panose="05000000000000000000" pitchFamily="2" charset="2"/>
-                          </a:rPr>
-                          <m:t> </m:t>
-                        </m:r>
-                      </m:num>
-                      <m:den>
-                        <m:r>
-                          <a:rPr lang="de-DE" sz="3200" i="1" smtClean="0">
-                            <a:solidFill>
-                              <a:schemeClr val="tx1"/>
-                            </a:solidFill>
-                            <a:latin typeface="Cambria Math" panose="02040503050406030204" pitchFamily="18" charset="0"/>
-                            <a:ea typeface="Cambria Math" panose="02040503050406030204" pitchFamily="18" charset="0"/>
-                            <a:cs typeface="Tahoma" panose="020B0604030504040204" pitchFamily="34" charset="0"/>
-                            <a:sym typeface="Wingdings" panose="05000000000000000000" pitchFamily="2" charset="2"/>
-                          </a:rPr>
-                          <m:t>𝑃</m:t>
-                        </m:r>
-                        <m:r>
-                          <a:rPr lang="de-DE" sz="3200" i="1" smtClean="0">
-                            <a:solidFill>
-                              <a:schemeClr val="tx1"/>
-                            </a:solidFill>
-                            <a:latin typeface="Cambria Math" panose="02040503050406030204" pitchFamily="18" charset="0"/>
-                            <a:ea typeface="Cambria Math" panose="02040503050406030204" pitchFamily="18" charset="0"/>
-                            <a:cs typeface="Tahoma" panose="020B0604030504040204" pitchFamily="34" charset="0"/>
-                            <a:sym typeface="Wingdings" panose="05000000000000000000" pitchFamily="2" charset="2"/>
-                          </a:rPr>
-                          <m:t>(60 </m:t>
-                        </m:r>
-                        <m:r>
-                          <a:rPr lang="de-DE" sz="3200" i="1" smtClean="0">
-                            <a:solidFill>
-                              <a:schemeClr val="tx1"/>
-                            </a:solidFill>
-                            <a:latin typeface="Cambria Math" panose="02040503050406030204" pitchFamily="18" charset="0"/>
-                            <a:ea typeface="Cambria Math" panose="02040503050406030204" pitchFamily="18" charset="0"/>
-                            <a:cs typeface="Tahoma" panose="020B0604030504040204" pitchFamily="34" charset="0"/>
-                            <a:sym typeface="Wingdings" panose="05000000000000000000" pitchFamily="2" charset="2"/>
-                          </a:rPr>
-                          <m:t>𝑤𝑜𝑚𝑒𝑛</m:t>
-                        </m:r>
-                        <m:r>
-                          <a:rPr lang="de-DE" sz="3200" i="1">
-                            <a:solidFill>
-                              <a:schemeClr val="tx1"/>
-                            </a:solidFill>
-                            <a:latin typeface="Cambria Math" panose="02040503050406030204" pitchFamily="18" charset="0"/>
-                            <a:ea typeface="Cambria Math" panose="02040503050406030204" pitchFamily="18" charset="0"/>
-                            <a:cs typeface="Tahoma" panose="020B0604030504040204" pitchFamily="34" charset="0"/>
-                            <a:sym typeface="Wingdings" panose="05000000000000000000" pitchFamily="2" charset="2"/>
-                          </a:rPr>
-                          <m:t>|</m:t>
-                        </m:r>
-                        <m:r>
-                          <a:rPr lang="de-DE" sz="3200" i="1">
-                            <a:solidFill>
-                              <a:schemeClr val="tx1"/>
-                            </a:solidFill>
-                            <a:latin typeface="Cambria Math" panose="02040503050406030204" pitchFamily="18" charset="0"/>
-                            <a:ea typeface="Cambria Math" panose="02040503050406030204" pitchFamily="18" charset="0"/>
-                            <a:cs typeface="Tahoma" panose="020B0604030504040204" pitchFamily="34" charset="0"/>
-                            <a:sym typeface="Wingdings" panose="05000000000000000000" pitchFamily="2" charset="2"/>
-                          </a:rPr>
-                          <m:t>𝑆𝑒𝑥</m:t>
-                        </m:r>
-                        <m:r>
-                          <a:rPr lang="de-DE" sz="3200" i="1">
-                            <a:solidFill>
-                              <a:schemeClr val="tx1"/>
-                            </a:solidFill>
-                            <a:latin typeface="Cambria Math" panose="02040503050406030204" pitchFamily="18" charset="0"/>
-                            <a:ea typeface="Cambria Math" panose="02040503050406030204" pitchFamily="18" charset="0"/>
-                            <a:cs typeface="Tahoma" panose="020B0604030504040204" pitchFamily="34" charset="0"/>
-                            <a:sym typeface="Wingdings" panose="05000000000000000000" pitchFamily="2" charset="2"/>
-                          </a:rPr>
-                          <m:t> </m:t>
-                        </m:r>
-                        <m:r>
-                          <a:rPr lang="de-DE" sz="3200" i="1">
-                            <a:solidFill>
-                              <a:schemeClr val="tx1"/>
-                            </a:solidFill>
-                            <a:latin typeface="Cambria Math" panose="02040503050406030204" pitchFamily="18" charset="0"/>
-                            <a:ea typeface="Cambria Math" panose="02040503050406030204" pitchFamily="18" charset="0"/>
-                            <a:cs typeface="Tahoma" panose="020B0604030504040204" pitchFamily="34" charset="0"/>
-                            <a:sym typeface="Wingdings" panose="05000000000000000000" pitchFamily="2" charset="2"/>
-                          </a:rPr>
-                          <m:t>𝑅𝑎𝑡𝑖𝑜</m:t>
-                        </m:r>
-                        <m:r>
-                          <a:rPr lang="de-DE" sz="3200" b="0" i="1" smtClean="0">
-                            <a:solidFill>
-                              <a:schemeClr val="tx1"/>
-                            </a:solidFill>
-                            <a:latin typeface="Cambria Math" panose="02040503050406030204" pitchFamily="18" charset="0"/>
-                            <a:ea typeface="Cambria Math" panose="02040503050406030204" pitchFamily="18" charset="0"/>
-                            <a:cs typeface="Tahoma" panose="020B0604030504040204" pitchFamily="34" charset="0"/>
-                            <a:sym typeface="Wingdings" panose="05000000000000000000" pitchFamily="2" charset="2"/>
-                          </a:rPr>
-                          <m:t>=</m:t>
-                        </m:r>
-                        <m:r>
-                          <a:rPr lang="de-DE" sz="3200" b="0" i="1" smtClean="0">
-                            <a:solidFill>
-                              <a:srgbClr val="FF0000"/>
-                            </a:solidFill>
-                            <a:latin typeface="Cambria Math" panose="02040503050406030204" pitchFamily="18" charset="0"/>
-                            <a:ea typeface="Cambria Math" panose="02040503050406030204" pitchFamily="18" charset="0"/>
-                            <a:cs typeface="Tahoma" panose="020B0604030504040204" pitchFamily="34" charset="0"/>
-                            <a:sym typeface="Wingdings" panose="05000000000000000000" pitchFamily="2" charset="2"/>
-                          </a:rPr>
-                          <m:t>𝑈𝑛𝑖𝑓𝑜𝑟𝑚</m:t>
-                        </m:r>
-                        <m:d>
-                          <m:dPr>
-                            <m:begChr m:val="["/>
-                            <m:endChr m:val="]"/>
-                            <m:ctrlPr>
-                              <a:rPr lang="de-DE" sz="3200" b="0" i="1" smtClean="0">
-                                <a:solidFill>
-                                  <a:srgbClr val="FF0000"/>
-                                </a:solidFill>
-                                <a:latin typeface="Cambria Math" panose="02040503050406030204" pitchFamily="18" charset="0"/>
-                                <a:ea typeface="Cambria Math" panose="02040503050406030204" pitchFamily="18" charset="0"/>
-                                <a:cs typeface="Tahoma" panose="020B0604030504040204" pitchFamily="34" charset="0"/>
-                                <a:sym typeface="Wingdings" panose="05000000000000000000" pitchFamily="2" charset="2"/>
-                              </a:rPr>
-                            </m:ctrlPr>
-                          </m:dPr>
-                          <m:e>
-                            <m:r>
-                              <a:rPr lang="de-DE" sz="3200" b="0" i="1" smtClean="0">
-                                <a:solidFill>
-                                  <a:srgbClr val="FF0000"/>
-                                </a:solidFill>
-                                <a:latin typeface="Cambria Math" panose="02040503050406030204" pitchFamily="18" charset="0"/>
-                                <a:ea typeface="Cambria Math" panose="02040503050406030204" pitchFamily="18" charset="0"/>
-                                <a:cs typeface="Tahoma" panose="020B0604030504040204" pitchFamily="34" charset="0"/>
-                                <a:sym typeface="Wingdings" panose="05000000000000000000" pitchFamily="2" charset="2"/>
-                              </a:rPr>
-                              <m:t>0,100</m:t>
-                            </m:r>
-                          </m:e>
-                        </m:d>
-                        <m:r>
-                          <a:rPr lang="de-DE" sz="3200" b="0" i="1" smtClean="0">
-                            <a:solidFill>
-                              <a:srgbClr val="FF0000"/>
-                            </a:solidFill>
-                            <a:latin typeface="Cambria Math" panose="02040503050406030204" pitchFamily="18" charset="0"/>
-                            <a:ea typeface="Cambria Math" panose="02040503050406030204" pitchFamily="18" charset="0"/>
-                            <a:cs typeface="Tahoma" panose="020B0604030504040204" pitchFamily="34" charset="0"/>
-                            <a:sym typeface="Wingdings" panose="05000000000000000000" pitchFamily="2" charset="2"/>
-                          </a:rPr>
-                          <m:t>)</m:t>
-                        </m:r>
-                        <m:r>
-                          <m:rPr>
-                            <m:nor/>
-                          </m:rPr>
-                          <a:rPr lang="en-US" sz="3200" dirty="0">
-                            <a:solidFill>
-                              <a:srgbClr val="FF0000"/>
-                            </a:solidFill>
-                            <a:latin typeface="Cambria Math" panose="02040503050406030204" pitchFamily="18" charset="0"/>
-                            <a:ea typeface="Cambria Math" panose="02040503050406030204" pitchFamily="18" charset="0"/>
-                            <a:cs typeface="Tahoma" panose="020B0604030504040204" pitchFamily="34" charset="0"/>
-                            <a:sym typeface="Wingdings" panose="05000000000000000000" pitchFamily="2" charset="2"/>
-                          </a:rPr>
-                          <m:t> </m:t>
-                        </m:r>
-                      </m:den>
-                    </m:f>
-                  </m:oMath>
-                </a14:m>
-                <a:r>
-                  <a:rPr lang="en-US" sz="2800" dirty="0">
-                    <a:solidFill>
-                      <a:schemeClr val="tx1"/>
-                    </a:solidFill>
-                    <a:latin typeface="Cambria Math" panose="02040503050406030204" pitchFamily="18" charset="0"/>
-                    <a:ea typeface="Cambria Math" panose="02040503050406030204" pitchFamily="18" charset="0"/>
-                    <a:cs typeface="Tahoma" panose="020B0604030504040204" pitchFamily="34" charset="0"/>
-                    <a:sym typeface="Wingdings" panose="05000000000000000000" pitchFamily="2" charset="2"/>
-                  </a:rPr>
-                  <a:t>= </a:t>
-                </a:r>
-                <a14:m>
-                  <m:oMath xmlns:m="http://schemas.openxmlformats.org/officeDocument/2006/math">
-                    <m:f>
-                      <m:fPr>
-                        <m:ctrlPr>
-                          <a:rPr lang="de-DE" sz="2800" i="1">
-                            <a:solidFill>
-                              <a:schemeClr val="tx1"/>
-                            </a:solidFill>
-                            <a:latin typeface="Cambria Math" panose="02040503050406030204" pitchFamily="18" charset="0"/>
-                            <a:ea typeface="Cambria Math" panose="02040503050406030204" pitchFamily="18" charset="0"/>
-                            <a:cs typeface="Tahoma" panose="020B0604030504040204" pitchFamily="34" charset="0"/>
-                            <a:sym typeface="Wingdings" panose="05000000000000000000" pitchFamily="2" charset="2"/>
-                          </a:rPr>
-                        </m:ctrlPr>
-                      </m:fPr>
-                      <m:num>
-                        <m:r>
-                          <a:rPr lang="de-DE" sz="2800" b="0" i="1" smtClean="0">
-                            <a:solidFill>
-                              <a:schemeClr val="tx1"/>
-                            </a:solidFill>
-                            <a:latin typeface="Cambria Math" panose="02040503050406030204" pitchFamily="18" charset="0"/>
-                            <a:ea typeface="Cambria Math" panose="02040503050406030204" pitchFamily="18" charset="0"/>
-                            <a:cs typeface="Tahoma" panose="020B0604030504040204" pitchFamily="34" charset="0"/>
-                            <a:sym typeface="Wingdings" panose="05000000000000000000" pitchFamily="2" charset="2"/>
-                          </a:rPr>
-                          <m:t>0.011</m:t>
-                        </m:r>
-                      </m:num>
-                      <m:den>
-                        <m:r>
-                          <a:rPr lang="de-DE" sz="2800" b="0" i="1" dirty="0" smtClean="0">
-                            <a:solidFill>
-                              <a:schemeClr val="tx1"/>
-                            </a:solidFill>
-                            <a:latin typeface="Cambria Math" panose="02040503050406030204" pitchFamily="18" charset="0"/>
-                            <a:ea typeface="Cambria Math" panose="02040503050406030204" pitchFamily="18" charset="0"/>
-                            <a:cs typeface="Tahoma" panose="020B0604030504040204" pitchFamily="34" charset="0"/>
-                            <a:sym typeface="Wingdings" panose="05000000000000000000" pitchFamily="2" charset="2"/>
-                          </a:rPr>
-                          <m:t>0.010</m:t>
-                        </m:r>
-                      </m:den>
-                    </m:f>
-                  </m:oMath>
-                </a14:m>
-                <a:r>
-                  <a:rPr lang="en-US" sz="3200" dirty="0">
-                    <a:solidFill>
-                      <a:schemeClr val="tx1"/>
-                    </a:solidFill>
-                    <a:latin typeface="Cambria Math" panose="02040503050406030204" pitchFamily="18" charset="0"/>
-                    <a:ea typeface="Cambria Math" panose="02040503050406030204" pitchFamily="18" charset="0"/>
-                    <a:cs typeface="Tahoma" panose="020B0604030504040204" pitchFamily="34" charset="0"/>
-                    <a:sym typeface="Wingdings" panose="05000000000000000000" pitchFamily="2" charset="2"/>
-                  </a:rPr>
-                  <a:t> = 1.1</a:t>
-                </a:r>
-                <a:endParaRPr lang="en-US" sz="2800" dirty="0">
-                  <a:solidFill>
-                    <a:srgbClr val="00B050"/>
-                  </a:solidFill>
-                  <a:latin typeface="Cambria Math" panose="02040503050406030204" pitchFamily="18" charset="0"/>
-                  <a:ea typeface="Cambria Math" panose="02040503050406030204" pitchFamily="18" charset="0"/>
-                </a:endParaRPr>
-              </a:p>
-            </p:txBody>
-          </p:sp>
-        </mc:Choice>
-        <mc:Fallback xmlns="">
-          <p:sp>
-            <p:nvSpPr>
-              <p:cNvPr id="5" name="Rectangle 4">
-                <a:extLst>
-                  <a:ext uri="{FF2B5EF4-FFF2-40B4-BE49-F238E27FC236}">
-                    <a16:creationId xmlns:a16="http://schemas.microsoft.com/office/drawing/2014/main" id="{B56A1602-F643-4762-88F4-FC7495CE59E1}"/>
-                  </a:ext>
-                </a:extLst>
-              </p:cNvPr>
-              <p:cNvSpPr>
-                <a:spLocks noRot="1" noChangeAspect="1" noMove="1" noResize="1" noEditPoints="1" noAdjustHandles="1" noChangeArrowheads="1" noChangeShapeType="1" noTextEdit="1"/>
-              </p:cNvSpPr>
-              <p:nvPr/>
-            </p:nvSpPr>
-            <p:spPr>
-              <a:xfrm>
-                <a:off x="6733309" y="4155562"/>
-                <a:ext cx="10613302" cy="876843"/>
-              </a:xfrm>
-              <a:prstGeom prst="rect">
-                <a:avLst/>
-              </a:prstGeom>
-              <a:blipFill>
-                <a:blip r:embed="rId4"/>
-                <a:stretch>
-                  <a:fillRect b="-1389"/>
-                </a:stretch>
-              </a:blipFill>
-            </p:spPr>
-            <p:txBody>
-              <a:bodyPr/>
-              <a:lstStyle/>
-              <a:p>
-                <a:r>
-                  <a:rPr lang="en-US">
-                    <a:noFill/>
-                  </a:rPr>
-                  <a:t> </a:t>
-                </a:r>
-              </a:p>
-            </p:txBody>
-          </p:sp>
-        </mc:Fallback>
-      </mc:AlternateContent>
-    </p:spTree>
-    <p:extLst>
-      <p:ext uri="{BB962C8B-B14F-4D97-AF65-F5344CB8AC3E}">
-        <p14:creationId xmlns:p14="http://schemas.microsoft.com/office/powerpoint/2010/main" val="3242068556"/>
-      </p:ext>
-    </p:extLst>
-  </p:cSld>
-  <p:clrMapOvr>
-    <a:masterClrMapping/>
-  </p:clrMapOvr>
-  <p:timing>
-    <p:tnLst>
-      <p:par>
-        <p:cTn id="1" dur="indefinite" restart="never" nodeType="tmRoot">
-          <p:childTnLst>
-            <p:seq concurrent="1" nextAc="seek">
-              <p:cTn id="2" dur="indefinite" nodeType="mainSeq">
-                <p:childTnLst>
-                  <p:par>
-                    <p:cTn id="3" fill="hold">
-                      <p:stCondLst>
-                        <p:cond delay="indefinite"/>
-                      </p:stCondLst>
-                      <p:childTnLst>
-                        <p:par>
-                          <p:cTn id="4" fill="hold">
-                            <p:stCondLst>
-                              <p:cond delay="0"/>
-                            </p:stCondLst>
-                            <p:childTnLst>
-                              <p:par>
-                                <p:cTn id="5" presetID="1" presetClass="entr" presetSubtype="0" fill="hold" grpId="0" nodeType="clickEffect">
-                                  <p:stCondLst>
-                                    <p:cond delay="0"/>
-                                  </p:stCondLst>
-                                  <p:childTnLst>
-                                    <p:set>
-                                      <p:cBhvr>
-                                        <p:cTn id="6" dur="1" fill="hold">
-                                          <p:stCondLst>
-                                            <p:cond delay="0"/>
-                                          </p:stCondLst>
-                                        </p:cTn>
-                                        <p:tgtEl>
-                                          <p:spTgt spid="5"/>
-                                        </p:tgtEl>
-                                        <p:attrNameLst>
-                                          <p:attrName>style.visibility</p:attrName>
-                                        </p:attrNameLst>
-                                      </p:cBhvr>
-                                      <p:to>
-                                        <p:strVal val="visible"/>
-                                      </p:to>
-                                    </p:set>
-                                  </p:childTnLst>
-                                </p:cTn>
-                              </p:par>
-                            </p:childTnLst>
-                          </p:cTn>
-                        </p:par>
-                      </p:childTnLst>
-                    </p:cTn>
-                  </p:par>
-                  <p:par>
-                    <p:cTn id="7" fill="hold">
-                      <p:stCondLst>
-                        <p:cond delay="indefinite"/>
-                      </p:stCondLst>
-                      <p:childTnLst>
-                        <p:par>
-                          <p:cTn id="8" fill="hold">
-                            <p:stCondLst>
-                              <p:cond delay="0"/>
-                            </p:stCondLst>
-                            <p:childTnLst>
-                              <p:par>
-                                <p:cTn id="9" presetID="1" presetClass="entr" presetSubtype="0" fill="hold" nodeType="clickEffect">
-                                  <p:stCondLst>
-                                    <p:cond delay="0"/>
-                                  </p:stCondLst>
-                                  <p:childTnLst>
-                                    <p:set>
-                                      <p:cBhvr>
-                                        <p:cTn id="10" dur="1" fill="hold">
-                                          <p:stCondLst>
-                                            <p:cond delay="0"/>
-                                          </p:stCondLst>
-                                        </p:cTn>
-                                        <p:tgtEl>
-                                          <p:spTgt spid="9">
-                                            <p:txEl>
-                                              <p:pRg st="11" end="11"/>
-                                            </p:txEl>
-                                          </p:spTgt>
-                                        </p:tgtEl>
-                                        <p:attrNameLst>
-                                          <p:attrName>style.visibility</p:attrName>
-                                        </p:attrNameLst>
-                                      </p:cBhvr>
-                                      <p:to>
-                                        <p:strVal val="visible"/>
-                                      </p:to>
-                                    </p:set>
-                                  </p:childTnLst>
-                                </p:cTn>
-                              </p:par>
-                              <p:par>
-                                <p:cTn id="11" presetID="1" presetClass="entr" presetSubtype="0" fill="hold" nodeType="withEffect">
-                                  <p:stCondLst>
-                                    <p:cond delay="0"/>
-                                  </p:stCondLst>
-                                  <p:childTnLst>
-                                    <p:set>
-                                      <p:cBhvr>
-                                        <p:cTn id="12" dur="1" fill="hold">
-                                          <p:stCondLst>
-                                            <p:cond delay="0"/>
-                                          </p:stCondLst>
-                                        </p:cTn>
-                                        <p:tgtEl>
-                                          <p:spTgt spid="9">
-                                            <p:txEl>
-                                              <p:pRg st="12" end="12"/>
-                                            </p:txEl>
-                                          </p:spTgt>
-                                        </p:tgtEl>
-                                        <p:attrNameLst>
-                                          <p:attrName>style.visibility</p:attrName>
-                                        </p:attrNameLst>
-                                      </p:cBhvr>
-                                      <p:to>
-                                        <p:strVal val="visible"/>
-                                      </p:to>
-                                    </p:set>
-                                  </p:childTnLst>
-                                </p:cTn>
-                              </p:par>
-                            </p:childTnLst>
-                          </p:cTn>
-                        </p:par>
-                      </p:childTnLst>
-                    </p:cTn>
-                  </p:par>
-                </p:childTnLst>
-              </p:cTn>
-              <p:prevCondLst>
-                <p:cond evt="onPrev" delay="0">
-                  <p:tgtEl>
-                    <p:sldTgt/>
-                  </p:tgtEl>
-                </p:cond>
-              </p:prevCondLst>
-              <p:nextCondLst>
-                <p:cond evt="onNext" delay="0">
-                  <p:tgtEl>
-                    <p:sldTgt/>
-                  </p:tgtEl>
-                </p:cond>
-              </p:nextCondLst>
-            </p:seq>
-          </p:childTnLst>
-        </p:cTn>
-      </p:par>
-    </p:tnLst>
-    <p:bldLst>
-      <p:bldP spid="5" grpId="0"/>
-    </p:bldLst>
-  </p:timing>
-</p:sld>
-</file>
-
-<file path=ppt/slides/slide11.xml><?xml version="1.0" encoding="utf-8"?>
-<p:sld xmlns:a="http://schemas.openxmlformats.org/drawingml/2006/main" xmlns:r="http://schemas.openxmlformats.org/officeDocument/2006/relationships" xmlns:p="http://schemas.openxmlformats.org/presentationml/2006/main">
-  <p:cSld>
-    <p:spTree>
-      <p:nvGrpSpPr>
-        <p:cNvPr id="1" name=""/>
-        <p:cNvGrpSpPr/>
-        <p:nvPr/>
-      </p:nvGrpSpPr>
-      <p:grpSpPr>
-        <a:xfrm>
-          <a:off x="0" y="0"/>
-          <a:ext cx="0" cy="0"/>
-          <a:chOff x="0" y="0"/>
-          <a:chExt cx="0" cy="0"/>
-        </a:xfrm>
-      </p:grpSpPr>
-      <p:sp>
-        <p:nvSpPr>
           <p:cNvPr id="13313" name="Titel 1"/>
           <p:cNvSpPr>
             <a:spLocks noGrp="1"/>
@@ -5118,7 +3554,7 @@
                 <a:ea typeface="Tahoma" panose="020B0604030504040204" pitchFamily="34" charset="0"/>
                 <a:cs typeface="Tahoma" panose="020B0604030504040204" pitchFamily="34" charset="0"/>
               </a:rPr>
-              <a:t>Problems with NHST solved?</a:t>
+              <a:t>Advantages of Bayes Factors</a:t>
             </a:r>
           </a:p>
         </p:txBody>
@@ -5161,15 +3597,21 @@
                 <a:ea typeface="Tahoma" panose="020B0604030504040204" pitchFamily="34" charset="0"/>
                 <a:cs typeface="Tahoma" panose="020B0604030504040204" pitchFamily="34" charset="0"/>
               </a:rPr>
-              <a:t>The selective conclusion problem: </a:t>
-            </a:r>
+              <a:t>Direct comparison of Hypotheses: </a:t>
+            </a:r>
+          </a:p>
+          <a:p>
+            <a:pPr lvl="1">
+              <a:buFont typeface="Wingdings" panose="05000000000000000000" pitchFamily="2" charset="2"/>
+              <a:buChar char="§"/>
+            </a:pPr>
             <a:r>
               <a:rPr lang="en-US" sz="3200" dirty="0">
                 <a:latin typeface="Tahoma" panose="020B0604030504040204" pitchFamily="34" charset="0"/>
                 <a:ea typeface="Tahoma" panose="020B0604030504040204" pitchFamily="34" charset="0"/>
                 <a:cs typeface="Tahoma" panose="020B0604030504040204" pitchFamily="34" charset="0"/>
               </a:rPr>
-              <a:t>We cannot find evidence for the null-hypothesis with p-values, people who want to draw conclusions are nudged towards p-hacking.</a:t>
+              <a:t>p-values are only quantifying how likely the data is under H0. If p &gt; .05 (or other alpha, it does not tell us anything).</a:t>
             </a:r>
             <a:endParaRPr lang="en-US" sz="3200" b="1" dirty="0">
               <a:latin typeface="Tahoma" panose="020B0604030504040204" pitchFamily="34" charset="0"/>
@@ -5180,50 +3622,16 @@
           <a:p>
             <a:pPr lvl="1">
               <a:buFont typeface="Wingdings" panose="05000000000000000000" pitchFamily="2" charset="2"/>
-              <a:buChar char="Ø"/>
+              <a:buChar char="§"/>
             </a:pPr>
             <a:r>
-              <a:rPr lang="en-US" sz="3200" b="1" dirty="0">
+              <a:rPr lang="en-US" sz="3200" dirty="0">
                 <a:latin typeface="Tahoma" panose="020B0604030504040204" pitchFamily="34" charset="0"/>
                 <a:ea typeface="Tahoma" panose="020B0604030504040204" pitchFamily="34" charset="0"/>
                 <a:cs typeface="Tahoma" panose="020B0604030504040204" pitchFamily="34" charset="0"/>
               </a:rPr>
-              <a:t>We need a method that that allows us to directly compare H0 and H1!</a:t>
-            </a:r>
-          </a:p>
-          <a:p>
-            <a:pPr lvl="1">
-              <a:buFont typeface="Wingdings" panose="05000000000000000000" pitchFamily="2" charset="2"/>
-              <a:buChar char="Ø"/>
-            </a:pPr>
-            <a:endParaRPr lang="en-US" sz="3200" b="1" dirty="0">
-              <a:latin typeface="Tahoma" panose="020B0604030504040204" pitchFamily="34" charset="0"/>
-              <a:ea typeface="Tahoma" panose="020B0604030504040204" pitchFamily="34" charset="0"/>
-              <a:cs typeface="Tahoma" panose="020B0604030504040204" pitchFamily="34" charset="0"/>
-            </a:endParaRPr>
-          </a:p>
-          <a:p>
-            <a:pPr lvl="1">
-              <a:buFont typeface="Wingdings" panose="05000000000000000000" pitchFamily="2" charset="2"/>
-              <a:buChar char="Ø"/>
-            </a:pPr>
-            <a:r>
-              <a:rPr lang="en-US" sz="3200" b="1" dirty="0">
-                <a:solidFill>
-                  <a:srgbClr val="00B050"/>
-                </a:solidFill>
-                <a:latin typeface="Tahoma" panose="020B0604030504040204" pitchFamily="34" charset="0"/>
-                <a:ea typeface="Tahoma" panose="020B0604030504040204" pitchFamily="34" charset="0"/>
-                <a:cs typeface="Tahoma" panose="020B0604030504040204" pitchFamily="34" charset="0"/>
-              </a:rPr>
-              <a:t>We directly compare evidence for the hypotheses:</a:t>
-            </a:r>
-          </a:p>
-          <a:p>
-            <a:pPr lvl="1">
-              <a:buFont typeface="Wingdings" panose="05000000000000000000" pitchFamily="2" charset="2"/>
-              <a:buChar char="Ø"/>
-            </a:pPr>
+              <a:t>Bayes Factors allow us to directly compare competing Hypotheses.</a:t>
+            </a:r>
             <a:endParaRPr lang="en-US" sz="3200" b="1" dirty="0">
               <a:latin typeface="Tahoma" panose="020B0604030504040204" pitchFamily="34" charset="0"/>
               <a:ea typeface="Tahoma" panose="020B0604030504040204" pitchFamily="34" charset="0"/>
@@ -5297,8 +3705,8 @@
             </p:nvSpPr>
             <p:spPr>
               <a:xfrm>
-                <a:off x="2750079" y="5350230"/>
-                <a:ext cx="11808369" cy="974819"/>
+                <a:off x="2465343" y="5154830"/>
+                <a:ext cx="11412187" cy="974819"/>
               </a:xfrm>
               <a:prstGeom prst="rect">
                 <a:avLst/>
@@ -5326,9 +3734,9 @@
                     <m:f>
                       <m:fPr>
                         <m:ctrlPr>
-                          <a:rPr lang="de-DE" sz="3600" i="1">
+                          <a:rPr lang="de-DE" sz="3600" i="1" smtClean="0">
                             <a:solidFill>
-                              <a:srgbClr val="00B050"/>
+                              <a:schemeClr val="tx1"/>
                             </a:solidFill>
                             <a:latin typeface="Cambria Math" panose="02040503050406030204" pitchFamily="18" charset="0"/>
                             <a:ea typeface="Cambria Math" panose="02040503050406030204" pitchFamily="18" charset="0"/>
@@ -5341,7 +3749,7 @@
                         <m:r>
                           <a:rPr lang="de-DE" sz="3600" i="1">
                             <a:solidFill>
-                              <a:srgbClr val="00B050"/>
+                              <a:schemeClr val="tx1"/>
                             </a:solidFill>
                             <a:latin typeface="Cambria Math" panose="02040503050406030204" pitchFamily="18" charset="0"/>
                             <a:ea typeface="Cambria Math" panose="02040503050406030204" pitchFamily="18" charset="0"/>
@@ -5353,7 +3761,7 @@
                         <m:r>
                           <a:rPr lang="de-DE" sz="3600" i="1">
                             <a:solidFill>
-                              <a:srgbClr val="00B050"/>
+                              <a:schemeClr val="tx1"/>
                             </a:solidFill>
                             <a:latin typeface="Cambria Math" panose="02040503050406030204" pitchFamily="18" charset="0"/>
                             <a:ea typeface="Cambria Math" panose="02040503050406030204" pitchFamily="18" charset="0"/>
@@ -5365,7 +3773,7 @@
                         <m:r>
                           <a:rPr lang="de-DE" sz="3600" i="1">
                             <a:solidFill>
-                              <a:srgbClr val="00B050"/>
+                              <a:schemeClr val="tx1"/>
                             </a:solidFill>
                             <a:latin typeface="Cambria Math" panose="02040503050406030204" pitchFamily="18" charset="0"/>
                             <a:ea typeface="Cambria Math" panose="02040503050406030204" pitchFamily="18" charset="0"/>
@@ -5377,7 +3785,7 @@
                         <m:r>
                           <a:rPr lang="de-DE" sz="3600" i="1">
                             <a:solidFill>
-                              <a:srgbClr val="00B050"/>
+                              <a:schemeClr val="tx1"/>
                             </a:solidFill>
                             <a:latin typeface="Cambria Math" panose="02040503050406030204" pitchFamily="18" charset="0"/>
                             <a:ea typeface="Cambria Math" panose="02040503050406030204" pitchFamily="18" charset="0"/>
@@ -5391,7 +3799,7 @@
                             <m:ctrlPr>
                               <a:rPr lang="en-US" sz="3600" i="1" dirty="0">
                                 <a:solidFill>
-                                  <a:srgbClr val="00B050"/>
+                                  <a:schemeClr val="tx1"/>
                                 </a:solidFill>
                                 <a:latin typeface="Cambria Math" panose="02040503050406030204" pitchFamily="18" charset="0"/>
                                 <a:ea typeface="Cambria Math" panose="02040503050406030204" pitchFamily="18" charset="0"/>
@@ -5403,7 +3811,7 @@
                             <m:r>
                               <a:rPr lang="en-US" sz="3600" i="1" dirty="0">
                                 <a:solidFill>
-                                  <a:srgbClr val="00B050"/>
+                                  <a:schemeClr val="tx1"/>
                                 </a:solidFill>
                                 <a:latin typeface="Cambria Math" panose="02040503050406030204" pitchFamily="18" charset="0"/>
                                 <a:ea typeface="Cambria Math" panose="02040503050406030204" pitchFamily="18" charset="0"/>
@@ -5416,7 +3824,7 @@
                             <m:r>
                               <a:rPr lang="en-US" sz="3600" dirty="0">
                                 <a:solidFill>
-                                  <a:srgbClr val="00B050"/>
+                                  <a:schemeClr val="tx1"/>
                                 </a:solidFill>
                                 <a:latin typeface="Cambria Math" panose="02040503050406030204" pitchFamily="18" charset="0"/>
                                 <a:ea typeface="Cambria Math" panose="02040503050406030204" pitchFamily="18" charset="0"/>
@@ -5429,7 +3837,7 @@
                         <m:r>
                           <a:rPr lang="de-DE" sz="3600" i="1" dirty="0">
                             <a:solidFill>
-                              <a:srgbClr val="00B050"/>
+                              <a:schemeClr val="tx1"/>
                             </a:solidFill>
                             <a:latin typeface="Cambria Math" panose="02040503050406030204" pitchFamily="18" charset="0"/>
                             <a:ea typeface="Cambria Math" panose="02040503050406030204" pitchFamily="18" charset="0"/>
@@ -5443,7 +3851,7 @@
                           </m:rPr>
                           <a:rPr lang="en-US" sz="3600" dirty="0">
                             <a:solidFill>
-                              <a:srgbClr val="00B050"/>
+                              <a:schemeClr val="tx1"/>
                             </a:solidFill>
                             <a:latin typeface="Cambria Math" panose="02040503050406030204" pitchFamily="18" charset="0"/>
                             <a:ea typeface="Cambria Math" panose="02040503050406030204" pitchFamily="18" charset="0"/>
@@ -5457,7 +3865,7 @@
                         <m:r>
                           <a:rPr lang="de-DE" sz="3600" i="1">
                             <a:solidFill>
-                              <a:srgbClr val="00B050"/>
+                              <a:schemeClr val="tx1"/>
                             </a:solidFill>
                             <a:latin typeface="Cambria Math" panose="02040503050406030204" pitchFamily="18" charset="0"/>
                             <a:ea typeface="Cambria Math" panose="02040503050406030204" pitchFamily="18" charset="0"/>
@@ -5469,7 +3877,7 @@
                         <m:r>
                           <a:rPr lang="de-DE" sz="3600" i="1">
                             <a:solidFill>
-                              <a:srgbClr val="00B050"/>
+                              <a:schemeClr val="tx1"/>
                             </a:solidFill>
                             <a:latin typeface="Cambria Math" panose="02040503050406030204" pitchFamily="18" charset="0"/>
                             <a:ea typeface="Cambria Math" panose="02040503050406030204" pitchFamily="18" charset="0"/>
@@ -5481,7 +3889,7 @@
                         <m:r>
                           <a:rPr lang="de-DE" sz="3600" i="1">
                             <a:solidFill>
-                              <a:srgbClr val="00B050"/>
+                              <a:schemeClr val="tx1"/>
                             </a:solidFill>
                             <a:latin typeface="Cambria Math" panose="02040503050406030204" pitchFamily="18" charset="0"/>
                             <a:ea typeface="Cambria Math" panose="02040503050406030204" pitchFamily="18" charset="0"/>
@@ -5493,7 +3901,7 @@
                         <m:r>
                           <a:rPr lang="de-DE" sz="3600" i="1">
                             <a:solidFill>
-                              <a:srgbClr val="00B050"/>
+                              <a:schemeClr val="tx1"/>
                             </a:solidFill>
                             <a:latin typeface="Cambria Math" panose="02040503050406030204" pitchFamily="18" charset="0"/>
                             <a:ea typeface="Cambria Math" panose="02040503050406030204" pitchFamily="18" charset="0"/>
@@ -5507,7 +3915,7 @@
                             <m:ctrlPr>
                               <a:rPr lang="en-US" sz="3600" i="1" dirty="0">
                                 <a:solidFill>
-                                  <a:srgbClr val="00B050"/>
+                                  <a:schemeClr val="tx1"/>
                                 </a:solidFill>
                                 <a:latin typeface="Cambria Math" panose="02040503050406030204" pitchFamily="18" charset="0"/>
                                 <a:ea typeface="Cambria Math" panose="02040503050406030204" pitchFamily="18" charset="0"/>
@@ -5519,7 +3927,7 @@
                             <m:r>
                               <a:rPr lang="en-US" sz="3600" i="1" dirty="0">
                                 <a:solidFill>
-                                  <a:srgbClr val="00B050"/>
+                                  <a:schemeClr val="tx1"/>
                                 </a:solidFill>
                                 <a:latin typeface="Cambria Math" panose="02040503050406030204" pitchFamily="18" charset="0"/>
                                 <a:ea typeface="Cambria Math" panose="02040503050406030204" pitchFamily="18" charset="0"/>
@@ -5532,7 +3940,7 @@
                             <m:r>
                               <a:rPr lang="de-DE" sz="3600" dirty="0">
                                 <a:solidFill>
-                                  <a:srgbClr val="00B050"/>
+                                  <a:schemeClr val="tx1"/>
                                 </a:solidFill>
                                 <a:latin typeface="Cambria Math" panose="02040503050406030204" pitchFamily="18" charset="0"/>
                                 <a:ea typeface="Cambria Math" panose="02040503050406030204" pitchFamily="18" charset="0"/>
@@ -5545,7 +3953,7 @@
                         <m:r>
                           <a:rPr lang="de-DE" sz="3600" i="1" dirty="0">
                             <a:solidFill>
-                              <a:srgbClr val="00B050"/>
+                              <a:schemeClr val="tx1"/>
                             </a:solidFill>
                             <a:latin typeface="Cambria Math" panose="02040503050406030204" pitchFamily="18" charset="0"/>
                             <a:ea typeface="Cambria Math" panose="02040503050406030204" pitchFamily="18" charset="0"/>
@@ -5559,7 +3967,7 @@
                           </m:rPr>
                           <a:rPr lang="en-US" sz="3600" dirty="0">
                             <a:solidFill>
-                              <a:srgbClr val="00B050"/>
+                              <a:schemeClr val="tx1"/>
                             </a:solidFill>
                             <a:latin typeface="Cambria Math" panose="02040503050406030204" pitchFamily="18" charset="0"/>
                             <a:ea typeface="Cambria Math" panose="02040503050406030204" pitchFamily="18" charset="0"/>
@@ -5575,7 +3983,7 @@
                 <a:r>
                   <a:rPr lang="en-US" sz="3600" dirty="0">
                     <a:solidFill>
-                      <a:srgbClr val="00B050"/>
+                      <a:schemeClr val="tx1"/>
                     </a:solidFill>
                     <a:latin typeface="Cambria Math" panose="02040503050406030204" pitchFamily="18" charset="0"/>
                     <a:ea typeface="Cambria Math" panose="02040503050406030204" pitchFamily="18" charset="0"/>
@@ -5591,7 +3999,7 @@
                         <m:ctrlPr>
                           <a:rPr lang="de-DE" sz="3600" i="1">
                             <a:solidFill>
-                              <a:srgbClr val="00B050"/>
+                              <a:schemeClr val="tx1"/>
                             </a:solidFill>
                             <a:latin typeface="Cambria Math" panose="02040503050406030204" pitchFamily="18" charset="0"/>
                             <a:ea typeface="Cambria Math" panose="02040503050406030204" pitchFamily="18" charset="0"/>
@@ -5604,7 +4012,7 @@
                         <m:r>
                           <a:rPr lang="de-DE" sz="3600" i="1">
                             <a:solidFill>
-                              <a:srgbClr val="00B050"/>
+                              <a:schemeClr val="tx1"/>
                             </a:solidFill>
                             <a:latin typeface="Cambria Math" panose="02040503050406030204" pitchFamily="18" charset="0"/>
                             <a:ea typeface="Cambria Math" panose="02040503050406030204" pitchFamily="18" charset="0"/>
@@ -5616,7 +4024,7 @@
                         <m:r>
                           <a:rPr lang="de-DE" sz="3600" i="1">
                             <a:solidFill>
-                              <a:srgbClr val="00B050"/>
+                              <a:schemeClr val="tx1"/>
                             </a:solidFill>
                             <a:latin typeface="Cambria Math" panose="02040503050406030204" pitchFamily="18" charset="0"/>
                             <a:ea typeface="Cambria Math" panose="02040503050406030204" pitchFamily="18" charset="0"/>
@@ -5626,9 +4034,9 @@
                           <m:t>(60 </m:t>
                         </m:r>
                         <m:r>
-                          <a:rPr lang="de-DE" sz="3600" i="1">
+                          <a:rPr lang="de-DE" sz="3600" i="1" smtClean="0">
                             <a:solidFill>
-                              <a:srgbClr val="00B050"/>
+                              <a:srgbClr val="FFC000"/>
                             </a:solidFill>
                             <a:latin typeface="Cambria Math" panose="02040503050406030204" pitchFamily="18" charset="0"/>
                             <a:ea typeface="Cambria Math" panose="02040503050406030204" pitchFamily="18" charset="0"/>
@@ -5640,7 +4048,7 @@
                         <m:r>
                           <a:rPr lang="de-DE" sz="3600" i="1">
                             <a:solidFill>
-                              <a:srgbClr val="00B050"/>
+                              <a:schemeClr val="tx1"/>
                             </a:solidFill>
                             <a:latin typeface="Cambria Math" panose="02040503050406030204" pitchFamily="18" charset="0"/>
                             <a:ea typeface="Cambria Math" panose="02040503050406030204" pitchFamily="18" charset="0"/>
@@ -5652,7 +4060,7 @@
                         <m:r>
                           <a:rPr lang="de-DE" sz="3600" i="1">
                             <a:solidFill>
-                              <a:srgbClr val="00B050"/>
+                              <a:schemeClr val="tx1"/>
                             </a:solidFill>
                             <a:latin typeface="Cambria Math" panose="02040503050406030204" pitchFamily="18" charset="0"/>
                             <a:ea typeface="Cambria Math" panose="02040503050406030204" pitchFamily="18" charset="0"/>
@@ -5664,7 +4072,7 @@
                         <m:r>
                           <a:rPr lang="de-DE" sz="3600" i="1">
                             <a:solidFill>
-                              <a:srgbClr val="00B050"/>
+                              <a:schemeClr val="tx1"/>
                             </a:solidFill>
                             <a:latin typeface="Cambria Math" panose="02040503050406030204" pitchFamily="18" charset="0"/>
                             <a:ea typeface="Cambria Math" panose="02040503050406030204" pitchFamily="18" charset="0"/>
@@ -5676,7 +4084,7 @@
                         <m:r>
                           <a:rPr lang="de-DE" sz="3600" i="1">
                             <a:solidFill>
-                              <a:srgbClr val="00B050"/>
+                              <a:schemeClr val="tx1"/>
                             </a:solidFill>
                             <a:latin typeface="Cambria Math" panose="02040503050406030204" pitchFamily="18" charset="0"/>
                             <a:ea typeface="Cambria Math" panose="02040503050406030204" pitchFamily="18" charset="0"/>
@@ -5688,7 +4096,7 @@
                         <m:r>
                           <a:rPr lang="de-DE" sz="3600" i="1">
                             <a:solidFill>
-                              <a:srgbClr val="00B050"/>
+                              <a:schemeClr val="tx1"/>
                             </a:solidFill>
                             <a:latin typeface="Cambria Math" panose="02040503050406030204" pitchFamily="18" charset="0"/>
                             <a:ea typeface="Cambria Math" panose="02040503050406030204" pitchFamily="18" charset="0"/>
@@ -5703,7 +4111,7 @@
                           </m:rPr>
                           <a:rPr lang="en-US" sz="3600" dirty="0">
                             <a:solidFill>
-                              <a:srgbClr val="00B050"/>
+                              <a:schemeClr val="tx1"/>
                             </a:solidFill>
                             <a:latin typeface="Cambria Math" panose="02040503050406030204" pitchFamily="18" charset="0"/>
                             <a:ea typeface="Cambria Math" panose="02040503050406030204" pitchFamily="18" charset="0"/>
@@ -5717,7 +4125,7 @@
                         <m:r>
                           <a:rPr lang="de-DE" sz="3600" i="1">
                             <a:solidFill>
-                              <a:srgbClr val="00B050"/>
+                              <a:schemeClr val="tx1"/>
                             </a:solidFill>
                             <a:latin typeface="Cambria Math" panose="02040503050406030204" pitchFamily="18" charset="0"/>
                             <a:ea typeface="Cambria Math" panose="02040503050406030204" pitchFamily="18" charset="0"/>
@@ -5729,7 +4137,7 @@
                         <m:r>
                           <a:rPr lang="de-DE" sz="3600" i="1">
                             <a:solidFill>
-                              <a:srgbClr val="00B050"/>
+                              <a:schemeClr val="tx1"/>
                             </a:solidFill>
                             <a:latin typeface="Cambria Math" panose="02040503050406030204" pitchFamily="18" charset="0"/>
                             <a:ea typeface="Cambria Math" panose="02040503050406030204" pitchFamily="18" charset="0"/>
@@ -5739,9 +4147,9 @@
                           <m:t>(60 </m:t>
                         </m:r>
                         <m:r>
-                          <a:rPr lang="de-DE" sz="3600" i="1">
+                          <a:rPr lang="de-DE" sz="3600" i="1" smtClean="0">
                             <a:solidFill>
-                              <a:srgbClr val="00B050"/>
+                              <a:srgbClr val="FFC000"/>
                             </a:solidFill>
                             <a:latin typeface="Cambria Math" panose="02040503050406030204" pitchFamily="18" charset="0"/>
                             <a:ea typeface="Cambria Math" panose="02040503050406030204" pitchFamily="18" charset="0"/>
@@ -5753,7 +4161,7 @@
                         <m:r>
                           <a:rPr lang="de-DE" sz="3600" i="1">
                             <a:solidFill>
-                              <a:srgbClr val="00B050"/>
+                              <a:schemeClr val="tx1"/>
                             </a:solidFill>
                             <a:latin typeface="Cambria Math" panose="02040503050406030204" pitchFamily="18" charset="0"/>
                             <a:ea typeface="Cambria Math" panose="02040503050406030204" pitchFamily="18" charset="0"/>
@@ -5765,7 +4173,7 @@
                         <m:r>
                           <a:rPr lang="de-DE" sz="3600" i="1">
                             <a:solidFill>
-                              <a:srgbClr val="00B050"/>
+                              <a:schemeClr val="tx1"/>
                             </a:solidFill>
                             <a:latin typeface="Cambria Math" panose="02040503050406030204" pitchFamily="18" charset="0"/>
                             <a:ea typeface="Cambria Math" panose="02040503050406030204" pitchFamily="18" charset="0"/>
@@ -5777,7 +4185,7 @@
                         <m:r>
                           <a:rPr lang="de-DE" sz="3600" i="1">
                             <a:solidFill>
-                              <a:srgbClr val="00B050"/>
+                              <a:schemeClr val="tx1"/>
                             </a:solidFill>
                             <a:latin typeface="Cambria Math" panose="02040503050406030204" pitchFamily="18" charset="0"/>
                             <a:ea typeface="Cambria Math" panose="02040503050406030204" pitchFamily="18" charset="0"/>
@@ -5789,7 +4197,7 @@
                         <m:r>
                           <a:rPr lang="de-DE" sz="3600" i="1">
                             <a:solidFill>
-                              <a:srgbClr val="00B050"/>
+                              <a:schemeClr val="tx1"/>
                             </a:solidFill>
                             <a:latin typeface="Cambria Math" panose="02040503050406030204" pitchFamily="18" charset="0"/>
                             <a:ea typeface="Cambria Math" panose="02040503050406030204" pitchFamily="18" charset="0"/>
@@ -5801,7 +4209,7 @@
                         <m:r>
                           <a:rPr lang="de-DE" sz="3600" i="1">
                             <a:solidFill>
-                              <a:srgbClr val="00B050"/>
+                              <a:schemeClr val="tx1"/>
                             </a:solidFill>
                             <a:latin typeface="Cambria Math" panose="02040503050406030204" pitchFamily="18" charset="0"/>
                             <a:ea typeface="Cambria Math" panose="02040503050406030204" pitchFamily="18" charset="0"/>
@@ -5813,7 +4221,7 @@
                         <m:r>
                           <a:rPr lang="de-DE" sz="3600" i="1">
                             <a:solidFill>
-                              <a:srgbClr val="00B050"/>
+                              <a:schemeClr val="tx1"/>
                             </a:solidFill>
                             <a:latin typeface="Cambria Math" panose="02040503050406030204" pitchFamily="18" charset="0"/>
                             <a:ea typeface="Cambria Math" panose="02040503050406030204" pitchFamily="18" charset="0"/>
@@ -5829,7 +4237,7 @@
                             <m:ctrlPr>
                               <a:rPr lang="de-DE" sz="3600" i="1">
                                 <a:solidFill>
-                                  <a:srgbClr val="00B050"/>
+                                  <a:schemeClr val="tx1"/>
                                 </a:solidFill>
                                 <a:latin typeface="Cambria Math" panose="02040503050406030204" pitchFamily="18" charset="0"/>
                                 <a:ea typeface="Cambria Math" panose="02040503050406030204" pitchFamily="18" charset="0"/>
@@ -5842,7 +4250,7 @@
                             <m:r>
                               <a:rPr lang="de-DE" sz="3600" i="1">
                                 <a:solidFill>
-                                  <a:srgbClr val="00B050"/>
+                                  <a:schemeClr val="tx1"/>
                                 </a:solidFill>
                                 <a:latin typeface="Cambria Math" panose="02040503050406030204" pitchFamily="18" charset="0"/>
                                 <a:ea typeface="Cambria Math" panose="02040503050406030204" pitchFamily="18" charset="0"/>
@@ -5856,7 +4264,7 @@
                         <m:r>
                           <a:rPr lang="de-DE" sz="3600" i="1">
                             <a:solidFill>
-                              <a:srgbClr val="00B050"/>
+                              <a:schemeClr val="tx1"/>
                             </a:solidFill>
                             <a:latin typeface="Cambria Math" panose="02040503050406030204" pitchFamily="18" charset="0"/>
                             <a:ea typeface="Cambria Math" panose="02040503050406030204" pitchFamily="18" charset="0"/>
@@ -5871,7 +4279,7 @@
                           </m:rPr>
                           <a:rPr lang="en-US" sz="3600" dirty="0">
                             <a:solidFill>
-                              <a:srgbClr val="00B050"/>
+                              <a:schemeClr val="tx1"/>
                             </a:solidFill>
                             <a:latin typeface="Cambria Math" panose="02040503050406030204" pitchFamily="18" charset="0"/>
                             <a:ea typeface="Cambria Math" panose="02040503050406030204" pitchFamily="18" charset="0"/>
@@ -5885,9 +4293,9 @@
                   </m:oMath>
                 </a14:m>
                 <a:r>
-                  <a:rPr lang="en-US" sz="3200" dirty="0">
+                  <a:rPr lang="en-US" sz="3600" dirty="0">
                     <a:solidFill>
-                      <a:srgbClr val="00B050"/>
+                      <a:schemeClr val="tx1"/>
                     </a:solidFill>
                     <a:latin typeface="Cambria Math" panose="02040503050406030204" pitchFamily="18" charset="0"/>
                     <a:ea typeface="Cambria Math" panose="02040503050406030204" pitchFamily="18" charset="0"/>
@@ -5901,9 +4309,9 @@
                     <m:f>
                       <m:fPr>
                         <m:ctrlPr>
-                          <a:rPr lang="de-DE" sz="3200" i="1">
+                          <a:rPr lang="de-DE" sz="3600" i="1">
                             <a:solidFill>
-                              <a:srgbClr val="00B050"/>
+                              <a:schemeClr val="tx1"/>
                             </a:solidFill>
                             <a:latin typeface="Cambria Math" panose="02040503050406030204" pitchFamily="18" charset="0"/>
                             <a:ea typeface="Cambria Math" panose="02040503050406030204" pitchFamily="18" charset="0"/>
@@ -5914,9 +4322,9 @@
                       </m:fPr>
                       <m:num>
                         <m:r>
-                          <a:rPr lang="de-DE" sz="3200" i="1">
+                          <a:rPr lang="de-DE" sz="3600" i="1">
                             <a:solidFill>
-                              <a:srgbClr val="00B050"/>
+                              <a:schemeClr val="tx1"/>
                             </a:solidFill>
                             <a:latin typeface="Cambria Math" panose="02040503050406030204" pitchFamily="18" charset="0"/>
                             <a:ea typeface="Cambria Math" panose="02040503050406030204" pitchFamily="18" charset="0"/>
@@ -5928,9 +4336,9 @@
                       </m:num>
                       <m:den>
                         <m:r>
-                          <a:rPr lang="de-DE" sz="3200" i="1" dirty="0">
+                          <a:rPr lang="de-DE" sz="3600" i="1" dirty="0">
                             <a:solidFill>
-                              <a:srgbClr val="00B050"/>
+                              <a:schemeClr val="tx1"/>
                             </a:solidFill>
                             <a:latin typeface="Cambria Math" panose="02040503050406030204" pitchFamily="18" charset="0"/>
                             <a:ea typeface="Cambria Math" panose="02040503050406030204" pitchFamily="18" charset="0"/>
@@ -5946,7 +4354,7 @@
                 <a:r>
                   <a:rPr lang="en-US" sz="3600" dirty="0">
                     <a:solidFill>
-                      <a:srgbClr val="00B050"/>
+                      <a:schemeClr val="tx1"/>
                     </a:solidFill>
                     <a:latin typeface="Cambria Math" panose="02040503050406030204" pitchFamily="18" charset="0"/>
                     <a:ea typeface="Cambria Math" panose="02040503050406030204" pitchFamily="18" charset="0"/>
@@ -5955,7 +4363,7 @@
                   </a:rPr>
                   <a:t> = 1.1</a:t>
                 </a:r>
-                <a:endParaRPr lang="en-US" sz="3200" dirty="0">
+                <a:endParaRPr lang="en-US" sz="3600" dirty="0">
                   <a:solidFill>
                     <a:srgbClr val="00B050"/>
                   </a:solidFill>
@@ -5983,8 +4391,8 @@
             </p:nvSpPr>
             <p:spPr>
               <a:xfrm>
-                <a:off x="2750079" y="5350230"/>
-                <a:ext cx="11808369" cy="974819"/>
+                <a:off x="2465343" y="5154830"/>
+                <a:ext cx="11412187" cy="974819"/>
               </a:xfrm>
               <a:prstGeom prst="rect">
                 <a:avLst/>
@@ -5992,7 +4400,1351 @@
               <a:blipFill>
                 <a:blip r:embed="rId2"/>
                 <a:stretch>
+                  <a:fillRect r="-908" b="-2500"/>
+                </a:stretch>
+              </a:blipFill>
+            </p:spPr>
+            <p:txBody>
+              <a:bodyPr/>
+              <a:lstStyle/>
+              <a:p>
+                <a:r>
+                  <a:rPr lang="en-US">
+                    <a:noFill/>
+                  </a:rPr>
+                  <a:t> </a:t>
+                </a:r>
+              </a:p>
+            </p:txBody>
+          </p:sp>
+        </mc:Fallback>
+      </mc:AlternateContent>
+      <mc:AlternateContent xmlns:mc="http://schemas.openxmlformats.org/markup-compatibility/2006">
+        <mc:Choice xmlns:a14="http://schemas.microsoft.com/office/drawing/2010/main" Requires="a14">
+          <p:sp>
+            <p:nvSpPr>
+              <p:cNvPr id="2" name="Rectangle 1">
+                <a:extLst>
+                  <a:ext uri="{FF2B5EF4-FFF2-40B4-BE49-F238E27FC236}">
+                    <a16:creationId xmlns:a16="http://schemas.microsoft.com/office/drawing/2014/main" id="{DAF4E9DF-0A43-4242-AFFE-C5C28A6419E5}"/>
+                  </a:ext>
+                </a:extLst>
+              </p:cNvPr>
+              <p:cNvSpPr/>
+              <p:nvPr/>
+            </p:nvSpPr>
+            <p:spPr>
+              <a:xfrm>
+                <a:off x="1948033" y="3673654"/>
+                <a:ext cx="13342179" cy="974819"/>
+              </a:xfrm>
+              <a:prstGeom prst="rect">
+                <a:avLst/>
+              </a:prstGeom>
+            </p:spPr>
+            <p:txBody>
+              <a:bodyPr wrap="none">
+                <a:spAutoFit/>
+              </a:bodyPr>
+              <a:lstStyle/>
+              <a:p>
+                <a14:m>
+                  <m:oMath xmlns:m="http://schemas.openxmlformats.org/officeDocument/2006/math">
+                    <m:f>
+                      <m:fPr>
+                        <m:ctrlPr>
+                          <a:rPr lang="de-DE" sz="3600" i="1" smtClean="0">
+                            <a:latin typeface="Cambria Math" panose="02040503050406030204" pitchFamily="18" charset="0"/>
+                            <a:ea typeface="Cambria Math" panose="02040503050406030204" pitchFamily="18" charset="0"/>
+                            <a:cs typeface="Tahoma" panose="020B0604030504040204" pitchFamily="34" charset="0"/>
+                            <a:sym typeface="Wingdings" panose="05000000000000000000" pitchFamily="2" charset="2"/>
+                          </a:rPr>
+                        </m:ctrlPr>
+                      </m:fPr>
+                      <m:num>
+                        <m:r>
+                          <a:rPr lang="de-DE" sz="3600" i="1">
+                            <a:latin typeface="Cambria Math" panose="02040503050406030204" pitchFamily="18" charset="0"/>
+                            <a:ea typeface="Cambria Math" panose="02040503050406030204" pitchFamily="18" charset="0"/>
+                            <a:cs typeface="Tahoma" panose="020B0604030504040204" pitchFamily="34" charset="0"/>
+                            <a:sym typeface="Wingdings" panose="05000000000000000000" pitchFamily="2" charset="2"/>
+                          </a:rPr>
+                          <m:t>𝑃</m:t>
+                        </m:r>
+                        <m:r>
+                          <a:rPr lang="de-DE" sz="3600" i="1">
+                            <a:latin typeface="Cambria Math" panose="02040503050406030204" pitchFamily="18" charset="0"/>
+                            <a:ea typeface="Cambria Math" panose="02040503050406030204" pitchFamily="18" charset="0"/>
+                            <a:cs typeface="Tahoma" panose="020B0604030504040204" pitchFamily="34" charset="0"/>
+                            <a:sym typeface="Wingdings" panose="05000000000000000000" pitchFamily="2" charset="2"/>
+                          </a:rPr>
+                          <m:t>(</m:t>
+                        </m:r>
+                        <m:r>
+                          <a:rPr lang="de-DE" sz="3600" i="1">
+                            <a:latin typeface="Cambria Math" panose="02040503050406030204" pitchFamily="18" charset="0"/>
+                            <a:ea typeface="Cambria Math" panose="02040503050406030204" pitchFamily="18" charset="0"/>
+                            <a:cs typeface="Tahoma" panose="020B0604030504040204" pitchFamily="34" charset="0"/>
+                            <a:sym typeface="Wingdings" panose="05000000000000000000" pitchFamily="2" charset="2"/>
+                          </a:rPr>
+                          <m:t>𝐷</m:t>
+                        </m:r>
+                        <m:r>
+                          <a:rPr lang="de-DE" sz="3600" i="1">
+                            <a:latin typeface="Cambria Math" panose="02040503050406030204" pitchFamily="18" charset="0"/>
+                            <a:ea typeface="Cambria Math" panose="02040503050406030204" pitchFamily="18" charset="0"/>
+                            <a:cs typeface="Tahoma" panose="020B0604030504040204" pitchFamily="34" charset="0"/>
+                            <a:sym typeface="Wingdings" panose="05000000000000000000" pitchFamily="2" charset="2"/>
+                          </a:rPr>
+                          <m:t>|</m:t>
+                        </m:r>
+                        <m:sSub>
+                          <m:sSubPr>
+                            <m:ctrlPr>
+                              <a:rPr lang="en-US" sz="3600" i="1" dirty="0">
+                                <a:latin typeface="Cambria Math" panose="02040503050406030204" pitchFamily="18" charset="0"/>
+                                <a:ea typeface="Cambria Math" panose="02040503050406030204" pitchFamily="18" charset="0"/>
+                                <a:sym typeface="Wingdings" panose="05000000000000000000" pitchFamily="2" charset="2"/>
+                              </a:rPr>
+                            </m:ctrlPr>
+                          </m:sSubPr>
+                          <m:e>
+                            <m:r>
+                              <a:rPr lang="en-US" sz="3600" i="1" dirty="0">
+                                <a:latin typeface="Cambria Math" panose="02040503050406030204" pitchFamily="18" charset="0"/>
+                                <a:ea typeface="Cambria Math" panose="02040503050406030204" pitchFamily="18" charset="0"/>
+                                <a:sym typeface="Wingdings" panose="05000000000000000000" pitchFamily="2" charset="2"/>
+                              </a:rPr>
+                              <m:t>𝐻</m:t>
+                            </m:r>
+                          </m:e>
+                          <m:sub>
+                            <m:r>
+                              <a:rPr lang="en-US" sz="3600" dirty="0">
+                                <a:latin typeface="Cambria Math" panose="02040503050406030204" pitchFamily="18" charset="0"/>
+                                <a:ea typeface="Cambria Math" panose="02040503050406030204" pitchFamily="18" charset="0"/>
+                                <a:sym typeface="Wingdings" panose="05000000000000000000" pitchFamily="2" charset="2"/>
+                              </a:rPr>
+                              <m:t>0</m:t>
+                            </m:r>
+                          </m:sub>
+                        </m:sSub>
+                        <m:r>
+                          <a:rPr lang="de-DE" sz="3600" i="1" dirty="0">
+                            <a:latin typeface="Cambria Math" panose="02040503050406030204" pitchFamily="18" charset="0"/>
+                            <a:ea typeface="Cambria Math" panose="02040503050406030204" pitchFamily="18" charset="0"/>
+                            <a:sym typeface="Wingdings" panose="05000000000000000000" pitchFamily="2" charset="2"/>
+                          </a:rPr>
+                          <m:t>)</m:t>
+                        </m:r>
+                        <m:r>
+                          <m:rPr>
+                            <m:nor/>
+                          </m:rPr>
+                          <a:rPr lang="en-US" sz="3600" dirty="0">
+                            <a:latin typeface="Cambria Math" panose="02040503050406030204" pitchFamily="18" charset="0"/>
+                            <a:ea typeface="Cambria Math" panose="02040503050406030204" pitchFamily="18" charset="0"/>
+                            <a:cs typeface="Tahoma" panose="020B0604030504040204" pitchFamily="34" charset="0"/>
+                            <a:sym typeface="Wingdings" panose="05000000000000000000" pitchFamily="2" charset="2"/>
+                          </a:rPr>
+                          <m:t> </m:t>
+                        </m:r>
+                      </m:num>
+                      <m:den>
+                        <m:r>
+                          <a:rPr lang="de-DE" sz="3600" i="1">
+                            <a:latin typeface="Cambria Math" panose="02040503050406030204" pitchFamily="18" charset="0"/>
+                            <a:ea typeface="Cambria Math" panose="02040503050406030204" pitchFamily="18" charset="0"/>
+                            <a:cs typeface="Tahoma" panose="020B0604030504040204" pitchFamily="34" charset="0"/>
+                            <a:sym typeface="Wingdings" panose="05000000000000000000" pitchFamily="2" charset="2"/>
+                          </a:rPr>
+                          <m:t>𝑃</m:t>
+                        </m:r>
+                        <m:r>
+                          <a:rPr lang="de-DE" sz="3600" i="1">
+                            <a:latin typeface="Cambria Math" panose="02040503050406030204" pitchFamily="18" charset="0"/>
+                            <a:ea typeface="Cambria Math" panose="02040503050406030204" pitchFamily="18" charset="0"/>
+                            <a:cs typeface="Tahoma" panose="020B0604030504040204" pitchFamily="34" charset="0"/>
+                            <a:sym typeface="Wingdings" panose="05000000000000000000" pitchFamily="2" charset="2"/>
+                          </a:rPr>
+                          <m:t>(</m:t>
+                        </m:r>
+                        <m:r>
+                          <a:rPr lang="de-DE" sz="3600" i="1">
+                            <a:latin typeface="Cambria Math" panose="02040503050406030204" pitchFamily="18" charset="0"/>
+                            <a:ea typeface="Cambria Math" panose="02040503050406030204" pitchFamily="18" charset="0"/>
+                            <a:cs typeface="Tahoma" panose="020B0604030504040204" pitchFamily="34" charset="0"/>
+                            <a:sym typeface="Wingdings" panose="05000000000000000000" pitchFamily="2" charset="2"/>
+                          </a:rPr>
+                          <m:t>𝐷</m:t>
+                        </m:r>
+                        <m:r>
+                          <a:rPr lang="de-DE" sz="3600" i="1">
+                            <a:latin typeface="Cambria Math" panose="02040503050406030204" pitchFamily="18" charset="0"/>
+                            <a:ea typeface="Cambria Math" panose="02040503050406030204" pitchFamily="18" charset="0"/>
+                            <a:cs typeface="Tahoma" panose="020B0604030504040204" pitchFamily="34" charset="0"/>
+                            <a:sym typeface="Wingdings" panose="05000000000000000000" pitchFamily="2" charset="2"/>
+                          </a:rPr>
+                          <m:t>|</m:t>
+                        </m:r>
+                        <m:sSub>
+                          <m:sSubPr>
+                            <m:ctrlPr>
+                              <a:rPr lang="en-US" sz="3600" i="1" dirty="0">
+                                <a:latin typeface="Cambria Math" panose="02040503050406030204" pitchFamily="18" charset="0"/>
+                                <a:ea typeface="Cambria Math" panose="02040503050406030204" pitchFamily="18" charset="0"/>
+                                <a:sym typeface="Wingdings" panose="05000000000000000000" pitchFamily="2" charset="2"/>
+                              </a:rPr>
+                            </m:ctrlPr>
+                          </m:sSubPr>
+                          <m:e>
+                            <m:r>
+                              <a:rPr lang="en-US" sz="3600" i="1" dirty="0">
+                                <a:latin typeface="Cambria Math" panose="02040503050406030204" pitchFamily="18" charset="0"/>
+                                <a:ea typeface="Cambria Math" panose="02040503050406030204" pitchFamily="18" charset="0"/>
+                                <a:sym typeface="Wingdings" panose="05000000000000000000" pitchFamily="2" charset="2"/>
+                              </a:rPr>
+                              <m:t>𝐻</m:t>
+                            </m:r>
+                          </m:e>
+                          <m:sub>
+                            <m:r>
+                              <a:rPr lang="de-DE" sz="3600" dirty="0">
+                                <a:latin typeface="Cambria Math" panose="02040503050406030204" pitchFamily="18" charset="0"/>
+                                <a:ea typeface="Cambria Math" panose="02040503050406030204" pitchFamily="18" charset="0"/>
+                                <a:sym typeface="Wingdings" panose="05000000000000000000" pitchFamily="2" charset="2"/>
+                              </a:rPr>
+                              <m:t>1</m:t>
+                            </m:r>
+                          </m:sub>
+                        </m:sSub>
+                        <m:r>
+                          <a:rPr lang="de-DE" sz="3600" i="1" dirty="0">
+                            <a:latin typeface="Cambria Math" panose="02040503050406030204" pitchFamily="18" charset="0"/>
+                            <a:ea typeface="Cambria Math" panose="02040503050406030204" pitchFamily="18" charset="0"/>
+                            <a:sym typeface="Wingdings" panose="05000000000000000000" pitchFamily="2" charset="2"/>
+                          </a:rPr>
+                          <m:t>)</m:t>
+                        </m:r>
+                        <m:r>
+                          <m:rPr>
+                            <m:nor/>
+                          </m:rPr>
+                          <a:rPr lang="en-US" sz="3600" dirty="0">
+                            <a:latin typeface="Cambria Math" panose="02040503050406030204" pitchFamily="18" charset="0"/>
+                            <a:ea typeface="Cambria Math" panose="02040503050406030204" pitchFamily="18" charset="0"/>
+                            <a:cs typeface="Tahoma" panose="020B0604030504040204" pitchFamily="34" charset="0"/>
+                            <a:sym typeface="Wingdings" panose="05000000000000000000" pitchFamily="2" charset="2"/>
+                          </a:rPr>
+                          <m:t> </m:t>
+                        </m:r>
+                      </m:den>
+                    </m:f>
+                  </m:oMath>
+                </a14:m>
+                <a:r>
+                  <a:rPr lang="en-US" sz="3600" dirty="0">
+                    <a:latin typeface="Cambria Math" panose="02040503050406030204" pitchFamily="18" charset="0"/>
+                    <a:ea typeface="Cambria Math" panose="02040503050406030204" pitchFamily="18" charset="0"/>
+                    <a:cs typeface="Tahoma" panose="020B0604030504040204" pitchFamily="34" charset="0"/>
+                    <a:sym typeface="Wingdings" panose="05000000000000000000" pitchFamily="2" charset="2"/>
+                  </a:rPr>
+                  <a:t> = </a:t>
+                </a:r>
+                <a14:m>
+                  <m:oMath xmlns:m="http://schemas.openxmlformats.org/officeDocument/2006/math">
+                    <m:f>
+                      <m:fPr>
+                        <m:ctrlPr>
+                          <a:rPr lang="de-DE" sz="3600" i="1">
+                            <a:latin typeface="Cambria Math" panose="02040503050406030204" pitchFamily="18" charset="0"/>
+                            <a:ea typeface="Cambria Math" panose="02040503050406030204" pitchFamily="18" charset="0"/>
+                            <a:cs typeface="Tahoma" panose="020B0604030504040204" pitchFamily="34" charset="0"/>
+                            <a:sym typeface="Wingdings" panose="05000000000000000000" pitchFamily="2" charset="2"/>
+                          </a:rPr>
+                        </m:ctrlPr>
+                      </m:fPr>
+                      <m:num>
+                        <m:r>
+                          <a:rPr lang="de-DE" sz="3600" i="1">
+                            <a:latin typeface="Cambria Math" panose="02040503050406030204" pitchFamily="18" charset="0"/>
+                            <a:ea typeface="Cambria Math" panose="02040503050406030204" pitchFamily="18" charset="0"/>
+                            <a:cs typeface="Tahoma" panose="020B0604030504040204" pitchFamily="34" charset="0"/>
+                            <a:sym typeface="Wingdings" panose="05000000000000000000" pitchFamily="2" charset="2"/>
+                          </a:rPr>
+                          <m:t>𝑃</m:t>
+                        </m:r>
+                        <m:r>
+                          <a:rPr lang="de-DE" sz="3600" i="1">
+                            <a:latin typeface="Cambria Math" panose="02040503050406030204" pitchFamily="18" charset="0"/>
+                            <a:ea typeface="Cambria Math" panose="02040503050406030204" pitchFamily="18" charset="0"/>
+                            <a:cs typeface="Tahoma" panose="020B0604030504040204" pitchFamily="34" charset="0"/>
+                            <a:sym typeface="Wingdings" panose="05000000000000000000" pitchFamily="2" charset="2"/>
+                          </a:rPr>
+                          <m:t>(80 </m:t>
+                        </m:r>
+                        <m:r>
+                          <a:rPr lang="de-DE" sz="3600" i="1">
+                            <a:solidFill>
+                              <a:srgbClr val="00B050"/>
+                            </a:solidFill>
+                            <a:latin typeface="Cambria Math" panose="02040503050406030204" pitchFamily="18" charset="0"/>
+                            <a:ea typeface="Cambria Math" panose="02040503050406030204" pitchFamily="18" charset="0"/>
+                            <a:cs typeface="Tahoma" panose="020B0604030504040204" pitchFamily="34" charset="0"/>
+                            <a:sym typeface="Wingdings" panose="05000000000000000000" pitchFamily="2" charset="2"/>
+                          </a:rPr>
+                          <m:t>𝑤𝑜𝑚𝑒𝑛</m:t>
+                        </m:r>
+                        <m:r>
+                          <a:rPr lang="de-DE" sz="3600" i="1">
+                            <a:latin typeface="Cambria Math" panose="02040503050406030204" pitchFamily="18" charset="0"/>
+                            <a:ea typeface="Cambria Math" panose="02040503050406030204" pitchFamily="18" charset="0"/>
+                            <a:cs typeface="Tahoma" panose="020B0604030504040204" pitchFamily="34" charset="0"/>
+                            <a:sym typeface="Wingdings" panose="05000000000000000000" pitchFamily="2" charset="2"/>
+                          </a:rPr>
+                          <m:t>|</m:t>
+                        </m:r>
+                        <m:r>
+                          <a:rPr lang="de-DE" sz="3600" i="1">
+                            <a:latin typeface="Cambria Math" panose="02040503050406030204" pitchFamily="18" charset="0"/>
+                            <a:ea typeface="Cambria Math" panose="02040503050406030204" pitchFamily="18" charset="0"/>
+                            <a:cs typeface="Tahoma" panose="020B0604030504040204" pitchFamily="34" charset="0"/>
+                            <a:sym typeface="Wingdings" panose="05000000000000000000" pitchFamily="2" charset="2"/>
+                          </a:rPr>
+                          <m:t>𝑆𝑒𝑥</m:t>
+                        </m:r>
+                        <m:r>
+                          <a:rPr lang="de-DE" sz="3600" i="1">
+                            <a:latin typeface="Cambria Math" panose="02040503050406030204" pitchFamily="18" charset="0"/>
+                            <a:ea typeface="Cambria Math" panose="02040503050406030204" pitchFamily="18" charset="0"/>
+                            <a:cs typeface="Tahoma" panose="020B0604030504040204" pitchFamily="34" charset="0"/>
+                            <a:sym typeface="Wingdings" panose="05000000000000000000" pitchFamily="2" charset="2"/>
+                          </a:rPr>
+                          <m:t> </m:t>
+                        </m:r>
+                        <m:r>
+                          <a:rPr lang="de-DE" sz="3600" i="1">
+                            <a:latin typeface="Cambria Math" panose="02040503050406030204" pitchFamily="18" charset="0"/>
+                            <a:ea typeface="Cambria Math" panose="02040503050406030204" pitchFamily="18" charset="0"/>
+                            <a:cs typeface="Tahoma" panose="020B0604030504040204" pitchFamily="34" charset="0"/>
+                            <a:sym typeface="Wingdings" panose="05000000000000000000" pitchFamily="2" charset="2"/>
+                          </a:rPr>
+                          <m:t>𝑅𝑎𝑡𝑖𝑜</m:t>
+                        </m:r>
+                        <m:r>
+                          <a:rPr lang="de-DE" sz="3600" i="1">
+                            <a:latin typeface="Cambria Math" panose="02040503050406030204" pitchFamily="18" charset="0"/>
+                            <a:ea typeface="Cambria Math" panose="02040503050406030204" pitchFamily="18" charset="0"/>
+                            <a:cs typeface="Tahoma" panose="020B0604030504040204" pitchFamily="34" charset="0"/>
+                            <a:sym typeface="Wingdings" panose="05000000000000000000" pitchFamily="2" charset="2"/>
+                          </a:rPr>
+                          <m:t>=50%)</m:t>
+                        </m:r>
+                        <m:r>
+                          <m:rPr>
+                            <m:nor/>
+                          </m:rPr>
+                          <a:rPr lang="en-US" sz="3600" dirty="0">
+                            <a:latin typeface="Cambria Math" panose="02040503050406030204" pitchFamily="18" charset="0"/>
+                            <a:ea typeface="Cambria Math" panose="02040503050406030204" pitchFamily="18" charset="0"/>
+                            <a:cs typeface="Tahoma" panose="020B0604030504040204" pitchFamily="34" charset="0"/>
+                            <a:sym typeface="Wingdings" panose="05000000000000000000" pitchFamily="2" charset="2"/>
+                          </a:rPr>
+                          <m:t> </m:t>
+                        </m:r>
+                      </m:num>
+                      <m:den>
+                        <m:r>
+                          <a:rPr lang="de-DE" sz="3600" i="1">
+                            <a:latin typeface="Cambria Math" panose="02040503050406030204" pitchFamily="18" charset="0"/>
+                            <a:ea typeface="Cambria Math" panose="02040503050406030204" pitchFamily="18" charset="0"/>
+                            <a:cs typeface="Tahoma" panose="020B0604030504040204" pitchFamily="34" charset="0"/>
+                            <a:sym typeface="Wingdings" panose="05000000000000000000" pitchFamily="2" charset="2"/>
+                          </a:rPr>
+                          <m:t>𝑃</m:t>
+                        </m:r>
+                        <m:r>
+                          <a:rPr lang="de-DE" sz="3600" i="1">
+                            <a:latin typeface="Cambria Math" panose="02040503050406030204" pitchFamily="18" charset="0"/>
+                            <a:ea typeface="Cambria Math" panose="02040503050406030204" pitchFamily="18" charset="0"/>
+                            <a:cs typeface="Tahoma" panose="020B0604030504040204" pitchFamily="34" charset="0"/>
+                            <a:sym typeface="Wingdings" panose="05000000000000000000" pitchFamily="2" charset="2"/>
+                          </a:rPr>
+                          <m:t>(80 </m:t>
+                        </m:r>
+                        <m:r>
+                          <a:rPr lang="de-DE" sz="3600" i="1">
+                            <a:solidFill>
+                              <a:srgbClr val="00B050"/>
+                            </a:solidFill>
+                            <a:latin typeface="Cambria Math" panose="02040503050406030204" pitchFamily="18" charset="0"/>
+                            <a:ea typeface="Cambria Math" panose="02040503050406030204" pitchFamily="18" charset="0"/>
+                            <a:cs typeface="Tahoma" panose="020B0604030504040204" pitchFamily="34" charset="0"/>
+                            <a:sym typeface="Wingdings" panose="05000000000000000000" pitchFamily="2" charset="2"/>
+                          </a:rPr>
+                          <m:t>𝑤𝑜𝑚𝑒𝑛</m:t>
+                        </m:r>
+                        <m:r>
+                          <a:rPr lang="de-DE" sz="3600" i="1">
+                            <a:latin typeface="Cambria Math" panose="02040503050406030204" pitchFamily="18" charset="0"/>
+                            <a:ea typeface="Cambria Math" panose="02040503050406030204" pitchFamily="18" charset="0"/>
+                            <a:cs typeface="Tahoma" panose="020B0604030504040204" pitchFamily="34" charset="0"/>
+                            <a:sym typeface="Wingdings" panose="05000000000000000000" pitchFamily="2" charset="2"/>
+                          </a:rPr>
+                          <m:t>|</m:t>
+                        </m:r>
+                        <m:r>
+                          <a:rPr lang="de-DE" sz="3600" i="1">
+                            <a:latin typeface="Cambria Math" panose="02040503050406030204" pitchFamily="18" charset="0"/>
+                            <a:ea typeface="Cambria Math" panose="02040503050406030204" pitchFamily="18" charset="0"/>
+                            <a:cs typeface="Tahoma" panose="020B0604030504040204" pitchFamily="34" charset="0"/>
+                            <a:sym typeface="Wingdings" panose="05000000000000000000" pitchFamily="2" charset="2"/>
+                          </a:rPr>
+                          <m:t>𝑆𝑒𝑥</m:t>
+                        </m:r>
+                        <m:r>
+                          <a:rPr lang="de-DE" sz="3600" i="1">
+                            <a:latin typeface="Cambria Math" panose="02040503050406030204" pitchFamily="18" charset="0"/>
+                            <a:ea typeface="Cambria Math" panose="02040503050406030204" pitchFamily="18" charset="0"/>
+                            <a:cs typeface="Tahoma" panose="020B0604030504040204" pitchFamily="34" charset="0"/>
+                            <a:sym typeface="Wingdings" panose="05000000000000000000" pitchFamily="2" charset="2"/>
+                          </a:rPr>
+                          <m:t> </m:t>
+                        </m:r>
+                        <m:r>
+                          <a:rPr lang="de-DE" sz="3600" i="1">
+                            <a:latin typeface="Cambria Math" panose="02040503050406030204" pitchFamily="18" charset="0"/>
+                            <a:ea typeface="Cambria Math" panose="02040503050406030204" pitchFamily="18" charset="0"/>
+                            <a:cs typeface="Tahoma" panose="020B0604030504040204" pitchFamily="34" charset="0"/>
+                            <a:sym typeface="Wingdings" panose="05000000000000000000" pitchFamily="2" charset="2"/>
+                          </a:rPr>
+                          <m:t>𝑅𝑎𝑡𝑖𝑜</m:t>
+                        </m:r>
+                        <m:r>
+                          <a:rPr lang="de-DE" sz="3600" i="1">
+                            <a:latin typeface="Cambria Math" panose="02040503050406030204" pitchFamily="18" charset="0"/>
+                            <a:ea typeface="Cambria Math" panose="02040503050406030204" pitchFamily="18" charset="0"/>
+                            <a:cs typeface="Tahoma" panose="020B0604030504040204" pitchFamily="34" charset="0"/>
+                            <a:sym typeface="Wingdings" panose="05000000000000000000" pitchFamily="2" charset="2"/>
+                          </a:rPr>
+                          <m:t>=</m:t>
+                        </m:r>
+                        <m:r>
+                          <a:rPr lang="de-DE" sz="3600" i="1">
+                            <a:latin typeface="Cambria Math" panose="02040503050406030204" pitchFamily="18" charset="0"/>
+                            <a:ea typeface="Cambria Math" panose="02040503050406030204" pitchFamily="18" charset="0"/>
+                            <a:cs typeface="Tahoma" panose="020B0604030504040204" pitchFamily="34" charset="0"/>
+                            <a:sym typeface="Wingdings" panose="05000000000000000000" pitchFamily="2" charset="2"/>
+                          </a:rPr>
+                          <m:t>𝑈𝑛𝑖𝑓𝑜𝑟𝑚</m:t>
+                        </m:r>
+                        <m:d>
+                          <m:dPr>
+                            <m:begChr m:val="["/>
+                            <m:endChr m:val="]"/>
+                            <m:ctrlPr>
+                              <a:rPr lang="de-DE" sz="3600" i="1">
+                                <a:latin typeface="Cambria Math" panose="02040503050406030204" pitchFamily="18" charset="0"/>
+                                <a:ea typeface="Cambria Math" panose="02040503050406030204" pitchFamily="18" charset="0"/>
+                                <a:cs typeface="Tahoma" panose="020B0604030504040204" pitchFamily="34" charset="0"/>
+                                <a:sym typeface="Wingdings" panose="05000000000000000000" pitchFamily="2" charset="2"/>
+                              </a:rPr>
+                            </m:ctrlPr>
+                          </m:dPr>
+                          <m:e>
+                            <m:r>
+                              <a:rPr lang="de-DE" sz="3600" i="1">
+                                <a:latin typeface="Cambria Math" panose="02040503050406030204" pitchFamily="18" charset="0"/>
+                                <a:ea typeface="Cambria Math" panose="02040503050406030204" pitchFamily="18" charset="0"/>
+                                <a:cs typeface="Tahoma" panose="020B0604030504040204" pitchFamily="34" charset="0"/>
+                                <a:sym typeface="Wingdings" panose="05000000000000000000" pitchFamily="2" charset="2"/>
+                              </a:rPr>
+                              <m:t>0,100</m:t>
+                            </m:r>
+                          </m:e>
+                        </m:d>
+                        <m:r>
+                          <a:rPr lang="de-DE" sz="3600" i="1">
+                            <a:latin typeface="Cambria Math" panose="02040503050406030204" pitchFamily="18" charset="0"/>
+                            <a:ea typeface="Cambria Math" panose="02040503050406030204" pitchFamily="18" charset="0"/>
+                            <a:cs typeface="Tahoma" panose="020B0604030504040204" pitchFamily="34" charset="0"/>
+                            <a:sym typeface="Wingdings" panose="05000000000000000000" pitchFamily="2" charset="2"/>
+                          </a:rPr>
+                          <m:t>)</m:t>
+                        </m:r>
+                        <m:r>
+                          <m:rPr>
+                            <m:nor/>
+                          </m:rPr>
+                          <a:rPr lang="en-US" sz="3600" dirty="0">
+                            <a:latin typeface="Cambria Math" panose="02040503050406030204" pitchFamily="18" charset="0"/>
+                            <a:ea typeface="Cambria Math" panose="02040503050406030204" pitchFamily="18" charset="0"/>
+                            <a:cs typeface="Tahoma" panose="020B0604030504040204" pitchFamily="34" charset="0"/>
+                            <a:sym typeface="Wingdings" panose="05000000000000000000" pitchFamily="2" charset="2"/>
+                          </a:rPr>
+                          <m:t> </m:t>
+                        </m:r>
+                      </m:den>
+                    </m:f>
+                  </m:oMath>
+                </a14:m>
+                <a:r>
+                  <a:rPr lang="en-US" sz="3600" dirty="0">
+                    <a:latin typeface="Cambria Math" panose="02040503050406030204" pitchFamily="18" charset="0"/>
+                    <a:ea typeface="Cambria Math" panose="02040503050406030204" pitchFamily="18" charset="0"/>
+                    <a:cs typeface="Tahoma" panose="020B0604030504040204" pitchFamily="34" charset="0"/>
+                    <a:sym typeface="Wingdings" panose="05000000000000000000" pitchFamily="2" charset="2"/>
+                  </a:rPr>
+                  <a:t>= </a:t>
+                </a:r>
+                <a14:m>
+                  <m:oMath xmlns:m="http://schemas.openxmlformats.org/officeDocument/2006/math">
+                    <m:f>
+                      <m:fPr>
+                        <m:ctrlPr>
+                          <a:rPr lang="de-DE" sz="3600" i="1">
+                            <a:latin typeface="Cambria Math" panose="02040503050406030204" pitchFamily="18" charset="0"/>
+                            <a:ea typeface="Cambria Math" panose="02040503050406030204" pitchFamily="18" charset="0"/>
+                            <a:cs typeface="Tahoma" panose="020B0604030504040204" pitchFamily="34" charset="0"/>
+                            <a:sym typeface="Wingdings" panose="05000000000000000000" pitchFamily="2" charset="2"/>
+                          </a:rPr>
+                        </m:ctrlPr>
+                      </m:fPr>
+                      <m:num>
+                        <m:r>
+                          <a:rPr lang="de-DE" sz="3600" i="1">
+                            <a:latin typeface="Cambria Math" panose="02040503050406030204" pitchFamily="18" charset="0"/>
+                            <a:ea typeface="Cambria Math" panose="02040503050406030204" pitchFamily="18" charset="0"/>
+                            <a:cs typeface="Tahoma" panose="020B0604030504040204" pitchFamily="34" charset="0"/>
+                            <a:sym typeface="Wingdings" panose="05000000000000000000" pitchFamily="2" charset="2"/>
+                          </a:rPr>
+                          <m:t>0.0</m:t>
+                        </m:r>
+                        <m:r>
+                          <a:rPr lang="de-DE" sz="3600" b="0" i="1" smtClean="0">
+                            <a:latin typeface="Cambria Math" panose="02040503050406030204" pitchFamily="18" charset="0"/>
+                            <a:ea typeface="Cambria Math" panose="02040503050406030204" pitchFamily="18" charset="0"/>
+                            <a:cs typeface="Tahoma" panose="020B0604030504040204" pitchFamily="34" charset="0"/>
+                            <a:sym typeface="Wingdings" panose="05000000000000000000" pitchFamily="2" charset="2"/>
+                          </a:rPr>
+                          <m:t>009</m:t>
+                        </m:r>
+                      </m:num>
+                      <m:den>
+                        <m:r>
+                          <a:rPr lang="de-DE" sz="3600" i="1" dirty="0">
+                            <a:latin typeface="Cambria Math" panose="02040503050406030204" pitchFamily="18" charset="0"/>
+                            <a:ea typeface="Cambria Math" panose="02040503050406030204" pitchFamily="18" charset="0"/>
+                            <a:cs typeface="Tahoma" panose="020B0604030504040204" pitchFamily="34" charset="0"/>
+                            <a:sym typeface="Wingdings" panose="05000000000000000000" pitchFamily="2" charset="2"/>
+                          </a:rPr>
+                          <m:t>0.0</m:t>
+                        </m:r>
+                        <m:r>
+                          <a:rPr lang="de-DE" sz="3600" b="0" i="1" dirty="0" smtClean="0">
+                            <a:latin typeface="Cambria Math" panose="02040503050406030204" pitchFamily="18" charset="0"/>
+                            <a:ea typeface="Cambria Math" panose="02040503050406030204" pitchFamily="18" charset="0"/>
+                            <a:cs typeface="Tahoma" panose="020B0604030504040204" pitchFamily="34" charset="0"/>
+                            <a:sym typeface="Wingdings" panose="05000000000000000000" pitchFamily="2" charset="2"/>
+                          </a:rPr>
+                          <m:t>09</m:t>
+                        </m:r>
+                      </m:den>
+                    </m:f>
+                  </m:oMath>
+                </a14:m>
+                <a:r>
+                  <a:rPr lang="en-US" sz="3600" dirty="0">
+                    <a:latin typeface="Cambria Math" panose="02040503050406030204" pitchFamily="18" charset="0"/>
+                    <a:ea typeface="Cambria Math" panose="02040503050406030204" pitchFamily="18" charset="0"/>
+                    <a:cs typeface="Tahoma" panose="020B0604030504040204" pitchFamily="34" charset="0"/>
+                    <a:sym typeface="Wingdings" panose="05000000000000000000" pitchFamily="2" charset="2"/>
+                  </a:rPr>
+                  <a:t> = 0.09 (11.1)</a:t>
+                </a:r>
+                <a:endParaRPr lang="en-US" sz="3600" dirty="0"/>
+              </a:p>
+            </p:txBody>
+          </p:sp>
+        </mc:Choice>
+        <mc:Fallback>
+          <p:sp>
+            <p:nvSpPr>
+              <p:cNvPr id="2" name="Rectangle 1">
+                <a:extLst>
+                  <a:ext uri="{FF2B5EF4-FFF2-40B4-BE49-F238E27FC236}">
+                    <a16:creationId xmlns:a16="http://schemas.microsoft.com/office/drawing/2014/main" id="{DAF4E9DF-0A43-4242-AFFE-C5C28A6419E5}"/>
+                  </a:ext>
+                </a:extLst>
+              </p:cNvPr>
+              <p:cNvSpPr>
+                <a:spLocks noRot="1" noChangeAspect="1" noMove="1" noResize="1" noEditPoints="1" noAdjustHandles="1" noChangeArrowheads="1" noChangeShapeType="1" noTextEdit="1"/>
+              </p:cNvSpPr>
+              <p:nvPr/>
+            </p:nvSpPr>
+            <p:spPr>
+              <a:xfrm>
+                <a:off x="1948033" y="3673654"/>
+                <a:ext cx="13342179" cy="974819"/>
+              </a:xfrm>
+              <a:prstGeom prst="rect">
+                <a:avLst/>
+              </a:prstGeom>
+              <a:blipFill>
+                <a:blip r:embed="rId3"/>
+                <a:stretch>
                   <a:fillRect b="-2500"/>
+                </a:stretch>
+              </a:blipFill>
+            </p:spPr>
+            <p:txBody>
+              <a:bodyPr/>
+              <a:lstStyle/>
+              <a:p>
+                <a:r>
+                  <a:rPr lang="en-US">
+                    <a:noFill/>
+                  </a:rPr>
+                  <a:t> </a:t>
+                </a:r>
+              </a:p>
+            </p:txBody>
+          </p:sp>
+        </mc:Fallback>
+      </mc:AlternateContent>
+      <mc:AlternateContent xmlns:mc="http://schemas.openxmlformats.org/markup-compatibility/2006">
+        <mc:Choice xmlns:a14="http://schemas.microsoft.com/office/drawing/2010/main" Requires="a14">
+          <p:sp>
+            <p:nvSpPr>
+              <p:cNvPr id="6" name="Rectangle 5">
+                <a:extLst>
+                  <a:ext uri="{FF2B5EF4-FFF2-40B4-BE49-F238E27FC236}">
+                    <a16:creationId xmlns:a16="http://schemas.microsoft.com/office/drawing/2014/main" id="{420E2E6E-97D3-48D9-AB3D-09B4C7491A9B}"/>
+                  </a:ext>
+                </a:extLst>
+              </p:cNvPr>
+              <p:cNvSpPr/>
+              <p:nvPr/>
+            </p:nvSpPr>
+            <p:spPr>
+              <a:xfrm>
+                <a:off x="2445167" y="6629282"/>
+                <a:ext cx="11452538" cy="974819"/>
+              </a:xfrm>
+              <a:prstGeom prst="rect">
+                <a:avLst/>
+              </a:prstGeom>
+            </p:spPr>
+            <p:txBody>
+              <a:bodyPr wrap="square">
+                <a:spAutoFit/>
+              </a:bodyPr>
+              <a:lstStyle/>
+              <a:p>
+                <a:r>
+                  <a:rPr lang="de-DE" sz="3600" dirty="0">
+                    <a:solidFill>
+                      <a:srgbClr val="00B050"/>
+                    </a:solidFill>
+                    <a:ea typeface="Cambria Math" panose="02040503050406030204" pitchFamily="18" charset="0"/>
+                    <a:cs typeface="Tahoma" panose="020B0604030504040204" pitchFamily="34" charset="0"/>
+                    <a:sym typeface="Wingdings" panose="05000000000000000000" pitchFamily="2" charset="2"/>
+                  </a:rPr>
+                  <a:t> </a:t>
+                </a:r>
+                <a14:m>
+                  <m:oMath xmlns:m="http://schemas.openxmlformats.org/officeDocument/2006/math">
+                    <m:f>
+                      <m:fPr>
+                        <m:ctrlPr>
+                          <a:rPr lang="de-DE" sz="3600" i="1" smtClean="0">
+                            <a:solidFill>
+                              <a:schemeClr val="tx1"/>
+                            </a:solidFill>
+                            <a:latin typeface="Cambria Math" panose="02040503050406030204" pitchFamily="18" charset="0"/>
+                            <a:ea typeface="Cambria Math" panose="02040503050406030204" pitchFamily="18" charset="0"/>
+                            <a:cs typeface="Tahoma" panose="020B0604030504040204" pitchFamily="34" charset="0"/>
+                            <a:sym typeface="Wingdings" panose="05000000000000000000" pitchFamily="2" charset="2"/>
+                          </a:rPr>
+                        </m:ctrlPr>
+                      </m:fPr>
+                      <m:num>
+                        <m:r>
+                          <a:rPr lang="de-DE" sz="3600" i="1">
+                            <a:solidFill>
+                              <a:schemeClr val="tx1"/>
+                            </a:solidFill>
+                            <a:latin typeface="Cambria Math" panose="02040503050406030204" pitchFamily="18" charset="0"/>
+                            <a:ea typeface="Cambria Math" panose="02040503050406030204" pitchFamily="18" charset="0"/>
+                            <a:cs typeface="Tahoma" panose="020B0604030504040204" pitchFamily="34" charset="0"/>
+                            <a:sym typeface="Wingdings" panose="05000000000000000000" pitchFamily="2" charset="2"/>
+                          </a:rPr>
+                          <m:t>𝑃</m:t>
+                        </m:r>
+                        <m:r>
+                          <a:rPr lang="de-DE" sz="3600" i="1">
+                            <a:solidFill>
+                              <a:schemeClr val="tx1"/>
+                            </a:solidFill>
+                            <a:latin typeface="Cambria Math" panose="02040503050406030204" pitchFamily="18" charset="0"/>
+                            <a:ea typeface="Cambria Math" panose="02040503050406030204" pitchFamily="18" charset="0"/>
+                            <a:cs typeface="Tahoma" panose="020B0604030504040204" pitchFamily="34" charset="0"/>
+                            <a:sym typeface="Wingdings" panose="05000000000000000000" pitchFamily="2" charset="2"/>
+                          </a:rPr>
+                          <m:t>(</m:t>
+                        </m:r>
+                        <m:r>
+                          <a:rPr lang="de-DE" sz="3600" i="1">
+                            <a:solidFill>
+                              <a:schemeClr val="tx1"/>
+                            </a:solidFill>
+                            <a:latin typeface="Cambria Math" panose="02040503050406030204" pitchFamily="18" charset="0"/>
+                            <a:ea typeface="Cambria Math" panose="02040503050406030204" pitchFamily="18" charset="0"/>
+                            <a:cs typeface="Tahoma" panose="020B0604030504040204" pitchFamily="34" charset="0"/>
+                            <a:sym typeface="Wingdings" panose="05000000000000000000" pitchFamily="2" charset="2"/>
+                          </a:rPr>
+                          <m:t>𝐷</m:t>
+                        </m:r>
+                        <m:r>
+                          <a:rPr lang="de-DE" sz="3600" i="1">
+                            <a:solidFill>
+                              <a:schemeClr val="tx1"/>
+                            </a:solidFill>
+                            <a:latin typeface="Cambria Math" panose="02040503050406030204" pitchFamily="18" charset="0"/>
+                            <a:ea typeface="Cambria Math" panose="02040503050406030204" pitchFamily="18" charset="0"/>
+                            <a:cs typeface="Tahoma" panose="020B0604030504040204" pitchFamily="34" charset="0"/>
+                            <a:sym typeface="Wingdings" panose="05000000000000000000" pitchFamily="2" charset="2"/>
+                          </a:rPr>
+                          <m:t>|</m:t>
+                        </m:r>
+                        <m:sSub>
+                          <m:sSubPr>
+                            <m:ctrlPr>
+                              <a:rPr lang="en-US" sz="3600" i="1" dirty="0">
+                                <a:solidFill>
+                                  <a:schemeClr val="tx1"/>
+                                </a:solidFill>
+                                <a:latin typeface="Cambria Math" panose="02040503050406030204" pitchFamily="18" charset="0"/>
+                                <a:ea typeface="Cambria Math" panose="02040503050406030204" pitchFamily="18" charset="0"/>
+                                <a:sym typeface="Wingdings" panose="05000000000000000000" pitchFamily="2" charset="2"/>
+                              </a:rPr>
+                            </m:ctrlPr>
+                          </m:sSubPr>
+                          <m:e>
+                            <m:r>
+                              <a:rPr lang="en-US" sz="3600" i="1" dirty="0">
+                                <a:solidFill>
+                                  <a:schemeClr val="tx1"/>
+                                </a:solidFill>
+                                <a:latin typeface="Cambria Math" panose="02040503050406030204" pitchFamily="18" charset="0"/>
+                                <a:ea typeface="Cambria Math" panose="02040503050406030204" pitchFamily="18" charset="0"/>
+                                <a:sym typeface="Wingdings" panose="05000000000000000000" pitchFamily="2" charset="2"/>
+                              </a:rPr>
+                              <m:t>𝐻</m:t>
+                            </m:r>
+                          </m:e>
+                          <m:sub>
+                            <m:r>
+                              <a:rPr lang="en-US" sz="3600" dirty="0">
+                                <a:solidFill>
+                                  <a:schemeClr val="tx1"/>
+                                </a:solidFill>
+                                <a:latin typeface="Cambria Math" panose="02040503050406030204" pitchFamily="18" charset="0"/>
+                                <a:ea typeface="Cambria Math" panose="02040503050406030204" pitchFamily="18" charset="0"/>
+                                <a:sym typeface="Wingdings" panose="05000000000000000000" pitchFamily="2" charset="2"/>
+                              </a:rPr>
+                              <m:t>0</m:t>
+                            </m:r>
+                          </m:sub>
+                        </m:sSub>
+                        <m:r>
+                          <a:rPr lang="de-DE" sz="3600" i="1" dirty="0">
+                            <a:solidFill>
+                              <a:schemeClr val="tx1"/>
+                            </a:solidFill>
+                            <a:latin typeface="Cambria Math" panose="02040503050406030204" pitchFamily="18" charset="0"/>
+                            <a:ea typeface="Cambria Math" panose="02040503050406030204" pitchFamily="18" charset="0"/>
+                            <a:sym typeface="Wingdings" panose="05000000000000000000" pitchFamily="2" charset="2"/>
+                          </a:rPr>
+                          <m:t>)</m:t>
+                        </m:r>
+                        <m:r>
+                          <m:rPr>
+                            <m:nor/>
+                          </m:rPr>
+                          <a:rPr lang="en-US" sz="3600" dirty="0">
+                            <a:solidFill>
+                              <a:schemeClr val="tx1"/>
+                            </a:solidFill>
+                            <a:latin typeface="Cambria Math" panose="02040503050406030204" pitchFamily="18" charset="0"/>
+                            <a:ea typeface="Cambria Math" panose="02040503050406030204" pitchFamily="18" charset="0"/>
+                            <a:cs typeface="Tahoma" panose="020B0604030504040204" pitchFamily="34" charset="0"/>
+                            <a:sym typeface="Wingdings" panose="05000000000000000000" pitchFamily="2" charset="2"/>
+                          </a:rPr>
+                          <m:t> </m:t>
+                        </m:r>
+                      </m:num>
+                      <m:den>
+                        <m:r>
+                          <a:rPr lang="de-DE" sz="3600" i="1">
+                            <a:solidFill>
+                              <a:schemeClr val="tx1"/>
+                            </a:solidFill>
+                            <a:latin typeface="Cambria Math" panose="02040503050406030204" pitchFamily="18" charset="0"/>
+                            <a:ea typeface="Cambria Math" panose="02040503050406030204" pitchFamily="18" charset="0"/>
+                            <a:cs typeface="Tahoma" panose="020B0604030504040204" pitchFamily="34" charset="0"/>
+                            <a:sym typeface="Wingdings" panose="05000000000000000000" pitchFamily="2" charset="2"/>
+                          </a:rPr>
+                          <m:t>𝑃</m:t>
+                        </m:r>
+                        <m:r>
+                          <a:rPr lang="de-DE" sz="3600" i="1">
+                            <a:solidFill>
+                              <a:schemeClr val="tx1"/>
+                            </a:solidFill>
+                            <a:latin typeface="Cambria Math" panose="02040503050406030204" pitchFamily="18" charset="0"/>
+                            <a:ea typeface="Cambria Math" panose="02040503050406030204" pitchFamily="18" charset="0"/>
+                            <a:cs typeface="Tahoma" panose="020B0604030504040204" pitchFamily="34" charset="0"/>
+                            <a:sym typeface="Wingdings" panose="05000000000000000000" pitchFamily="2" charset="2"/>
+                          </a:rPr>
+                          <m:t>(</m:t>
+                        </m:r>
+                        <m:r>
+                          <a:rPr lang="de-DE" sz="3600" i="1">
+                            <a:solidFill>
+                              <a:schemeClr val="tx1"/>
+                            </a:solidFill>
+                            <a:latin typeface="Cambria Math" panose="02040503050406030204" pitchFamily="18" charset="0"/>
+                            <a:ea typeface="Cambria Math" panose="02040503050406030204" pitchFamily="18" charset="0"/>
+                            <a:cs typeface="Tahoma" panose="020B0604030504040204" pitchFamily="34" charset="0"/>
+                            <a:sym typeface="Wingdings" panose="05000000000000000000" pitchFamily="2" charset="2"/>
+                          </a:rPr>
+                          <m:t>𝐷</m:t>
+                        </m:r>
+                        <m:r>
+                          <a:rPr lang="de-DE" sz="3600" i="1">
+                            <a:solidFill>
+                              <a:schemeClr val="tx1"/>
+                            </a:solidFill>
+                            <a:latin typeface="Cambria Math" panose="02040503050406030204" pitchFamily="18" charset="0"/>
+                            <a:ea typeface="Cambria Math" panose="02040503050406030204" pitchFamily="18" charset="0"/>
+                            <a:cs typeface="Tahoma" panose="020B0604030504040204" pitchFamily="34" charset="0"/>
+                            <a:sym typeface="Wingdings" panose="05000000000000000000" pitchFamily="2" charset="2"/>
+                          </a:rPr>
+                          <m:t>|</m:t>
+                        </m:r>
+                        <m:sSub>
+                          <m:sSubPr>
+                            <m:ctrlPr>
+                              <a:rPr lang="en-US" sz="3600" i="1" dirty="0">
+                                <a:solidFill>
+                                  <a:schemeClr val="tx1"/>
+                                </a:solidFill>
+                                <a:latin typeface="Cambria Math" panose="02040503050406030204" pitchFamily="18" charset="0"/>
+                                <a:ea typeface="Cambria Math" panose="02040503050406030204" pitchFamily="18" charset="0"/>
+                                <a:sym typeface="Wingdings" panose="05000000000000000000" pitchFamily="2" charset="2"/>
+                              </a:rPr>
+                            </m:ctrlPr>
+                          </m:sSubPr>
+                          <m:e>
+                            <m:r>
+                              <a:rPr lang="en-US" sz="3600" i="1" dirty="0">
+                                <a:solidFill>
+                                  <a:schemeClr val="tx1"/>
+                                </a:solidFill>
+                                <a:latin typeface="Cambria Math" panose="02040503050406030204" pitchFamily="18" charset="0"/>
+                                <a:ea typeface="Cambria Math" panose="02040503050406030204" pitchFamily="18" charset="0"/>
+                                <a:sym typeface="Wingdings" panose="05000000000000000000" pitchFamily="2" charset="2"/>
+                              </a:rPr>
+                              <m:t>𝐻</m:t>
+                            </m:r>
+                          </m:e>
+                          <m:sub>
+                            <m:r>
+                              <a:rPr lang="de-DE" sz="3600" dirty="0">
+                                <a:solidFill>
+                                  <a:schemeClr val="tx1"/>
+                                </a:solidFill>
+                                <a:latin typeface="Cambria Math" panose="02040503050406030204" pitchFamily="18" charset="0"/>
+                                <a:ea typeface="Cambria Math" panose="02040503050406030204" pitchFamily="18" charset="0"/>
+                                <a:sym typeface="Wingdings" panose="05000000000000000000" pitchFamily="2" charset="2"/>
+                              </a:rPr>
+                              <m:t>1</m:t>
+                            </m:r>
+                          </m:sub>
+                        </m:sSub>
+                        <m:r>
+                          <a:rPr lang="de-DE" sz="3600" i="1" dirty="0">
+                            <a:solidFill>
+                              <a:schemeClr val="tx1"/>
+                            </a:solidFill>
+                            <a:latin typeface="Cambria Math" panose="02040503050406030204" pitchFamily="18" charset="0"/>
+                            <a:ea typeface="Cambria Math" panose="02040503050406030204" pitchFamily="18" charset="0"/>
+                            <a:sym typeface="Wingdings" panose="05000000000000000000" pitchFamily="2" charset="2"/>
+                          </a:rPr>
+                          <m:t>)</m:t>
+                        </m:r>
+                        <m:r>
+                          <m:rPr>
+                            <m:nor/>
+                          </m:rPr>
+                          <a:rPr lang="en-US" sz="3600" dirty="0">
+                            <a:solidFill>
+                              <a:schemeClr val="tx1"/>
+                            </a:solidFill>
+                            <a:latin typeface="Cambria Math" panose="02040503050406030204" pitchFamily="18" charset="0"/>
+                            <a:ea typeface="Cambria Math" panose="02040503050406030204" pitchFamily="18" charset="0"/>
+                            <a:cs typeface="Tahoma" panose="020B0604030504040204" pitchFamily="34" charset="0"/>
+                            <a:sym typeface="Wingdings" panose="05000000000000000000" pitchFamily="2" charset="2"/>
+                          </a:rPr>
+                          <m:t> </m:t>
+                        </m:r>
+                      </m:den>
+                    </m:f>
+                  </m:oMath>
+                </a14:m>
+                <a:r>
+                  <a:rPr lang="en-US" sz="3600" dirty="0">
+                    <a:solidFill>
+                      <a:schemeClr val="tx1"/>
+                    </a:solidFill>
+                    <a:latin typeface="Cambria Math" panose="02040503050406030204" pitchFamily="18" charset="0"/>
+                    <a:ea typeface="Cambria Math" panose="02040503050406030204" pitchFamily="18" charset="0"/>
+                    <a:cs typeface="Tahoma" panose="020B0604030504040204" pitchFamily="34" charset="0"/>
+                    <a:sym typeface="Wingdings" panose="05000000000000000000" pitchFamily="2" charset="2"/>
+                  </a:rPr>
+                  <a:t> = </a:t>
+                </a:r>
+                <a14:m>
+                  <m:oMath xmlns:m="http://schemas.openxmlformats.org/officeDocument/2006/math">
+                    <m:f>
+                      <m:fPr>
+                        <m:ctrlPr>
+                          <a:rPr lang="de-DE" sz="3600" i="1">
+                            <a:solidFill>
+                              <a:schemeClr val="tx1"/>
+                            </a:solidFill>
+                            <a:latin typeface="Cambria Math" panose="02040503050406030204" pitchFamily="18" charset="0"/>
+                            <a:ea typeface="Cambria Math" panose="02040503050406030204" pitchFamily="18" charset="0"/>
+                            <a:cs typeface="Tahoma" panose="020B0604030504040204" pitchFamily="34" charset="0"/>
+                            <a:sym typeface="Wingdings" panose="05000000000000000000" pitchFamily="2" charset="2"/>
+                          </a:rPr>
+                        </m:ctrlPr>
+                      </m:fPr>
+                      <m:num>
+                        <m:r>
+                          <a:rPr lang="de-DE" sz="3600" i="1">
+                            <a:solidFill>
+                              <a:schemeClr val="tx1"/>
+                            </a:solidFill>
+                            <a:latin typeface="Cambria Math" panose="02040503050406030204" pitchFamily="18" charset="0"/>
+                            <a:ea typeface="Cambria Math" panose="02040503050406030204" pitchFamily="18" charset="0"/>
+                            <a:cs typeface="Tahoma" panose="020B0604030504040204" pitchFamily="34" charset="0"/>
+                            <a:sym typeface="Wingdings" panose="05000000000000000000" pitchFamily="2" charset="2"/>
+                          </a:rPr>
+                          <m:t>𝑃</m:t>
+                        </m:r>
+                        <m:r>
+                          <a:rPr lang="de-DE" sz="3600" i="1">
+                            <a:solidFill>
+                              <a:schemeClr val="tx1"/>
+                            </a:solidFill>
+                            <a:latin typeface="Cambria Math" panose="02040503050406030204" pitchFamily="18" charset="0"/>
+                            <a:ea typeface="Cambria Math" panose="02040503050406030204" pitchFamily="18" charset="0"/>
+                            <a:cs typeface="Tahoma" panose="020B0604030504040204" pitchFamily="34" charset="0"/>
+                            <a:sym typeface="Wingdings" panose="05000000000000000000" pitchFamily="2" charset="2"/>
+                          </a:rPr>
+                          <m:t>(50 </m:t>
+                        </m:r>
+                        <m:r>
+                          <a:rPr lang="de-DE" sz="3600" i="1">
+                            <a:solidFill>
+                              <a:srgbClr val="FF0000"/>
+                            </a:solidFill>
+                            <a:latin typeface="Cambria Math" panose="02040503050406030204" pitchFamily="18" charset="0"/>
+                            <a:ea typeface="Cambria Math" panose="02040503050406030204" pitchFamily="18" charset="0"/>
+                            <a:cs typeface="Tahoma" panose="020B0604030504040204" pitchFamily="34" charset="0"/>
+                            <a:sym typeface="Wingdings" panose="05000000000000000000" pitchFamily="2" charset="2"/>
+                          </a:rPr>
+                          <m:t>𝑤𝑜𝑚𝑒𝑛</m:t>
+                        </m:r>
+                        <m:r>
+                          <a:rPr lang="de-DE" sz="3600" i="1">
+                            <a:solidFill>
+                              <a:schemeClr val="tx1"/>
+                            </a:solidFill>
+                            <a:latin typeface="Cambria Math" panose="02040503050406030204" pitchFamily="18" charset="0"/>
+                            <a:ea typeface="Cambria Math" panose="02040503050406030204" pitchFamily="18" charset="0"/>
+                            <a:cs typeface="Tahoma" panose="020B0604030504040204" pitchFamily="34" charset="0"/>
+                            <a:sym typeface="Wingdings" panose="05000000000000000000" pitchFamily="2" charset="2"/>
+                          </a:rPr>
+                          <m:t>|</m:t>
+                        </m:r>
+                        <m:r>
+                          <a:rPr lang="de-DE" sz="3600" i="1">
+                            <a:solidFill>
+                              <a:schemeClr val="tx1"/>
+                            </a:solidFill>
+                            <a:latin typeface="Cambria Math" panose="02040503050406030204" pitchFamily="18" charset="0"/>
+                            <a:ea typeface="Cambria Math" panose="02040503050406030204" pitchFamily="18" charset="0"/>
+                            <a:cs typeface="Tahoma" panose="020B0604030504040204" pitchFamily="34" charset="0"/>
+                            <a:sym typeface="Wingdings" panose="05000000000000000000" pitchFamily="2" charset="2"/>
+                          </a:rPr>
+                          <m:t>𝑆𝑒𝑥</m:t>
+                        </m:r>
+                        <m:r>
+                          <a:rPr lang="de-DE" sz="3600" i="1">
+                            <a:solidFill>
+                              <a:schemeClr val="tx1"/>
+                            </a:solidFill>
+                            <a:latin typeface="Cambria Math" panose="02040503050406030204" pitchFamily="18" charset="0"/>
+                            <a:ea typeface="Cambria Math" panose="02040503050406030204" pitchFamily="18" charset="0"/>
+                            <a:cs typeface="Tahoma" panose="020B0604030504040204" pitchFamily="34" charset="0"/>
+                            <a:sym typeface="Wingdings" panose="05000000000000000000" pitchFamily="2" charset="2"/>
+                          </a:rPr>
+                          <m:t> </m:t>
+                        </m:r>
+                        <m:r>
+                          <a:rPr lang="de-DE" sz="3600" i="1">
+                            <a:solidFill>
+                              <a:schemeClr val="tx1"/>
+                            </a:solidFill>
+                            <a:latin typeface="Cambria Math" panose="02040503050406030204" pitchFamily="18" charset="0"/>
+                            <a:ea typeface="Cambria Math" panose="02040503050406030204" pitchFamily="18" charset="0"/>
+                            <a:cs typeface="Tahoma" panose="020B0604030504040204" pitchFamily="34" charset="0"/>
+                            <a:sym typeface="Wingdings" panose="05000000000000000000" pitchFamily="2" charset="2"/>
+                          </a:rPr>
+                          <m:t>𝑅𝑎𝑡𝑖𝑜</m:t>
+                        </m:r>
+                        <m:r>
+                          <a:rPr lang="de-DE" sz="3600" i="1">
+                            <a:solidFill>
+                              <a:schemeClr val="tx1"/>
+                            </a:solidFill>
+                            <a:latin typeface="Cambria Math" panose="02040503050406030204" pitchFamily="18" charset="0"/>
+                            <a:ea typeface="Cambria Math" panose="02040503050406030204" pitchFamily="18" charset="0"/>
+                            <a:cs typeface="Tahoma" panose="020B0604030504040204" pitchFamily="34" charset="0"/>
+                            <a:sym typeface="Wingdings" panose="05000000000000000000" pitchFamily="2" charset="2"/>
+                          </a:rPr>
+                          <m:t>=50%)</m:t>
+                        </m:r>
+                        <m:r>
+                          <m:rPr>
+                            <m:nor/>
+                          </m:rPr>
+                          <a:rPr lang="en-US" sz="3600" dirty="0">
+                            <a:solidFill>
+                              <a:schemeClr val="tx1"/>
+                            </a:solidFill>
+                            <a:latin typeface="Cambria Math" panose="02040503050406030204" pitchFamily="18" charset="0"/>
+                            <a:ea typeface="Cambria Math" panose="02040503050406030204" pitchFamily="18" charset="0"/>
+                            <a:cs typeface="Tahoma" panose="020B0604030504040204" pitchFamily="34" charset="0"/>
+                            <a:sym typeface="Wingdings" panose="05000000000000000000" pitchFamily="2" charset="2"/>
+                          </a:rPr>
+                          <m:t> </m:t>
+                        </m:r>
+                      </m:num>
+                      <m:den>
+                        <m:r>
+                          <a:rPr lang="de-DE" sz="3600" i="1">
+                            <a:solidFill>
+                              <a:schemeClr val="tx1"/>
+                            </a:solidFill>
+                            <a:latin typeface="Cambria Math" panose="02040503050406030204" pitchFamily="18" charset="0"/>
+                            <a:ea typeface="Cambria Math" panose="02040503050406030204" pitchFamily="18" charset="0"/>
+                            <a:cs typeface="Tahoma" panose="020B0604030504040204" pitchFamily="34" charset="0"/>
+                            <a:sym typeface="Wingdings" panose="05000000000000000000" pitchFamily="2" charset="2"/>
+                          </a:rPr>
+                          <m:t>𝑃</m:t>
+                        </m:r>
+                        <m:r>
+                          <a:rPr lang="de-DE" sz="3600" i="1">
+                            <a:solidFill>
+                              <a:schemeClr val="tx1"/>
+                            </a:solidFill>
+                            <a:latin typeface="Cambria Math" panose="02040503050406030204" pitchFamily="18" charset="0"/>
+                            <a:ea typeface="Cambria Math" panose="02040503050406030204" pitchFamily="18" charset="0"/>
+                            <a:cs typeface="Tahoma" panose="020B0604030504040204" pitchFamily="34" charset="0"/>
+                            <a:sym typeface="Wingdings" panose="05000000000000000000" pitchFamily="2" charset="2"/>
+                          </a:rPr>
+                          <m:t>(50 </m:t>
+                        </m:r>
+                        <m:r>
+                          <a:rPr lang="de-DE" sz="3600" i="1">
+                            <a:solidFill>
+                              <a:srgbClr val="FF0000"/>
+                            </a:solidFill>
+                            <a:latin typeface="Cambria Math" panose="02040503050406030204" pitchFamily="18" charset="0"/>
+                            <a:ea typeface="Cambria Math" panose="02040503050406030204" pitchFamily="18" charset="0"/>
+                            <a:cs typeface="Tahoma" panose="020B0604030504040204" pitchFamily="34" charset="0"/>
+                            <a:sym typeface="Wingdings" panose="05000000000000000000" pitchFamily="2" charset="2"/>
+                          </a:rPr>
+                          <m:t>𝑤𝑜𝑚𝑒𝑛</m:t>
+                        </m:r>
+                        <m:r>
+                          <a:rPr lang="de-DE" sz="3600" i="1">
+                            <a:solidFill>
+                              <a:schemeClr val="tx1"/>
+                            </a:solidFill>
+                            <a:latin typeface="Cambria Math" panose="02040503050406030204" pitchFamily="18" charset="0"/>
+                            <a:ea typeface="Cambria Math" panose="02040503050406030204" pitchFamily="18" charset="0"/>
+                            <a:cs typeface="Tahoma" panose="020B0604030504040204" pitchFamily="34" charset="0"/>
+                            <a:sym typeface="Wingdings" panose="05000000000000000000" pitchFamily="2" charset="2"/>
+                          </a:rPr>
+                          <m:t>|</m:t>
+                        </m:r>
+                        <m:r>
+                          <a:rPr lang="de-DE" sz="3600" i="1">
+                            <a:solidFill>
+                              <a:schemeClr val="tx1"/>
+                            </a:solidFill>
+                            <a:latin typeface="Cambria Math" panose="02040503050406030204" pitchFamily="18" charset="0"/>
+                            <a:ea typeface="Cambria Math" panose="02040503050406030204" pitchFamily="18" charset="0"/>
+                            <a:cs typeface="Tahoma" panose="020B0604030504040204" pitchFamily="34" charset="0"/>
+                            <a:sym typeface="Wingdings" panose="05000000000000000000" pitchFamily="2" charset="2"/>
+                          </a:rPr>
+                          <m:t>𝑆𝑒𝑥</m:t>
+                        </m:r>
+                        <m:r>
+                          <a:rPr lang="de-DE" sz="3600" i="1">
+                            <a:solidFill>
+                              <a:schemeClr val="tx1"/>
+                            </a:solidFill>
+                            <a:latin typeface="Cambria Math" panose="02040503050406030204" pitchFamily="18" charset="0"/>
+                            <a:ea typeface="Cambria Math" panose="02040503050406030204" pitchFamily="18" charset="0"/>
+                            <a:cs typeface="Tahoma" panose="020B0604030504040204" pitchFamily="34" charset="0"/>
+                            <a:sym typeface="Wingdings" panose="05000000000000000000" pitchFamily="2" charset="2"/>
+                          </a:rPr>
+                          <m:t> </m:t>
+                        </m:r>
+                        <m:r>
+                          <a:rPr lang="de-DE" sz="3600" i="1">
+                            <a:solidFill>
+                              <a:schemeClr val="tx1"/>
+                            </a:solidFill>
+                            <a:latin typeface="Cambria Math" panose="02040503050406030204" pitchFamily="18" charset="0"/>
+                            <a:ea typeface="Cambria Math" panose="02040503050406030204" pitchFamily="18" charset="0"/>
+                            <a:cs typeface="Tahoma" panose="020B0604030504040204" pitchFamily="34" charset="0"/>
+                            <a:sym typeface="Wingdings" panose="05000000000000000000" pitchFamily="2" charset="2"/>
+                          </a:rPr>
+                          <m:t>𝑅𝑎𝑡𝑖𝑜</m:t>
+                        </m:r>
+                        <m:r>
+                          <a:rPr lang="de-DE" sz="3600" i="1">
+                            <a:solidFill>
+                              <a:schemeClr val="tx1"/>
+                            </a:solidFill>
+                            <a:latin typeface="Cambria Math" panose="02040503050406030204" pitchFamily="18" charset="0"/>
+                            <a:ea typeface="Cambria Math" panose="02040503050406030204" pitchFamily="18" charset="0"/>
+                            <a:cs typeface="Tahoma" panose="020B0604030504040204" pitchFamily="34" charset="0"/>
+                            <a:sym typeface="Wingdings" panose="05000000000000000000" pitchFamily="2" charset="2"/>
+                          </a:rPr>
+                          <m:t>=</m:t>
+                        </m:r>
+                        <m:r>
+                          <a:rPr lang="de-DE" sz="3600" i="1">
+                            <a:solidFill>
+                              <a:schemeClr val="tx1"/>
+                            </a:solidFill>
+                            <a:latin typeface="Cambria Math" panose="02040503050406030204" pitchFamily="18" charset="0"/>
+                            <a:ea typeface="Cambria Math" panose="02040503050406030204" pitchFamily="18" charset="0"/>
+                            <a:cs typeface="Tahoma" panose="020B0604030504040204" pitchFamily="34" charset="0"/>
+                            <a:sym typeface="Wingdings" panose="05000000000000000000" pitchFamily="2" charset="2"/>
+                          </a:rPr>
+                          <m:t>𝑈𝑛𝑖𝑓𝑜𝑟𝑚</m:t>
+                        </m:r>
+                        <m:d>
+                          <m:dPr>
+                            <m:begChr m:val="["/>
+                            <m:endChr m:val="]"/>
+                            <m:ctrlPr>
+                              <a:rPr lang="de-DE" sz="3600" i="1">
+                                <a:solidFill>
+                                  <a:schemeClr val="tx1"/>
+                                </a:solidFill>
+                                <a:latin typeface="Cambria Math" panose="02040503050406030204" pitchFamily="18" charset="0"/>
+                                <a:ea typeface="Cambria Math" panose="02040503050406030204" pitchFamily="18" charset="0"/>
+                                <a:cs typeface="Tahoma" panose="020B0604030504040204" pitchFamily="34" charset="0"/>
+                                <a:sym typeface="Wingdings" panose="05000000000000000000" pitchFamily="2" charset="2"/>
+                              </a:rPr>
+                            </m:ctrlPr>
+                          </m:dPr>
+                          <m:e>
+                            <m:r>
+                              <a:rPr lang="de-DE" sz="3600" i="1">
+                                <a:solidFill>
+                                  <a:schemeClr val="tx1"/>
+                                </a:solidFill>
+                                <a:latin typeface="Cambria Math" panose="02040503050406030204" pitchFamily="18" charset="0"/>
+                                <a:ea typeface="Cambria Math" panose="02040503050406030204" pitchFamily="18" charset="0"/>
+                                <a:cs typeface="Tahoma" panose="020B0604030504040204" pitchFamily="34" charset="0"/>
+                                <a:sym typeface="Wingdings" panose="05000000000000000000" pitchFamily="2" charset="2"/>
+                              </a:rPr>
+                              <m:t>0,100</m:t>
+                            </m:r>
+                          </m:e>
+                        </m:d>
+                        <m:r>
+                          <a:rPr lang="de-DE" sz="3600" i="1">
+                            <a:solidFill>
+                              <a:schemeClr val="tx1"/>
+                            </a:solidFill>
+                            <a:latin typeface="Cambria Math" panose="02040503050406030204" pitchFamily="18" charset="0"/>
+                            <a:ea typeface="Cambria Math" panose="02040503050406030204" pitchFamily="18" charset="0"/>
+                            <a:cs typeface="Tahoma" panose="020B0604030504040204" pitchFamily="34" charset="0"/>
+                            <a:sym typeface="Wingdings" panose="05000000000000000000" pitchFamily="2" charset="2"/>
+                          </a:rPr>
+                          <m:t>)</m:t>
+                        </m:r>
+                        <m:r>
+                          <m:rPr>
+                            <m:nor/>
+                          </m:rPr>
+                          <a:rPr lang="en-US" sz="3600" dirty="0">
+                            <a:solidFill>
+                              <a:schemeClr val="tx1"/>
+                            </a:solidFill>
+                            <a:latin typeface="Cambria Math" panose="02040503050406030204" pitchFamily="18" charset="0"/>
+                            <a:ea typeface="Cambria Math" panose="02040503050406030204" pitchFamily="18" charset="0"/>
+                            <a:cs typeface="Tahoma" panose="020B0604030504040204" pitchFamily="34" charset="0"/>
+                            <a:sym typeface="Wingdings" panose="05000000000000000000" pitchFamily="2" charset="2"/>
+                          </a:rPr>
+                          <m:t> </m:t>
+                        </m:r>
+                      </m:den>
+                    </m:f>
+                  </m:oMath>
+                </a14:m>
+                <a:r>
+                  <a:rPr lang="en-US" sz="3600" dirty="0">
+                    <a:solidFill>
+                      <a:schemeClr val="tx1"/>
+                    </a:solidFill>
+                    <a:latin typeface="Cambria Math" panose="02040503050406030204" pitchFamily="18" charset="0"/>
+                    <a:ea typeface="Cambria Math" panose="02040503050406030204" pitchFamily="18" charset="0"/>
+                    <a:cs typeface="Tahoma" panose="020B0604030504040204" pitchFamily="34" charset="0"/>
+                    <a:sym typeface="Wingdings" panose="05000000000000000000" pitchFamily="2" charset="2"/>
+                  </a:rPr>
+                  <a:t>= </a:t>
+                </a:r>
+                <a14:m>
+                  <m:oMath xmlns:m="http://schemas.openxmlformats.org/officeDocument/2006/math">
+                    <m:f>
+                      <m:fPr>
+                        <m:ctrlPr>
+                          <a:rPr lang="de-DE" sz="3600" i="1">
+                            <a:solidFill>
+                              <a:schemeClr val="tx1"/>
+                            </a:solidFill>
+                            <a:latin typeface="Cambria Math" panose="02040503050406030204" pitchFamily="18" charset="0"/>
+                            <a:ea typeface="Cambria Math" panose="02040503050406030204" pitchFamily="18" charset="0"/>
+                            <a:cs typeface="Tahoma" panose="020B0604030504040204" pitchFamily="34" charset="0"/>
+                            <a:sym typeface="Wingdings" panose="05000000000000000000" pitchFamily="2" charset="2"/>
+                          </a:rPr>
+                        </m:ctrlPr>
+                      </m:fPr>
+                      <m:num>
+                        <m:r>
+                          <a:rPr lang="de-DE" sz="3600" i="1">
+                            <a:solidFill>
+                              <a:schemeClr val="tx1"/>
+                            </a:solidFill>
+                            <a:latin typeface="Cambria Math" panose="02040503050406030204" pitchFamily="18" charset="0"/>
+                            <a:ea typeface="Cambria Math" panose="02040503050406030204" pitchFamily="18" charset="0"/>
+                            <a:cs typeface="Tahoma" panose="020B0604030504040204" pitchFamily="34" charset="0"/>
+                            <a:sym typeface="Wingdings" panose="05000000000000000000" pitchFamily="2" charset="2"/>
+                          </a:rPr>
+                          <m:t>0.0</m:t>
+                        </m:r>
+                        <m:r>
+                          <a:rPr lang="de-DE" sz="3600" b="0" i="1" smtClean="0">
+                            <a:solidFill>
+                              <a:schemeClr val="tx1"/>
+                            </a:solidFill>
+                            <a:latin typeface="Cambria Math" panose="02040503050406030204" pitchFamily="18" charset="0"/>
+                            <a:ea typeface="Cambria Math" panose="02040503050406030204" pitchFamily="18" charset="0"/>
+                            <a:cs typeface="Tahoma" panose="020B0604030504040204" pitchFamily="34" charset="0"/>
+                            <a:sym typeface="Wingdings" panose="05000000000000000000" pitchFamily="2" charset="2"/>
+                          </a:rPr>
+                          <m:t>8</m:t>
+                        </m:r>
+                      </m:num>
+                      <m:den>
+                        <m:r>
+                          <a:rPr lang="de-DE" sz="3600" i="1" dirty="0">
+                            <a:solidFill>
+                              <a:schemeClr val="tx1"/>
+                            </a:solidFill>
+                            <a:latin typeface="Cambria Math" panose="02040503050406030204" pitchFamily="18" charset="0"/>
+                            <a:ea typeface="Cambria Math" panose="02040503050406030204" pitchFamily="18" charset="0"/>
+                            <a:cs typeface="Tahoma" panose="020B0604030504040204" pitchFamily="34" charset="0"/>
+                            <a:sym typeface="Wingdings" panose="05000000000000000000" pitchFamily="2" charset="2"/>
+                          </a:rPr>
+                          <m:t>0.010</m:t>
+                        </m:r>
+                      </m:den>
+                    </m:f>
+                  </m:oMath>
+                </a14:m>
+                <a:r>
+                  <a:rPr lang="en-US" sz="3600" dirty="0">
+                    <a:solidFill>
+                      <a:schemeClr val="tx1"/>
+                    </a:solidFill>
+                    <a:latin typeface="Cambria Math" panose="02040503050406030204" pitchFamily="18" charset="0"/>
+                    <a:ea typeface="Cambria Math" panose="02040503050406030204" pitchFamily="18" charset="0"/>
+                    <a:cs typeface="Tahoma" panose="020B0604030504040204" pitchFamily="34" charset="0"/>
+                    <a:sym typeface="Wingdings" panose="05000000000000000000" pitchFamily="2" charset="2"/>
+                  </a:rPr>
+                  <a:t> = </a:t>
+                </a:r>
+                <a:r>
+                  <a:rPr lang="en-US" sz="3600" dirty="0">
+                    <a:latin typeface="Cambria Math" panose="02040503050406030204" pitchFamily="18" charset="0"/>
+                    <a:ea typeface="Cambria Math" panose="02040503050406030204" pitchFamily="18" charset="0"/>
+                    <a:cs typeface="Tahoma" panose="020B0604030504040204" pitchFamily="34" charset="0"/>
+                    <a:sym typeface="Wingdings" panose="05000000000000000000" pitchFamily="2" charset="2"/>
+                  </a:rPr>
+                  <a:t>8.0</a:t>
+                </a:r>
+                <a:endParaRPr lang="en-US" sz="3600" dirty="0">
+                  <a:solidFill>
+                    <a:srgbClr val="00B050"/>
+                  </a:solidFill>
+                  <a:latin typeface="Cambria Math" panose="02040503050406030204" pitchFamily="18" charset="0"/>
+                  <a:ea typeface="Cambria Math" panose="02040503050406030204" pitchFamily="18" charset="0"/>
+                </a:endParaRPr>
+              </a:p>
+            </p:txBody>
+          </p:sp>
+        </mc:Choice>
+        <mc:Fallback>
+          <p:sp>
+            <p:nvSpPr>
+              <p:cNvPr id="6" name="Rectangle 5">
+                <a:extLst>
+                  <a:ext uri="{FF2B5EF4-FFF2-40B4-BE49-F238E27FC236}">
+                    <a16:creationId xmlns:a16="http://schemas.microsoft.com/office/drawing/2014/main" id="{420E2E6E-97D3-48D9-AB3D-09B4C7491A9B}"/>
+                  </a:ext>
+                </a:extLst>
+              </p:cNvPr>
+              <p:cNvSpPr>
+                <a:spLocks noRot="1" noChangeAspect="1" noMove="1" noResize="1" noEditPoints="1" noAdjustHandles="1" noChangeArrowheads="1" noChangeShapeType="1" noTextEdit="1"/>
+              </p:cNvSpPr>
+              <p:nvPr/>
+            </p:nvSpPr>
+            <p:spPr>
+              <a:xfrm>
+                <a:off x="2445167" y="6629282"/>
+                <a:ext cx="11452538" cy="974819"/>
+              </a:xfrm>
+              <a:prstGeom prst="rect">
+                <a:avLst/>
+              </a:prstGeom>
+              <a:blipFill>
+                <a:blip r:embed="rId4"/>
+                <a:stretch>
+                  <a:fillRect r="-532" b="-2500"/>
                 </a:stretch>
               </a:blipFill>
             </p:spPr>
@@ -6057,7 +5809,105 @@
                                         <p:tgtEl>
                                           <p:spTgt spid="7">
                                             <p:txEl>
-                                              <p:pRg st="3" end="3"/>
+                                              <p:pRg st="0" end="0"/>
+                                            </p:txEl>
+                                          </p:spTgt>
+                                        </p:tgtEl>
+                                        <p:attrNameLst>
+                                          <p:attrName>style.visibility</p:attrName>
+                                        </p:attrNameLst>
+                                      </p:cBhvr>
+                                      <p:to>
+                                        <p:strVal val="visible"/>
+                                      </p:to>
+                                    </p:set>
+                                  </p:childTnLst>
+                                </p:cTn>
+                              </p:par>
+                            </p:childTnLst>
+                          </p:cTn>
+                        </p:par>
+                      </p:childTnLst>
+                    </p:cTn>
+                  </p:par>
+                  <p:par>
+                    <p:cTn id="7" fill="hold">
+                      <p:stCondLst>
+                        <p:cond delay="indefinite"/>
+                      </p:stCondLst>
+                      <p:childTnLst>
+                        <p:par>
+                          <p:cTn id="8" fill="hold">
+                            <p:stCondLst>
+                              <p:cond delay="0"/>
+                            </p:stCondLst>
+                            <p:childTnLst>
+                              <p:par>
+                                <p:cTn id="9" presetID="1" presetClass="entr" presetSubtype="0" fill="hold" nodeType="clickEffect">
+                                  <p:stCondLst>
+                                    <p:cond delay="0"/>
+                                  </p:stCondLst>
+                                  <p:childTnLst>
+                                    <p:set>
+                                      <p:cBhvr>
+                                        <p:cTn id="10" dur="1" fill="hold">
+                                          <p:stCondLst>
+                                            <p:cond delay="0"/>
+                                          </p:stCondLst>
+                                        </p:cTn>
+                                        <p:tgtEl>
+                                          <p:spTgt spid="7">
+                                            <p:txEl>
+                                              <p:pRg st="1" end="1"/>
+                                            </p:txEl>
+                                          </p:spTgt>
+                                        </p:tgtEl>
+                                        <p:attrNameLst>
+                                          <p:attrName>style.visibility</p:attrName>
+                                        </p:attrNameLst>
+                                      </p:cBhvr>
+                                      <p:to>
+                                        <p:strVal val="visible"/>
+                                      </p:to>
+                                    </p:set>
+                                  </p:childTnLst>
+                                </p:cTn>
+                              </p:par>
+                            </p:childTnLst>
+                          </p:cTn>
+                        </p:par>
+                      </p:childTnLst>
+                    </p:cTn>
+                  </p:par>
+                  <p:par>
+                    <p:cTn id="11" fill="hold">
+                      <p:stCondLst>
+                        <p:cond delay="indefinite"/>
+                      </p:stCondLst>
+                      <p:childTnLst>
+                        <p:par>
+                          <p:cTn id="12" fill="hold">
+                            <p:stCondLst>
+                              <p:cond delay="0"/>
+                            </p:stCondLst>
+                            <p:childTnLst>
+                              <p:par>
+                                <p:cTn id="13" presetID="1" presetClass="entr" presetSubtype="0" fill="hold" nodeType="clickEffect">
+                                  <p:stCondLst>
+                                    <p:cond delay="0"/>
+                                  </p:stCondLst>
+                                  <p:childTnLst>
+                                    <p:set>
+                                      <p:cBhvr>
+                                        <p:cTn id="14" dur="1" fill="hold">
+                                          <p:stCondLst>
+                                            <p:cond delay="0"/>
+                                          </p:stCondLst>
+                                        </p:cTn>
+                                        <p:tgtEl>
+                                          <p:spTgt spid="7">
+                                            <p:txEl>
+                                              <p:pRg st="2" end="2"/>
                                             </p:txEl>
                                           </p:spTgt>
                                         </p:tgtEl>
@@ -6073,14 +5923,14 @@
                                 </p:cTn>
                               </p:par>
                               <p:par>
-                                <p:cTn id="7" presetID="1" presetClass="entr" presetSubtype="0" fill="hold" nodeType="withEffect">
+                                <p:cTn id="15" presetID="1" presetClass="entr" presetSubtype="0" fill="hold" nodeType="withEffect">
                                   <p:stCondLst>
                                     <p:cond delay="0"/>
                                   </p:stCondLst>
                                   <p:childTnLst>
                                     <p:set>
                                       <p:cBhvr>
-                                        <p:cTn id="8" dur="1" fill="hold">
+                                        <p:cTn id="16" dur="1" fill="hold">
                                           <p:stCondLst>
                                             <p:cond delay="0"/>
                                           </p:stCondLst>
@@ -6088,7 +5938,7 @@
                                         <p:tgtEl>
                                           <p:spTgt spid="7">
                                             <p:txEl>
-                                              <p:pRg st="7" end="7"/>
+                                              <p:pRg st="5" end="5"/>
                                             </p:txEl>
                                           </p:spTgt>
                                         </p:tgtEl>
@@ -6104,20 +5954,74 @@
                                 </p:cTn>
                               </p:par>
                               <p:par>
-                                <p:cTn id="9" presetID="1" presetClass="entr" presetSubtype="0" fill="hold" grpId="0" nodeType="withEffect">
+                                <p:cTn id="17" presetID="1" presetClass="entr" presetSubtype="0" fill="hold" grpId="0" nodeType="withEffect">
                                   <p:stCondLst>
                                     <p:cond delay="0"/>
                                   </p:stCondLst>
                                   <p:childTnLst>
                                     <p:set>
                                       <p:cBhvr>
-                                        <p:cTn id="10" dur="1" fill="hold">
+                                        <p:cTn id="18" dur="1" fill="hold">
                                           <p:stCondLst>
                                             <p:cond delay="0"/>
                                           </p:stCondLst>
                                         </p:cTn>
                                         <p:tgtEl>
                                           <p:spTgt spid="4"/>
+                                        </p:tgtEl>
+                                        <p:attrNameLst>
+                                          <p:attrName>style.visibility</p:attrName>
+                                        </p:attrNameLst>
+                                      </p:cBhvr>
+                                      <p:to>
+                                        <p:strVal val="visible"/>
+                                      </p:to>
+                                    </p:set>
+                                  </p:childTnLst>
+                                </p:cTn>
+                              </p:par>
+                              <p:par>
+                                <p:cTn id="19" presetID="1" presetClass="entr" presetSubtype="0" fill="hold" grpId="0" nodeType="withEffect">
+                                  <p:stCondLst>
+                                    <p:cond delay="0"/>
+                                  </p:stCondLst>
+                                  <p:childTnLst>
+                                    <p:set>
+                                      <p:cBhvr>
+                                        <p:cTn id="20" dur="1" fill="hold">
+                                          <p:stCondLst>
+                                            <p:cond delay="0"/>
+                                          </p:stCondLst>
+                                        </p:cTn>
+                                        <p:tgtEl>
+                                          <p:spTgt spid="6"/>
+                                        </p:tgtEl>
+                                        <p:attrNameLst>
+                                          <p:attrName>style.visibility</p:attrName>
+                                        </p:attrNameLst>
+                                      </p:cBhvr>
+                                      <p:to>
+                                        <p:strVal val="visible"/>
+                                      </p:to>
+                                    </p:set>
+                                  </p:childTnLst>
+                                </p:cTn>
+                              </p:par>
+                              <p:par>
+                                <p:cTn id="21" presetID="1" presetClass="entr" presetSubtype="0" fill="hold" grpId="0" nodeType="withEffect">
+                                  <p:stCondLst>
+                                    <p:cond delay="0"/>
+                                  </p:stCondLst>
+                                  <p:childTnLst>
+                                    <p:set>
+                                      <p:cBhvr>
+                                        <p:cTn id="22" dur="1" fill="hold">
+                                          <p:stCondLst>
+                                            <p:cond delay="0"/>
+                                          </p:stCondLst>
+                                        </p:cTn>
+                                        <p:tgtEl>
+                                          <p:spTgt spid="2"/>
                                         </p:tgtEl>
                                         <p:attrNameLst>
                                           <p:attrName>style.visibility</p:attrName>
@@ -6159,12 +6063,14 @@
     </p:tnLst>
     <p:bldLst>
       <p:bldP spid="4" grpId="0"/>
+      <p:bldP spid="2" grpId="0"/>
+      <p:bldP spid="6" grpId="0"/>
     </p:bldLst>
   </p:timing>
 </p:sld>
 </file>
 
-<file path=ppt/slides/slide12.xml><?xml version="1.0" encoding="utf-8"?>
+<file path=ppt/slides/slide11.xml><?xml version="1.0" encoding="utf-8"?>
 <p:sld xmlns:a="http://schemas.openxmlformats.org/drawingml/2006/main" xmlns:r="http://schemas.openxmlformats.org/officeDocument/2006/relationships" xmlns:p="http://schemas.openxmlformats.org/presentationml/2006/main">
   <p:cSld>
     <p:spTree>
@@ -6200,7 +6106,7 @@
         <p:spPr>
           <a:xfrm>
             <a:off x="292173" y="993301"/>
-            <a:ext cx="16762265" cy="6760812"/>
+            <a:ext cx="16762265" cy="5787509"/>
           </a:xfrm>
         </p:spPr>
         <p:txBody>
@@ -6331,25 +6237,6 @@
             </a:pPr>
             <a:endParaRPr lang="en-US" sz="3200" dirty="0">
               <a:sym typeface="Wingdings" panose="05000000000000000000" pitchFamily="2" charset="2"/>
-            </a:endParaRPr>
-          </a:p>
-          <a:p>
-            <a:pPr marL="0" indent="0">
-              <a:buNone/>
-            </a:pPr>
-            <a:r>
-              <a:rPr lang="en-US" sz="3200" b="1" dirty="0">
-                <a:solidFill>
-                  <a:srgbClr val="00B050"/>
-                </a:solidFill>
-                <a:sym typeface="Wingdings" panose="05000000000000000000" pitchFamily="2" charset="2"/>
-              </a:rPr>
-              <a:t> The BF allows us to draw the right conclusion here</a:t>
-            </a:r>
-            <a:endParaRPr lang="en-US" sz="3200" b="1" dirty="0">
-              <a:solidFill>
-                <a:srgbClr val="00B050"/>
-              </a:solidFill>
             </a:endParaRPr>
           </a:p>
         </p:txBody>
@@ -6376,7 +6263,7 @@
         </p:blipFill>
         <p:spPr>
           <a:xfrm>
-            <a:off x="1427995" y="3016754"/>
+            <a:off x="1522997" y="3695690"/>
             <a:ext cx="6712850" cy="4142787"/>
           </a:xfrm>
           <a:prstGeom prst="rect">
@@ -6406,7 +6293,7 @@
         </p:blipFill>
         <p:spPr>
           <a:xfrm>
-            <a:off x="8680308" y="3016754"/>
+            <a:off x="8680308" y="3695690"/>
             <a:ext cx="6712850" cy="4142787"/>
           </a:xfrm>
           <a:prstGeom prst="rect">
@@ -6450,7 +6337,7 @@
                 <a:ea typeface="Tahoma" panose="020B0604030504040204" pitchFamily="34" charset="0"/>
                 <a:cs typeface="Tahoma" panose="020B0604030504040204" pitchFamily="34" charset="0"/>
               </a:rPr>
-              <a:t>Problems with NHST solved?</a:t>
+              <a:t>Advantages of Bayes Factors</a:t>
             </a:r>
           </a:p>
         </p:txBody>
@@ -6470,7 +6357,7 @@
         <p:spPr>
           <a:xfrm>
             <a:off x="0" y="885357"/>
-            <a:ext cx="17206261" cy="2062103"/>
+            <a:ext cx="17206261" cy="2308324"/>
           </a:xfrm>
           <a:prstGeom prst="rect">
             <a:avLst/>
@@ -6487,26 +6374,13 @@
               <a:buChar char="§"/>
             </a:pPr>
             <a:r>
-              <a:rPr lang="en-US" sz="2400" b="1" dirty="0">
+              <a:rPr lang="en-US" sz="3200" b="1" dirty="0">
                 <a:latin typeface="Tahoma" panose="020B0604030504040204" pitchFamily="34" charset="0"/>
                 <a:ea typeface="Tahoma" panose="020B0604030504040204" pitchFamily="34" charset="0"/>
                 <a:cs typeface="Tahoma" panose="020B0604030504040204" pitchFamily="34" charset="0"/>
               </a:rPr>
-              <a:t>The sequential sampling problem: </a:t>
-            </a:r>
-            <a:r>
-              <a:rPr lang="en-US" sz="2400" dirty="0">
-                <a:latin typeface="Tahoma" panose="020B0604030504040204" pitchFamily="34" charset="0"/>
-                <a:ea typeface="Tahoma" panose="020B0604030504040204" pitchFamily="34" charset="0"/>
-                <a:cs typeface="Tahoma" panose="020B0604030504040204" pitchFamily="34" charset="0"/>
-              </a:rPr>
-              <a:t>We want to be able to monitor the evidence during data-collection until we are satisfied with the conclusion. P-values do not allow us to do this, as they will always support H1 eventually.</a:t>
-            </a:r>
-            <a:endParaRPr lang="en-US" sz="2400" b="1" dirty="0">
-              <a:latin typeface="Tahoma" panose="020B0604030504040204" pitchFamily="34" charset="0"/>
-              <a:ea typeface="Tahoma" panose="020B0604030504040204" pitchFamily="34" charset="0"/>
-              <a:cs typeface="Tahoma" panose="020B0604030504040204" pitchFamily="34" charset="0"/>
-            </a:endParaRPr>
+              <a:t> Sequential Sampling: </a:t>
+            </a:r>
           </a:p>
           <a:p>
             <a:pPr lvl="1">
@@ -6514,30 +6388,52 @@
               <a:buChar char="Ø"/>
             </a:pPr>
             <a:r>
-              <a:rPr lang="en-US" sz="2400" b="1" dirty="0">
+              <a:rPr lang="en-US" sz="2800" dirty="0">
                 <a:latin typeface="Tahoma" panose="020B0604030504040204" pitchFamily="34" charset="0"/>
                 <a:ea typeface="Tahoma" panose="020B0604030504040204" pitchFamily="34" charset="0"/>
                 <a:cs typeface="Tahoma" panose="020B0604030504040204" pitchFamily="34" charset="0"/>
                 <a:sym typeface="Wingdings" panose="05000000000000000000" pitchFamily="2" charset="2"/>
               </a:rPr>
-              <a:t>Stopping Data-Collection should be based on sufficient evidence, not a-priori assumptions about effect-size and power.</a:t>
-            </a:r>
-            <a:endParaRPr lang="en-US" sz="2400" dirty="0">
+              <a:t> If H0 is true, p-values will still reject H0 at some point. Each time we look at our data and run a NHST, we increase the chance of Type I Error.</a:t>
+            </a:r>
+          </a:p>
+          <a:p>
+            <a:pPr lvl="1">
+              <a:buFont typeface="Wingdings" panose="05000000000000000000" pitchFamily="2" charset="2"/>
+              <a:buChar char="Ø"/>
+            </a:pPr>
+            <a:r>
+              <a:rPr lang="en-US" sz="2800" dirty="0">
+                <a:latin typeface="Tahoma" panose="020B0604030504040204" pitchFamily="34" charset="0"/>
+                <a:ea typeface="Tahoma" panose="020B0604030504040204" pitchFamily="34" charset="0"/>
+                <a:cs typeface="Tahoma" panose="020B0604030504040204" pitchFamily="34" charset="0"/>
+                <a:sym typeface="Wingdings" panose="05000000000000000000" pitchFamily="2" charset="2"/>
+              </a:rPr>
+              <a:t>Bayes Factors will </a:t>
+            </a:r>
+            <a:r>
+              <a:rPr lang="en-US" sz="2800" i="1" dirty="0">
+                <a:latin typeface="Tahoma" panose="020B0604030504040204" pitchFamily="34" charset="0"/>
+                <a:ea typeface="Tahoma" panose="020B0604030504040204" pitchFamily="34" charset="0"/>
+                <a:cs typeface="Tahoma" panose="020B0604030504040204" pitchFamily="34" charset="0"/>
+                <a:sym typeface="Wingdings" panose="05000000000000000000" pitchFamily="2" charset="2"/>
+              </a:rPr>
+              <a:t>converge</a:t>
+            </a:r>
+            <a:r>
+              <a:rPr lang="en-US" sz="2800" dirty="0">
+                <a:latin typeface="Tahoma" panose="020B0604030504040204" pitchFamily="34" charset="0"/>
+                <a:ea typeface="Tahoma" panose="020B0604030504040204" pitchFamily="34" charset="0"/>
+                <a:cs typeface="Tahoma" panose="020B0604030504040204" pitchFamily="34" charset="0"/>
+                <a:sym typeface="Wingdings" panose="05000000000000000000" pitchFamily="2" charset="2"/>
+              </a:rPr>
+              <a:t> towards the true Hypothesis in either case. As it directly quantifies the relative evidence for each hypothesis, increased Type 1 Error rate is not a problem</a:t>
+            </a:r>
+            <a:endParaRPr lang="en-US" sz="2000" dirty="0">
               <a:latin typeface="Tahoma" panose="020B0604030504040204" pitchFamily="34" charset="0"/>
               <a:ea typeface="Tahoma" panose="020B0604030504040204" pitchFamily="34" charset="0"/>
               <a:cs typeface="Tahoma" panose="020B0604030504040204" pitchFamily="34" charset="0"/>
               <a:sym typeface="Wingdings" panose="05000000000000000000" pitchFamily="2" charset="2"/>
-            </a:endParaRPr>
-          </a:p>
-          <a:p>
-            <a:pPr lvl="2">
-              <a:buFont typeface="Wingdings" panose="05000000000000000000" pitchFamily="2" charset="2"/>
-              <a:buChar char="Ø"/>
-            </a:pPr>
-            <a:endParaRPr lang="en-US" sz="3200" dirty="0">
-              <a:latin typeface="Tahoma" panose="020B0604030504040204" pitchFamily="34" charset="0"/>
-              <a:ea typeface="Tahoma" panose="020B0604030504040204" pitchFamily="34" charset="0"/>
-              <a:cs typeface="Tahoma" panose="020B0604030504040204" pitchFamily="34" charset="0"/>
             </a:endParaRPr>
           </a:p>
         </p:txBody>
@@ -6631,7 +6527,11 @@
                                           </p:stCondLst>
                                         </p:cTn>
                                         <p:tgtEl>
-                                          <p:spTgt spid="4"/>
+                                          <p:spTgt spid="2">
+                                            <p:txEl>
+                                              <p:pRg st="2" end="2"/>
+                                            </p:txEl>
+                                          </p:spTgt>
                                         </p:tgtEl>
                                         <p:attrNameLst>
                                           <p:attrName>style.visibility</p:attrName>
@@ -6644,43 +6544,21 @@
                                   </p:childTnLst>
                                 </p:cTn>
                               </p:par>
-                            </p:childTnLst>
-                          </p:cTn>
-                        </p:par>
-                      </p:childTnLst>
-                    </p:cTn>
-                  </p:par>
-                  <p:par>
-                    <p:cTn id="11" fill="hold">
-                      <p:stCondLst>
-                        <p:cond delay="indefinite"/>
-                      </p:stCondLst>
-                      <p:childTnLst>
-                        <p:par>
-                          <p:cTn id="12" fill="hold">
-                            <p:stCondLst>
-                              <p:cond delay="0"/>
-                            </p:stCondLst>
-                            <p:childTnLst>
                               <p:par>
-                                <p:cTn id="13" presetID="1" presetClass="entr" presetSubtype="0" fill="hold" nodeType="clickEffect">
+                                <p:cTn id="11" presetID="1" presetClass="entr" presetSubtype="0" fill="hold" nodeType="withEffect">
                                   <p:stCondLst>
                                     <p:cond delay="0"/>
                                   </p:stCondLst>
                                   <p:childTnLst>
                                     <p:set>
                                       <p:cBhvr>
-                                        <p:cTn id="14" dur="1" fill="hold">
+                                        <p:cTn id="12" dur="1" fill="hold">
                                           <p:stCondLst>
                                             <p:cond delay="0"/>
                                           </p:stCondLst>
                                         </p:cTn>
                                         <p:tgtEl>
-                                          <p:spTgt spid="12">
-                                            <p:txEl>
-                                              <p:pRg st="15" end="15"/>
-                                            </p:txEl>
-                                          </p:spTgt>
+                                          <p:spTgt spid="4"/>
                                         </p:tgtEl>
                                         <p:attrNameLst>
                                           <p:attrName>style.visibility</p:attrName>
@@ -6724,7 +6602,7 @@
 </p:sld>
 </file>
 
-<file path=ppt/slides/slide13.xml><?xml version="1.0" encoding="utf-8"?>
+<file path=ppt/slides/slide12.xml><?xml version="1.0" encoding="utf-8"?>
 <p:sld xmlns:a="http://schemas.openxmlformats.org/drawingml/2006/main" xmlns:r="http://schemas.openxmlformats.org/officeDocument/2006/relationships" xmlns:p="http://schemas.openxmlformats.org/presentationml/2006/main">
   <p:cSld>
     <p:spTree>
@@ -6915,7 +6793,7 @@
                 <a:ea typeface="Tahoma" panose="020B0604030504040204" pitchFamily="34" charset="0"/>
                 <a:cs typeface="Tahoma" panose="020B0604030504040204" pitchFamily="34" charset="0"/>
               </a:rPr>
-              <a:t>We can even draw another kind of wrong conclusion, i.e. accepting the null if H1 is true!</a:t>
+              <a:t>We can even draw another kind of wrong conclusion, i.e. accepting H0 if H1 is true!</a:t>
             </a:r>
           </a:p>
           <a:p>
@@ -6929,7 +6807,7 @@
                 <a:ea typeface="Tahoma" panose="020B0604030504040204" pitchFamily="34" charset="0"/>
                 <a:cs typeface="Tahoma" panose="020B0604030504040204" pitchFamily="34" charset="0"/>
               </a:rPr>
-              <a:t>They do not solve the problem of decision thresholds – </a:t>
+              <a:t>They do not solve the problem of decision-making. </a:t>
             </a:r>
             <a:r>
               <a:rPr lang="en-US" sz="2800" b="1" dirty="0">
@@ -6937,16 +6815,13 @@
                 <a:ea typeface="Tahoma" panose="020B0604030504040204" pitchFamily="34" charset="0"/>
                 <a:cs typeface="Tahoma" panose="020B0604030504040204" pitchFamily="34" charset="0"/>
               </a:rPr>
-              <a:t>there is no free lunch!</a:t>
-            </a:r>
-            <a:r>
-              <a:rPr lang="en-US" sz="2800" dirty="0">
-                <a:latin typeface="Tahoma" panose="020B0604030504040204" pitchFamily="34" charset="0"/>
-                <a:ea typeface="Tahoma" panose="020B0604030504040204" pitchFamily="34" charset="0"/>
-                <a:cs typeface="Tahoma" panose="020B0604030504040204" pitchFamily="34" charset="0"/>
-              </a:rPr>
-              <a:t>. </a:t>
-            </a:r>
+              <a:t>Decisions can always be wrong!</a:t>
+            </a:r>
+            <a:endParaRPr lang="en-US" sz="2800" dirty="0">
+              <a:latin typeface="Tahoma" panose="020B0604030504040204" pitchFamily="34" charset="0"/>
+              <a:ea typeface="Tahoma" panose="020B0604030504040204" pitchFamily="34" charset="0"/>
+              <a:cs typeface="Tahoma" panose="020B0604030504040204" pitchFamily="34" charset="0"/>
+            </a:endParaRPr>
           </a:p>
           <a:p>
             <a:pPr lvl="2">
@@ -7150,55 +7025,6 @@
                                           </p:stCondLst>
                                         </p:cTn>
                                         <p:tgtEl>
-                                          <p:spTgt spid="2">
-                                            <p:txEl>
-                                              <p:pRg st="3" end="3"/>
-                                            </p:txEl>
-                                          </p:spTgt>
-                                        </p:tgtEl>
-                                        <p:attrNameLst>
-                                          <p:attrName>style.visibility</p:attrName>
-                                        </p:attrNameLst>
-                                      </p:cBhvr>
-                                      <p:to>
-                                        <p:strVal val="visible"/>
-                                      </p:to>
-                                    </p:set>
-                                  </p:childTnLst>
-                                </p:cTn>
-                              </p:par>
-                            </p:childTnLst>
-                          </p:cTn>
-                        </p:par>
-                      </p:childTnLst>
-                    </p:cTn>
-                  </p:par>
-                  <p:par>
-                    <p:cTn id="15" fill="hold">
-                      <p:stCondLst>
-                        <p:cond delay="indefinite"/>
-                      </p:stCondLst>
-                      <p:childTnLst>
-                        <p:par>
-                          <p:cTn id="16" fill="hold">
-                            <p:stCondLst>
-                              <p:cond delay="0"/>
-                            </p:stCondLst>
-                            <p:childTnLst>
-                              <p:par>
-                                <p:cTn id="17" presetID="1" presetClass="entr" presetSubtype="0" fill="hold" nodeType="clickEffect">
-                                  <p:stCondLst>
-                                    <p:cond delay="0"/>
-                                  </p:stCondLst>
-                                  <p:childTnLst>
-                                    <p:set>
-                                      <p:cBhvr>
-                                        <p:cTn id="18" dur="1" fill="hold">
-                                          <p:stCondLst>
-                                            <p:cond delay="0"/>
-                                          </p:stCondLst>
-                                        </p:cTn>
-                                        <p:tgtEl>
                                           <p:spTgt spid="13"/>
                                         </p:tgtEl>
                                         <p:attrNameLst>
@@ -7213,14 +7039,14 @@
                                 </p:cTn>
                               </p:par>
                               <p:par>
-                                <p:cTn id="19" presetID="1" presetClass="entr" presetSubtype="0" fill="hold" nodeType="withEffect">
+                                <p:cTn id="15" presetID="1" presetClass="entr" presetSubtype="0" fill="hold" nodeType="withEffect">
                                   <p:stCondLst>
                                     <p:cond delay="0"/>
                                   </p:stCondLst>
                                   <p:childTnLst>
                                     <p:set>
                                       <p:cBhvr>
-                                        <p:cTn id="20" dur="1" fill="hold">
+                                        <p:cTn id="16" dur="1" fill="hold">
                                           <p:stCondLst>
                                             <p:cond delay="0"/>
                                           </p:stCondLst>
@@ -7246,26 +7072,26 @@
                     </p:cTn>
                   </p:par>
                   <p:par>
-                    <p:cTn id="21" fill="hold">
+                    <p:cTn id="17" fill="hold">
                       <p:stCondLst>
                         <p:cond delay="indefinite"/>
                       </p:stCondLst>
                       <p:childTnLst>
                         <p:par>
-                          <p:cTn id="22" fill="hold">
+                          <p:cTn id="18" fill="hold">
                             <p:stCondLst>
                               <p:cond delay="0"/>
                             </p:stCondLst>
                             <p:childTnLst>
                               <p:par>
-                                <p:cTn id="23" presetID="1" presetClass="exit" presetSubtype="0" fill="hold" nodeType="clickEffect">
+                                <p:cTn id="19" presetID="1" presetClass="exit" presetSubtype="0" fill="hold" nodeType="clickEffect">
                                   <p:stCondLst>
                                     <p:cond delay="0"/>
                                   </p:stCondLst>
                                   <p:childTnLst>
                                     <p:set>
                                       <p:cBhvr>
-                                        <p:cTn id="24" dur="1" fill="hold">
+                                        <p:cTn id="20" dur="1" fill="hold">
                                           <p:stCondLst>
                                             <p:cond delay="0"/>
                                           </p:stCondLst>
@@ -7285,14 +7111,14 @@
                                 </p:cTn>
                               </p:par>
                               <p:par>
-                                <p:cTn id="25" presetID="1" presetClass="exit" presetSubtype="0" fill="hold" nodeType="withEffect">
+                                <p:cTn id="21" presetID="1" presetClass="exit" presetSubtype="0" fill="hold" nodeType="withEffect">
                                   <p:stCondLst>
                                     <p:cond delay="0"/>
                                   </p:stCondLst>
                                   <p:childTnLst>
                                     <p:set>
                                       <p:cBhvr>
-                                        <p:cTn id="26" dur="1" fill="hold">
+                                        <p:cTn id="22" dur="1" fill="hold">
                                           <p:stCondLst>
                                             <p:cond delay="0"/>
                                           </p:stCondLst>
@@ -7311,15 +7137,82 @@
                                   </p:childTnLst>
                                 </p:cTn>
                               </p:par>
+                            </p:childTnLst>
+                          </p:cTn>
+                        </p:par>
+                      </p:childTnLst>
+                    </p:cTn>
+                  </p:par>
+                  <p:par>
+                    <p:cTn id="23" fill="hold">
+                      <p:stCondLst>
+                        <p:cond delay="indefinite"/>
+                      </p:stCondLst>
+                      <p:childTnLst>
+                        <p:par>
+                          <p:cTn id="24" fill="hold">
+                            <p:stCondLst>
+                              <p:cond delay="0"/>
+                            </p:stCondLst>
+                            <p:childTnLst>
                               <p:par>
-                                <p:cTn id="27" presetID="1" presetClass="entr" presetSubtype="0" fill="hold" nodeType="withEffect">
+                                <p:cTn id="25" presetID="1" presetClass="entr" presetSubtype="0" fill="hold" nodeType="clickEffect">
                                   <p:stCondLst>
                                     <p:cond delay="0"/>
                                   </p:stCondLst>
                                   <p:childTnLst>
                                     <p:set>
                                       <p:cBhvr>
-                                        <p:cTn id="28" dur="1" fill="hold">
+                                        <p:cTn id="26" dur="1" fill="hold">
+                                          <p:stCondLst>
+                                            <p:cond delay="0"/>
+                                          </p:stCondLst>
+                                        </p:cTn>
+                                        <p:tgtEl>
+                                          <p:spTgt spid="2">
+                                            <p:txEl>
+                                              <p:pRg st="3" end="3"/>
+                                            </p:txEl>
+                                          </p:spTgt>
+                                        </p:tgtEl>
+                                        <p:attrNameLst>
+                                          <p:attrName>style.visibility</p:attrName>
+                                        </p:attrNameLst>
+                                      </p:cBhvr>
+                                      <p:to>
+                                        <p:strVal val="visible"/>
+                                      </p:to>
+                                    </p:set>
+                                  </p:childTnLst>
+                                </p:cTn>
+                              </p:par>
+                            </p:childTnLst>
+                          </p:cTn>
+                        </p:par>
+                      </p:childTnLst>
+                    </p:cTn>
+                  </p:par>
+                  <p:par>
+                    <p:cTn id="27" fill="hold">
+                      <p:stCondLst>
+                        <p:cond delay="indefinite"/>
+                      </p:stCondLst>
+                      <p:childTnLst>
+                        <p:par>
+                          <p:cTn id="28" fill="hold">
+                            <p:stCondLst>
+                              <p:cond delay="0"/>
+                            </p:stCondLst>
+                            <p:childTnLst>
+                              <p:par>
+                                <p:cTn id="29" presetID="1" presetClass="entr" presetSubtype="0" fill="hold" nodeType="clickEffect">
+                                  <p:stCondLst>
+                                    <p:cond delay="0"/>
+                                  </p:stCondLst>
+                                  <p:childTnLst>
+                                    <p:set>
+                                      <p:cBhvr>
+                                        <p:cTn id="30" dur="1" fill="hold">
                                           <p:stCondLst>
                                             <p:cond delay="0"/>
                                           </p:stCondLst>
@@ -7349,26 +7242,26 @@
                     </p:cTn>
                   </p:par>
                   <p:par>
-                    <p:cTn id="29" fill="hold">
+                    <p:cTn id="31" fill="hold">
                       <p:stCondLst>
                         <p:cond delay="indefinite"/>
                       </p:stCondLst>
                       <p:childTnLst>
                         <p:par>
-                          <p:cTn id="30" fill="hold">
+                          <p:cTn id="32" fill="hold">
                             <p:stCondLst>
                               <p:cond delay="0"/>
                             </p:stCondLst>
                             <p:childTnLst>
                               <p:par>
-                                <p:cTn id="31" presetID="1" presetClass="entr" presetSubtype="0" fill="hold" nodeType="clickEffect">
+                                <p:cTn id="33" presetID="1" presetClass="entr" presetSubtype="0" fill="hold" nodeType="clickEffect">
                                   <p:stCondLst>
                                     <p:cond delay="0"/>
                                   </p:stCondLst>
                                   <p:childTnLst>
                                     <p:set>
                                       <p:cBhvr>
-                                        <p:cTn id="32" dur="1" fill="hold">
+                                        <p:cTn id="34" dur="1" fill="hold">
                                           <p:stCondLst>
                                             <p:cond delay="0"/>
                                           </p:stCondLst>
@@ -7398,26 +7291,26 @@
                     </p:cTn>
                   </p:par>
                   <p:par>
-                    <p:cTn id="33" fill="hold">
+                    <p:cTn id="35" fill="hold">
                       <p:stCondLst>
                         <p:cond delay="indefinite"/>
                       </p:stCondLst>
                       <p:childTnLst>
                         <p:par>
-                          <p:cTn id="34" fill="hold">
+                          <p:cTn id="36" fill="hold">
                             <p:stCondLst>
                               <p:cond delay="0"/>
                             </p:stCondLst>
                             <p:childTnLst>
                               <p:par>
-                                <p:cTn id="35" presetID="1" presetClass="entr" presetSubtype="0" fill="hold" nodeType="clickEffect">
+                                <p:cTn id="37" presetID="1" presetClass="entr" presetSubtype="0" fill="hold" nodeType="clickEffect">
                                   <p:stCondLst>
                                     <p:cond delay="0"/>
                                   </p:stCondLst>
                                   <p:childTnLst>
                                     <p:set>
                                       <p:cBhvr>
-                                        <p:cTn id="36" dur="1" fill="hold">
+                                        <p:cTn id="38" dur="1" fill="hold">
                                           <p:stCondLst>
                                             <p:cond delay="0"/>
                                           </p:stCondLst>
@@ -7471,7 +7364,7 @@
 </p:sld>
 </file>
 
-<file path=ppt/slides/slide14.xml><?xml version="1.0" encoding="utf-8"?>
+<file path=ppt/slides/slide13.xml><?xml version="1.0" encoding="utf-8"?>
 <p:sld xmlns:a="http://schemas.openxmlformats.org/drawingml/2006/main" xmlns:r="http://schemas.openxmlformats.org/officeDocument/2006/relationships" xmlns:p="http://schemas.openxmlformats.org/presentationml/2006/main">
   <p:cSld>
     <p:spTree>
@@ -7990,7 +7883,7 @@
 </p:sld>
 </file>
 
-<file path=ppt/slides/slide15.xml><?xml version="1.0" encoding="utf-8"?>
+<file path=ppt/slides/slide14.xml><?xml version="1.0" encoding="utf-8"?>
 <p:sld xmlns:a="http://schemas.openxmlformats.org/drawingml/2006/main" xmlns:r="http://schemas.openxmlformats.org/officeDocument/2006/relationships" xmlns:p="http://schemas.openxmlformats.org/presentationml/2006/main">
   <p:cSld>
     <p:spTree>
@@ -8761,7 +8654,7 @@
 </p:sld>
 </file>
 
-<file path=ppt/slides/slide16.xml><?xml version="1.0" encoding="utf-8"?>
+<file path=ppt/slides/slide15.xml><?xml version="1.0" encoding="utf-8"?>
 <p:sld xmlns:a="http://schemas.openxmlformats.org/drawingml/2006/main" xmlns:r="http://schemas.openxmlformats.org/officeDocument/2006/relationships" xmlns:p="http://schemas.openxmlformats.org/presentationml/2006/main">
   <p:cSld>
     <p:spTree>
@@ -9487,7 +9380,7 @@
 </p:sld>
 </file>
 
-<file path=ppt/slides/slide17.xml><?xml version="1.0" encoding="utf-8"?>
+<file path=ppt/slides/slide16.xml><?xml version="1.0" encoding="utf-8"?>
 <p:sld xmlns:a="http://schemas.openxmlformats.org/drawingml/2006/main" xmlns:r="http://schemas.openxmlformats.org/officeDocument/2006/relationships" xmlns:p="http://schemas.openxmlformats.org/presentationml/2006/main">
   <p:cSld>
     <p:spTree>
@@ -9739,7 +9632,7 @@
 </p:sld>
 </file>
 
-<file path=ppt/slides/slide18.xml><?xml version="1.0" encoding="utf-8"?>
+<file path=ppt/slides/slide17.xml><?xml version="1.0" encoding="utf-8"?>
 <p:sld xmlns:a="http://schemas.openxmlformats.org/drawingml/2006/main" xmlns:r="http://schemas.openxmlformats.org/officeDocument/2006/relationships" xmlns:p="http://schemas.openxmlformats.org/presentationml/2006/main">
   <p:cSld>
     <p:spTree>
@@ -9821,7 +9714,7 @@
         </p:spPr>
         <p:txBody>
           <a:bodyPr>
-            <a:normAutofit/>
+            <a:normAutofit lnSpcReduction="10000"/>
           </a:bodyPr>
           <a:lstStyle/>
           <a:p>
@@ -9937,12 +9830,49 @@
               <a:rPr lang="en-US" sz="3000" dirty="0"/>
               <a:t> and can already handle various non-normal models, (negative; zero inflated) binomial, cumulative, exponential, lognormal, multinomial, drift- diffusion/wiener and many more and it’s even possible to define custom model families in STAN!</a:t>
             </a:r>
-          </a:p>
-          <a:p>
-            <a:pPr marL="0" indent="0">
-              <a:buNone/>
+            <a:endParaRPr lang="en-US" sz="3414" dirty="0"/>
+          </a:p>
+          <a:p>
+            <a:pPr>
+              <a:buFontTx/>
+              <a:buChar char="-"/>
             </a:pPr>
-            <a:endParaRPr lang="en-US" sz="3414" dirty="0"/>
+            <a:endParaRPr lang="en-US" sz="3000" dirty="0"/>
+          </a:p>
+          <a:p>
+            <a:pPr>
+              <a:buFontTx/>
+              <a:buChar char="-"/>
+            </a:pPr>
+            <a:r>
+              <a:rPr lang="en-US" sz="3000" dirty="0"/>
+              <a:t>Multiple DVs are possible / Mediation Models / (Simple) Piecewise SEM / Drift-Diffusion Models</a:t>
+            </a:r>
+          </a:p>
+          <a:p>
+            <a:pPr>
+              <a:buFontTx/>
+              <a:buChar char="-"/>
+            </a:pPr>
+            <a:endParaRPr lang="en-US" sz="3000" dirty="0"/>
+          </a:p>
+          <a:p>
+            <a:pPr>
+              <a:buFontTx/>
+              <a:buChar char="-"/>
+            </a:pPr>
+            <a:r>
+              <a:rPr lang="en-US" sz="3000" dirty="0"/>
+              <a:t>(Almost) </a:t>
+            </a:r>
+            <a:r>
+              <a:rPr lang="en-US" sz="3000" b="1" dirty="0"/>
+              <a:t>no convergence problems</a:t>
+            </a:r>
+            <a:r>
+              <a:rPr lang="en-US" sz="3000" dirty="0"/>
+              <a:t> and if so, they can mostly be solved without altering the model and diagnostics is much more straightforward</a:t>
+            </a:r>
           </a:p>
         </p:txBody>
       </p:sp>
@@ -10160,6 +10090,830 @@
                       </p:childTnLst>
                     </p:cTn>
                   </p:par>
+                  <p:par>
+                    <p:cTn id="19" fill="hold">
+                      <p:stCondLst>
+                        <p:cond delay="indefinite"/>
+                      </p:stCondLst>
+                      <p:childTnLst>
+                        <p:par>
+                          <p:cTn id="20" fill="hold">
+                            <p:stCondLst>
+                              <p:cond delay="0"/>
+                            </p:stCondLst>
+                            <p:childTnLst>
+                              <p:par>
+                                <p:cTn id="21" presetID="1" presetClass="entr" presetSubtype="0" fill="hold" nodeType="clickEffect">
+                                  <p:stCondLst>
+                                    <p:cond delay="0"/>
+                                  </p:stCondLst>
+                                  <p:childTnLst>
+                                    <p:set>
+                                      <p:cBhvr>
+                                        <p:cTn id="22" dur="1" fill="hold">
+                                          <p:stCondLst>
+                                            <p:cond delay="0"/>
+                                          </p:stCondLst>
+                                        </p:cTn>
+                                        <p:tgtEl>
+                                          <p:spTgt spid="3">
+                                            <p:txEl>
+                                              <p:pRg st="9" end="9"/>
+                                            </p:txEl>
+                                          </p:spTgt>
+                                        </p:tgtEl>
+                                        <p:attrNameLst>
+                                          <p:attrName>style.visibility</p:attrName>
+                                        </p:attrNameLst>
+                                      </p:cBhvr>
+                                      <p:to>
+                                        <p:strVal val="visible"/>
+                                      </p:to>
+                                    </p:set>
+                                  </p:childTnLst>
+                                </p:cTn>
+                              </p:par>
+                            </p:childTnLst>
+                          </p:cTn>
+                        </p:par>
+                      </p:childTnLst>
+                    </p:cTn>
+                  </p:par>
+                  <p:par>
+                    <p:cTn id="23" fill="hold">
+                      <p:stCondLst>
+                        <p:cond delay="indefinite"/>
+                      </p:stCondLst>
+                      <p:childTnLst>
+                        <p:par>
+                          <p:cTn id="24" fill="hold">
+                            <p:stCondLst>
+                              <p:cond delay="0"/>
+                            </p:stCondLst>
+                            <p:childTnLst>
+                              <p:par>
+                                <p:cTn id="25" presetID="1" presetClass="entr" presetSubtype="0" fill="hold" nodeType="clickEffect">
+                                  <p:stCondLst>
+                                    <p:cond delay="0"/>
+                                  </p:stCondLst>
+                                  <p:childTnLst>
+                                    <p:set>
+                                      <p:cBhvr>
+                                        <p:cTn id="26" dur="1" fill="hold">
+                                          <p:stCondLst>
+                                            <p:cond delay="0"/>
+                                          </p:stCondLst>
+                                        </p:cTn>
+                                        <p:tgtEl>
+                                          <p:spTgt spid="3">
+                                            <p:txEl>
+                                              <p:pRg st="11" end="11"/>
+                                            </p:txEl>
+                                          </p:spTgt>
+                                        </p:tgtEl>
+                                        <p:attrNameLst>
+                                          <p:attrName>style.visibility</p:attrName>
+                                        </p:attrNameLst>
+                                      </p:cBhvr>
+                                      <p:to>
+                                        <p:strVal val="visible"/>
+                                      </p:to>
+                                    </p:set>
+                                  </p:childTnLst>
+                                </p:cTn>
+                              </p:par>
+                            </p:childTnLst>
+                          </p:cTn>
+                        </p:par>
+                      </p:childTnLst>
+                    </p:cTn>
+                  </p:par>
+                </p:childTnLst>
+              </p:cTn>
+              <p:prevCondLst>
+                <p:cond evt="onPrev" delay="0">
+                  <p:tgtEl>
+                    <p:sldTgt/>
+                  </p:tgtEl>
+                </p:cond>
+              </p:prevCondLst>
+              <p:nextCondLst>
+                <p:cond evt="onNext" delay="0">
+                  <p:tgtEl>
+                    <p:sldTgt/>
+                  </p:tgtEl>
+                </p:cond>
+              </p:nextCondLst>
+            </p:seq>
+          </p:childTnLst>
+        </p:cTn>
+      </p:par>
+    </p:tnLst>
+  </p:timing>
+</p:sld>
+</file>
+
+<file path=ppt/slides/slide18.xml><?xml version="1.0" encoding="utf-8"?>
+<p:sld xmlns:a="http://schemas.openxmlformats.org/drawingml/2006/main" xmlns:r="http://schemas.openxmlformats.org/officeDocument/2006/relationships" xmlns:p="http://schemas.openxmlformats.org/presentationml/2006/main">
+  <p:cSld>
+    <p:spTree>
+      <p:nvGrpSpPr>
+        <p:cNvPr id="1" name=""/>
+        <p:cNvGrpSpPr/>
+        <p:nvPr/>
+      </p:nvGrpSpPr>
+      <p:grpSpPr>
+        <a:xfrm>
+          <a:off x="0" y="0"/>
+          <a:ext cx="0" cy="0"/>
+          <a:chOff x="0" y="0"/>
+          <a:chExt cx="0" cy="0"/>
+        </a:xfrm>
+      </p:grpSpPr>
+      <p:sp>
+        <p:nvSpPr>
+          <p:cNvPr id="13313" name="Titel 1"/>
+          <p:cNvSpPr>
+            <a:spLocks noGrp="1"/>
+          </p:cNvSpPr>
+          <p:nvPr>
+            <p:ph type="title"/>
+          </p:nvPr>
+        </p:nvSpPr>
+        <p:spPr>
+          <a:xfrm>
+            <a:off x="-14005" y="-35135"/>
+            <a:ext cx="17360617" cy="949536"/>
+          </a:xfrm>
+        </p:spPr>
+        <p:txBody>
+          <a:bodyPr/>
+          <a:lstStyle/>
+          <a:p>
+            <a:pPr algn="ctr"/>
+            <a:r>
+              <a:rPr lang="en-US" sz="4000" dirty="0">
+                <a:solidFill>
+                  <a:schemeClr val="tx1"/>
+                </a:solidFill>
+                <a:latin typeface="Tahoma" panose="020B0604030504040204" pitchFamily="34" charset="0"/>
+                <a:ea typeface="Tahoma" panose="020B0604030504040204" pitchFamily="34" charset="0"/>
+                <a:cs typeface="Tahoma" panose="020B0604030504040204" pitchFamily="34" charset="0"/>
+              </a:rPr>
+              <a:t>Why is brms better than lme4?</a:t>
+            </a:r>
+          </a:p>
+        </p:txBody>
+      </p:sp>
+      <p:sp>
+        <p:nvSpPr>
+          <p:cNvPr id="11" name="Content Placeholder 2">
+            <a:extLst>
+              <a:ext uri="{FF2B5EF4-FFF2-40B4-BE49-F238E27FC236}">
+                <a16:creationId xmlns:a16="http://schemas.microsoft.com/office/drawing/2014/main" id="{F1C7036F-BD42-4C20-9C74-E2EC391D617E}"/>
+              </a:ext>
+            </a:extLst>
+          </p:cNvPr>
+          <p:cNvSpPr>
+            <a:spLocks noGrp="1"/>
+          </p:cNvSpPr>
+          <p:nvPr>
+            <p:ph idx="1"/>
+          </p:nvPr>
+        </p:nvSpPr>
+        <p:spPr>
+          <a:xfrm>
+            <a:off x="273132" y="1236554"/>
+            <a:ext cx="16762265" cy="6624911"/>
+          </a:xfrm>
+        </p:spPr>
+        <p:txBody>
+          <a:bodyPr/>
+          <a:lstStyle/>
+          <a:p>
+            <a:pPr marL="0" indent="0">
+              <a:buNone/>
+            </a:pPr>
+            <a:r>
+              <a:rPr lang="en-US" sz="3200" b="1" dirty="0">
+                <a:latin typeface="Tahoma" panose="020B0604030504040204" pitchFamily="34" charset="0"/>
+                <a:ea typeface="Tahoma" panose="020B0604030504040204" pitchFamily="34" charset="0"/>
+                <a:cs typeface="Tahoma" panose="020B0604030504040204" pitchFamily="34" charset="0"/>
+                <a:sym typeface="Wingdings" panose="05000000000000000000" pitchFamily="2" charset="2"/>
+              </a:rPr>
+              <a:t>Almost no restrictions in what we want to do! The </a:t>
+            </a:r>
+            <a:r>
+              <a:rPr lang="en-US" sz="3200" b="1" dirty="0">
+                <a:latin typeface="Consolas" panose="020B0609020204030204" pitchFamily="49" charset="0"/>
+                <a:ea typeface="Tahoma" panose="020B0604030504040204" pitchFamily="34" charset="0"/>
+                <a:cs typeface="Tahoma" panose="020B0604030504040204" pitchFamily="34" charset="0"/>
+                <a:sym typeface="Wingdings" panose="05000000000000000000" pitchFamily="2" charset="2"/>
+              </a:rPr>
+              <a:t>brms</a:t>
+            </a:r>
+            <a:r>
+              <a:rPr lang="en-US" sz="3200" b="1" dirty="0">
+                <a:latin typeface="Tahoma" panose="020B0604030504040204" pitchFamily="34" charset="0"/>
+                <a:ea typeface="Tahoma" panose="020B0604030504040204" pitchFamily="34" charset="0"/>
+                <a:cs typeface="Tahoma" panose="020B0604030504040204" pitchFamily="34" charset="0"/>
+                <a:sym typeface="Wingdings" panose="05000000000000000000" pitchFamily="2" charset="2"/>
+              </a:rPr>
+              <a:t> package in </a:t>
+            </a:r>
+            <a:r>
+              <a:rPr lang="en-US" sz="3200" b="1" dirty="0">
+                <a:latin typeface="Consolas" panose="020B0609020204030204" pitchFamily="49" charset="0"/>
+                <a:ea typeface="Tahoma" panose="020B0604030504040204" pitchFamily="34" charset="0"/>
+                <a:cs typeface="Tahoma" panose="020B0604030504040204" pitchFamily="34" charset="0"/>
+                <a:sym typeface="Wingdings" panose="05000000000000000000" pitchFamily="2" charset="2"/>
+              </a:rPr>
+              <a:t>R</a:t>
+            </a:r>
+            <a:r>
+              <a:rPr lang="en-US" sz="3200" b="1" dirty="0">
+                <a:latin typeface="Tahoma" panose="020B0604030504040204" pitchFamily="34" charset="0"/>
+                <a:ea typeface="Tahoma" panose="020B0604030504040204" pitchFamily="34" charset="0"/>
+                <a:cs typeface="Tahoma" panose="020B0604030504040204" pitchFamily="34" charset="0"/>
+                <a:sym typeface="Wingdings" panose="05000000000000000000" pitchFamily="2" charset="2"/>
+              </a:rPr>
+              <a:t> allows you do to almost everything you’d ever need!</a:t>
+            </a:r>
+          </a:p>
+          <a:p>
+            <a:pPr lvl="1">
+              <a:buFont typeface="Wingdings" panose="05000000000000000000" pitchFamily="2" charset="2"/>
+              <a:buChar char="à"/>
+            </a:pPr>
+            <a:r>
+              <a:rPr lang="en-US" sz="3200" dirty="0">
+                <a:latin typeface="Tahoma" panose="020B0604030504040204" pitchFamily="34" charset="0"/>
+                <a:ea typeface="Tahoma" panose="020B0604030504040204" pitchFamily="34" charset="0"/>
+                <a:cs typeface="Tahoma" panose="020B0604030504040204" pitchFamily="34" charset="0"/>
+                <a:sym typeface="Wingdings" panose="05000000000000000000" pitchFamily="2" charset="2"/>
+              </a:rPr>
+              <a:t>Multivariate Mixed models</a:t>
+            </a:r>
+          </a:p>
+          <a:p>
+            <a:pPr lvl="1">
+              <a:buFont typeface="Wingdings" panose="05000000000000000000" pitchFamily="2" charset="2"/>
+              <a:buChar char="à"/>
+            </a:pPr>
+            <a:r>
+              <a:rPr lang="en-US" sz="3200" dirty="0">
+                <a:latin typeface="Tahoma" panose="020B0604030504040204" pitchFamily="34" charset="0"/>
+                <a:ea typeface="Tahoma" panose="020B0604030504040204" pitchFamily="34" charset="0"/>
+                <a:cs typeface="Tahoma" panose="020B0604030504040204" pitchFamily="34" charset="0"/>
+                <a:sym typeface="Wingdings" panose="05000000000000000000" pitchFamily="2" charset="2"/>
+              </a:rPr>
+              <a:t>Mediation in Mixed-Effect Models</a:t>
+            </a:r>
+          </a:p>
+          <a:p>
+            <a:pPr lvl="1">
+              <a:buFont typeface="Wingdings" panose="05000000000000000000" pitchFamily="2" charset="2"/>
+              <a:buChar char="à"/>
+            </a:pPr>
+            <a:r>
+              <a:rPr lang="en-US" sz="3200" dirty="0">
+                <a:latin typeface="Tahoma" panose="020B0604030504040204" pitchFamily="34" charset="0"/>
+                <a:ea typeface="Tahoma" panose="020B0604030504040204" pitchFamily="34" charset="0"/>
+                <a:cs typeface="Tahoma" panose="020B0604030504040204" pitchFamily="34" charset="0"/>
+                <a:sym typeface="Wingdings" panose="05000000000000000000" pitchFamily="2" charset="2"/>
+              </a:rPr>
+              <a:t>Simple Structural Equation Models</a:t>
+            </a:r>
+          </a:p>
+          <a:p>
+            <a:pPr lvl="1">
+              <a:buFont typeface="Wingdings" panose="05000000000000000000" pitchFamily="2" charset="2"/>
+              <a:buChar char="à"/>
+            </a:pPr>
+            <a:r>
+              <a:rPr lang="en-US" sz="3200" dirty="0">
+                <a:latin typeface="Tahoma" panose="020B0604030504040204" pitchFamily="34" charset="0"/>
+                <a:ea typeface="Tahoma" panose="020B0604030504040204" pitchFamily="34" charset="0"/>
+                <a:cs typeface="Tahoma" panose="020B0604030504040204" pitchFamily="34" charset="0"/>
+                <a:sym typeface="Wingdings" panose="05000000000000000000" pitchFamily="2" charset="2"/>
+              </a:rPr>
+              <a:t>Dozens of different outcome distributions/model families are possible!</a:t>
+            </a:r>
+          </a:p>
+          <a:p>
+            <a:pPr lvl="2">
+              <a:buFont typeface="Wingdings" panose="05000000000000000000" pitchFamily="2" charset="2"/>
+              <a:buChar char="à"/>
+            </a:pPr>
+            <a:r>
+              <a:rPr lang="en-US" sz="2800" dirty="0">
+                <a:latin typeface="Tahoma" panose="020B0604030504040204" pitchFamily="34" charset="0"/>
+                <a:ea typeface="Tahoma" panose="020B0604030504040204" pitchFamily="34" charset="0"/>
+                <a:cs typeface="Tahoma" panose="020B0604030504040204" pitchFamily="34" charset="0"/>
+                <a:sym typeface="Wingdings" panose="05000000000000000000" pitchFamily="2" charset="2"/>
+              </a:rPr>
+              <a:t>Think about how your outcome might look like! (</a:t>
+            </a:r>
+            <a:r>
+              <a:rPr lang="en-US" sz="2800" dirty="0">
+                <a:latin typeface="Consolas" panose="020B0609020204030204" pitchFamily="49" charset="0"/>
+                <a:ea typeface="Tahoma" panose="020B0604030504040204" pitchFamily="34" charset="0"/>
+                <a:cs typeface="Tahoma" panose="020B0604030504040204" pitchFamily="34" charset="0"/>
+                <a:sym typeface="Wingdings" panose="05000000000000000000" pitchFamily="2" charset="2"/>
+              </a:rPr>
+              <a:t>normal, lognormal, </a:t>
+            </a:r>
+            <a:r>
+              <a:rPr lang="en-US" sz="2800" dirty="0" err="1">
+                <a:latin typeface="Consolas" panose="020B0609020204030204" pitchFamily="49" charset="0"/>
+                <a:ea typeface="Tahoma" panose="020B0604030504040204" pitchFamily="34" charset="0"/>
+                <a:cs typeface="Tahoma" panose="020B0604030504040204" pitchFamily="34" charset="0"/>
+                <a:sym typeface="Wingdings" panose="05000000000000000000" pitchFamily="2" charset="2"/>
+              </a:rPr>
+              <a:t>poisson</a:t>
+            </a:r>
+            <a:r>
+              <a:rPr lang="en-US" sz="2800" dirty="0">
+                <a:latin typeface="Consolas" panose="020B0609020204030204" pitchFamily="49" charset="0"/>
+                <a:ea typeface="Tahoma" panose="020B0604030504040204" pitchFamily="34" charset="0"/>
+                <a:cs typeface="Tahoma" panose="020B0604030504040204" pitchFamily="34" charset="0"/>
+                <a:sym typeface="Wingdings" panose="05000000000000000000" pitchFamily="2" charset="2"/>
+              </a:rPr>
+              <a:t>, binomial, beta, gamma</a:t>
+            </a:r>
+            <a:r>
+              <a:rPr lang="en-US" sz="2800" dirty="0">
+                <a:latin typeface="Tahoma" panose="020B0604030504040204" pitchFamily="34" charset="0"/>
+                <a:ea typeface="Tahoma" panose="020B0604030504040204" pitchFamily="34" charset="0"/>
+                <a:cs typeface="Tahoma" panose="020B0604030504040204" pitchFamily="34" charset="0"/>
+                <a:sym typeface="Wingdings" panose="05000000000000000000" pitchFamily="2" charset="2"/>
+              </a:rPr>
+              <a:t>…)</a:t>
+            </a:r>
+          </a:p>
+          <a:p>
+            <a:pPr lvl="2">
+              <a:buFont typeface="Wingdings" panose="05000000000000000000" pitchFamily="2" charset="2"/>
+              <a:buChar char="à"/>
+            </a:pPr>
+            <a:r>
+              <a:rPr lang="en-US" sz="2800" dirty="0">
+                <a:latin typeface="Tahoma" panose="020B0604030504040204" pitchFamily="34" charset="0"/>
+                <a:ea typeface="Tahoma" panose="020B0604030504040204" pitchFamily="34" charset="0"/>
+                <a:cs typeface="Tahoma" panose="020B0604030504040204" pitchFamily="34" charset="0"/>
+                <a:sym typeface="Wingdings" panose="05000000000000000000" pitchFamily="2" charset="2"/>
+              </a:rPr>
+              <a:t>You can even use </a:t>
+            </a:r>
+            <a:r>
+              <a:rPr lang="en-US" sz="2800" b="1" dirty="0">
+                <a:latin typeface="Tahoma" panose="020B0604030504040204" pitchFamily="34" charset="0"/>
+                <a:ea typeface="Tahoma" panose="020B0604030504040204" pitchFamily="34" charset="0"/>
+                <a:cs typeface="Tahoma" panose="020B0604030504040204" pitchFamily="34" charset="0"/>
+                <a:sym typeface="Wingdings" panose="05000000000000000000" pitchFamily="2" charset="2"/>
+              </a:rPr>
+              <a:t>mixtures </a:t>
+            </a:r>
+            <a:r>
+              <a:rPr lang="en-US" sz="2800" dirty="0">
+                <a:latin typeface="Tahoma" panose="020B0604030504040204" pitchFamily="34" charset="0"/>
+                <a:ea typeface="Tahoma" panose="020B0604030504040204" pitchFamily="34" charset="0"/>
+                <a:cs typeface="Tahoma" panose="020B0604030504040204" pitchFamily="34" charset="0"/>
+                <a:sym typeface="Wingdings" panose="05000000000000000000" pitchFamily="2" charset="2"/>
+              </a:rPr>
+              <a:t>of these outcome distributions</a:t>
+            </a:r>
+          </a:p>
+          <a:p>
+            <a:pPr lvl="2">
+              <a:buFont typeface="Wingdings" panose="05000000000000000000" pitchFamily="2" charset="2"/>
+              <a:buChar char="à"/>
+            </a:pPr>
+            <a:r>
+              <a:rPr lang="en-US" sz="2800" dirty="0">
+                <a:latin typeface="Tahoma" panose="020B0604030504040204" pitchFamily="34" charset="0"/>
+                <a:ea typeface="Tahoma" panose="020B0604030504040204" pitchFamily="34" charset="0"/>
+                <a:cs typeface="Tahoma" panose="020B0604030504040204" pitchFamily="34" charset="0"/>
+                <a:sym typeface="Wingdings" panose="05000000000000000000" pitchFamily="2" charset="2"/>
+              </a:rPr>
+              <a:t>Outliers can often be kept in the model instead of having to be deleted – this gives us more stable inferences!</a:t>
+            </a:r>
+          </a:p>
+          <a:p>
+            <a:pPr lvl="1">
+              <a:buFont typeface="Wingdings" panose="05000000000000000000" pitchFamily="2" charset="2"/>
+              <a:buChar char="à"/>
+            </a:pPr>
+            <a:r>
+              <a:rPr lang="en-US" sz="3200" dirty="0">
+                <a:latin typeface="Tahoma" panose="020B0604030504040204" pitchFamily="34" charset="0"/>
+                <a:ea typeface="Tahoma" panose="020B0604030504040204" pitchFamily="34" charset="0"/>
+                <a:cs typeface="Tahoma" panose="020B0604030504040204" pitchFamily="34" charset="0"/>
+                <a:sym typeface="Wingdings" panose="05000000000000000000" pitchFamily="2" charset="2"/>
+              </a:rPr>
+              <a:t>No annoying convergence problems, and model diagnostic if something goes wrong is much more straightforward.</a:t>
+            </a:r>
+          </a:p>
+          <a:p>
+            <a:pPr marL="0" indent="0">
+              <a:buNone/>
+            </a:pPr>
+            <a:endParaRPr lang="en-US" sz="3600" dirty="0"/>
+          </a:p>
+        </p:txBody>
+      </p:sp>
+    </p:spTree>
+    <p:extLst>
+      <p:ext uri="{BB962C8B-B14F-4D97-AF65-F5344CB8AC3E}">
+        <p14:creationId xmlns:p14="http://schemas.microsoft.com/office/powerpoint/2010/main" val="1080906984"/>
+      </p:ext>
+    </p:extLst>
+  </p:cSld>
+  <p:clrMapOvr>
+    <a:masterClrMapping/>
+  </p:clrMapOvr>
+  <p:timing>
+    <p:tnLst>
+      <p:par>
+        <p:cTn id="1" dur="indefinite" restart="never" nodeType="tmRoot">
+          <p:childTnLst>
+            <p:seq concurrent="1" nextAc="seek">
+              <p:cTn id="2" dur="indefinite" nodeType="mainSeq">
+                <p:childTnLst>
+                  <p:par>
+                    <p:cTn id="3" fill="hold">
+                      <p:stCondLst>
+                        <p:cond delay="indefinite"/>
+                      </p:stCondLst>
+                      <p:childTnLst>
+                        <p:par>
+                          <p:cTn id="4" fill="hold">
+                            <p:stCondLst>
+                              <p:cond delay="0"/>
+                            </p:stCondLst>
+                            <p:childTnLst>
+                              <p:par>
+                                <p:cTn id="5" presetID="1" presetClass="entr" presetSubtype="0" fill="hold" nodeType="clickEffect">
+                                  <p:stCondLst>
+                                    <p:cond delay="0"/>
+                                  </p:stCondLst>
+                                  <p:childTnLst>
+                                    <p:set>
+                                      <p:cBhvr>
+                                        <p:cTn id="6" dur="1" fill="hold">
+                                          <p:stCondLst>
+                                            <p:cond delay="0"/>
+                                          </p:stCondLst>
+                                        </p:cTn>
+                                        <p:tgtEl>
+                                          <p:spTgt spid="11">
+                                            <p:txEl>
+                                              <p:pRg st="1" end="1"/>
+                                            </p:txEl>
+                                          </p:spTgt>
+                                        </p:tgtEl>
+                                        <p:attrNameLst>
+                                          <p:attrName>style.visibility</p:attrName>
+                                        </p:attrNameLst>
+                                      </p:cBhvr>
+                                      <p:to>
+                                        <p:strVal val="visible"/>
+                                      </p:to>
+                                    </p:set>
+                                  </p:childTnLst>
+                                </p:cTn>
+                              </p:par>
+                            </p:childTnLst>
+                          </p:cTn>
+                        </p:par>
+                      </p:childTnLst>
+                    </p:cTn>
+                  </p:par>
+                  <p:par>
+                    <p:cTn id="7" fill="hold">
+                      <p:stCondLst>
+                        <p:cond delay="indefinite"/>
+                      </p:stCondLst>
+                      <p:childTnLst>
+                        <p:par>
+                          <p:cTn id="8" fill="hold">
+                            <p:stCondLst>
+                              <p:cond delay="0"/>
+                            </p:stCondLst>
+                            <p:childTnLst>
+                              <p:par>
+                                <p:cTn id="9" presetID="1" presetClass="entr" presetSubtype="0" fill="hold" nodeType="clickEffect">
+                                  <p:stCondLst>
+                                    <p:cond delay="0"/>
+                                  </p:stCondLst>
+                                  <p:childTnLst>
+                                    <p:set>
+                                      <p:cBhvr>
+                                        <p:cTn id="10" dur="1" fill="hold">
+                                          <p:stCondLst>
+                                            <p:cond delay="0"/>
+                                          </p:stCondLst>
+                                        </p:cTn>
+                                        <p:tgtEl>
+                                          <p:spTgt spid="11">
+                                            <p:txEl>
+                                              <p:pRg st="2" end="2"/>
+                                            </p:txEl>
+                                          </p:spTgt>
+                                        </p:tgtEl>
+                                        <p:attrNameLst>
+                                          <p:attrName>style.visibility</p:attrName>
+                                        </p:attrNameLst>
+                                      </p:cBhvr>
+                                      <p:to>
+                                        <p:strVal val="visible"/>
+                                      </p:to>
+                                    </p:set>
+                                  </p:childTnLst>
+                                </p:cTn>
+                              </p:par>
+                            </p:childTnLst>
+                          </p:cTn>
+                        </p:par>
+                      </p:childTnLst>
+                    </p:cTn>
+                  </p:par>
+                  <p:par>
+                    <p:cTn id="11" fill="hold">
+                      <p:stCondLst>
+                        <p:cond delay="indefinite"/>
+                      </p:stCondLst>
+                      <p:childTnLst>
+                        <p:par>
+                          <p:cTn id="12" fill="hold">
+                            <p:stCondLst>
+                              <p:cond delay="0"/>
+                            </p:stCondLst>
+                            <p:childTnLst>
+                              <p:par>
+                                <p:cTn id="13" presetID="1" presetClass="entr" presetSubtype="0" fill="hold" nodeType="clickEffect">
+                                  <p:stCondLst>
+                                    <p:cond delay="0"/>
+                                  </p:stCondLst>
+                                  <p:childTnLst>
+                                    <p:set>
+                                      <p:cBhvr>
+                                        <p:cTn id="14" dur="1" fill="hold">
+                                          <p:stCondLst>
+                                            <p:cond delay="0"/>
+                                          </p:stCondLst>
+                                        </p:cTn>
+                                        <p:tgtEl>
+                                          <p:spTgt spid="11">
+                                            <p:txEl>
+                                              <p:pRg st="3" end="3"/>
+                                            </p:txEl>
+                                          </p:spTgt>
+                                        </p:tgtEl>
+                                        <p:attrNameLst>
+                                          <p:attrName>style.visibility</p:attrName>
+                                        </p:attrNameLst>
+                                      </p:cBhvr>
+                                      <p:to>
+                                        <p:strVal val="visible"/>
+                                      </p:to>
+                                    </p:set>
+                                  </p:childTnLst>
+                                </p:cTn>
+                              </p:par>
+                            </p:childTnLst>
+                          </p:cTn>
+                        </p:par>
+                      </p:childTnLst>
+                    </p:cTn>
+                  </p:par>
+                  <p:par>
+                    <p:cTn id="15" fill="hold">
+                      <p:stCondLst>
+                        <p:cond delay="indefinite"/>
+                      </p:stCondLst>
+                      <p:childTnLst>
+                        <p:par>
+                          <p:cTn id="16" fill="hold">
+                            <p:stCondLst>
+                              <p:cond delay="0"/>
+                            </p:stCondLst>
+                            <p:childTnLst>
+                              <p:par>
+                                <p:cTn id="17" presetID="1" presetClass="entr" presetSubtype="0" fill="hold" nodeType="clickEffect">
+                                  <p:stCondLst>
+                                    <p:cond delay="0"/>
+                                  </p:stCondLst>
+                                  <p:childTnLst>
+                                    <p:set>
+                                      <p:cBhvr>
+                                        <p:cTn id="18" dur="1" fill="hold">
+                                          <p:stCondLst>
+                                            <p:cond delay="0"/>
+                                          </p:stCondLst>
+                                        </p:cTn>
+                                        <p:tgtEl>
+                                          <p:spTgt spid="11">
+                                            <p:txEl>
+                                              <p:pRg st="4" end="4"/>
+                                            </p:txEl>
+                                          </p:spTgt>
+                                        </p:tgtEl>
+                                        <p:attrNameLst>
+                                          <p:attrName>style.visibility</p:attrName>
+                                        </p:attrNameLst>
+                                      </p:cBhvr>
+                                      <p:to>
+                                        <p:strVal val="visible"/>
+                                      </p:to>
+                                    </p:set>
+                                  </p:childTnLst>
+                                </p:cTn>
+                              </p:par>
+                              <p:par>
+                                <p:cTn id="19" presetID="1" presetClass="entr" presetSubtype="0" fill="hold" nodeType="withEffect">
+                                  <p:stCondLst>
+                                    <p:cond delay="0"/>
+                                  </p:stCondLst>
+                                  <p:childTnLst>
+                                    <p:set>
+                                      <p:cBhvr>
+                                        <p:cTn id="20" dur="1" fill="hold">
+                                          <p:stCondLst>
+                                            <p:cond delay="0"/>
+                                          </p:stCondLst>
+                                        </p:cTn>
+                                        <p:tgtEl>
+                                          <p:spTgt spid="11">
+                                            <p:txEl>
+                                              <p:pRg st="5" end="5"/>
+                                            </p:txEl>
+                                          </p:spTgt>
+                                        </p:tgtEl>
+                                        <p:attrNameLst>
+                                          <p:attrName>style.visibility</p:attrName>
+                                        </p:attrNameLst>
+                                      </p:cBhvr>
+                                      <p:to>
+                                        <p:strVal val="visible"/>
+                                      </p:to>
+                                    </p:set>
+                                  </p:childTnLst>
+                                </p:cTn>
+                              </p:par>
+                            </p:childTnLst>
+                          </p:cTn>
+                        </p:par>
+                      </p:childTnLst>
+                    </p:cTn>
+                  </p:par>
+                  <p:par>
+                    <p:cTn id="21" fill="hold">
+                      <p:stCondLst>
+                        <p:cond delay="indefinite"/>
+                      </p:stCondLst>
+                      <p:childTnLst>
+                        <p:par>
+                          <p:cTn id="22" fill="hold">
+                            <p:stCondLst>
+                              <p:cond delay="0"/>
+                            </p:stCondLst>
+                            <p:childTnLst>
+                              <p:par>
+                                <p:cTn id="23" presetID="1" presetClass="entr" presetSubtype="0" fill="hold" nodeType="clickEffect">
+                                  <p:stCondLst>
+                                    <p:cond delay="0"/>
+                                  </p:stCondLst>
+                                  <p:childTnLst>
+                                    <p:set>
+                                      <p:cBhvr>
+                                        <p:cTn id="24" dur="1" fill="hold">
+                                          <p:stCondLst>
+                                            <p:cond delay="0"/>
+                                          </p:stCondLst>
+                                        </p:cTn>
+                                        <p:tgtEl>
+                                          <p:spTgt spid="11">
+                                            <p:txEl>
+                                              <p:pRg st="6" end="6"/>
+                                            </p:txEl>
+                                          </p:spTgt>
+                                        </p:tgtEl>
+                                        <p:attrNameLst>
+                                          <p:attrName>style.visibility</p:attrName>
+                                        </p:attrNameLst>
+                                      </p:cBhvr>
+                                      <p:to>
+                                        <p:strVal val="visible"/>
+                                      </p:to>
+                                    </p:set>
+                                  </p:childTnLst>
+                                </p:cTn>
+                              </p:par>
+                            </p:childTnLst>
+                          </p:cTn>
+                        </p:par>
+                      </p:childTnLst>
+                    </p:cTn>
+                  </p:par>
+                  <p:par>
+                    <p:cTn id="25" fill="hold">
+                      <p:stCondLst>
+                        <p:cond delay="indefinite"/>
+                      </p:stCondLst>
+                      <p:childTnLst>
+                        <p:par>
+                          <p:cTn id="26" fill="hold">
+                            <p:stCondLst>
+                              <p:cond delay="0"/>
+                            </p:stCondLst>
+                            <p:childTnLst>
+                              <p:par>
+                                <p:cTn id="27" presetID="1" presetClass="entr" presetSubtype="0" fill="hold" nodeType="clickEffect">
+                                  <p:stCondLst>
+                                    <p:cond delay="0"/>
+                                  </p:stCondLst>
+                                  <p:childTnLst>
+                                    <p:set>
+                                      <p:cBhvr>
+                                        <p:cTn id="28" dur="1" fill="hold">
+                                          <p:stCondLst>
+                                            <p:cond delay="0"/>
+                                          </p:stCondLst>
+                                        </p:cTn>
+                                        <p:tgtEl>
+                                          <p:spTgt spid="11">
+                                            <p:txEl>
+                                              <p:pRg st="7" end="7"/>
+                                            </p:txEl>
+                                          </p:spTgt>
+                                        </p:tgtEl>
+                                        <p:attrNameLst>
+                                          <p:attrName>style.visibility</p:attrName>
+                                        </p:attrNameLst>
+                                      </p:cBhvr>
+                                      <p:to>
+                                        <p:strVal val="visible"/>
+                                      </p:to>
+                                    </p:set>
+                                  </p:childTnLst>
+                                </p:cTn>
+                              </p:par>
+                            </p:childTnLst>
+                          </p:cTn>
+                        </p:par>
+                      </p:childTnLst>
+                    </p:cTn>
+                  </p:par>
+                  <p:par>
+                    <p:cTn id="29" fill="hold">
+                      <p:stCondLst>
+                        <p:cond delay="indefinite"/>
+                      </p:stCondLst>
+                      <p:childTnLst>
+                        <p:par>
+                          <p:cTn id="30" fill="hold">
+                            <p:stCondLst>
+                              <p:cond delay="0"/>
+                            </p:stCondLst>
+                            <p:childTnLst>
+                              <p:par>
+                                <p:cTn id="31" presetID="1" presetClass="entr" presetSubtype="0" fill="hold" nodeType="clickEffect">
+                                  <p:stCondLst>
+                                    <p:cond delay="0"/>
+                                  </p:stCondLst>
+                                  <p:childTnLst>
+                                    <p:set>
+                                      <p:cBhvr>
+                                        <p:cTn id="32" dur="1" fill="hold">
+                                          <p:stCondLst>
+                                            <p:cond delay="0"/>
+                                          </p:stCondLst>
+                                        </p:cTn>
+                                        <p:tgtEl>
+                                          <p:spTgt spid="11">
+                                            <p:txEl>
+                                              <p:pRg st="8" end="8"/>
+                                            </p:txEl>
+                                          </p:spTgt>
+                                        </p:tgtEl>
+                                        <p:attrNameLst>
+                                          <p:attrName>style.visibility</p:attrName>
+                                        </p:attrNameLst>
+                                      </p:cBhvr>
+                                      <p:to>
+                                        <p:strVal val="visible"/>
+                                      </p:to>
+                                    </p:set>
+                                  </p:childTnLst>
+                                </p:cTn>
+                              </p:par>
+                            </p:childTnLst>
+                          </p:cTn>
+                        </p:par>
+                      </p:childTnLst>
+                    </p:cTn>
+                  </p:par>
                 </p:childTnLst>
               </p:cTn>
               <p:prevCondLst>
@@ -10635,70 +11389,6 @@
               <a:ea typeface="Tahoma" panose="020B0604030504040204" pitchFamily="34" charset="0"/>
               <a:cs typeface="Tahoma" panose="020B0604030504040204" pitchFamily="34" charset="0"/>
             </a:endParaRPr>
-          </a:p>
-        </p:txBody>
-      </p:sp>
-      <p:pic>
-        <p:nvPicPr>
-          <p:cNvPr id="10" name="Picture 9">
-            <a:extLst>
-              <a:ext uri="{FF2B5EF4-FFF2-40B4-BE49-F238E27FC236}">
-                <a16:creationId xmlns:a16="http://schemas.microsoft.com/office/drawing/2014/main" id="{FF59EC6E-1F35-4767-BD05-CA0796B8E4D0}"/>
-              </a:ext>
-            </a:extLst>
-          </p:cNvPr>
-          <p:cNvPicPr>
-            <a:picLocks noChangeAspect="1"/>
-          </p:cNvPicPr>
-          <p:nvPr/>
-        </p:nvPicPr>
-        <p:blipFill>
-          <a:blip r:embed="rId3"/>
-          <a:stretch>
-            <a:fillRect/>
-          </a:stretch>
-        </p:blipFill>
-        <p:spPr>
-          <a:xfrm>
-            <a:off x="9832932" y="815376"/>
-            <a:ext cx="6577977" cy="6577977"/>
-          </a:xfrm>
-          <a:prstGeom prst="rect">
-            <a:avLst/>
-          </a:prstGeom>
-        </p:spPr>
-      </p:pic>
-      <p:sp>
-        <p:nvSpPr>
-          <p:cNvPr id="5" name="Rectangle 4">
-            <a:extLst>
-              <a:ext uri="{FF2B5EF4-FFF2-40B4-BE49-F238E27FC236}">
-                <a16:creationId xmlns:a16="http://schemas.microsoft.com/office/drawing/2014/main" id="{A75FF7C6-8FD4-471E-8DBB-548509F791B4}"/>
-              </a:ext>
-            </a:extLst>
-          </p:cNvPr>
-          <p:cNvSpPr/>
-          <p:nvPr/>
-        </p:nvSpPr>
-        <p:spPr>
-          <a:xfrm>
-            <a:off x="572534" y="6702699"/>
-            <a:ext cx="6558077" cy="923330"/>
-          </a:xfrm>
-          <a:prstGeom prst="rect">
-            <a:avLst/>
-          </a:prstGeom>
-        </p:spPr>
-        <p:txBody>
-          <a:bodyPr wrap="none">
-            <a:spAutoFit/>
-          </a:bodyPr>
-          <a:lstStyle/>
-          <a:p>
-            <a:r>
-              <a:rPr lang="en-US" sz="5400" dirty="0"/>
-              <a:t>https://bit.ly/2rkB11Q</a:t>
-            </a:r>
           </a:p>
         </p:txBody>
       </p:sp>
@@ -11313,7 +12003,7 @@
                                 </p:cTn>
                               </p:par>
                               <p:par>
-                                <p:cTn id="11" presetID="1" presetClass="entr" presetSubtype="0" fill="hold" grpId="0" nodeType="withEffect">
+                                <p:cTn id="11" presetID="1" presetClass="entr" presetSubtype="0" fill="hold" nodeType="withEffect">
                                   <p:stCondLst>
                                     <p:cond delay="0"/>
                                   </p:stCondLst>
@@ -11321,6 +12011,37 @@
                                     <p:set>
                                       <p:cBhvr>
                                         <p:cTn id="12" dur="1" fill="hold">
+                                          <p:stCondLst>
+                                            <p:cond delay="0"/>
+                                          </p:stCondLst>
+                                        </p:cTn>
+                                        <p:tgtEl>
+                                          <p:spTgt spid="8">
+                                            <p:txEl>
+                                              <p:pRg st="0" end="0"/>
+                                            </p:txEl>
+                                          </p:spTgt>
+                                        </p:tgtEl>
+                                        <p:attrNameLst>
+                                          <p:attrName>style.visibility</p:attrName>
+                                        </p:attrNameLst>
+                                      </p:cBhvr>
+                                      <p:to>
+                                        <p:strVal val="visible"/>
+                                      </p:to>
+                                    </p:set>
+                                  </p:childTnLst>
+                                </p:cTn>
+                              </p:par>
+                              <p:par>
+                                <p:cTn id="13" presetID="1" presetClass="entr" presetSubtype="0" fill="hold" grpId="0" nodeType="withEffect">
+                                  <p:stCondLst>
+                                    <p:cond delay="0"/>
+                                  </p:stCondLst>
+                                  <p:childTnLst>
+                                    <p:set>
+                                      <p:cBhvr>
+                                        <p:cTn id="14" dur="1" fill="hold">
                                           <p:stCondLst>
                                             <p:cond delay="0"/>
                                           </p:stCondLst>
@@ -11346,26 +12067,26 @@
                     </p:cTn>
                   </p:par>
                   <p:par>
-                    <p:cTn id="13" fill="hold">
+                    <p:cTn id="15" fill="hold">
                       <p:stCondLst>
                         <p:cond delay="indefinite"/>
                       </p:stCondLst>
                       <p:childTnLst>
                         <p:par>
-                          <p:cTn id="14" fill="hold">
+                          <p:cTn id="16" fill="hold">
                             <p:stCondLst>
                               <p:cond delay="0"/>
                             </p:stCondLst>
                             <p:childTnLst>
                               <p:par>
-                                <p:cTn id="15" presetID="1" presetClass="entr" presetSubtype="0" fill="hold" nodeType="clickEffect">
+                                <p:cTn id="17" presetID="1" presetClass="entr" presetSubtype="0" fill="hold" nodeType="clickEffect">
                                   <p:stCondLst>
                                     <p:cond delay="0"/>
                                   </p:stCondLst>
                                   <p:childTnLst>
                                     <p:set>
                                       <p:cBhvr>
-                                        <p:cTn id="16" dur="1" fill="hold">
+                                        <p:cTn id="18" dur="1" fill="hold">
                                           <p:stCondLst>
                                             <p:cond delay="0"/>
                                           </p:stCondLst>
@@ -11395,26 +12116,26 @@
                     </p:cTn>
                   </p:par>
                   <p:par>
-                    <p:cTn id="17" fill="hold">
+                    <p:cTn id="19" fill="hold">
                       <p:stCondLst>
                         <p:cond delay="indefinite"/>
                       </p:stCondLst>
                       <p:childTnLst>
                         <p:par>
-                          <p:cTn id="18" fill="hold">
+                          <p:cTn id="20" fill="hold">
                             <p:stCondLst>
                               <p:cond delay="0"/>
                             </p:stCondLst>
                             <p:childTnLst>
                               <p:par>
-                                <p:cTn id="19" presetID="1" presetClass="entr" presetSubtype="0" fill="hold" nodeType="clickEffect">
+                                <p:cTn id="21" presetID="1" presetClass="entr" presetSubtype="0" fill="hold" nodeType="clickEffect">
                                   <p:stCondLst>
                                     <p:cond delay="0"/>
                                   </p:stCondLst>
                                   <p:childTnLst>
                                     <p:set>
                                       <p:cBhvr>
-                                        <p:cTn id="20" dur="1" fill="hold">
+                                        <p:cTn id="22" dur="1" fill="hold">
                                           <p:stCondLst>
                                             <p:cond delay="0"/>
                                           </p:stCondLst>
@@ -11444,26 +12165,26 @@
                     </p:cTn>
                   </p:par>
                   <p:par>
-                    <p:cTn id="21" fill="hold">
+                    <p:cTn id="23" fill="hold">
                       <p:stCondLst>
                         <p:cond delay="indefinite"/>
                       </p:stCondLst>
                       <p:childTnLst>
                         <p:par>
-                          <p:cTn id="22" fill="hold">
+                          <p:cTn id="24" fill="hold">
                             <p:stCondLst>
                               <p:cond delay="0"/>
                             </p:stCondLst>
                             <p:childTnLst>
                               <p:par>
-                                <p:cTn id="23" presetID="1" presetClass="entr" presetSubtype="0" fill="hold" nodeType="clickEffect">
+                                <p:cTn id="25" presetID="1" presetClass="entr" presetSubtype="0" fill="hold" nodeType="clickEffect">
                                   <p:stCondLst>
                                     <p:cond delay="0"/>
                                   </p:stCondLst>
                                   <p:childTnLst>
                                     <p:set>
                                       <p:cBhvr>
-                                        <p:cTn id="24" dur="1" fill="hold">
+                                        <p:cTn id="26" dur="1" fill="hold">
                                           <p:stCondLst>
                                             <p:cond delay="0"/>
                                           </p:stCondLst>
@@ -12095,6 +12816,33 @@
                 <a:sym typeface="Wingdings" panose="05000000000000000000" pitchFamily="2" charset="2"/>
               </a:rPr>
               <a:t>What if I do not agree with your prior?</a:t>
+            </a:r>
+          </a:p>
+          <a:p>
+            <a:pPr lvl="1">
+              <a:buFont typeface="Wingdings" panose="05000000000000000000" pitchFamily="2" charset="2"/>
+              <a:buChar char="Ø"/>
+            </a:pPr>
+            <a:endParaRPr lang="en-US" sz="3200" dirty="0">
+              <a:latin typeface="Tahoma" panose="020B0604030504040204" pitchFamily="34" charset="0"/>
+              <a:ea typeface="Tahoma" panose="020B0604030504040204" pitchFamily="34" charset="0"/>
+              <a:cs typeface="Tahoma" panose="020B0604030504040204" pitchFamily="34" charset="0"/>
+              <a:sym typeface="Wingdings" panose="05000000000000000000" pitchFamily="2" charset="2"/>
+            </a:endParaRPr>
+          </a:p>
+          <a:p>
+            <a:pPr lvl="1">
+              <a:buFont typeface="Wingdings" panose="05000000000000000000" pitchFamily="2" charset="2"/>
+              <a:buChar char="Ø"/>
+            </a:pPr>
+            <a:r>
+              <a:rPr lang="en-US" sz="3200" dirty="0">
+                <a:latin typeface="Tahoma" panose="020B0604030504040204" pitchFamily="34" charset="0"/>
+                <a:ea typeface="Tahoma" panose="020B0604030504040204" pitchFamily="34" charset="0"/>
+                <a:cs typeface="Tahoma" panose="020B0604030504040204" pitchFamily="34" charset="0"/>
+                <a:sym typeface="Wingdings" panose="05000000000000000000" pitchFamily="2" charset="2"/>
+              </a:rPr>
+              <a:t> the good news is, very often varying priors does not change the results a lot but priors are still incredibly helpful because of regularization</a:t>
             </a:r>
           </a:p>
           <a:p>
@@ -12595,6 +13343,55 @@
                       </p:childTnLst>
                     </p:cTn>
                   </p:par>
+                  <p:par>
+                    <p:cTn id="23" fill="hold">
+                      <p:stCondLst>
+                        <p:cond delay="indefinite"/>
+                      </p:stCondLst>
+                      <p:childTnLst>
+                        <p:par>
+                          <p:cTn id="24" fill="hold">
+                            <p:stCondLst>
+                              <p:cond delay="0"/>
+                            </p:stCondLst>
+                            <p:childTnLst>
+                              <p:par>
+                                <p:cTn id="25" presetID="1" presetClass="entr" presetSubtype="0" fill="hold" nodeType="clickEffect">
+                                  <p:stCondLst>
+                                    <p:cond delay="0"/>
+                                  </p:stCondLst>
+                                  <p:childTnLst>
+                                    <p:set>
+                                      <p:cBhvr>
+                                        <p:cTn id="26" dur="1" fill="hold">
+                                          <p:stCondLst>
+                                            <p:cond delay="0"/>
+                                          </p:stCondLst>
+                                        </p:cTn>
+                                        <p:tgtEl>
+                                          <p:spTgt spid="9">
+                                            <p:txEl>
+                                              <p:pRg st="8" end="8"/>
+                                            </p:txEl>
+                                          </p:spTgt>
+                                        </p:tgtEl>
+                                        <p:attrNameLst>
+                                          <p:attrName>style.visibility</p:attrName>
+                                        </p:attrNameLst>
+                                      </p:cBhvr>
+                                      <p:to>
+                                        <p:strVal val="visible"/>
+                                      </p:to>
+                                    </p:set>
+                                  </p:childTnLst>
+                                </p:cTn>
+                              </p:par>
+                            </p:childTnLst>
+                          </p:cTn>
+                        </p:par>
+                      </p:childTnLst>
+                    </p:cTn>
+                  </p:par>
                 </p:childTnLst>
               </p:cTn>
               <p:prevCondLst>
@@ -12974,7 +13771,7 @@
         </p:spPr>
         <p:txBody>
           <a:bodyPr vert="horz" lIns="130090" tIns="65045" rIns="130090" bIns="65045" rtlCol="0">
-            <a:normAutofit/>
+            <a:normAutofit fontScale="92500" lnSpcReduction="10000"/>
           </a:bodyPr>
           <a:lstStyle>
             <a:lvl1pPr marL="228600" indent="-228600" algn="l" defTabSz="914400" rtl="0" eaLnBrk="1" latinLnBrk="0" hangingPunct="1">
@@ -13205,6 +14002,15 @@
               <a:buNone/>
             </a:pPr>
             <a:r>
+              <a:rPr lang="en-US" sz="2845" b="1" dirty="0"/>
+              <a:t>Wait? Why are these based on data??? </a:t>
+            </a:r>
+          </a:p>
+          <a:p>
+            <a:pPr marL="0" indent="0">
+              <a:buNone/>
+            </a:pPr>
+            <a:r>
               <a:rPr lang="en-US" sz="2845" dirty="0"/>
               <a:t>Priors are </a:t>
             </a:r>
@@ -13222,7 +14028,7 @@
             </a:r>
             <a:r>
               <a:rPr lang="en-US" sz="2845" dirty="0"/>
-              <a:t>don’t dare to make at least some prior brms will use one that is not optimal but at least not too daring.</a:t>
+              <a:t>don’t dare to give at least some prior, brms will use one that is not optimal but at least not too daring.</a:t>
             </a:r>
           </a:p>
         </p:txBody>
@@ -14224,15 +15030,33 @@
                                   </p:childTnLst>
                                 </p:cTn>
                               </p:par>
+                            </p:childTnLst>
+                          </p:cTn>
+                        </p:par>
+                      </p:childTnLst>
+                    </p:cTn>
+                  </p:par>
+                  <p:par>
+                    <p:cTn id="47" fill="hold">
+                      <p:stCondLst>
+                        <p:cond delay="indefinite"/>
+                      </p:stCondLst>
+                      <p:childTnLst>
+                        <p:par>
+                          <p:cTn id="48" fill="hold">
+                            <p:stCondLst>
+                              <p:cond delay="0"/>
+                            </p:stCondLst>
+                            <p:childTnLst>
                               <p:par>
-                                <p:cTn id="47" presetID="1" presetClass="entr" presetSubtype="0" fill="hold" nodeType="withEffect">
+                                <p:cTn id="49" presetID="1" presetClass="entr" presetSubtype="0" fill="hold" nodeType="clickEffect">
                                   <p:stCondLst>
                                     <p:cond delay="0"/>
                                   </p:stCondLst>
                                   <p:childTnLst>
                                     <p:set>
                                       <p:cBhvr>
-                                        <p:cTn id="48" dur="1" fill="hold">
+                                        <p:cTn id="50" dur="1" fill="hold">
                                           <p:stCondLst>
                                             <p:cond delay="0"/>
                                           </p:stCondLst>
@@ -14241,6 +15065,55 @@
                                           <p:spTgt spid="14">
                                             <p:txEl>
                                               <p:pRg st="5" end="5"/>
+                                            </p:txEl>
+                                          </p:spTgt>
+                                        </p:tgtEl>
+                                        <p:attrNameLst>
+                                          <p:attrName>style.visibility</p:attrName>
+                                        </p:attrNameLst>
+                                      </p:cBhvr>
+                                      <p:to>
+                                        <p:strVal val="visible"/>
+                                      </p:to>
+                                    </p:set>
+                                  </p:childTnLst>
+                                </p:cTn>
+                              </p:par>
+                            </p:childTnLst>
+                          </p:cTn>
+                        </p:par>
+                      </p:childTnLst>
+                    </p:cTn>
+                  </p:par>
+                  <p:par>
+                    <p:cTn id="51" fill="hold">
+                      <p:stCondLst>
+                        <p:cond delay="indefinite"/>
+                      </p:stCondLst>
+                      <p:childTnLst>
+                        <p:par>
+                          <p:cTn id="52" fill="hold">
+                            <p:stCondLst>
+                              <p:cond delay="0"/>
+                            </p:stCondLst>
+                            <p:childTnLst>
+                              <p:par>
+                                <p:cTn id="53" presetID="1" presetClass="entr" presetSubtype="0" fill="hold" nodeType="clickEffect">
+                                  <p:stCondLst>
+                                    <p:cond delay="0"/>
+                                  </p:stCondLst>
+                                  <p:childTnLst>
+                                    <p:set>
+                                      <p:cBhvr>
+                                        <p:cTn id="54" dur="1" fill="hold">
+                                          <p:stCondLst>
+                                            <p:cond delay="0"/>
+                                          </p:stCondLst>
+                                        </p:cTn>
+                                        <p:tgtEl>
+                                          <p:spTgt spid="14">
+                                            <p:txEl>
+                                              <p:pRg st="6" end="6"/>
                                             </p:txEl>
                                           </p:spTgt>
                                         </p:tgtEl>
@@ -15568,9 +16441,9 @@
                                           </p:stCondLst>
                                         </p:cTn>
                                         <p:tgtEl>
-                                          <p:spTgt spid="8">
+                                          <p:spTgt spid="12">
                                             <p:txEl>
-                                              <p:pRg st="4" end="4"/>
+                                              <p:pRg st="3" end="3"/>
                                             </p:txEl>
                                           </p:spTgt>
                                         </p:tgtEl>
@@ -15619,7 +16492,7 @@
                                         <p:tgtEl>
                                           <p:spTgt spid="8">
                                             <p:txEl>
-                                              <p:pRg st="6" end="6"/>
+                                              <p:pRg st="4" end="4"/>
                                             </p:txEl>
                                           </p:spTgt>
                                         </p:tgtEl>
@@ -15668,7 +16541,7 @@
                                         <p:tgtEl>
                                           <p:spTgt spid="12">
                                             <p:txEl>
-                                              <p:pRg st="3" end="3"/>
+                                              <p:pRg st="4" end="4"/>
                                             </p:txEl>
                                           </p:spTgt>
                                         </p:tgtEl>
@@ -15715,9 +16588,9 @@
                                           </p:stCondLst>
                                         </p:cTn>
                                         <p:tgtEl>
-                                          <p:spTgt spid="12">
+                                          <p:spTgt spid="8">
                                             <p:txEl>
-                                              <p:pRg st="4" end="4"/>
+                                              <p:pRg st="6" end="6"/>
                                             </p:txEl>
                                           </p:spTgt>
                                         </p:tgtEl>
@@ -16548,6 +17421,55 @@
                                         <p:tgtEl>
                                           <p:spTgt spid="9">
                                             <p:txEl>
+                                              <p:pRg st="0" end="0"/>
+                                            </p:txEl>
+                                          </p:spTgt>
+                                        </p:tgtEl>
+                                        <p:attrNameLst>
+                                          <p:attrName>style.visibility</p:attrName>
+                                        </p:attrNameLst>
+                                      </p:cBhvr>
+                                      <p:to>
+                                        <p:strVal val="visible"/>
+                                      </p:to>
+                                    </p:set>
+                                  </p:childTnLst>
+                                </p:cTn>
+                              </p:par>
+                            </p:childTnLst>
+                          </p:cTn>
+                        </p:par>
+                      </p:childTnLst>
+                    </p:cTn>
+                  </p:par>
+                  <p:par>
+                    <p:cTn id="7" fill="hold">
+                      <p:stCondLst>
+                        <p:cond delay="indefinite"/>
+                      </p:stCondLst>
+                      <p:childTnLst>
+                        <p:par>
+                          <p:cTn id="8" fill="hold">
+                            <p:stCondLst>
+                              <p:cond delay="0"/>
+                            </p:stCondLst>
+                            <p:childTnLst>
+                              <p:par>
+                                <p:cTn id="9" presetID="1" presetClass="entr" presetSubtype="0" fill="hold" nodeType="clickEffect">
+                                  <p:stCondLst>
+                                    <p:cond delay="0"/>
+                                  </p:stCondLst>
+                                  <p:childTnLst>
+                                    <p:set>
+                                      <p:cBhvr>
+                                        <p:cTn id="10" dur="1" fill="hold">
+                                          <p:stCondLst>
+                                            <p:cond delay="0"/>
+                                          </p:stCondLst>
+                                        </p:cTn>
+                                        <p:tgtEl>
+                                          <p:spTgt spid="9">
+                                            <p:txEl>
                                               <p:pRg st="1" end="1"/>
                                             </p:txEl>
                                           </p:spTgt>
@@ -16750,7 +17672,7 @@
         </p:blipFill>
         <p:spPr>
           <a:xfrm>
-            <a:off x="637404" y="1885859"/>
+            <a:off x="569079" y="1885859"/>
             <a:ext cx="8997915" cy="5552999"/>
           </a:xfrm>
           <a:prstGeom prst="rect">
@@ -16886,11 +17808,7 @@
                                           </p:stCondLst>
                                         </p:cTn>
                                         <p:tgtEl>
-                                          <p:spTgt spid="7">
-                                            <p:txEl>
-                                              <p:pRg st="0" end="0"/>
-                                            </p:txEl>
-                                          </p:spTgt>
+                                          <p:spTgt spid="6"/>
                                         </p:tgtEl>
                                         <p:attrNameLst>
                                           <p:attrName>style.visibility</p:attrName>
@@ -16937,7 +17855,7 @@
                                         <p:tgtEl>
                                           <p:spTgt spid="7">
                                             <p:txEl>
-                                              <p:pRg st="2" end="2"/>
+                                              <p:pRg st="0" end="0"/>
                                             </p:txEl>
                                           </p:spTgt>
                                         </p:tgtEl>
@@ -16984,6 +17902,55 @@
                                           </p:stCondLst>
                                         </p:cTn>
                                         <p:tgtEl>
+                                          <p:spTgt spid="7">
+                                            <p:txEl>
+                                              <p:pRg st="2" end="2"/>
+                                            </p:txEl>
+                                          </p:spTgt>
+                                        </p:tgtEl>
+                                        <p:attrNameLst>
+                                          <p:attrName>style.visibility</p:attrName>
+                                        </p:attrNameLst>
+                                      </p:cBhvr>
+                                      <p:to>
+                                        <p:strVal val="visible"/>
+                                      </p:to>
+                                    </p:set>
+                                  </p:childTnLst>
+                                </p:cTn>
+                              </p:par>
+                            </p:childTnLst>
+                          </p:cTn>
+                        </p:par>
+                      </p:childTnLst>
+                    </p:cTn>
+                  </p:par>
+                  <p:par>
+                    <p:cTn id="15" fill="hold">
+                      <p:stCondLst>
+                        <p:cond delay="indefinite"/>
+                      </p:stCondLst>
+                      <p:childTnLst>
+                        <p:par>
+                          <p:cTn id="16" fill="hold">
+                            <p:stCondLst>
+                              <p:cond delay="0"/>
+                            </p:stCondLst>
+                            <p:childTnLst>
+                              <p:par>
+                                <p:cTn id="17" presetID="1" presetClass="entr" presetSubtype="0" fill="hold" nodeType="clickEffect">
+                                  <p:stCondLst>
+                                    <p:cond delay="0"/>
+                                  </p:stCondLst>
+                                  <p:childTnLst>
+                                    <p:set>
+                                      <p:cBhvr>
+                                        <p:cTn id="18" dur="1" fill="hold">
+                                          <p:stCondLst>
+                                            <p:cond delay="0"/>
+                                          </p:stCondLst>
+                                        </p:cTn>
+                                        <p:tgtEl>
                                           <p:spTgt spid="9"/>
                                         </p:tgtEl>
                                         <p:attrNameLst>
@@ -16998,14 +17965,14 @@
                                 </p:cTn>
                               </p:par>
                               <p:par>
-                                <p:cTn id="15" presetID="1" presetClass="entr" presetSubtype="0" fill="hold" grpId="0" nodeType="withEffect">
+                                <p:cTn id="19" presetID="1" presetClass="entr" presetSubtype="0" fill="hold" grpId="0" nodeType="withEffect">
                                   <p:stCondLst>
                                     <p:cond delay="0"/>
                                   </p:stCondLst>
                                   <p:childTnLst>
                                     <p:set>
                                       <p:cBhvr>
-                                        <p:cTn id="16" dur="1" fill="hold">
+                                        <p:cTn id="20" dur="1" fill="hold">
                                           <p:stCondLst>
                                             <p:cond delay="0"/>
                                           </p:stCondLst>
@@ -17031,26 +17998,26 @@
                     </p:cTn>
                   </p:par>
                   <p:par>
-                    <p:cTn id="17" fill="hold">
+                    <p:cTn id="21" fill="hold">
                       <p:stCondLst>
                         <p:cond delay="indefinite"/>
                       </p:stCondLst>
                       <p:childTnLst>
                         <p:par>
-                          <p:cTn id="18" fill="hold">
+                          <p:cTn id="22" fill="hold">
                             <p:stCondLst>
                               <p:cond delay="0"/>
                             </p:stCondLst>
                             <p:childTnLst>
                               <p:par>
-                                <p:cTn id="19" presetID="1" presetClass="exit" presetSubtype="0" fill="hold" nodeType="clickEffect">
+                                <p:cTn id="23" presetID="1" presetClass="exit" presetSubtype="0" fill="hold" nodeType="clickEffect">
                                   <p:stCondLst>
                                     <p:cond delay="0"/>
                                   </p:stCondLst>
                                   <p:childTnLst>
                                     <p:set>
                                       <p:cBhvr>
-                                        <p:cTn id="20" dur="1" fill="hold">
+                                        <p:cTn id="24" dur="1" fill="hold">
                                           <p:stCondLst>
                                             <p:cond delay="0"/>
                                           </p:stCondLst>
@@ -17070,14 +18037,14 @@
                                 </p:cTn>
                               </p:par>
                               <p:par>
-                                <p:cTn id="21" presetID="1" presetClass="exit" presetSubtype="0" fill="hold" grpId="1" nodeType="withEffect">
+                                <p:cTn id="25" presetID="1" presetClass="exit" presetSubtype="0" fill="hold" grpId="1" nodeType="withEffect">
                                   <p:stCondLst>
                                     <p:cond delay="0"/>
                                   </p:stCondLst>
                                   <p:childTnLst>
                                     <p:set>
                                       <p:cBhvr>
-                                        <p:cTn id="22" dur="1" fill="hold">
+                                        <p:cTn id="26" dur="1" fill="hold">
                                           <p:stCondLst>
                                             <p:cond delay="0"/>
                                           </p:stCondLst>
@@ -17097,14 +18064,14 @@
                                 </p:cTn>
                               </p:par>
                               <p:par>
-                                <p:cTn id="23" presetID="1" presetClass="entr" presetSubtype="0" fill="hold" nodeType="withEffect">
+                                <p:cTn id="27" presetID="1" presetClass="entr" presetSubtype="0" fill="hold" nodeType="withEffect">
                                   <p:stCondLst>
                                     <p:cond delay="0"/>
                                   </p:stCondLst>
                                   <p:childTnLst>
                                     <p:set>
                                       <p:cBhvr>
-                                        <p:cTn id="24" dur="1" fill="hold">
+                                        <p:cTn id="28" dur="1" fill="hold">
                                           <p:stCondLst>
                                             <p:cond delay="0"/>
                                           </p:stCondLst>
@@ -17259,7 +18226,7 @@
                 <a:cs typeface="Tahoma" panose="020B0604030504040204" pitchFamily="34" charset="0"/>
                 <a:sym typeface="Wingdings" panose="05000000000000000000" pitchFamily="2" charset="2"/>
               </a:rPr>
-              <a:t>Question: What is the sex ratio in the Netherlands?</a:t>
+              <a:t>Question: Are there more men or women in the Netherlands?</a:t>
             </a:r>
           </a:p>
           <a:p>
@@ -17284,7 +18251,35 @@
                 <a:cs typeface="Tahoma" panose="020B0604030504040204" pitchFamily="34" charset="0"/>
                 <a:sym typeface="Wingdings" panose="05000000000000000000" pitchFamily="2" charset="2"/>
               </a:rPr>
-              <a:t>We define a null-hypothesis (e.g. the percentage of women in NL is 50%)</a:t>
+              <a:t>We define a null-hypothesis (e.g. the sex ratio in NL is 50%)</a:t>
+            </a:r>
+          </a:p>
+          <a:p>
+            <a:pPr marL="514350" indent="-514350">
+              <a:buAutoNum type="arabicPeriod"/>
+            </a:pPr>
+            <a:r>
+              <a:rPr lang="en-US" sz="3200" dirty="0">
+                <a:latin typeface="Tahoma" panose="020B0604030504040204" pitchFamily="34" charset="0"/>
+                <a:ea typeface="Tahoma" panose="020B0604030504040204" pitchFamily="34" charset="0"/>
+                <a:cs typeface="Tahoma" panose="020B0604030504040204" pitchFamily="34" charset="0"/>
+                <a:sym typeface="Wingdings" panose="05000000000000000000" pitchFamily="2" charset="2"/>
+              </a:rPr>
+              <a:t>We define what we find improbable enough to reject H0  alpha-level</a:t>
+            </a:r>
+          </a:p>
+          <a:p>
+            <a:pPr marL="514350" indent="-514350">
+              <a:buAutoNum type="arabicPeriod"/>
+            </a:pPr>
+            <a:r>
+              <a:rPr lang="en-US" sz="3200" dirty="0">
+                <a:latin typeface="Tahoma" panose="020B0604030504040204" pitchFamily="34" charset="0"/>
+                <a:ea typeface="Tahoma" panose="020B0604030504040204" pitchFamily="34" charset="0"/>
+                <a:cs typeface="Tahoma" panose="020B0604030504040204" pitchFamily="34" charset="0"/>
+                <a:sym typeface="Wingdings" panose="05000000000000000000" pitchFamily="2" charset="2"/>
+              </a:rPr>
+              <a:t>We collect data: Imagine 60 out of 100 are women</a:t>
             </a:r>
           </a:p>
           <a:p>
@@ -17316,7 +18311,7 @@
                 <a:cs typeface="Tahoma" panose="020B0604030504040204" pitchFamily="34" charset="0"/>
                 <a:sym typeface="Wingdings" panose="05000000000000000000" pitchFamily="2" charset="2"/>
               </a:rPr>
-              <a:t>(e.g. observing 60 out of 100 women)</a:t>
+              <a:t>in terms of the </a:t>
             </a:r>
             <a:r>
               <a:rPr lang="en-US" sz="3200" b="1" dirty="0">
@@ -17325,7 +18320,7 @@
                 <a:cs typeface="Tahoma" panose="020B0604030504040204" pitchFamily="34" charset="0"/>
                 <a:sym typeface="Wingdings" panose="05000000000000000000" pitchFamily="2" charset="2"/>
               </a:rPr>
-              <a:t> </a:t>
+              <a:t>sampling distribution</a:t>
             </a:r>
             <a:r>
               <a:rPr lang="en-US" sz="3200" dirty="0">
@@ -17334,7 +18329,7 @@
                 <a:cs typeface="Tahoma" panose="020B0604030504040204" pitchFamily="34" charset="0"/>
                 <a:sym typeface="Wingdings" panose="05000000000000000000" pitchFamily="2" charset="2"/>
               </a:rPr>
-              <a:t>considering the entire </a:t>
+              <a:t>, i.e. the entire </a:t>
             </a:r>
             <a:r>
               <a:rPr lang="en-US" sz="3200" b="1" dirty="0">
@@ -17343,26 +18338,19 @@
                 <a:cs typeface="Tahoma" panose="020B0604030504040204" pitchFamily="34" charset="0"/>
                 <a:sym typeface="Wingdings" panose="05000000000000000000" pitchFamily="2" charset="2"/>
               </a:rPr>
-              <a:t>population</a:t>
-            </a:r>
-            <a:r>
-              <a:rPr lang="en-US" sz="3200" b="1" i="1" dirty="0">
-                <a:latin typeface="Tahoma" panose="020B0604030504040204" pitchFamily="34" charset="0"/>
-                <a:ea typeface="Tahoma" panose="020B0604030504040204" pitchFamily="34" charset="0"/>
-                <a:cs typeface="Tahoma" panose="020B0604030504040204" pitchFamily="34" charset="0"/>
-                <a:sym typeface="Wingdings" panose="05000000000000000000" pitchFamily="2" charset="2"/>
-              </a:rPr>
-              <a:t> </a:t>
-            </a:r>
-            <a:r>
-              <a:rPr lang="en-US" sz="3200" b="1" dirty="0">
-                <a:latin typeface="Tahoma" panose="020B0604030504040204" pitchFamily="34" charset="0"/>
-                <a:ea typeface="Tahoma" panose="020B0604030504040204" pitchFamily="34" charset="0"/>
-                <a:cs typeface="Tahoma" panose="020B0604030504040204" pitchFamily="34" charset="0"/>
-                <a:sym typeface="Wingdings" panose="05000000000000000000" pitchFamily="2" charset="2"/>
-              </a:rPr>
-              <a:t>of possible samples</a:t>
-            </a:r>
+              <a:t>distribution of all possible samples that we could have observed.</a:t>
+            </a:r>
+            <a:endParaRPr lang="en-US" sz="3200" dirty="0">
+              <a:latin typeface="Tahoma" panose="020B0604030504040204" pitchFamily="34" charset="0"/>
+              <a:ea typeface="Tahoma" panose="020B0604030504040204" pitchFamily="34" charset="0"/>
+              <a:cs typeface="Tahoma" panose="020B0604030504040204" pitchFamily="34" charset="0"/>
+              <a:sym typeface="Wingdings" panose="05000000000000000000" pitchFamily="2" charset="2"/>
+            </a:endParaRPr>
+          </a:p>
+          <a:p>
+            <a:pPr marL="514350" indent="-514350">
+              <a:buAutoNum type="arabicPeriod"/>
+            </a:pPr>
             <a:r>
               <a:rPr lang="en-US" sz="3200" dirty="0">
                 <a:latin typeface="Tahoma" panose="020B0604030504040204" pitchFamily="34" charset="0"/>
@@ -17370,12 +18358,12 @@
                 <a:cs typeface="Tahoma" panose="020B0604030504040204" pitchFamily="34" charset="0"/>
                 <a:sym typeface="Wingdings" panose="05000000000000000000" pitchFamily="2" charset="2"/>
               </a:rPr>
-              <a:t> that we could have observed (i.e. the sampling distribution)</a:t>
-            </a:r>
-          </a:p>
-          <a:p>
-            <a:pPr marL="514350" indent="-514350">
-              <a:buAutoNum type="arabicPeriod"/>
+              <a:t>We conclude that…</a:t>
+            </a:r>
+          </a:p>
+          <a:p>
+            <a:pPr marL="874713" lvl="1" indent="-514350">
+              <a:buAutoNum type="alphaLcParenR"/>
             </a:pPr>
             <a:r>
               <a:rPr lang="en-US" sz="3200" dirty="0">
@@ -17384,7 +18372,21 @@
                 <a:cs typeface="Tahoma" panose="020B0604030504040204" pitchFamily="34" charset="0"/>
                 <a:sym typeface="Wingdings" panose="05000000000000000000" pitchFamily="2" charset="2"/>
               </a:rPr>
-              <a:t>We conclude that we cannot assume H0 is true if the probability of getting such a sample is sufficiently small (e.g. p &lt; .05) or we conclude that the data are not unlikely if H0 is true. </a:t>
+              <a:t>…our sample is very improbable if H0 was true 	 reject H0 		if p &lt; alpha</a:t>
+            </a:r>
+          </a:p>
+          <a:p>
+            <a:pPr marL="817563" lvl="1" indent="-457200">
+              <a:buAutoNum type="alphaLcParenR"/>
+            </a:pPr>
+            <a:r>
+              <a:rPr lang="en-US" sz="3200" dirty="0">
+                <a:latin typeface="Tahoma" panose="020B0604030504040204" pitchFamily="34" charset="0"/>
+                <a:ea typeface="Tahoma" panose="020B0604030504040204" pitchFamily="34" charset="0"/>
+                <a:cs typeface="Tahoma" panose="020B0604030504040204" pitchFamily="34" charset="0"/>
+                <a:sym typeface="Wingdings" panose="05000000000000000000" pitchFamily="2" charset="2"/>
+              </a:rPr>
+              <a:t>…our sample is not unlikely if H0 was true 		 retain H0 		if p ≥ alpha</a:t>
             </a:r>
             <a:endParaRPr lang="en-US" sz="2400" dirty="0">
               <a:latin typeface="Tahoma" panose="020B0604030504040204" pitchFamily="34" charset="0"/>
@@ -17698,520 +18700,6 @@
                       </p:childTnLst>
                     </p:cTn>
                   </p:par>
-                </p:childTnLst>
-              </p:cTn>
-              <p:prevCondLst>
-                <p:cond evt="onPrev" delay="0">
-                  <p:tgtEl>
-                    <p:sldTgt/>
-                  </p:tgtEl>
-                </p:cond>
-              </p:prevCondLst>
-              <p:nextCondLst>
-                <p:cond evt="onNext" delay="0">
-                  <p:tgtEl>
-                    <p:sldTgt/>
-                  </p:tgtEl>
-                </p:cond>
-              </p:nextCondLst>
-            </p:seq>
-          </p:childTnLst>
-        </p:cTn>
-      </p:par>
-    </p:tnLst>
-  </p:timing>
-</p:sld>
-</file>
-
-<file path=ppt/slides/slide30.xml><?xml version="1.0" encoding="utf-8"?>
-<p:sld xmlns:a="http://schemas.openxmlformats.org/drawingml/2006/main" xmlns:r="http://schemas.openxmlformats.org/officeDocument/2006/relationships" xmlns:p="http://schemas.openxmlformats.org/presentationml/2006/main">
-  <p:cSld>
-    <p:spTree>
-      <p:nvGrpSpPr>
-        <p:cNvPr id="1" name=""/>
-        <p:cNvGrpSpPr/>
-        <p:nvPr/>
-      </p:nvGrpSpPr>
-      <p:grpSpPr>
-        <a:xfrm>
-          <a:off x="0" y="0"/>
-          <a:ext cx="0" cy="0"/>
-          <a:chOff x="0" y="0"/>
-          <a:chExt cx="0" cy="0"/>
-        </a:xfrm>
-      </p:grpSpPr>
-      <p:sp>
-        <p:nvSpPr>
-          <p:cNvPr id="13313" name="Titel 1"/>
-          <p:cNvSpPr>
-            <a:spLocks noGrp="1"/>
-          </p:cNvSpPr>
-          <p:nvPr>
-            <p:ph type="title"/>
-          </p:nvPr>
-        </p:nvSpPr>
-        <p:spPr>
-          <a:xfrm>
-            <a:off x="-14005" y="-35135"/>
-            <a:ext cx="17360617" cy="949536"/>
-          </a:xfrm>
-        </p:spPr>
-        <p:txBody>
-          <a:bodyPr/>
-          <a:lstStyle/>
-          <a:p>
-            <a:pPr algn="ctr"/>
-            <a:r>
-              <a:rPr lang="en-US" sz="4000" dirty="0">
-                <a:solidFill>
-                  <a:schemeClr val="tx1"/>
-                </a:solidFill>
-                <a:latin typeface="Tahoma" panose="020B0604030504040204" pitchFamily="34" charset="0"/>
-                <a:ea typeface="Tahoma" panose="020B0604030504040204" pitchFamily="34" charset="0"/>
-                <a:cs typeface="Tahoma" panose="020B0604030504040204" pitchFamily="34" charset="0"/>
-              </a:rPr>
-              <a:t>Why is brms better than lme4?</a:t>
-            </a:r>
-          </a:p>
-        </p:txBody>
-      </p:sp>
-      <p:sp>
-        <p:nvSpPr>
-          <p:cNvPr id="11" name="Content Placeholder 2">
-            <a:extLst>
-              <a:ext uri="{FF2B5EF4-FFF2-40B4-BE49-F238E27FC236}">
-                <a16:creationId xmlns:a16="http://schemas.microsoft.com/office/drawing/2014/main" id="{F1C7036F-BD42-4C20-9C74-E2EC391D617E}"/>
-              </a:ext>
-            </a:extLst>
-          </p:cNvPr>
-          <p:cNvSpPr>
-            <a:spLocks noGrp="1"/>
-          </p:cNvSpPr>
-          <p:nvPr>
-            <p:ph idx="1"/>
-          </p:nvPr>
-        </p:nvSpPr>
-        <p:spPr>
-          <a:xfrm>
-            <a:off x="273132" y="1236554"/>
-            <a:ext cx="16762265" cy="6624911"/>
-          </a:xfrm>
-        </p:spPr>
-        <p:txBody>
-          <a:bodyPr/>
-          <a:lstStyle/>
-          <a:p>
-            <a:pPr marL="0" indent="0">
-              <a:buNone/>
-            </a:pPr>
-            <a:r>
-              <a:rPr lang="en-US" sz="3200" b="1" dirty="0">
-                <a:latin typeface="Tahoma" panose="020B0604030504040204" pitchFamily="34" charset="0"/>
-                <a:ea typeface="Tahoma" panose="020B0604030504040204" pitchFamily="34" charset="0"/>
-                <a:cs typeface="Tahoma" panose="020B0604030504040204" pitchFamily="34" charset="0"/>
-                <a:sym typeface="Wingdings" panose="05000000000000000000" pitchFamily="2" charset="2"/>
-              </a:rPr>
-              <a:t>Almost no restrictions in what we want to do! The </a:t>
-            </a:r>
-            <a:r>
-              <a:rPr lang="en-US" sz="3200" b="1" dirty="0">
-                <a:latin typeface="Consolas" panose="020B0609020204030204" pitchFamily="49" charset="0"/>
-                <a:ea typeface="Tahoma" panose="020B0604030504040204" pitchFamily="34" charset="0"/>
-                <a:cs typeface="Tahoma" panose="020B0604030504040204" pitchFamily="34" charset="0"/>
-                <a:sym typeface="Wingdings" panose="05000000000000000000" pitchFamily="2" charset="2"/>
-              </a:rPr>
-              <a:t>brms</a:t>
-            </a:r>
-            <a:r>
-              <a:rPr lang="en-US" sz="3200" b="1" dirty="0">
-                <a:latin typeface="Tahoma" panose="020B0604030504040204" pitchFamily="34" charset="0"/>
-                <a:ea typeface="Tahoma" panose="020B0604030504040204" pitchFamily="34" charset="0"/>
-                <a:cs typeface="Tahoma" panose="020B0604030504040204" pitchFamily="34" charset="0"/>
-                <a:sym typeface="Wingdings" panose="05000000000000000000" pitchFamily="2" charset="2"/>
-              </a:rPr>
-              <a:t> package in </a:t>
-            </a:r>
-            <a:r>
-              <a:rPr lang="en-US" sz="3200" b="1" dirty="0">
-                <a:latin typeface="Consolas" panose="020B0609020204030204" pitchFamily="49" charset="0"/>
-                <a:ea typeface="Tahoma" panose="020B0604030504040204" pitchFamily="34" charset="0"/>
-                <a:cs typeface="Tahoma" panose="020B0604030504040204" pitchFamily="34" charset="0"/>
-                <a:sym typeface="Wingdings" panose="05000000000000000000" pitchFamily="2" charset="2"/>
-              </a:rPr>
-              <a:t>R</a:t>
-            </a:r>
-            <a:r>
-              <a:rPr lang="en-US" sz="3200" b="1" dirty="0">
-                <a:latin typeface="Tahoma" panose="020B0604030504040204" pitchFamily="34" charset="0"/>
-                <a:ea typeface="Tahoma" panose="020B0604030504040204" pitchFamily="34" charset="0"/>
-                <a:cs typeface="Tahoma" panose="020B0604030504040204" pitchFamily="34" charset="0"/>
-                <a:sym typeface="Wingdings" panose="05000000000000000000" pitchFamily="2" charset="2"/>
-              </a:rPr>
-              <a:t> allows you do to almost everything you’d ever need!</a:t>
-            </a:r>
-          </a:p>
-          <a:p>
-            <a:pPr lvl="1">
-              <a:buFont typeface="Wingdings" panose="05000000000000000000" pitchFamily="2" charset="2"/>
-              <a:buChar char="à"/>
-            </a:pPr>
-            <a:r>
-              <a:rPr lang="en-US" sz="3200" dirty="0">
-                <a:latin typeface="Tahoma" panose="020B0604030504040204" pitchFamily="34" charset="0"/>
-                <a:ea typeface="Tahoma" panose="020B0604030504040204" pitchFamily="34" charset="0"/>
-                <a:cs typeface="Tahoma" panose="020B0604030504040204" pitchFamily="34" charset="0"/>
-                <a:sym typeface="Wingdings" panose="05000000000000000000" pitchFamily="2" charset="2"/>
-              </a:rPr>
-              <a:t>Multivariate Mixed models</a:t>
-            </a:r>
-          </a:p>
-          <a:p>
-            <a:pPr lvl="1">
-              <a:buFont typeface="Wingdings" panose="05000000000000000000" pitchFamily="2" charset="2"/>
-              <a:buChar char="à"/>
-            </a:pPr>
-            <a:r>
-              <a:rPr lang="en-US" sz="3200" dirty="0">
-                <a:latin typeface="Tahoma" panose="020B0604030504040204" pitchFamily="34" charset="0"/>
-                <a:ea typeface="Tahoma" panose="020B0604030504040204" pitchFamily="34" charset="0"/>
-                <a:cs typeface="Tahoma" panose="020B0604030504040204" pitchFamily="34" charset="0"/>
-                <a:sym typeface="Wingdings" panose="05000000000000000000" pitchFamily="2" charset="2"/>
-              </a:rPr>
-              <a:t>Mediation in Mixed-Effect Models</a:t>
-            </a:r>
-          </a:p>
-          <a:p>
-            <a:pPr lvl="1">
-              <a:buFont typeface="Wingdings" panose="05000000000000000000" pitchFamily="2" charset="2"/>
-              <a:buChar char="à"/>
-            </a:pPr>
-            <a:r>
-              <a:rPr lang="en-US" sz="3200" dirty="0">
-                <a:latin typeface="Tahoma" panose="020B0604030504040204" pitchFamily="34" charset="0"/>
-                <a:ea typeface="Tahoma" panose="020B0604030504040204" pitchFamily="34" charset="0"/>
-                <a:cs typeface="Tahoma" panose="020B0604030504040204" pitchFamily="34" charset="0"/>
-                <a:sym typeface="Wingdings" panose="05000000000000000000" pitchFamily="2" charset="2"/>
-              </a:rPr>
-              <a:t>Simple Structural Equation Models</a:t>
-            </a:r>
-          </a:p>
-          <a:p>
-            <a:pPr lvl="1">
-              <a:buFont typeface="Wingdings" panose="05000000000000000000" pitchFamily="2" charset="2"/>
-              <a:buChar char="à"/>
-            </a:pPr>
-            <a:r>
-              <a:rPr lang="en-US" sz="3200" dirty="0">
-                <a:latin typeface="Tahoma" panose="020B0604030504040204" pitchFamily="34" charset="0"/>
-                <a:ea typeface="Tahoma" panose="020B0604030504040204" pitchFamily="34" charset="0"/>
-                <a:cs typeface="Tahoma" panose="020B0604030504040204" pitchFamily="34" charset="0"/>
-                <a:sym typeface="Wingdings" panose="05000000000000000000" pitchFamily="2" charset="2"/>
-              </a:rPr>
-              <a:t>Dozens of different outcome distributions/model families are possible!</a:t>
-            </a:r>
-          </a:p>
-          <a:p>
-            <a:pPr lvl="2">
-              <a:buFont typeface="Wingdings" panose="05000000000000000000" pitchFamily="2" charset="2"/>
-              <a:buChar char="à"/>
-            </a:pPr>
-            <a:r>
-              <a:rPr lang="en-US" sz="2800" dirty="0">
-                <a:latin typeface="Tahoma" panose="020B0604030504040204" pitchFamily="34" charset="0"/>
-                <a:ea typeface="Tahoma" panose="020B0604030504040204" pitchFamily="34" charset="0"/>
-                <a:cs typeface="Tahoma" panose="020B0604030504040204" pitchFamily="34" charset="0"/>
-                <a:sym typeface="Wingdings" panose="05000000000000000000" pitchFamily="2" charset="2"/>
-              </a:rPr>
-              <a:t>Think about how your outcome might look like! (</a:t>
-            </a:r>
-            <a:r>
-              <a:rPr lang="en-US" sz="2800" dirty="0">
-                <a:latin typeface="Consolas" panose="020B0609020204030204" pitchFamily="49" charset="0"/>
-                <a:ea typeface="Tahoma" panose="020B0604030504040204" pitchFamily="34" charset="0"/>
-                <a:cs typeface="Tahoma" panose="020B0604030504040204" pitchFamily="34" charset="0"/>
-                <a:sym typeface="Wingdings" panose="05000000000000000000" pitchFamily="2" charset="2"/>
-              </a:rPr>
-              <a:t>normal, lognormal, </a:t>
-            </a:r>
-            <a:r>
-              <a:rPr lang="en-US" sz="2800" dirty="0" err="1">
-                <a:latin typeface="Consolas" panose="020B0609020204030204" pitchFamily="49" charset="0"/>
-                <a:ea typeface="Tahoma" panose="020B0604030504040204" pitchFamily="34" charset="0"/>
-                <a:cs typeface="Tahoma" panose="020B0604030504040204" pitchFamily="34" charset="0"/>
-                <a:sym typeface="Wingdings" panose="05000000000000000000" pitchFamily="2" charset="2"/>
-              </a:rPr>
-              <a:t>poisson</a:t>
-            </a:r>
-            <a:r>
-              <a:rPr lang="en-US" sz="2800" dirty="0">
-                <a:latin typeface="Consolas" panose="020B0609020204030204" pitchFamily="49" charset="0"/>
-                <a:ea typeface="Tahoma" panose="020B0604030504040204" pitchFamily="34" charset="0"/>
-                <a:cs typeface="Tahoma" panose="020B0604030504040204" pitchFamily="34" charset="0"/>
-                <a:sym typeface="Wingdings" panose="05000000000000000000" pitchFamily="2" charset="2"/>
-              </a:rPr>
-              <a:t>, binomial, beta, gamma</a:t>
-            </a:r>
-            <a:r>
-              <a:rPr lang="en-US" sz="2800" dirty="0">
-                <a:latin typeface="Tahoma" panose="020B0604030504040204" pitchFamily="34" charset="0"/>
-                <a:ea typeface="Tahoma" panose="020B0604030504040204" pitchFamily="34" charset="0"/>
-                <a:cs typeface="Tahoma" panose="020B0604030504040204" pitchFamily="34" charset="0"/>
-                <a:sym typeface="Wingdings" panose="05000000000000000000" pitchFamily="2" charset="2"/>
-              </a:rPr>
-              <a:t>…)</a:t>
-            </a:r>
-          </a:p>
-          <a:p>
-            <a:pPr lvl="2">
-              <a:buFont typeface="Wingdings" panose="05000000000000000000" pitchFamily="2" charset="2"/>
-              <a:buChar char="à"/>
-            </a:pPr>
-            <a:r>
-              <a:rPr lang="en-US" sz="2800" dirty="0">
-                <a:latin typeface="Tahoma" panose="020B0604030504040204" pitchFamily="34" charset="0"/>
-                <a:ea typeface="Tahoma" panose="020B0604030504040204" pitchFamily="34" charset="0"/>
-                <a:cs typeface="Tahoma" panose="020B0604030504040204" pitchFamily="34" charset="0"/>
-                <a:sym typeface="Wingdings" panose="05000000000000000000" pitchFamily="2" charset="2"/>
-              </a:rPr>
-              <a:t>You can even use </a:t>
-            </a:r>
-            <a:r>
-              <a:rPr lang="en-US" sz="2800" b="1" dirty="0">
-                <a:latin typeface="Tahoma" panose="020B0604030504040204" pitchFamily="34" charset="0"/>
-                <a:ea typeface="Tahoma" panose="020B0604030504040204" pitchFamily="34" charset="0"/>
-                <a:cs typeface="Tahoma" panose="020B0604030504040204" pitchFamily="34" charset="0"/>
-                <a:sym typeface="Wingdings" panose="05000000000000000000" pitchFamily="2" charset="2"/>
-              </a:rPr>
-              <a:t>mixtures </a:t>
-            </a:r>
-            <a:r>
-              <a:rPr lang="en-US" sz="2800" dirty="0">
-                <a:latin typeface="Tahoma" panose="020B0604030504040204" pitchFamily="34" charset="0"/>
-                <a:ea typeface="Tahoma" panose="020B0604030504040204" pitchFamily="34" charset="0"/>
-                <a:cs typeface="Tahoma" panose="020B0604030504040204" pitchFamily="34" charset="0"/>
-                <a:sym typeface="Wingdings" panose="05000000000000000000" pitchFamily="2" charset="2"/>
-              </a:rPr>
-              <a:t>of these outcome distributions</a:t>
-            </a:r>
-          </a:p>
-          <a:p>
-            <a:pPr lvl="2">
-              <a:buFont typeface="Wingdings" panose="05000000000000000000" pitchFamily="2" charset="2"/>
-              <a:buChar char="à"/>
-            </a:pPr>
-            <a:r>
-              <a:rPr lang="en-US" sz="2800" dirty="0">
-                <a:latin typeface="Tahoma" panose="020B0604030504040204" pitchFamily="34" charset="0"/>
-                <a:ea typeface="Tahoma" panose="020B0604030504040204" pitchFamily="34" charset="0"/>
-                <a:cs typeface="Tahoma" panose="020B0604030504040204" pitchFamily="34" charset="0"/>
-                <a:sym typeface="Wingdings" panose="05000000000000000000" pitchFamily="2" charset="2"/>
-              </a:rPr>
-              <a:t>Outliers can often be kept in the model instead of having to be deleted – this gives us more stable inferences!</a:t>
-            </a:r>
-          </a:p>
-          <a:p>
-            <a:pPr lvl="2">
-              <a:buFont typeface="Wingdings" panose="05000000000000000000" pitchFamily="2" charset="2"/>
-              <a:buChar char="à"/>
-            </a:pPr>
-            <a:r>
-              <a:rPr lang="en-US" sz="2800" dirty="0">
-                <a:latin typeface="Tahoma" panose="020B0604030504040204" pitchFamily="34" charset="0"/>
-                <a:ea typeface="Tahoma" panose="020B0604030504040204" pitchFamily="34" charset="0"/>
-                <a:cs typeface="Tahoma" panose="020B0604030504040204" pitchFamily="34" charset="0"/>
-                <a:sym typeface="Wingdings" panose="05000000000000000000" pitchFamily="2" charset="2"/>
-              </a:rPr>
-              <a:t>Fit cognitive models such as drift diffusion models</a:t>
-            </a:r>
-          </a:p>
-          <a:p>
-            <a:pPr lvl="1">
-              <a:buFont typeface="Wingdings" panose="05000000000000000000" pitchFamily="2" charset="2"/>
-              <a:buChar char="à"/>
-            </a:pPr>
-            <a:r>
-              <a:rPr lang="en-US" sz="3200" dirty="0">
-                <a:latin typeface="Tahoma" panose="020B0604030504040204" pitchFamily="34" charset="0"/>
-                <a:ea typeface="Tahoma" panose="020B0604030504040204" pitchFamily="34" charset="0"/>
-                <a:cs typeface="Tahoma" panose="020B0604030504040204" pitchFamily="34" charset="0"/>
-                <a:sym typeface="Wingdings" panose="05000000000000000000" pitchFamily="2" charset="2"/>
-              </a:rPr>
-              <a:t>No annoying convergence problems, and model diagnostic if something goes wrong is much more straightforward.</a:t>
-            </a:r>
-          </a:p>
-          <a:p>
-            <a:pPr marL="0" indent="0">
-              <a:buNone/>
-            </a:pPr>
-            <a:endParaRPr lang="en-US" sz="3600" dirty="0"/>
-          </a:p>
-        </p:txBody>
-      </p:sp>
-    </p:spTree>
-    <p:extLst>
-      <p:ext uri="{BB962C8B-B14F-4D97-AF65-F5344CB8AC3E}">
-        <p14:creationId xmlns:p14="http://schemas.microsoft.com/office/powerpoint/2010/main" val="1080906984"/>
-      </p:ext>
-    </p:extLst>
-  </p:cSld>
-  <p:clrMapOvr>
-    <a:masterClrMapping/>
-  </p:clrMapOvr>
-  <p:timing>
-    <p:tnLst>
-      <p:par>
-        <p:cTn id="1" dur="indefinite" restart="never" nodeType="tmRoot">
-          <p:childTnLst>
-            <p:seq concurrent="1" nextAc="seek">
-              <p:cTn id="2" dur="indefinite" nodeType="mainSeq">
-                <p:childTnLst>
-                  <p:par>
-                    <p:cTn id="3" fill="hold">
-                      <p:stCondLst>
-                        <p:cond delay="indefinite"/>
-                      </p:stCondLst>
-                      <p:childTnLst>
-                        <p:par>
-                          <p:cTn id="4" fill="hold">
-                            <p:stCondLst>
-                              <p:cond delay="0"/>
-                            </p:stCondLst>
-                            <p:childTnLst>
-                              <p:par>
-                                <p:cTn id="5" presetID="1" presetClass="entr" presetSubtype="0" fill="hold" nodeType="clickEffect">
-                                  <p:stCondLst>
-                                    <p:cond delay="0"/>
-                                  </p:stCondLst>
-                                  <p:childTnLst>
-                                    <p:set>
-                                      <p:cBhvr>
-                                        <p:cTn id="6" dur="1" fill="hold">
-                                          <p:stCondLst>
-                                            <p:cond delay="0"/>
-                                          </p:stCondLst>
-                                        </p:cTn>
-                                        <p:tgtEl>
-                                          <p:spTgt spid="11">
-                                            <p:txEl>
-                                              <p:pRg st="1" end="1"/>
-                                            </p:txEl>
-                                          </p:spTgt>
-                                        </p:tgtEl>
-                                        <p:attrNameLst>
-                                          <p:attrName>style.visibility</p:attrName>
-                                        </p:attrNameLst>
-                                      </p:cBhvr>
-                                      <p:to>
-                                        <p:strVal val="visible"/>
-                                      </p:to>
-                                    </p:set>
-                                  </p:childTnLst>
-                                </p:cTn>
-                              </p:par>
-                            </p:childTnLst>
-                          </p:cTn>
-                        </p:par>
-                      </p:childTnLst>
-                    </p:cTn>
-                  </p:par>
-                  <p:par>
-                    <p:cTn id="7" fill="hold">
-                      <p:stCondLst>
-                        <p:cond delay="indefinite"/>
-                      </p:stCondLst>
-                      <p:childTnLst>
-                        <p:par>
-                          <p:cTn id="8" fill="hold">
-                            <p:stCondLst>
-                              <p:cond delay="0"/>
-                            </p:stCondLst>
-                            <p:childTnLst>
-                              <p:par>
-                                <p:cTn id="9" presetID="1" presetClass="entr" presetSubtype="0" fill="hold" nodeType="clickEffect">
-                                  <p:stCondLst>
-                                    <p:cond delay="0"/>
-                                  </p:stCondLst>
-                                  <p:childTnLst>
-                                    <p:set>
-                                      <p:cBhvr>
-                                        <p:cTn id="10" dur="1" fill="hold">
-                                          <p:stCondLst>
-                                            <p:cond delay="0"/>
-                                          </p:stCondLst>
-                                        </p:cTn>
-                                        <p:tgtEl>
-                                          <p:spTgt spid="11">
-                                            <p:txEl>
-                                              <p:pRg st="2" end="2"/>
-                                            </p:txEl>
-                                          </p:spTgt>
-                                        </p:tgtEl>
-                                        <p:attrNameLst>
-                                          <p:attrName>style.visibility</p:attrName>
-                                        </p:attrNameLst>
-                                      </p:cBhvr>
-                                      <p:to>
-                                        <p:strVal val="visible"/>
-                                      </p:to>
-                                    </p:set>
-                                  </p:childTnLst>
-                                </p:cTn>
-                              </p:par>
-                            </p:childTnLst>
-                          </p:cTn>
-                        </p:par>
-                      </p:childTnLst>
-                    </p:cTn>
-                  </p:par>
-                  <p:par>
-                    <p:cTn id="11" fill="hold">
-                      <p:stCondLst>
-                        <p:cond delay="indefinite"/>
-                      </p:stCondLst>
-                      <p:childTnLst>
-                        <p:par>
-                          <p:cTn id="12" fill="hold">
-                            <p:stCondLst>
-                              <p:cond delay="0"/>
-                            </p:stCondLst>
-                            <p:childTnLst>
-                              <p:par>
-                                <p:cTn id="13" presetID="1" presetClass="entr" presetSubtype="0" fill="hold" nodeType="clickEffect">
-                                  <p:stCondLst>
-                                    <p:cond delay="0"/>
-                                  </p:stCondLst>
-                                  <p:childTnLst>
-                                    <p:set>
-                                      <p:cBhvr>
-                                        <p:cTn id="14" dur="1" fill="hold">
-                                          <p:stCondLst>
-                                            <p:cond delay="0"/>
-                                          </p:stCondLst>
-                                        </p:cTn>
-                                        <p:tgtEl>
-                                          <p:spTgt spid="11">
-                                            <p:txEl>
-                                              <p:pRg st="3" end="3"/>
-                                            </p:txEl>
-                                          </p:spTgt>
-                                        </p:tgtEl>
-                                        <p:attrNameLst>
-                                          <p:attrName>style.visibility</p:attrName>
-                                        </p:attrNameLst>
-                                      </p:cBhvr>
-                                      <p:to>
-                                        <p:strVal val="visible"/>
-                                      </p:to>
-                                    </p:set>
-                                  </p:childTnLst>
-                                </p:cTn>
-                              </p:par>
-                            </p:childTnLst>
-                          </p:cTn>
-                        </p:par>
-                      </p:childTnLst>
-                    </p:cTn>
-                  </p:par>
                   <p:par>
                     <p:cTn id="15" fill="hold">
                       <p:stCondLst>
@@ -18233,86 +18721,6 @@
                                     <p:set>
                                       <p:cBhvr>
                                         <p:cTn id="18" dur="1" fill="hold">
-                                          <p:stCondLst>
-                                            <p:cond delay="0"/>
-                                          </p:stCondLst>
-                                        </p:cTn>
-                                        <p:tgtEl>
-                                          <p:spTgt spid="11">
-                                            <p:txEl>
-                                              <p:pRg st="4" end="4"/>
-                                            </p:txEl>
-                                          </p:spTgt>
-                                        </p:tgtEl>
-                                        <p:attrNameLst>
-                                          <p:attrName>style.visibility</p:attrName>
-                                        </p:attrNameLst>
-                                      </p:cBhvr>
-                                      <p:to>
-                                        <p:strVal val="visible"/>
-                                      </p:to>
-                                    </p:set>
-                                  </p:childTnLst>
-                                </p:cTn>
-                              </p:par>
-                              <p:par>
-                                <p:cTn id="19" presetID="1" presetClass="entr" presetSubtype="0" fill="hold" nodeType="withEffect">
-                                  <p:stCondLst>
-                                    <p:cond delay="0"/>
-                                  </p:stCondLst>
-                                  <p:childTnLst>
-                                    <p:set>
-                                      <p:cBhvr>
-                                        <p:cTn id="20" dur="1" fill="hold">
-                                          <p:stCondLst>
-                                            <p:cond delay="0"/>
-                                          </p:stCondLst>
-                                        </p:cTn>
-                                        <p:tgtEl>
-                                          <p:spTgt spid="11">
-                                            <p:txEl>
-                                              <p:pRg st="5" end="5"/>
-                                            </p:txEl>
-                                          </p:spTgt>
-                                        </p:tgtEl>
-                                        <p:attrNameLst>
-                                          <p:attrName>style.visibility</p:attrName>
-                                        </p:attrNameLst>
-                                      </p:cBhvr>
-                                      <p:to>
-                                        <p:strVal val="visible"/>
-                                      </p:to>
-                                    </p:set>
-                                  </p:childTnLst>
-                                </p:cTn>
-                              </p:par>
-                            </p:childTnLst>
-                          </p:cTn>
-                        </p:par>
-                      </p:childTnLst>
-                    </p:cTn>
-                  </p:par>
-                  <p:par>
-                    <p:cTn id="21" fill="hold">
-                      <p:stCondLst>
-                        <p:cond delay="indefinite"/>
-                      </p:stCondLst>
-                      <p:childTnLst>
-                        <p:par>
-                          <p:cTn id="22" fill="hold">
-                            <p:stCondLst>
-                              <p:cond delay="0"/>
-                            </p:stCondLst>
-                            <p:childTnLst>
-                              <p:par>
-                                <p:cTn id="23" presetID="1" presetClass="entr" presetSubtype="0" fill="hold" nodeType="clickEffect">
-                                  <p:stCondLst>
-                                    <p:cond delay="0"/>
-                                  </p:stCondLst>
-                                  <p:childTnLst>
-                                    <p:set>
-                                      <p:cBhvr>
-                                        <p:cTn id="24" dur="1" fill="hold">
                                           <p:stCondLst>
                                             <p:cond delay="0"/>
                                           </p:stCondLst>
@@ -18342,26 +18750,26 @@
                     </p:cTn>
                   </p:par>
                   <p:par>
-                    <p:cTn id="25" fill="hold">
+                    <p:cTn id="19" fill="hold">
                       <p:stCondLst>
                         <p:cond delay="indefinite"/>
                       </p:stCondLst>
                       <p:childTnLst>
                         <p:par>
-                          <p:cTn id="26" fill="hold">
+                          <p:cTn id="20" fill="hold">
                             <p:stCondLst>
                               <p:cond delay="0"/>
                             </p:stCondLst>
                             <p:childTnLst>
                               <p:par>
-                                <p:cTn id="27" presetID="1" presetClass="entr" presetSubtype="0" fill="hold" nodeType="clickEffect">
+                                <p:cTn id="21" presetID="1" presetClass="entr" presetSubtype="0" fill="hold" nodeType="clickEffect">
                                   <p:stCondLst>
                                     <p:cond delay="0"/>
                                   </p:stCondLst>
                                   <p:childTnLst>
                                     <p:set>
                                       <p:cBhvr>
-                                        <p:cTn id="28" dur="1" fill="hold">
+                                        <p:cTn id="22" dur="1" fill="hold">
                                           <p:stCondLst>
                                             <p:cond delay="0"/>
                                           </p:stCondLst>
@@ -18391,26 +18799,26 @@
                     </p:cTn>
                   </p:par>
                   <p:par>
-                    <p:cTn id="29" fill="hold">
+                    <p:cTn id="23" fill="hold">
                       <p:stCondLst>
                         <p:cond delay="indefinite"/>
                       </p:stCondLst>
                       <p:childTnLst>
                         <p:par>
-                          <p:cTn id="30" fill="hold">
+                          <p:cTn id="24" fill="hold">
                             <p:stCondLst>
                               <p:cond delay="0"/>
                             </p:stCondLst>
                             <p:childTnLst>
                               <p:par>
-                                <p:cTn id="31" presetID="1" presetClass="entr" presetSubtype="0" fill="hold" nodeType="clickEffect">
+                                <p:cTn id="25" presetID="1" presetClass="entr" presetSubtype="0" fill="hold" nodeType="clickEffect">
                                   <p:stCondLst>
                                     <p:cond delay="0"/>
                                   </p:stCondLst>
                                   <p:childTnLst>
                                     <p:set>
                                       <p:cBhvr>
-                                        <p:cTn id="32" dur="1" fill="hold">
+                                        <p:cTn id="26" dur="1" fill="hold">
                                           <p:stCondLst>
                                             <p:cond delay="0"/>
                                           </p:stCondLst>
@@ -18440,26 +18848,26 @@
                     </p:cTn>
                   </p:par>
                   <p:par>
-                    <p:cTn id="33" fill="hold">
+                    <p:cTn id="27" fill="hold">
                       <p:stCondLst>
                         <p:cond delay="indefinite"/>
                       </p:stCondLst>
                       <p:childTnLst>
                         <p:par>
-                          <p:cTn id="34" fill="hold">
+                          <p:cTn id="28" fill="hold">
                             <p:stCondLst>
                               <p:cond delay="0"/>
                             </p:stCondLst>
                             <p:childTnLst>
                               <p:par>
-                                <p:cTn id="35" presetID="1" presetClass="entr" presetSubtype="0" fill="hold" nodeType="clickEffect">
+                                <p:cTn id="29" presetID="1" presetClass="entr" presetSubtype="0" fill="hold" nodeType="clickEffect">
                                   <p:stCondLst>
                                     <p:cond delay="0"/>
                                   </p:stCondLst>
                                   <p:childTnLst>
                                     <p:set>
                                       <p:cBhvr>
-                                        <p:cTn id="36" dur="1" fill="hold">
+                                        <p:cTn id="30" dur="1" fill="hold">
                                           <p:stCondLst>
                                             <p:cond delay="0"/>
                                           </p:stCondLst>
@@ -18513,7 +18921,7 @@
 </p:sld>
 </file>
 
-<file path=ppt/slides/slide31.xml><?xml version="1.0" encoding="utf-8"?>
+<file path=ppt/slides/slide30.xml><?xml version="1.0" encoding="utf-8"?>
 <p:sld xmlns:a="http://schemas.openxmlformats.org/drawingml/2006/main" xmlns:r="http://schemas.openxmlformats.org/officeDocument/2006/relationships" xmlns:p="http://schemas.openxmlformats.org/presentationml/2006/main">
   <p:cSld>
     <p:spTree>
@@ -18652,7 +19060,7 @@
 </p:sld>
 </file>
 
-<file path=ppt/slides/slide32.xml><?xml version="1.0" encoding="utf-8"?>
+<file path=ppt/slides/slide31.xml><?xml version="1.0" encoding="utf-8"?>
 <p:sld xmlns:a="http://schemas.openxmlformats.org/drawingml/2006/main" xmlns:r="http://schemas.openxmlformats.org/officeDocument/2006/relationships" xmlns:p="http://schemas.openxmlformats.org/presentationml/2006/main">
   <p:cSld>
     <p:spTree>
@@ -19411,7 +19819,7 @@
 </p:sld>
 </file>
 
-<file path=ppt/slides/slide33.xml><?xml version="1.0" encoding="utf-8"?>
+<file path=ppt/slides/slide32.xml><?xml version="1.0" encoding="utf-8"?>
 <p:sld xmlns:a="http://schemas.openxmlformats.org/drawingml/2006/main" xmlns:r="http://schemas.openxmlformats.org/officeDocument/2006/relationships" xmlns:p="http://schemas.openxmlformats.org/presentationml/2006/main">
   <p:cSld>
     <p:spTree>
@@ -19747,462 +20155,6 @@
       </p:grpSpPr>
       <p:sp>
         <p:nvSpPr>
-          <p:cNvPr id="13313" name="Titel 1"/>
-          <p:cNvSpPr>
-            <a:spLocks noGrp="1"/>
-          </p:cNvSpPr>
-          <p:nvPr>
-            <p:ph type="title"/>
-          </p:nvPr>
-        </p:nvSpPr>
-        <p:spPr>
-          <a:xfrm>
-            <a:off x="-14005" y="-35136"/>
-            <a:ext cx="17360617" cy="1400473"/>
-          </a:xfrm>
-        </p:spPr>
-        <p:txBody>
-          <a:bodyPr/>
-          <a:lstStyle/>
-          <a:p>
-            <a:pPr algn="ctr"/>
-            <a:r>
-              <a:rPr lang="en-US" sz="4000" dirty="0">
-                <a:solidFill>
-                  <a:schemeClr val="tx1"/>
-                </a:solidFill>
-                <a:latin typeface="Tahoma" panose="020B0604030504040204" pitchFamily="34" charset="0"/>
-                <a:ea typeface="Tahoma" panose="020B0604030504040204" pitchFamily="34" charset="0"/>
-                <a:cs typeface="Tahoma" panose="020B0604030504040204" pitchFamily="34" charset="0"/>
-              </a:rPr>
-              <a:t>Some of the problems with NHST</a:t>
-            </a:r>
-          </a:p>
-        </p:txBody>
-      </p:sp>
-      <p:sp>
-        <p:nvSpPr>
-          <p:cNvPr id="7" name="Content Placeholder 2">
-            <a:extLst>
-              <a:ext uri="{FF2B5EF4-FFF2-40B4-BE49-F238E27FC236}">
-                <a16:creationId xmlns:a16="http://schemas.microsoft.com/office/drawing/2014/main" id="{C3F53F56-ECDF-483A-A36F-ED0CABEDEDD6}"/>
-              </a:ext>
-            </a:extLst>
-          </p:cNvPr>
-          <p:cNvSpPr>
-            <a:spLocks noGrp="1"/>
-          </p:cNvSpPr>
-          <p:nvPr>
-            <p:ph idx="1"/>
-          </p:nvPr>
-        </p:nvSpPr>
-        <p:spPr>
-          <a:xfrm>
-            <a:off x="273132" y="1236555"/>
-            <a:ext cx="16762265" cy="6370746"/>
-          </a:xfrm>
-        </p:spPr>
-        <p:txBody>
-          <a:bodyPr>
-            <a:normAutofit/>
-          </a:bodyPr>
-          <a:lstStyle/>
-          <a:p>
-            <a:pPr>
-              <a:buFont typeface="Wingdings" panose="05000000000000000000" pitchFamily="2" charset="2"/>
-              <a:buChar char="§"/>
-            </a:pPr>
-            <a:r>
-              <a:rPr lang="en-US" sz="3200" b="1" dirty="0">
-                <a:latin typeface="Tahoma" panose="020B0604030504040204" pitchFamily="34" charset="0"/>
-                <a:ea typeface="Tahoma" panose="020B0604030504040204" pitchFamily="34" charset="0"/>
-                <a:cs typeface="Tahoma" panose="020B0604030504040204" pitchFamily="34" charset="0"/>
-              </a:rPr>
-              <a:t>The selective conclusion problem: </a:t>
-            </a:r>
-            <a:r>
-              <a:rPr lang="en-US" sz="3200" dirty="0">
-                <a:latin typeface="Tahoma" panose="020B0604030504040204" pitchFamily="34" charset="0"/>
-                <a:ea typeface="Tahoma" panose="020B0604030504040204" pitchFamily="34" charset="0"/>
-                <a:cs typeface="Tahoma" panose="020B0604030504040204" pitchFamily="34" charset="0"/>
-              </a:rPr>
-              <a:t>We cannot find evidence for the null-hypothesis with p-values so people who want to draw conclusions are nudged towards p-hacking.</a:t>
-            </a:r>
-            <a:endParaRPr lang="en-US" sz="3200" b="1" dirty="0">
-              <a:latin typeface="Tahoma" panose="020B0604030504040204" pitchFamily="34" charset="0"/>
-              <a:ea typeface="Tahoma" panose="020B0604030504040204" pitchFamily="34" charset="0"/>
-              <a:cs typeface="Tahoma" panose="020B0604030504040204" pitchFamily="34" charset="0"/>
-            </a:endParaRPr>
-          </a:p>
-          <a:p>
-            <a:pPr lvl="1">
-              <a:buFont typeface="Wingdings" panose="05000000000000000000" pitchFamily="2" charset="2"/>
-              <a:buChar char="Ø"/>
-            </a:pPr>
-            <a:r>
-              <a:rPr lang="en-US" sz="3200" b="1" dirty="0">
-                <a:latin typeface="Tahoma" panose="020B0604030504040204" pitchFamily="34" charset="0"/>
-                <a:ea typeface="Tahoma" panose="020B0604030504040204" pitchFamily="34" charset="0"/>
-                <a:cs typeface="Tahoma" panose="020B0604030504040204" pitchFamily="34" charset="0"/>
-              </a:rPr>
-              <a:t>We need a method that that allows us to directly compare H0 and H1!</a:t>
-            </a:r>
-          </a:p>
-          <a:p>
-            <a:pPr>
-              <a:buFont typeface="Wingdings" panose="05000000000000000000" pitchFamily="2" charset="2"/>
-              <a:buChar char="Ø"/>
-            </a:pPr>
-            <a:endParaRPr lang="en-US" sz="3200" b="1" dirty="0">
-              <a:latin typeface="Tahoma" panose="020B0604030504040204" pitchFamily="34" charset="0"/>
-              <a:ea typeface="Tahoma" panose="020B0604030504040204" pitchFamily="34" charset="0"/>
-              <a:cs typeface="Tahoma" panose="020B0604030504040204" pitchFamily="34" charset="0"/>
-            </a:endParaRPr>
-          </a:p>
-          <a:p>
-            <a:pPr>
-              <a:buFont typeface="Wingdings" panose="05000000000000000000" pitchFamily="2" charset="2"/>
-              <a:buChar char="§"/>
-            </a:pPr>
-            <a:r>
-              <a:rPr lang="en-US" sz="3200" dirty="0">
-                <a:latin typeface="Tahoma" panose="020B0604030504040204" pitchFamily="34" charset="0"/>
-                <a:ea typeface="Tahoma" panose="020B0604030504040204" pitchFamily="34" charset="0"/>
-                <a:cs typeface="Tahoma" panose="020B0604030504040204" pitchFamily="34" charset="0"/>
-              </a:rPr>
-              <a:t> </a:t>
-            </a:r>
-            <a:r>
-              <a:rPr lang="en-US" sz="3200" b="1" dirty="0">
-                <a:latin typeface="Tahoma" panose="020B0604030504040204" pitchFamily="34" charset="0"/>
-                <a:ea typeface="Tahoma" panose="020B0604030504040204" pitchFamily="34" charset="0"/>
-                <a:cs typeface="Tahoma" panose="020B0604030504040204" pitchFamily="34" charset="0"/>
-              </a:rPr>
-              <a:t>The sequential sampling problem: </a:t>
-            </a:r>
-            <a:r>
-              <a:rPr lang="en-US" sz="3200" dirty="0">
-                <a:latin typeface="Tahoma" panose="020B0604030504040204" pitchFamily="34" charset="0"/>
-                <a:ea typeface="Tahoma" panose="020B0604030504040204" pitchFamily="34" charset="0"/>
-                <a:cs typeface="Tahoma" panose="020B0604030504040204" pitchFamily="34" charset="0"/>
-              </a:rPr>
-              <a:t>We want to be able to monitor the evidence during data-collection until we are satisfied with the conclusion. P-values do not allow us to do this, as they will always support H1 eventually.</a:t>
-            </a:r>
-            <a:endParaRPr lang="en-US" sz="3200" b="1" dirty="0">
-              <a:latin typeface="Tahoma" panose="020B0604030504040204" pitchFamily="34" charset="0"/>
-              <a:ea typeface="Tahoma" panose="020B0604030504040204" pitchFamily="34" charset="0"/>
-              <a:cs typeface="Tahoma" panose="020B0604030504040204" pitchFamily="34" charset="0"/>
-            </a:endParaRPr>
-          </a:p>
-          <a:p>
-            <a:pPr lvl="1">
-              <a:buFont typeface="Wingdings" panose="05000000000000000000" pitchFamily="2" charset="2"/>
-              <a:buChar char="Ø"/>
-            </a:pPr>
-            <a:r>
-              <a:rPr lang="en-US" sz="3200" b="1" dirty="0">
-                <a:latin typeface="Tahoma" panose="020B0604030504040204" pitchFamily="34" charset="0"/>
-                <a:ea typeface="Tahoma" panose="020B0604030504040204" pitchFamily="34" charset="0"/>
-                <a:cs typeface="Tahoma" panose="020B0604030504040204" pitchFamily="34" charset="0"/>
-                <a:sym typeface="Wingdings" panose="05000000000000000000" pitchFamily="2" charset="2"/>
-              </a:rPr>
-              <a:t>Stopping Data-Collection should be based on sufficient evidence, not a-priori assumptions about effect-sizes (that we most often don’t know) and power.</a:t>
-            </a:r>
-            <a:endParaRPr lang="en-US" sz="3200" dirty="0">
-              <a:latin typeface="Tahoma" panose="020B0604030504040204" pitchFamily="34" charset="0"/>
-              <a:ea typeface="Tahoma" panose="020B0604030504040204" pitchFamily="34" charset="0"/>
-              <a:cs typeface="Tahoma" panose="020B0604030504040204" pitchFamily="34" charset="0"/>
-              <a:sym typeface="Wingdings" panose="05000000000000000000" pitchFamily="2" charset="2"/>
-            </a:endParaRPr>
-          </a:p>
-          <a:p>
-            <a:pPr marL="0" indent="0">
-              <a:buNone/>
-            </a:pPr>
-            <a:endParaRPr lang="en-US" sz="2400" dirty="0">
-              <a:latin typeface="Tahoma" panose="020B0604030504040204" pitchFamily="34" charset="0"/>
-              <a:ea typeface="Tahoma" panose="020B0604030504040204" pitchFamily="34" charset="0"/>
-              <a:cs typeface="Tahoma" panose="020B0604030504040204" pitchFamily="34" charset="0"/>
-              <a:sym typeface="Wingdings" panose="05000000000000000000" pitchFamily="2" charset="2"/>
-            </a:endParaRPr>
-          </a:p>
-          <a:p>
-            <a:pPr marL="0" indent="0">
-              <a:buNone/>
-            </a:pPr>
-            <a:endParaRPr lang="en-US" sz="2400" dirty="0">
-              <a:latin typeface="Tahoma" panose="020B0604030504040204" pitchFamily="34" charset="0"/>
-              <a:ea typeface="Tahoma" panose="020B0604030504040204" pitchFamily="34" charset="0"/>
-              <a:cs typeface="Tahoma" panose="020B0604030504040204" pitchFamily="34" charset="0"/>
-              <a:sym typeface="Wingdings" panose="05000000000000000000" pitchFamily="2" charset="2"/>
-            </a:endParaRPr>
-          </a:p>
-          <a:p>
-            <a:pPr marL="0" indent="0">
-              <a:buNone/>
-            </a:pPr>
-            <a:endParaRPr lang="en-US" sz="3200" dirty="0"/>
-          </a:p>
-        </p:txBody>
-      </p:sp>
-    </p:spTree>
-    <p:extLst>
-      <p:ext uri="{BB962C8B-B14F-4D97-AF65-F5344CB8AC3E}">
-        <p14:creationId xmlns:p14="http://schemas.microsoft.com/office/powerpoint/2010/main" val="2639252897"/>
-      </p:ext>
-    </p:extLst>
-  </p:cSld>
-  <p:clrMapOvr>
-    <a:masterClrMapping/>
-  </p:clrMapOvr>
-  <p:timing>
-    <p:tnLst>
-      <p:par>
-        <p:cTn id="1" dur="indefinite" restart="never" nodeType="tmRoot">
-          <p:childTnLst>
-            <p:seq concurrent="1" nextAc="seek">
-              <p:cTn id="2" dur="indefinite" nodeType="mainSeq">
-                <p:childTnLst>
-                  <p:par>
-                    <p:cTn id="3" fill="hold">
-                      <p:stCondLst>
-                        <p:cond delay="indefinite"/>
-                      </p:stCondLst>
-                      <p:childTnLst>
-                        <p:par>
-                          <p:cTn id="4" fill="hold">
-                            <p:stCondLst>
-                              <p:cond delay="0"/>
-                            </p:stCondLst>
-                            <p:childTnLst>
-                              <p:par>
-                                <p:cTn id="5" presetID="1" presetClass="entr" presetSubtype="0" fill="hold" nodeType="clickEffect">
-                                  <p:stCondLst>
-                                    <p:cond delay="0"/>
-                                  </p:stCondLst>
-                                  <p:childTnLst>
-                                    <p:set>
-                                      <p:cBhvr>
-                                        <p:cTn id="6" dur="1" fill="hold">
-                                          <p:stCondLst>
-                                            <p:cond delay="0"/>
-                                          </p:stCondLst>
-                                        </p:cTn>
-                                        <p:tgtEl>
-                                          <p:spTgt spid="7">
-                                            <p:txEl>
-                                              <p:pRg st="0" end="0"/>
-                                            </p:txEl>
-                                          </p:spTgt>
-                                        </p:tgtEl>
-                                        <p:attrNameLst>
-                                          <p:attrName>style.visibility</p:attrName>
-                                        </p:attrNameLst>
-                                      </p:cBhvr>
-                                      <p:to>
-                                        <p:strVal val="visible"/>
-                                      </p:to>
-                                    </p:set>
-                                  </p:childTnLst>
-                                </p:cTn>
-                              </p:par>
-                            </p:childTnLst>
-                          </p:cTn>
-                        </p:par>
-                      </p:childTnLst>
-                    </p:cTn>
-                  </p:par>
-                  <p:par>
-                    <p:cTn id="7" fill="hold">
-                      <p:stCondLst>
-                        <p:cond delay="indefinite"/>
-                      </p:stCondLst>
-                      <p:childTnLst>
-                        <p:par>
-                          <p:cTn id="8" fill="hold">
-                            <p:stCondLst>
-                              <p:cond delay="0"/>
-                            </p:stCondLst>
-                            <p:childTnLst>
-                              <p:par>
-                                <p:cTn id="9" presetID="1" presetClass="entr" presetSubtype="0" fill="hold" nodeType="clickEffect">
-                                  <p:stCondLst>
-                                    <p:cond delay="0"/>
-                                  </p:stCondLst>
-                                  <p:childTnLst>
-                                    <p:set>
-                                      <p:cBhvr>
-                                        <p:cTn id="10" dur="1" fill="hold">
-                                          <p:stCondLst>
-                                            <p:cond delay="0"/>
-                                          </p:stCondLst>
-                                        </p:cTn>
-                                        <p:tgtEl>
-                                          <p:spTgt spid="7">
-                                            <p:txEl>
-                                              <p:pRg st="1" end="1"/>
-                                            </p:txEl>
-                                          </p:spTgt>
-                                        </p:tgtEl>
-                                        <p:attrNameLst>
-                                          <p:attrName>style.visibility</p:attrName>
-                                        </p:attrNameLst>
-                                      </p:cBhvr>
-                                      <p:to>
-                                        <p:strVal val="visible"/>
-                                      </p:to>
-                                    </p:set>
-                                  </p:childTnLst>
-                                </p:cTn>
-                              </p:par>
-                            </p:childTnLst>
-                          </p:cTn>
-                        </p:par>
-                      </p:childTnLst>
-                    </p:cTn>
-                  </p:par>
-                  <p:par>
-                    <p:cTn id="11" fill="hold">
-                      <p:stCondLst>
-                        <p:cond delay="indefinite"/>
-                      </p:stCondLst>
-                      <p:childTnLst>
-                        <p:par>
-                          <p:cTn id="12" fill="hold">
-                            <p:stCondLst>
-                              <p:cond delay="0"/>
-                            </p:stCondLst>
-                            <p:childTnLst>
-                              <p:par>
-                                <p:cTn id="13" presetID="1" presetClass="entr" presetSubtype="0" fill="hold" nodeType="clickEffect">
-                                  <p:stCondLst>
-                                    <p:cond delay="0"/>
-                                  </p:stCondLst>
-                                  <p:childTnLst>
-                                    <p:set>
-                                      <p:cBhvr>
-                                        <p:cTn id="14" dur="1" fill="hold">
-                                          <p:stCondLst>
-                                            <p:cond delay="0"/>
-                                          </p:stCondLst>
-                                        </p:cTn>
-                                        <p:tgtEl>
-                                          <p:spTgt spid="7">
-                                            <p:txEl>
-                                              <p:pRg st="3" end="3"/>
-                                            </p:txEl>
-                                          </p:spTgt>
-                                        </p:tgtEl>
-                                        <p:attrNameLst>
-                                          <p:attrName>style.visibility</p:attrName>
-                                        </p:attrNameLst>
-                                      </p:cBhvr>
-                                      <p:to>
-                                        <p:strVal val="visible"/>
-                                      </p:to>
-                                    </p:set>
-                                  </p:childTnLst>
-                                </p:cTn>
-                              </p:par>
-                            </p:childTnLst>
-                          </p:cTn>
-                        </p:par>
-                      </p:childTnLst>
-                    </p:cTn>
-                  </p:par>
-                  <p:par>
-                    <p:cTn id="15" fill="hold">
-                      <p:stCondLst>
-                        <p:cond delay="indefinite"/>
-                      </p:stCondLst>
-                      <p:childTnLst>
-                        <p:par>
-                          <p:cTn id="16" fill="hold">
-                            <p:stCondLst>
-                              <p:cond delay="0"/>
-                            </p:stCondLst>
-                            <p:childTnLst>
-                              <p:par>
-                                <p:cTn id="17" presetID="1" presetClass="entr" presetSubtype="0" fill="hold" nodeType="clickEffect">
-                                  <p:stCondLst>
-                                    <p:cond delay="0"/>
-                                  </p:stCondLst>
-                                  <p:childTnLst>
-                                    <p:set>
-                                      <p:cBhvr>
-                                        <p:cTn id="18" dur="1" fill="hold">
-                                          <p:stCondLst>
-                                            <p:cond delay="0"/>
-                                          </p:stCondLst>
-                                        </p:cTn>
-                                        <p:tgtEl>
-                                          <p:spTgt spid="7">
-                                            <p:txEl>
-                                              <p:pRg st="4" end="4"/>
-                                            </p:txEl>
-                                          </p:spTgt>
-                                        </p:tgtEl>
-                                        <p:attrNameLst>
-                                          <p:attrName>style.visibility</p:attrName>
-                                        </p:attrNameLst>
-                                      </p:cBhvr>
-                                      <p:to>
-                                        <p:strVal val="visible"/>
-                                      </p:to>
-                                    </p:set>
-                                  </p:childTnLst>
-                                </p:cTn>
-                              </p:par>
-                            </p:childTnLst>
-                          </p:cTn>
-                        </p:par>
-                      </p:childTnLst>
-                    </p:cTn>
-                  </p:par>
-                </p:childTnLst>
-              </p:cTn>
-              <p:prevCondLst>
-                <p:cond evt="onPrev" delay="0">
-                  <p:tgtEl>
-                    <p:sldTgt/>
-                  </p:tgtEl>
-                </p:cond>
-              </p:prevCondLst>
-              <p:nextCondLst>
-                <p:cond evt="onNext" delay="0">
-                  <p:tgtEl>
-                    <p:sldTgt/>
-                  </p:tgtEl>
-                </p:cond>
-              </p:nextCondLst>
-            </p:seq>
-          </p:childTnLst>
-        </p:cTn>
-      </p:par>
-    </p:tnLst>
-  </p:timing>
-</p:sld>
-</file>
-
-<file path=ppt/slides/slide5.xml><?xml version="1.0" encoding="utf-8"?>
-<p:sld xmlns:a="http://schemas.openxmlformats.org/drawingml/2006/main" xmlns:r="http://schemas.openxmlformats.org/officeDocument/2006/relationships" xmlns:p="http://schemas.openxmlformats.org/presentationml/2006/main">
-  <p:cSld>
-    <p:spTree>
-      <p:nvGrpSpPr>
-        <p:cNvPr id="1" name=""/>
-        <p:cNvGrpSpPr/>
-        <p:nvPr/>
-      </p:nvGrpSpPr>
-      <p:grpSpPr>
-        <a:xfrm>
-          <a:off x="0" y="0"/>
-          <a:ext cx="0" cy="0"/>
-          <a:chOff x="0" y="0"/>
-          <a:chExt cx="0" cy="0"/>
-        </a:xfrm>
-      </p:grpSpPr>
-      <p:sp>
-        <p:nvSpPr>
           <p:cNvPr id="2" name="Title 1">
             <a:extLst>
               <a:ext uri="{FF2B5EF4-FFF2-40B4-BE49-F238E27FC236}">
@@ -20294,7 +20246,7 @@
 </p:sld>
 </file>
 
-<file path=ppt/slides/slide6.xml><?xml version="1.0" encoding="utf-8"?>
+<file path=ppt/slides/slide5.xml><?xml version="1.0" encoding="utf-8"?>
 <p:sld xmlns:a="http://schemas.openxmlformats.org/drawingml/2006/main" xmlns:r="http://schemas.openxmlformats.org/officeDocument/2006/relationships" xmlns:p="http://schemas.openxmlformats.org/presentationml/2006/main">
   <p:cSld>
     <p:spTree>
@@ -20733,8 +20685,8 @@
           </a:p>
         </p:txBody>
       </p:sp>
-      <mc:AlternateContent xmlns:mc="http://schemas.openxmlformats.org/markup-compatibility/2006">
-        <mc:Choice xmlns:a14="http://schemas.microsoft.com/office/drawing/2010/main" Requires="a14">
+      <mc:AlternateContent xmlns:mc="http://schemas.openxmlformats.org/markup-compatibility/2006" xmlns:a14="http://schemas.microsoft.com/office/drawing/2010/main">
+        <mc:Choice Requires="a14">
           <p:sp>
             <p:nvSpPr>
               <p:cNvPr id="6" name="TextBox 5">
@@ -20875,7 +20827,7 @@
             </p:txBody>
           </p:sp>
         </mc:Choice>
-        <mc:Fallback>
+        <mc:Fallback xmlns="">
           <p:sp>
             <p:nvSpPr>
               <p:cNvPr id="6" name="TextBox 5">
@@ -21755,7 +21707,7 @@
 </p:sld>
 </file>
 
-<file path=ppt/slides/slide7.xml><?xml version="1.0" encoding="utf-8"?>
+<file path=ppt/slides/slide6.xml><?xml version="1.0" encoding="utf-8"?>
 <p:sld xmlns:a="http://schemas.openxmlformats.org/drawingml/2006/main" xmlns:r="http://schemas.openxmlformats.org/officeDocument/2006/relationships" xmlns:p="http://schemas.openxmlformats.org/presentationml/2006/main">
   <p:cSld>
     <p:spTree>
@@ -22801,7 +22753,7 @@
 </p:sld>
 </file>
 
-<file path=ppt/slides/slide8.xml><?xml version="1.0" encoding="utf-8"?>
+<file path=ppt/slides/slide7.xml><?xml version="1.0" encoding="utf-8"?>
 <p:sld xmlns:a="http://schemas.openxmlformats.org/drawingml/2006/main" xmlns:r="http://schemas.openxmlformats.org/officeDocument/2006/relationships" xmlns:p="http://schemas.openxmlformats.org/presentationml/2006/main">
   <p:cSld>
     <p:spTree>
@@ -23240,7 +23192,7 @@
                 <a:cs typeface="Tahoma" panose="020B0604030504040204" pitchFamily="34" charset="0"/>
                 <a:sym typeface="Wingdings" panose="05000000000000000000" pitchFamily="2" charset="2"/>
               </a:rPr>
-              <a:t>Come up with a prior that reflects your hypothesis</a:t>
+              <a:t>Come up with a prior that reflects our hypothesis or belief about the world</a:t>
             </a:r>
           </a:p>
           <a:p>
@@ -23270,14 +23222,8 @@
                 <a:cs typeface="Tahoma" panose="020B0604030504040204" pitchFamily="34" charset="0"/>
                 <a:sym typeface="Wingdings" panose="05000000000000000000" pitchFamily="2" charset="2"/>
               </a:rPr>
-              <a:t>Describe our belief about the world in a posterior distributions.</a:t>
-            </a:r>
-          </a:p>
-          <a:p>
-            <a:pPr>
-              <a:buFontTx/>
-              <a:buChar char="-"/>
-            </a:pPr>
+              <a:t>Have a more informed belief now and call it posterior.</a:t>
+            </a:r>
             <a:endParaRPr lang="en-US" sz="3200" dirty="0">
               <a:latin typeface="Tahoma" panose="020B0604030504040204" pitchFamily="34" charset="0"/>
               <a:ea typeface="Tahoma" panose="020B0604030504040204" pitchFamily="34" charset="0"/>
@@ -23778,7 +23724,7 @@
 </p:sld>
 </file>
 
-<file path=ppt/slides/slide9.xml><?xml version="1.0" encoding="utf-8"?>
+<file path=ppt/slides/slide8.xml><?xml version="1.0" encoding="utf-8"?>
 <p:sld xmlns:a="http://schemas.openxmlformats.org/drawingml/2006/main" xmlns:r="http://schemas.openxmlformats.org/officeDocument/2006/relationships" xmlns:p="http://schemas.openxmlformats.org/presentationml/2006/main">
   <p:cSld>
     <p:spTree>
@@ -23830,8 +23776,8 @@
           </a:p>
         </p:txBody>
       </p:sp>
-      <mc:AlternateContent xmlns:mc="http://schemas.openxmlformats.org/markup-compatibility/2006">
-        <mc:Choice xmlns:a14="http://schemas.microsoft.com/office/drawing/2010/main" Requires="a14">
+      <mc:AlternateContent xmlns:mc="http://schemas.openxmlformats.org/markup-compatibility/2006" xmlns:a14="http://schemas.microsoft.com/office/drawing/2010/main">
+        <mc:Choice Requires="a14">
           <p:sp>
             <p:nvSpPr>
               <p:cNvPr id="6" name="Content Placeholder 2">
@@ -25074,7 +25020,7 @@
             </p:txBody>
           </p:sp>
         </mc:Choice>
-        <mc:Fallback>
+        <mc:Fallback xmlns="">
           <p:sp>
             <p:nvSpPr>
               <p:cNvPr id="6" name="Content Placeholder 2">
@@ -25125,6 +25071,59 @@
           </p:sp>
         </mc:Fallback>
       </mc:AlternateContent>
+      <p:sp>
+        <p:nvSpPr>
+          <p:cNvPr id="3" name="Rectangle 2">
+            <a:extLst>
+              <a:ext uri="{FF2B5EF4-FFF2-40B4-BE49-F238E27FC236}">
+                <a16:creationId xmlns:a16="http://schemas.microsoft.com/office/drawing/2014/main" id="{9118C9C9-D5D9-4CDB-AC33-3910256C4A7C}"/>
+              </a:ext>
+            </a:extLst>
+          </p:cNvPr>
+          <p:cNvSpPr/>
+          <p:nvPr/>
+        </p:nvSpPr>
+        <p:spPr>
+          <a:xfrm>
+            <a:off x="5795158" y="4168239"/>
+            <a:ext cx="11259280" cy="1793174"/>
+          </a:xfrm>
+          <a:prstGeom prst="rect">
+            <a:avLst/>
+          </a:prstGeom>
+          <a:solidFill>
+            <a:schemeClr val="bg1"/>
+          </a:solidFill>
+          <a:ln>
+            <a:solidFill>
+              <a:schemeClr val="bg1"/>
+            </a:solidFill>
+          </a:ln>
+          <a:effectLst/>
+        </p:spPr>
+        <p:style>
+          <a:lnRef idx="1">
+            <a:schemeClr val="accent1"/>
+          </a:lnRef>
+          <a:fillRef idx="3">
+            <a:schemeClr val="accent1"/>
+          </a:fillRef>
+          <a:effectRef idx="2">
+            <a:schemeClr val="accent1"/>
+          </a:effectRef>
+          <a:fontRef idx="minor">
+            <a:schemeClr val="lt1"/>
+          </a:fontRef>
+        </p:style>
+        <p:txBody>
+          <a:bodyPr rtlCol="0" anchor="ctr"/>
+          <a:lstStyle/>
+          <a:p>
+            <a:pPr algn="ctr"/>
+            <a:endParaRPr lang="en-US"/>
+          </a:p>
+        </p:txBody>
+      </p:sp>
     </p:spTree>
     <p:extLst>
       <p:ext uri="{BB962C8B-B14F-4D97-AF65-F5344CB8AC3E}">
@@ -25135,6 +25134,1696 @@
   <p:clrMapOvr>
     <a:masterClrMapping/>
   </p:clrMapOvr>
+  <p:timing>
+    <p:tnLst>
+      <p:par>
+        <p:cTn id="1" dur="indefinite" restart="never" nodeType="tmRoot">
+          <p:childTnLst>
+            <p:seq concurrent="1" nextAc="seek">
+              <p:cTn id="2" dur="indefinite" nodeType="mainSeq">
+                <p:childTnLst>
+                  <p:par>
+                    <p:cTn id="3" fill="hold">
+                      <p:stCondLst>
+                        <p:cond delay="indefinite"/>
+                      </p:stCondLst>
+                      <p:childTnLst>
+                        <p:par>
+                          <p:cTn id="4" fill="hold">
+                            <p:stCondLst>
+                              <p:cond delay="0"/>
+                            </p:stCondLst>
+                            <p:childTnLst>
+                              <p:par>
+                                <p:cTn id="5" presetID="1" presetClass="entr" presetSubtype="0" fill="hold" nodeType="clickEffect">
+                                  <p:stCondLst>
+                                    <p:cond delay="0"/>
+                                  </p:stCondLst>
+                                  <p:childTnLst>
+                                    <p:set>
+                                      <p:cBhvr>
+                                        <p:cTn id="6" dur="1" fill="hold">
+                                          <p:stCondLst>
+                                            <p:cond delay="0"/>
+                                          </p:stCondLst>
+                                        </p:cTn>
+                                        <p:tgtEl>
+                                          <p:spTgt spid="6">
+                                            <p:txEl>
+                                              <p:pRg st="7" end="7"/>
+                                            </p:txEl>
+                                          </p:spTgt>
+                                        </p:tgtEl>
+                                        <p:attrNameLst>
+                                          <p:attrName>style.visibility</p:attrName>
+                                        </p:attrNameLst>
+                                      </p:cBhvr>
+                                      <p:to>
+                                        <p:strVal val="visible"/>
+                                      </p:to>
+                                    </p:set>
+                                  </p:childTnLst>
+                                </p:cTn>
+                              </p:par>
+                            </p:childTnLst>
+                          </p:cTn>
+                        </p:par>
+                      </p:childTnLst>
+                    </p:cTn>
+                  </p:par>
+                  <p:par>
+                    <p:cTn id="7" fill="hold">
+                      <p:stCondLst>
+                        <p:cond delay="indefinite"/>
+                      </p:stCondLst>
+                      <p:childTnLst>
+                        <p:par>
+                          <p:cTn id="8" fill="hold">
+                            <p:stCondLst>
+                              <p:cond delay="0"/>
+                            </p:stCondLst>
+                            <p:childTnLst>
+                              <p:par>
+                                <p:cTn id="9" presetID="1" presetClass="exit" presetSubtype="0" fill="hold" grpId="0" nodeType="clickEffect">
+                                  <p:stCondLst>
+                                    <p:cond delay="0"/>
+                                  </p:stCondLst>
+                                  <p:childTnLst>
+                                    <p:set>
+                                      <p:cBhvr>
+                                        <p:cTn id="10" dur="1" fill="hold">
+                                          <p:stCondLst>
+                                            <p:cond delay="0"/>
+                                          </p:stCondLst>
+                                        </p:cTn>
+                                        <p:tgtEl>
+                                          <p:spTgt spid="3"/>
+                                        </p:tgtEl>
+                                        <p:attrNameLst>
+                                          <p:attrName>style.visibility</p:attrName>
+                                        </p:attrNameLst>
+                                      </p:cBhvr>
+                                      <p:to>
+                                        <p:strVal val="hidden"/>
+                                      </p:to>
+                                    </p:set>
+                                  </p:childTnLst>
+                                </p:cTn>
+                              </p:par>
+                            </p:childTnLst>
+                          </p:cTn>
+                        </p:par>
+                      </p:childTnLst>
+                    </p:cTn>
+                  </p:par>
+                </p:childTnLst>
+              </p:cTn>
+              <p:prevCondLst>
+                <p:cond evt="onPrev" delay="0">
+                  <p:tgtEl>
+                    <p:sldTgt/>
+                  </p:tgtEl>
+                </p:cond>
+              </p:prevCondLst>
+              <p:nextCondLst>
+                <p:cond evt="onNext" delay="0">
+                  <p:tgtEl>
+                    <p:sldTgt/>
+                  </p:tgtEl>
+                </p:cond>
+              </p:nextCondLst>
+            </p:seq>
+          </p:childTnLst>
+        </p:cTn>
+      </p:par>
+    </p:tnLst>
+    <p:bldLst>
+      <p:bldP spid="3" grpId="0" animBg="1"/>
+    </p:bldLst>
+  </p:timing>
+</p:sld>
+</file>
+
+<file path=ppt/slides/slide9.xml><?xml version="1.0" encoding="utf-8"?>
+<p:sld xmlns:a="http://schemas.openxmlformats.org/drawingml/2006/main" xmlns:r="http://schemas.openxmlformats.org/officeDocument/2006/relationships" xmlns:p="http://schemas.openxmlformats.org/presentationml/2006/main">
+  <p:cSld>
+    <p:spTree>
+      <p:nvGrpSpPr>
+        <p:cNvPr id="1" name=""/>
+        <p:cNvGrpSpPr/>
+        <p:nvPr/>
+      </p:nvGrpSpPr>
+      <p:grpSpPr>
+        <a:xfrm>
+          <a:off x="0" y="0"/>
+          <a:ext cx="0" cy="0"/>
+          <a:chOff x="0" y="0"/>
+          <a:chExt cx="0" cy="0"/>
+        </a:xfrm>
+      </p:grpSpPr>
+      <p:sp>
+        <p:nvSpPr>
+          <p:cNvPr id="17" name="Titel 1">
+            <a:extLst>
+              <a:ext uri="{FF2B5EF4-FFF2-40B4-BE49-F238E27FC236}">
+                <a16:creationId xmlns:a16="http://schemas.microsoft.com/office/drawing/2014/main" id="{42377BEA-D02A-4FFB-B140-C9359A2CDDDF}"/>
+              </a:ext>
+            </a:extLst>
+          </p:cNvPr>
+          <p:cNvSpPr>
+            <a:spLocks noGrp="1"/>
+          </p:cNvSpPr>
+          <p:nvPr>
+            <p:ph type="title"/>
+          </p:nvPr>
+        </p:nvSpPr>
+        <p:spPr>
+          <a:xfrm>
+            <a:off x="0" y="0"/>
+            <a:ext cx="17360617" cy="1400473"/>
+          </a:xfrm>
+        </p:spPr>
+        <p:txBody>
+          <a:bodyPr/>
+          <a:lstStyle/>
+          <a:p>
+            <a:pPr algn="ctr"/>
+            <a:r>
+              <a:rPr lang="en-US" sz="4000" dirty="0">
+                <a:solidFill>
+                  <a:schemeClr val="tx1"/>
+                </a:solidFill>
+                <a:latin typeface="Tahoma" panose="020B0604030504040204" pitchFamily="34" charset="0"/>
+                <a:ea typeface="Tahoma" panose="020B0604030504040204" pitchFamily="34" charset="0"/>
+                <a:cs typeface="Tahoma" panose="020B0604030504040204" pitchFamily="34" charset="0"/>
+              </a:rPr>
+              <a:t>Hypotheses = Priors</a:t>
+            </a:r>
+          </a:p>
+        </p:txBody>
+      </p:sp>
+      <mc:AlternateContent xmlns:mc="http://schemas.openxmlformats.org/markup-compatibility/2006">
+        <mc:Choice xmlns:a14="http://schemas.microsoft.com/office/drawing/2010/main" Requires="a14">
+          <p:sp>
+            <p:nvSpPr>
+              <p:cNvPr id="9" name="Content Placeholder 2">
+                <a:extLst>
+                  <a:ext uri="{FF2B5EF4-FFF2-40B4-BE49-F238E27FC236}">
+                    <a16:creationId xmlns:a16="http://schemas.microsoft.com/office/drawing/2014/main" id="{B272478E-D9A9-4C74-93DF-07F5B9596B02}"/>
+                  </a:ext>
+                </a:extLst>
+              </p:cNvPr>
+              <p:cNvSpPr txBox="1">
+                <a:spLocks/>
+              </p:cNvSpPr>
+              <p:nvPr/>
+            </p:nvSpPr>
+            <p:spPr bwMode="auto">
+              <a:xfrm>
+                <a:off x="292173" y="1020656"/>
+                <a:ext cx="16762265" cy="4372980"/>
+              </a:xfrm>
+              <a:prstGeom prst="rect">
+                <a:avLst/>
+              </a:prstGeom>
+              <a:noFill/>
+              <a:ln w="9525">
+                <a:noFill/>
+                <a:miter lim="800000"/>
+                <a:headEnd/>
+                <a:tailEnd/>
+              </a:ln>
+            </p:spPr>
+            <p:txBody>
+              <a:bodyPr vert="horz" wrap="square" lIns="36000" tIns="36000" rIns="36000" bIns="36000" numCol="1" anchor="t" anchorCtr="0" compatLnSpc="1">
+                <a:prstTxWarp prst="textNoShape">
+                  <a:avLst/>
+                </a:prstTxWarp>
+              </a:bodyPr>
+              <a:lstStyle>
+                <a:lvl1pPr marL="358775" indent="-358775" algn="l" defTabSz="649288" rtl="0" eaLnBrk="1" fontAlgn="base" hangingPunct="1">
+                  <a:spcBef>
+                    <a:spcPct val="0"/>
+                  </a:spcBef>
+                  <a:spcAft>
+                    <a:spcPct val="0"/>
+                  </a:spcAft>
+                  <a:buFont typeface="Arial" pitchFamily="34" charset="0"/>
+                  <a:buChar char="•"/>
+                  <a:defRPr sz="2500" kern="1200">
+                    <a:solidFill>
+                      <a:schemeClr val="tx1"/>
+                    </a:solidFill>
+                    <a:latin typeface="+mn-lt"/>
+                    <a:ea typeface="ＭＳ Ｐゴシック" charset="0"/>
+                    <a:cs typeface="ＭＳ Ｐゴシック" charset="0"/>
+                  </a:defRPr>
+                </a:lvl1pPr>
+                <a:lvl2pPr marL="719138" indent="-358775" algn="l" defTabSz="649288" rtl="0" eaLnBrk="1" fontAlgn="base" hangingPunct="1">
+                  <a:spcBef>
+                    <a:spcPct val="0"/>
+                  </a:spcBef>
+                  <a:spcAft>
+                    <a:spcPct val="0"/>
+                  </a:spcAft>
+                  <a:buFont typeface="Lucida Grande" charset="0"/>
+                  <a:buChar char="-"/>
+                  <a:defRPr sz="2500" kern="1200">
+                    <a:solidFill>
+                      <a:schemeClr val="tx1"/>
+                    </a:solidFill>
+                    <a:latin typeface="+mn-lt"/>
+                    <a:ea typeface="ＭＳ Ｐゴシック" charset="0"/>
+                    <a:cs typeface="+mn-cs"/>
+                  </a:defRPr>
+                </a:lvl2pPr>
+                <a:lvl3pPr marL="1114425" indent="-358775" algn="l" defTabSz="649288" rtl="0" eaLnBrk="1" fontAlgn="base" hangingPunct="1">
+                  <a:spcBef>
+                    <a:spcPct val="0"/>
+                  </a:spcBef>
+                  <a:spcAft>
+                    <a:spcPct val="0"/>
+                  </a:spcAft>
+                  <a:buFont typeface="Lucida Grande" charset="0"/>
+                  <a:buChar char="–"/>
+                  <a:defRPr sz="2100" kern="1200">
+                    <a:solidFill>
+                      <a:schemeClr val="tx1"/>
+                    </a:solidFill>
+                    <a:latin typeface="+mn-lt"/>
+                    <a:ea typeface="ＭＳ Ｐゴシック" charset="0"/>
+                    <a:cs typeface="+mn-cs"/>
+                  </a:defRPr>
+                </a:lvl3pPr>
+                <a:lvl4pPr marL="1511300" indent="-358775" algn="l" defTabSz="649288" rtl="0" eaLnBrk="1" fontAlgn="base" hangingPunct="1">
+                  <a:spcBef>
+                    <a:spcPct val="0"/>
+                  </a:spcBef>
+                  <a:spcAft>
+                    <a:spcPct val="0"/>
+                  </a:spcAft>
+                  <a:buFont typeface="Lucida Grande" charset="0"/>
+                  <a:buChar char="-"/>
+                  <a:defRPr sz="2100" kern="1200">
+                    <a:solidFill>
+                      <a:schemeClr val="tx1"/>
+                    </a:solidFill>
+                    <a:latin typeface="+mn-lt"/>
+                    <a:ea typeface="ＭＳ Ｐゴシック" charset="0"/>
+                    <a:cs typeface="+mn-cs"/>
+                  </a:defRPr>
+                </a:lvl4pPr>
+                <a:lvl5pPr marL="1906588" indent="-358775" algn="l" defTabSz="649288" rtl="0" eaLnBrk="1" fontAlgn="base" hangingPunct="1">
+                  <a:spcBef>
+                    <a:spcPct val="0"/>
+                  </a:spcBef>
+                  <a:spcAft>
+                    <a:spcPct val="0"/>
+                  </a:spcAft>
+                  <a:buFont typeface="Lucida Grande" charset="0"/>
+                  <a:buChar char="-"/>
+                  <a:defRPr sz="2100" kern="1200">
+                    <a:solidFill>
+                      <a:schemeClr val="tx1"/>
+                    </a:solidFill>
+                    <a:latin typeface="+mn-lt"/>
+                    <a:ea typeface="ＭＳ Ｐゴシック" charset="0"/>
+                    <a:cs typeface="+mn-cs"/>
+                  </a:defRPr>
+                </a:lvl5pPr>
+                <a:lvl6pPr marL="3576516" indent="-325138" algn="l" defTabSz="650276" rtl="0" eaLnBrk="1" latinLnBrk="0" hangingPunct="1">
+                  <a:spcBef>
+                    <a:spcPct val="20000"/>
+                  </a:spcBef>
+                  <a:buFont typeface="Arial"/>
+                  <a:buChar char="•"/>
+                  <a:defRPr sz="2800" kern="1200">
+                    <a:solidFill>
+                      <a:schemeClr val="tx1"/>
+                    </a:solidFill>
+                    <a:latin typeface="+mn-lt"/>
+                    <a:ea typeface="+mn-ea"/>
+                    <a:cs typeface="+mn-cs"/>
+                  </a:defRPr>
+                </a:lvl6pPr>
+                <a:lvl7pPr marL="4226791" indent="-325138" algn="l" defTabSz="650276" rtl="0" eaLnBrk="1" latinLnBrk="0" hangingPunct="1">
+                  <a:spcBef>
+                    <a:spcPct val="20000"/>
+                  </a:spcBef>
+                  <a:buFont typeface="Arial"/>
+                  <a:buChar char="•"/>
+                  <a:defRPr sz="2800" kern="1200">
+                    <a:solidFill>
+                      <a:schemeClr val="tx1"/>
+                    </a:solidFill>
+                    <a:latin typeface="+mn-lt"/>
+                    <a:ea typeface="+mn-ea"/>
+                    <a:cs typeface="+mn-cs"/>
+                  </a:defRPr>
+                </a:lvl7pPr>
+                <a:lvl8pPr marL="4877067" indent="-325138" algn="l" defTabSz="650276" rtl="0" eaLnBrk="1" latinLnBrk="0" hangingPunct="1">
+                  <a:spcBef>
+                    <a:spcPct val="20000"/>
+                  </a:spcBef>
+                  <a:buFont typeface="Arial"/>
+                  <a:buChar char="•"/>
+                  <a:defRPr sz="2800" kern="1200">
+                    <a:solidFill>
+                      <a:schemeClr val="tx1"/>
+                    </a:solidFill>
+                    <a:latin typeface="+mn-lt"/>
+                    <a:ea typeface="+mn-ea"/>
+                    <a:cs typeface="+mn-cs"/>
+                  </a:defRPr>
+                </a:lvl8pPr>
+                <a:lvl9pPr marL="5527342" indent="-325138" algn="l" defTabSz="650276" rtl="0" eaLnBrk="1" latinLnBrk="0" hangingPunct="1">
+                  <a:spcBef>
+                    <a:spcPct val="20000"/>
+                  </a:spcBef>
+                  <a:buFont typeface="Arial"/>
+                  <a:buChar char="•"/>
+                  <a:defRPr sz="2800" kern="1200">
+                    <a:solidFill>
+                      <a:schemeClr val="tx1"/>
+                    </a:solidFill>
+                    <a:latin typeface="+mn-lt"/>
+                    <a:ea typeface="+mn-ea"/>
+                    <a:cs typeface="+mn-cs"/>
+                  </a:defRPr>
+                </a:lvl9pPr>
+              </a:lstStyle>
+              <a:p>
+                <a:pPr marL="360363" lvl="1" indent="0">
+                  <a:buNone/>
+                </a:pPr>
+                <a:r>
+                  <a:rPr lang="en-US" sz="3200" dirty="0">
+                    <a:latin typeface="Tahoma" panose="020B0604030504040204" pitchFamily="34" charset="0"/>
+                    <a:ea typeface="Tahoma" panose="020B0604030504040204" pitchFamily="34" charset="0"/>
+                    <a:cs typeface="Tahoma" panose="020B0604030504040204" pitchFamily="34" charset="0"/>
+                    <a:sym typeface="Wingdings" panose="05000000000000000000" pitchFamily="2" charset="2"/>
+                  </a:rPr>
+                  <a:t>Possible prior expectation for </a:t>
+                </a:r>
+                <a:r>
+                  <a:rPr lang="en-GB" sz="3200" b="1" dirty="0">
+                    <a:latin typeface="Tahoma" panose="020B0604030504040204" pitchFamily="34" charset="0"/>
+                    <a:ea typeface="Tahoma" panose="020B0604030504040204" pitchFamily="34" charset="0"/>
+                    <a:cs typeface="Tahoma" panose="020B0604030504040204" pitchFamily="34" charset="0"/>
+                    <a:sym typeface="Wingdings" panose="05000000000000000000" pitchFamily="2" charset="2"/>
+                  </a:rPr>
+                  <a:t>H1: percentage </a:t>
+                </a:r>
+                <a14:m>
+                  <m:oMath xmlns:m="http://schemas.openxmlformats.org/officeDocument/2006/math">
+                    <m:r>
+                      <a:rPr lang="en-GB" sz="3200" i="1">
+                        <a:latin typeface="Cambria Math" panose="02040503050406030204" pitchFamily="18" charset="0"/>
+                        <a:sym typeface="Wingdings" panose="05000000000000000000" pitchFamily="2" charset="2"/>
+                      </a:rPr>
+                      <m:t>≠</m:t>
+                    </m:r>
+                    <m:r>
+                      <a:rPr lang="de-DE" sz="3200" b="1">
+                        <a:latin typeface="Cambria Math" panose="02040503050406030204" pitchFamily="18" charset="0"/>
+                        <a:sym typeface="Wingdings" panose="05000000000000000000" pitchFamily="2" charset="2"/>
+                      </a:rPr>
+                      <m:t> </m:t>
+                    </m:r>
+                  </m:oMath>
+                </a14:m>
+                <a:r>
+                  <a:rPr lang="en-US" sz="3200" b="1" dirty="0">
+                    <a:latin typeface="Tahoma" panose="020B0604030504040204" pitchFamily="34" charset="0"/>
+                    <a:ea typeface="Tahoma" panose="020B0604030504040204" pitchFamily="34" charset="0"/>
+                    <a:cs typeface="Tahoma" panose="020B0604030504040204" pitchFamily="34" charset="0"/>
+                    <a:sym typeface="Wingdings" panose="05000000000000000000" pitchFamily="2" charset="2"/>
+                  </a:rPr>
+                  <a:t>50% </a:t>
+                </a:r>
+                <a:r>
+                  <a:rPr lang="en-US" sz="3200" dirty="0">
+                    <a:latin typeface="Tahoma" panose="020B0604030504040204" pitchFamily="34" charset="0"/>
+                    <a:ea typeface="Tahoma" panose="020B0604030504040204" pitchFamily="34" charset="0"/>
+                    <a:cs typeface="Tahoma" panose="020B0604030504040204" pitchFamily="34" charset="0"/>
+                    <a:sym typeface="Wingdings" panose="05000000000000000000" pitchFamily="2" charset="2"/>
+                  </a:rPr>
+                  <a:t>could for example be that before seeing the data, each sex ratio would be equally likely. </a:t>
+                </a:r>
+              </a:p>
+              <a:p>
+                <a:pPr marL="360363" lvl="1" indent="0">
+                  <a:buNone/>
+                </a:pPr>
+                <a:r>
+                  <a:rPr lang="en-US" sz="3200" b="1" dirty="0">
+                    <a:latin typeface="Tahoma" panose="020B0604030504040204" pitchFamily="34" charset="0"/>
+                    <a:ea typeface="Tahoma" panose="020B0604030504040204" pitchFamily="34" charset="0"/>
+                    <a:cs typeface="Tahoma" panose="020B0604030504040204" pitchFamily="34" charset="0"/>
+                    <a:sym typeface="Wingdings" panose="05000000000000000000" pitchFamily="2" charset="2"/>
+                  </a:rPr>
+                  <a:t> Uniform prior distribution between 0 and 100</a:t>
+                </a:r>
+              </a:p>
+              <a:p>
+                <a:pPr marL="360363" lvl="1" indent="0">
+                  <a:buNone/>
+                </a:pPr>
+                <a:endParaRPr lang="en-US" sz="3200" b="1" dirty="0">
+                  <a:latin typeface="Tahoma" panose="020B0604030504040204" pitchFamily="34" charset="0"/>
+                  <a:ea typeface="Tahoma" panose="020B0604030504040204" pitchFamily="34" charset="0"/>
+                  <a:cs typeface="Tahoma" panose="020B0604030504040204" pitchFamily="34" charset="0"/>
+                  <a:sym typeface="Wingdings" panose="05000000000000000000" pitchFamily="2" charset="2"/>
+                </a:endParaRPr>
+              </a:p>
+              <a:p>
+                <a:pPr marL="0" indent="0">
+                  <a:buFont typeface="Arial" pitchFamily="34" charset="0"/>
+                  <a:buNone/>
+                </a:pPr>
+                <a:endParaRPr lang="en-US" sz="3200" dirty="0">
+                  <a:latin typeface="Tahoma" panose="020B0604030504040204" pitchFamily="34" charset="0"/>
+                  <a:ea typeface="Tahoma" panose="020B0604030504040204" pitchFamily="34" charset="0"/>
+                  <a:cs typeface="Tahoma" panose="020B0604030504040204" pitchFamily="34" charset="0"/>
+                  <a:sym typeface="Wingdings" panose="05000000000000000000" pitchFamily="2" charset="2"/>
+                </a:endParaRPr>
+              </a:p>
+              <a:p>
+                <a:pPr marL="0" indent="0">
+                  <a:buFont typeface="Arial" pitchFamily="34" charset="0"/>
+                  <a:buNone/>
+                </a:pPr>
+                <a:endParaRPr lang="en-US" sz="3200" dirty="0">
+                  <a:latin typeface="Tahoma" panose="020B0604030504040204" pitchFamily="34" charset="0"/>
+                  <a:ea typeface="Tahoma" panose="020B0604030504040204" pitchFamily="34" charset="0"/>
+                  <a:cs typeface="Tahoma" panose="020B0604030504040204" pitchFamily="34" charset="0"/>
+                  <a:sym typeface="Wingdings" panose="05000000000000000000" pitchFamily="2" charset="2"/>
+                </a:endParaRPr>
+              </a:p>
+              <a:p>
+                <a:pPr marL="0" indent="0">
+                  <a:buFont typeface="Arial" pitchFamily="34" charset="0"/>
+                  <a:buNone/>
+                </a:pPr>
+                <a:endParaRPr lang="en-US" sz="3200" b="1" strike="sngStrike" dirty="0">
+                  <a:latin typeface="Tahoma" panose="020B0604030504040204" pitchFamily="34" charset="0"/>
+                  <a:ea typeface="Tahoma" panose="020B0604030504040204" pitchFamily="34" charset="0"/>
+                  <a:cs typeface="Tahoma" panose="020B0604030504040204" pitchFamily="34" charset="0"/>
+                  <a:sym typeface="Wingdings" panose="05000000000000000000" pitchFamily="2" charset="2"/>
+                </a:endParaRPr>
+              </a:p>
+              <a:p>
+                <a:pPr marL="0" indent="0" algn="ctr">
+                  <a:buFont typeface="Arial" pitchFamily="34" charset="0"/>
+                  <a:buNone/>
+                </a:pPr>
+                <a:endParaRPr lang="en-US" sz="3200" b="1" dirty="0">
+                  <a:latin typeface="Tahoma" panose="020B0604030504040204" pitchFamily="34" charset="0"/>
+                  <a:ea typeface="Tahoma" panose="020B0604030504040204" pitchFamily="34" charset="0"/>
+                  <a:cs typeface="Tahoma" panose="020B0604030504040204" pitchFamily="34" charset="0"/>
+                  <a:sym typeface="Wingdings" panose="05000000000000000000" pitchFamily="2" charset="2"/>
+                </a:endParaRPr>
+              </a:p>
+              <a:p>
+                <a:pPr marL="0" indent="0" algn="ctr">
+                  <a:buFont typeface="Arial" pitchFamily="34" charset="0"/>
+                  <a:buNone/>
+                </a:pPr>
+                <a:endParaRPr lang="en-US" sz="3200" b="1" u="sng" dirty="0">
+                  <a:latin typeface="Tahoma" panose="020B0604030504040204" pitchFamily="34" charset="0"/>
+                  <a:ea typeface="Tahoma" panose="020B0604030504040204" pitchFamily="34" charset="0"/>
+                  <a:cs typeface="Tahoma" panose="020B0604030504040204" pitchFamily="34" charset="0"/>
+                  <a:sym typeface="Wingdings" panose="05000000000000000000" pitchFamily="2" charset="2"/>
+                </a:endParaRPr>
+              </a:p>
+              <a:p>
+                <a:pPr marL="0" indent="0" algn="ctr">
+                  <a:buFont typeface="Arial" pitchFamily="34" charset="0"/>
+                  <a:buNone/>
+                </a:pPr>
+                <a:endParaRPr lang="en-US" sz="3200" dirty="0">
+                  <a:latin typeface="Tahoma" panose="020B0604030504040204" pitchFamily="34" charset="0"/>
+                  <a:ea typeface="Tahoma" panose="020B0604030504040204" pitchFamily="34" charset="0"/>
+                  <a:cs typeface="Tahoma" panose="020B0604030504040204" pitchFamily="34" charset="0"/>
+                  <a:sym typeface="Wingdings" panose="05000000000000000000" pitchFamily="2" charset="2"/>
+                </a:endParaRPr>
+              </a:p>
+              <a:p>
+                <a:pPr marL="360363" lvl="1" indent="0" algn="ctr">
+                  <a:buNone/>
+                </a:pPr>
+                <a:endParaRPr lang="en-US" sz="3200" dirty="0">
+                  <a:latin typeface="Cambria Math" panose="02040503050406030204" pitchFamily="18" charset="0"/>
+                  <a:ea typeface="Cambria Math" panose="02040503050406030204" pitchFamily="18" charset="0"/>
+                  <a:cs typeface="Tahoma" panose="020B0604030504040204" pitchFamily="34" charset="0"/>
+                  <a:sym typeface="Wingdings" panose="05000000000000000000" pitchFamily="2" charset="2"/>
+                </a:endParaRPr>
+              </a:p>
+              <a:p>
+                <a:pPr marL="360363" lvl="1" indent="0">
+                  <a:buFont typeface="Arial" pitchFamily="34" charset="0"/>
+                  <a:buNone/>
+                </a:pPr>
+                <a:endParaRPr lang="en-US" sz="2400" b="1" dirty="0">
+                  <a:latin typeface="Tahoma" panose="020B0604030504040204" pitchFamily="34" charset="0"/>
+                  <a:ea typeface="Tahoma" panose="020B0604030504040204" pitchFamily="34" charset="0"/>
+                  <a:cs typeface="Tahoma" panose="020B0604030504040204" pitchFamily="34" charset="0"/>
+                  <a:sym typeface="Wingdings" panose="05000000000000000000" pitchFamily="2" charset="2"/>
+                </a:endParaRPr>
+              </a:p>
+              <a:p>
+                <a:pPr marL="0" indent="0">
+                  <a:buFont typeface="Arial" pitchFamily="34" charset="0"/>
+                  <a:buNone/>
+                </a:pPr>
+                <a:r>
+                  <a:rPr lang="en-US" sz="2400" b="1" dirty="0">
+                    <a:latin typeface="Tahoma" panose="020B0604030504040204" pitchFamily="34" charset="0"/>
+                    <a:ea typeface="Tahoma" panose="020B0604030504040204" pitchFamily="34" charset="0"/>
+                    <a:cs typeface="Tahoma" panose="020B0604030504040204" pitchFamily="34" charset="0"/>
+                    <a:sym typeface="Wingdings" panose="05000000000000000000" pitchFamily="2" charset="2"/>
+                  </a:rPr>
+                  <a:t>											 Data are equally likely under both hypotheses! </a:t>
+                </a:r>
+              </a:p>
+              <a:p>
+                <a:pPr marL="0" indent="0">
+                  <a:buFont typeface="Arial" pitchFamily="34" charset="0"/>
+                  <a:buNone/>
+                </a:pPr>
+                <a:r>
+                  <a:rPr lang="en-US" sz="2400" b="1" dirty="0">
+                    <a:latin typeface="Tahoma" panose="020B0604030504040204" pitchFamily="34" charset="0"/>
+                    <a:ea typeface="Tahoma" panose="020B0604030504040204" pitchFamily="34" charset="0"/>
+                    <a:cs typeface="Tahoma" panose="020B0604030504040204" pitchFamily="34" charset="0"/>
+                    <a:sym typeface="Wingdings" panose="05000000000000000000" pitchFamily="2" charset="2"/>
+                  </a:rPr>
+                  <a:t>											 Evidence is inconclusive!</a:t>
+                </a:r>
+                <a:endParaRPr lang="en-US" sz="2400" dirty="0">
+                  <a:latin typeface="Tahoma" panose="020B0604030504040204" pitchFamily="34" charset="0"/>
+                  <a:ea typeface="Tahoma" panose="020B0604030504040204" pitchFamily="34" charset="0"/>
+                  <a:cs typeface="Tahoma" panose="020B0604030504040204" pitchFamily="34" charset="0"/>
+                  <a:sym typeface="Wingdings" panose="05000000000000000000" pitchFamily="2" charset="2"/>
+                </a:endParaRPr>
+              </a:p>
+              <a:p>
+                <a:pPr marL="0" indent="0">
+                  <a:buFont typeface="Arial" pitchFamily="34" charset="0"/>
+                  <a:buNone/>
+                </a:pPr>
+                <a:endParaRPr lang="en-US" sz="2400" dirty="0">
+                  <a:latin typeface="Tahoma" panose="020B0604030504040204" pitchFamily="34" charset="0"/>
+                  <a:ea typeface="Tahoma" panose="020B0604030504040204" pitchFamily="34" charset="0"/>
+                  <a:cs typeface="Tahoma" panose="020B0604030504040204" pitchFamily="34" charset="0"/>
+                  <a:sym typeface="Wingdings" panose="05000000000000000000" pitchFamily="2" charset="2"/>
+                </a:endParaRPr>
+              </a:p>
+              <a:p>
+                <a:pPr marL="0" indent="0">
+                  <a:buFont typeface="Arial" pitchFamily="34" charset="0"/>
+                  <a:buNone/>
+                </a:pPr>
+                <a:endParaRPr lang="en-US" sz="2400" dirty="0">
+                  <a:latin typeface="Tahoma" panose="020B0604030504040204" pitchFamily="34" charset="0"/>
+                  <a:ea typeface="Tahoma" panose="020B0604030504040204" pitchFamily="34" charset="0"/>
+                  <a:cs typeface="Tahoma" panose="020B0604030504040204" pitchFamily="34" charset="0"/>
+                  <a:sym typeface="Wingdings" panose="05000000000000000000" pitchFamily="2" charset="2"/>
+                </a:endParaRPr>
+              </a:p>
+              <a:p>
+                <a:pPr marL="0" indent="0">
+                  <a:buFont typeface="Arial" pitchFamily="34" charset="0"/>
+                  <a:buNone/>
+                </a:pPr>
+                <a:endParaRPr lang="en-US" sz="2400" dirty="0">
+                  <a:latin typeface="Tahoma" panose="020B0604030504040204" pitchFamily="34" charset="0"/>
+                  <a:ea typeface="Tahoma" panose="020B0604030504040204" pitchFamily="34" charset="0"/>
+                  <a:cs typeface="Tahoma" panose="020B0604030504040204" pitchFamily="34" charset="0"/>
+                  <a:sym typeface="Wingdings" panose="05000000000000000000" pitchFamily="2" charset="2"/>
+                </a:endParaRPr>
+              </a:p>
+              <a:p>
+                <a:pPr marL="0" indent="0">
+                  <a:buFont typeface="Arial" pitchFamily="34" charset="0"/>
+                  <a:buNone/>
+                </a:pPr>
+                <a:endParaRPr lang="en-US" sz="2400" dirty="0">
+                  <a:latin typeface="Tahoma" panose="020B0604030504040204" pitchFamily="34" charset="0"/>
+                  <a:ea typeface="Tahoma" panose="020B0604030504040204" pitchFamily="34" charset="0"/>
+                  <a:cs typeface="Tahoma" panose="020B0604030504040204" pitchFamily="34" charset="0"/>
+                  <a:sym typeface="Wingdings" panose="05000000000000000000" pitchFamily="2" charset="2"/>
+                </a:endParaRPr>
+              </a:p>
+              <a:p>
+                <a:pPr marL="0" indent="0">
+                  <a:buFont typeface="Arial" pitchFamily="34" charset="0"/>
+                  <a:buNone/>
+                </a:pPr>
+                <a:endParaRPr lang="en-US" sz="2400" dirty="0">
+                  <a:latin typeface="Tahoma" panose="020B0604030504040204" pitchFamily="34" charset="0"/>
+                  <a:ea typeface="Tahoma" panose="020B0604030504040204" pitchFamily="34" charset="0"/>
+                  <a:cs typeface="Tahoma" panose="020B0604030504040204" pitchFamily="34" charset="0"/>
+                  <a:sym typeface="Wingdings" panose="05000000000000000000" pitchFamily="2" charset="2"/>
+                </a:endParaRPr>
+              </a:p>
+              <a:p>
+                <a:pPr marL="0" indent="0">
+                  <a:buFont typeface="Arial" pitchFamily="34" charset="0"/>
+                  <a:buNone/>
+                </a:pPr>
+                <a:endParaRPr lang="en-US" sz="2400" dirty="0">
+                  <a:latin typeface="Tahoma" panose="020B0604030504040204" pitchFamily="34" charset="0"/>
+                  <a:ea typeface="Tahoma" panose="020B0604030504040204" pitchFamily="34" charset="0"/>
+                  <a:cs typeface="Tahoma" panose="020B0604030504040204" pitchFamily="34" charset="0"/>
+                  <a:sym typeface="Wingdings" panose="05000000000000000000" pitchFamily="2" charset="2"/>
+                </a:endParaRPr>
+              </a:p>
+              <a:p>
+                <a:pPr marL="0" indent="0">
+                  <a:buFont typeface="Arial" pitchFamily="34" charset="0"/>
+                  <a:buNone/>
+                </a:pPr>
+                <a:endParaRPr lang="en-US" sz="2400" dirty="0">
+                  <a:latin typeface="Tahoma" panose="020B0604030504040204" pitchFamily="34" charset="0"/>
+                  <a:ea typeface="Tahoma" panose="020B0604030504040204" pitchFamily="34" charset="0"/>
+                  <a:cs typeface="Tahoma" panose="020B0604030504040204" pitchFamily="34" charset="0"/>
+                  <a:sym typeface="Wingdings" panose="05000000000000000000" pitchFamily="2" charset="2"/>
+                </a:endParaRPr>
+              </a:p>
+              <a:p>
+                <a:pPr marL="0" indent="0">
+                  <a:buFont typeface="Arial" pitchFamily="34" charset="0"/>
+                  <a:buNone/>
+                </a:pPr>
+                <a:endParaRPr lang="en-US" sz="2400" dirty="0">
+                  <a:latin typeface="Tahoma" panose="020B0604030504040204" pitchFamily="34" charset="0"/>
+                  <a:ea typeface="Tahoma" panose="020B0604030504040204" pitchFamily="34" charset="0"/>
+                  <a:cs typeface="Tahoma" panose="020B0604030504040204" pitchFamily="34" charset="0"/>
+                  <a:sym typeface="Wingdings" panose="05000000000000000000" pitchFamily="2" charset="2"/>
+                </a:endParaRPr>
+              </a:p>
+              <a:p>
+                <a:pPr marL="0" indent="0">
+                  <a:buFont typeface="Arial" pitchFamily="34" charset="0"/>
+                  <a:buNone/>
+                </a:pPr>
+                <a:endParaRPr lang="en-US" sz="2400" dirty="0">
+                  <a:latin typeface="Tahoma" panose="020B0604030504040204" pitchFamily="34" charset="0"/>
+                  <a:ea typeface="Tahoma" panose="020B0604030504040204" pitchFamily="34" charset="0"/>
+                  <a:cs typeface="Tahoma" panose="020B0604030504040204" pitchFamily="34" charset="0"/>
+                  <a:sym typeface="Wingdings" panose="05000000000000000000" pitchFamily="2" charset="2"/>
+                </a:endParaRPr>
+              </a:p>
+              <a:p>
+                <a:pPr marL="0" indent="0">
+                  <a:buFont typeface="Arial" pitchFamily="34" charset="0"/>
+                  <a:buNone/>
+                </a:pPr>
+                <a:endParaRPr lang="en-US" sz="3200" dirty="0"/>
+              </a:p>
+            </p:txBody>
+          </p:sp>
+        </mc:Choice>
+        <mc:Fallback>
+          <p:sp>
+            <p:nvSpPr>
+              <p:cNvPr id="9" name="Content Placeholder 2">
+                <a:extLst>
+                  <a:ext uri="{FF2B5EF4-FFF2-40B4-BE49-F238E27FC236}">
+                    <a16:creationId xmlns:a16="http://schemas.microsoft.com/office/drawing/2014/main" id="{B272478E-D9A9-4C74-93DF-07F5B9596B02}"/>
+                  </a:ext>
+                </a:extLst>
+              </p:cNvPr>
+              <p:cNvSpPr txBox="1">
+                <a:spLocks noRot="1" noChangeAspect="1" noMove="1" noResize="1" noEditPoints="1" noAdjustHandles="1" noChangeArrowheads="1" noChangeShapeType="1" noTextEdit="1"/>
+              </p:cNvSpPr>
+              <p:nvPr/>
+            </p:nvSpPr>
+            <p:spPr bwMode="auto">
+              <a:xfrm>
+                <a:off x="292173" y="1020656"/>
+                <a:ext cx="16762265" cy="4372980"/>
+              </a:xfrm>
+              <a:prstGeom prst="rect">
+                <a:avLst/>
+              </a:prstGeom>
+              <a:blipFill>
+                <a:blip r:embed="rId2"/>
+                <a:stretch>
+                  <a:fillRect t="-2089" b="-52925"/>
+                </a:stretch>
+              </a:blipFill>
+              <a:ln w="9525">
+                <a:noFill/>
+                <a:miter lim="800000"/>
+                <a:headEnd/>
+                <a:tailEnd/>
+              </a:ln>
+            </p:spPr>
+            <p:txBody>
+              <a:bodyPr/>
+              <a:lstStyle/>
+              <a:p>
+                <a:r>
+                  <a:rPr lang="en-US">
+                    <a:noFill/>
+                  </a:rPr>
+                  <a:t> </a:t>
+                </a:r>
+              </a:p>
+            </p:txBody>
+          </p:sp>
+        </mc:Fallback>
+      </mc:AlternateContent>
+      <p:pic>
+        <p:nvPicPr>
+          <p:cNvPr id="2" name="Picture 1">
+            <a:extLst>
+              <a:ext uri="{FF2B5EF4-FFF2-40B4-BE49-F238E27FC236}">
+                <a16:creationId xmlns:a16="http://schemas.microsoft.com/office/drawing/2014/main" id="{0FA6911B-AF9D-4D20-850F-C98C9E4834A2}"/>
+              </a:ext>
+            </a:extLst>
+          </p:cNvPr>
+          <p:cNvPicPr>
+            <a:picLocks noChangeAspect="1"/>
+          </p:cNvPicPr>
+          <p:nvPr/>
+        </p:nvPicPr>
+        <p:blipFill>
+          <a:blip r:embed="rId3"/>
+          <a:stretch>
+            <a:fillRect/>
+          </a:stretch>
+        </p:blipFill>
+        <p:spPr>
+          <a:xfrm>
+            <a:off x="113361" y="2749582"/>
+            <a:ext cx="6784687" cy="4868402"/>
+          </a:xfrm>
+          <a:prstGeom prst="rect">
+            <a:avLst/>
+          </a:prstGeom>
+        </p:spPr>
+      </p:pic>
+      <mc:AlternateContent xmlns:mc="http://schemas.openxmlformats.org/markup-compatibility/2006" xmlns:a14="http://schemas.microsoft.com/office/drawing/2010/main">
+        <mc:Choice Requires="a14">
+          <p:sp>
+            <p:nvSpPr>
+              <p:cNvPr id="5" name="Rectangle 4">
+                <a:extLst>
+                  <a:ext uri="{FF2B5EF4-FFF2-40B4-BE49-F238E27FC236}">
+                    <a16:creationId xmlns:a16="http://schemas.microsoft.com/office/drawing/2014/main" id="{B56A1602-F643-4762-88F4-FC7495CE59E1}"/>
+                  </a:ext>
+                </a:extLst>
+              </p:cNvPr>
+              <p:cNvSpPr/>
+              <p:nvPr/>
+            </p:nvSpPr>
+            <p:spPr>
+              <a:xfrm>
+                <a:off x="6733309" y="4155562"/>
+                <a:ext cx="10613302" cy="876843"/>
+              </a:xfrm>
+              <a:prstGeom prst="rect">
+                <a:avLst/>
+              </a:prstGeom>
+            </p:spPr>
+            <p:txBody>
+              <a:bodyPr wrap="square">
+                <a:spAutoFit/>
+              </a:bodyPr>
+              <a:lstStyle/>
+              <a:p>
+                <a:r>
+                  <a:rPr lang="de-DE" sz="3200" dirty="0">
+                    <a:solidFill>
+                      <a:srgbClr val="00B050"/>
+                    </a:solidFill>
+                    <a:ea typeface="Cambria Math" panose="02040503050406030204" pitchFamily="18" charset="0"/>
+                    <a:cs typeface="Tahoma" panose="020B0604030504040204" pitchFamily="34" charset="0"/>
+                    <a:sym typeface="Wingdings" panose="05000000000000000000" pitchFamily="2" charset="2"/>
+                  </a:rPr>
+                  <a:t> </a:t>
+                </a:r>
+                <a14:m>
+                  <m:oMath xmlns:m="http://schemas.openxmlformats.org/officeDocument/2006/math">
+                    <m:f>
+                      <m:fPr>
+                        <m:ctrlPr>
+                          <a:rPr lang="de-DE" sz="3200" i="1" smtClean="0">
+                            <a:solidFill>
+                              <a:schemeClr val="tx1"/>
+                            </a:solidFill>
+                            <a:latin typeface="Cambria Math" panose="02040503050406030204" pitchFamily="18" charset="0"/>
+                            <a:ea typeface="Cambria Math" panose="02040503050406030204" pitchFamily="18" charset="0"/>
+                            <a:cs typeface="Tahoma" panose="020B0604030504040204" pitchFamily="34" charset="0"/>
+                            <a:sym typeface="Wingdings" panose="05000000000000000000" pitchFamily="2" charset="2"/>
+                          </a:rPr>
+                        </m:ctrlPr>
+                      </m:fPr>
+                      <m:num>
+                        <m:r>
+                          <a:rPr lang="de-DE" sz="3200" i="1">
+                            <a:solidFill>
+                              <a:schemeClr val="tx1"/>
+                            </a:solidFill>
+                            <a:latin typeface="Cambria Math" panose="02040503050406030204" pitchFamily="18" charset="0"/>
+                            <a:ea typeface="Cambria Math" panose="02040503050406030204" pitchFamily="18" charset="0"/>
+                            <a:cs typeface="Tahoma" panose="020B0604030504040204" pitchFamily="34" charset="0"/>
+                            <a:sym typeface="Wingdings" panose="05000000000000000000" pitchFamily="2" charset="2"/>
+                          </a:rPr>
+                          <m:t>𝑃</m:t>
+                        </m:r>
+                        <m:r>
+                          <a:rPr lang="de-DE" sz="3200" i="1">
+                            <a:solidFill>
+                              <a:schemeClr val="tx1"/>
+                            </a:solidFill>
+                            <a:latin typeface="Cambria Math" panose="02040503050406030204" pitchFamily="18" charset="0"/>
+                            <a:ea typeface="Cambria Math" panose="02040503050406030204" pitchFamily="18" charset="0"/>
+                            <a:cs typeface="Tahoma" panose="020B0604030504040204" pitchFamily="34" charset="0"/>
+                            <a:sym typeface="Wingdings" panose="05000000000000000000" pitchFamily="2" charset="2"/>
+                          </a:rPr>
+                          <m:t>(</m:t>
+                        </m:r>
+                        <m:r>
+                          <a:rPr lang="de-DE" sz="3200" i="1">
+                            <a:solidFill>
+                              <a:schemeClr val="tx1"/>
+                            </a:solidFill>
+                            <a:latin typeface="Cambria Math" panose="02040503050406030204" pitchFamily="18" charset="0"/>
+                            <a:ea typeface="Cambria Math" panose="02040503050406030204" pitchFamily="18" charset="0"/>
+                            <a:cs typeface="Tahoma" panose="020B0604030504040204" pitchFamily="34" charset="0"/>
+                            <a:sym typeface="Wingdings" panose="05000000000000000000" pitchFamily="2" charset="2"/>
+                          </a:rPr>
+                          <m:t>𝐷</m:t>
+                        </m:r>
+                        <m:r>
+                          <a:rPr lang="de-DE" sz="3200" i="1">
+                            <a:solidFill>
+                              <a:schemeClr val="tx1"/>
+                            </a:solidFill>
+                            <a:latin typeface="Cambria Math" panose="02040503050406030204" pitchFamily="18" charset="0"/>
+                            <a:ea typeface="Cambria Math" panose="02040503050406030204" pitchFamily="18" charset="0"/>
+                            <a:cs typeface="Tahoma" panose="020B0604030504040204" pitchFamily="34" charset="0"/>
+                            <a:sym typeface="Wingdings" panose="05000000000000000000" pitchFamily="2" charset="2"/>
+                          </a:rPr>
+                          <m:t>|</m:t>
+                        </m:r>
+                        <m:sSub>
+                          <m:sSubPr>
+                            <m:ctrlPr>
+                              <a:rPr lang="en-US" sz="3200" i="1" dirty="0">
+                                <a:solidFill>
+                                  <a:schemeClr val="tx1"/>
+                                </a:solidFill>
+                                <a:latin typeface="Cambria Math" panose="02040503050406030204" pitchFamily="18" charset="0"/>
+                                <a:ea typeface="Cambria Math" panose="02040503050406030204" pitchFamily="18" charset="0"/>
+                                <a:sym typeface="Wingdings" panose="05000000000000000000" pitchFamily="2" charset="2"/>
+                              </a:rPr>
+                            </m:ctrlPr>
+                          </m:sSubPr>
+                          <m:e>
+                            <m:r>
+                              <a:rPr lang="en-US" sz="3200" i="1" dirty="0">
+                                <a:solidFill>
+                                  <a:schemeClr val="tx1"/>
+                                </a:solidFill>
+                                <a:latin typeface="Cambria Math" panose="02040503050406030204" pitchFamily="18" charset="0"/>
+                                <a:ea typeface="Cambria Math" panose="02040503050406030204" pitchFamily="18" charset="0"/>
+                                <a:sym typeface="Wingdings" panose="05000000000000000000" pitchFamily="2" charset="2"/>
+                              </a:rPr>
+                              <m:t>𝐻</m:t>
+                            </m:r>
+                          </m:e>
+                          <m:sub>
+                            <m:r>
+                              <a:rPr lang="en-US" sz="3200" dirty="0">
+                                <a:solidFill>
+                                  <a:schemeClr val="tx1"/>
+                                </a:solidFill>
+                                <a:latin typeface="Cambria Math" panose="02040503050406030204" pitchFamily="18" charset="0"/>
+                                <a:ea typeface="Cambria Math" panose="02040503050406030204" pitchFamily="18" charset="0"/>
+                                <a:sym typeface="Wingdings" panose="05000000000000000000" pitchFamily="2" charset="2"/>
+                              </a:rPr>
+                              <m:t>0</m:t>
+                            </m:r>
+                          </m:sub>
+                        </m:sSub>
+                        <m:r>
+                          <a:rPr lang="de-DE" sz="3200" i="1" dirty="0">
+                            <a:solidFill>
+                              <a:schemeClr val="tx1"/>
+                            </a:solidFill>
+                            <a:latin typeface="Cambria Math" panose="02040503050406030204" pitchFamily="18" charset="0"/>
+                            <a:ea typeface="Cambria Math" panose="02040503050406030204" pitchFamily="18" charset="0"/>
+                            <a:sym typeface="Wingdings" panose="05000000000000000000" pitchFamily="2" charset="2"/>
+                          </a:rPr>
+                          <m:t>)</m:t>
+                        </m:r>
+                        <m:r>
+                          <m:rPr>
+                            <m:nor/>
+                          </m:rPr>
+                          <a:rPr lang="en-US" sz="3200" dirty="0">
+                            <a:solidFill>
+                              <a:schemeClr val="tx1"/>
+                            </a:solidFill>
+                            <a:latin typeface="Cambria Math" panose="02040503050406030204" pitchFamily="18" charset="0"/>
+                            <a:ea typeface="Cambria Math" panose="02040503050406030204" pitchFamily="18" charset="0"/>
+                            <a:cs typeface="Tahoma" panose="020B0604030504040204" pitchFamily="34" charset="0"/>
+                            <a:sym typeface="Wingdings" panose="05000000000000000000" pitchFamily="2" charset="2"/>
+                          </a:rPr>
+                          <m:t> </m:t>
+                        </m:r>
+                      </m:num>
+                      <m:den>
+                        <m:r>
+                          <a:rPr lang="de-DE" sz="3200" i="1">
+                            <a:solidFill>
+                              <a:schemeClr val="tx1"/>
+                            </a:solidFill>
+                            <a:latin typeface="Cambria Math" panose="02040503050406030204" pitchFamily="18" charset="0"/>
+                            <a:ea typeface="Cambria Math" panose="02040503050406030204" pitchFamily="18" charset="0"/>
+                            <a:cs typeface="Tahoma" panose="020B0604030504040204" pitchFamily="34" charset="0"/>
+                            <a:sym typeface="Wingdings" panose="05000000000000000000" pitchFamily="2" charset="2"/>
+                          </a:rPr>
+                          <m:t>𝑃</m:t>
+                        </m:r>
+                        <m:r>
+                          <a:rPr lang="de-DE" sz="3200" i="1">
+                            <a:solidFill>
+                              <a:schemeClr val="tx1"/>
+                            </a:solidFill>
+                            <a:latin typeface="Cambria Math" panose="02040503050406030204" pitchFamily="18" charset="0"/>
+                            <a:ea typeface="Cambria Math" panose="02040503050406030204" pitchFamily="18" charset="0"/>
+                            <a:cs typeface="Tahoma" panose="020B0604030504040204" pitchFamily="34" charset="0"/>
+                            <a:sym typeface="Wingdings" panose="05000000000000000000" pitchFamily="2" charset="2"/>
+                          </a:rPr>
+                          <m:t>(</m:t>
+                        </m:r>
+                        <m:r>
+                          <a:rPr lang="de-DE" sz="3200" i="1">
+                            <a:solidFill>
+                              <a:schemeClr val="tx1"/>
+                            </a:solidFill>
+                            <a:latin typeface="Cambria Math" panose="02040503050406030204" pitchFamily="18" charset="0"/>
+                            <a:ea typeface="Cambria Math" panose="02040503050406030204" pitchFamily="18" charset="0"/>
+                            <a:cs typeface="Tahoma" panose="020B0604030504040204" pitchFamily="34" charset="0"/>
+                            <a:sym typeface="Wingdings" panose="05000000000000000000" pitchFamily="2" charset="2"/>
+                          </a:rPr>
+                          <m:t>𝐷</m:t>
+                        </m:r>
+                        <m:r>
+                          <a:rPr lang="de-DE" sz="3200" i="1">
+                            <a:solidFill>
+                              <a:schemeClr val="tx1"/>
+                            </a:solidFill>
+                            <a:latin typeface="Cambria Math" panose="02040503050406030204" pitchFamily="18" charset="0"/>
+                            <a:ea typeface="Cambria Math" panose="02040503050406030204" pitchFamily="18" charset="0"/>
+                            <a:cs typeface="Tahoma" panose="020B0604030504040204" pitchFamily="34" charset="0"/>
+                            <a:sym typeface="Wingdings" panose="05000000000000000000" pitchFamily="2" charset="2"/>
+                          </a:rPr>
+                          <m:t>|</m:t>
+                        </m:r>
+                        <m:sSub>
+                          <m:sSubPr>
+                            <m:ctrlPr>
+                              <a:rPr lang="en-US" sz="3200" i="1" dirty="0">
+                                <a:solidFill>
+                                  <a:schemeClr val="tx1"/>
+                                </a:solidFill>
+                                <a:latin typeface="Cambria Math" panose="02040503050406030204" pitchFamily="18" charset="0"/>
+                                <a:ea typeface="Cambria Math" panose="02040503050406030204" pitchFamily="18" charset="0"/>
+                                <a:sym typeface="Wingdings" panose="05000000000000000000" pitchFamily="2" charset="2"/>
+                              </a:rPr>
+                            </m:ctrlPr>
+                          </m:sSubPr>
+                          <m:e>
+                            <m:r>
+                              <a:rPr lang="en-US" sz="3200" i="1" dirty="0">
+                                <a:solidFill>
+                                  <a:schemeClr val="tx1"/>
+                                </a:solidFill>
+                                <a:latin typeface="Cambria Math" panose="02040503050406030204" pitchFamily="18" charset="0"/>
+                                <a:ea typeface="Cambria Math" panose="02040503050406030204" pitchFamily="18" charset="0"/>
+                                <a:sym typeface="Wingdings" panose="05000000000000000000" pitchFamily="2" charset="2"/>
+                              </a:rPr>
+                              <m:t>𝐻</m:t>
+                            </m:r>
+                          </m:e>
+                          <m:sub>
+                            <m:r>
+                              <a:rPr lang="de-DE" sz="3200" dirty="0">
+                                <a:solidFill>
+                                  <a:schemeClr val="tx1"/>
+                                </a:solidFill>
+                                <a:latin typeface="Cambria Math" panose="02040503050406030204" pitchFamily="18" charset="0"/>
+                                <a:ea typeface="Cambria Math" panose="02040503050406030204" pitchFamily="18" charset="0"/>
+                                <a:sym typeface="Wingdings" panose="05000000000000000000" pitchFamily="2" charset="2"/>
+                              </a:rPr>
+                              <m:t>1</m:t>
+                            </m:r>
+                          </m:sub>
+                        </m:sSub>
+                        <m:r>
+                          <a:rPr lang="de-DE" sz="3200" i="1" dirty="0">
+                            <a:solidFill>
+                              <a:schemeClr val="tx1"/>
+                            </a:solidFill>
+                            <a:latin typeface="Cambria Math" panose="02040503050406030204" pitchFamily="18" charset="0"/>
+                            <a:ea typeface="Cambria Math" panose="02040503050406030204" pitchFamily="18" charset="0"/>
+                            <a:sym typeface="Wingdings" panose="05000000000000000000" pitchFamily="2" charset="2"/>
+                          </a:rPr>
+                          <m:t>)</m:t>
+                        </m:r>
+                        <m:r>
+                          <m:rPr>
+                            <m:nor/>
+                          </m:rPr>
+                          <a:rPr lang="en-US" sz="3200" dirty="0">
+                            <a:solidFill>
+                              <a:schemeClr val="tx1"/>
+                            </a:solidFill>
+                            <a:latin typeface="Cambria Math" panose="02040503050406030204" pitchFamily="18" charset="0"/>
+                            <a:ea typeface="Cambria Math" panose="02040503050406030204" pitchFamily="18" charset="0"/>
+                            <a:cs typeface="Tahoma" panose="020B0604030504040204" pitchFamily="34" charset="0"/>
+                            <a:sym typeface="Wingdings" panose="05000000000000000000" pitchFamily="2" charset="2"/>
+                          </a:rPr>
+                          <m:t> </m:t>
+                        </m:r>
+                      </m:den>
+                    </m:f>
+                  </m:oMath>
+                </a14:m>
+                <a:r>
+                  <a:rPr lang="en-US" sz="3200" dirty="0">
+                    <a:solidFill>
+                      <a:schemeClr val="tx1"/>
+                    </a:solidFill>
+                    <a:latin typeface="Cambria Math" panose="02040503050406030204" pitchFamily="18" charset="0"/>
+                    <a:ea typeface="Cambria Math" panose="02040503050406030204" pitchFamily="18" charset="0"/>
+                    <a:cs typeface="Tahoma" panose="020B0604030504040204" pitchFamily="34" charset="0"/>
+                    <a:sym typeface="Wingdings" panose="05000000000000000000" pitchFamily="2" charset="2"/>
+                  </a:rPr>
+                  <a:t> = </a:t>
+                </a:r>
+                <a14:m>
+                  <m:oMath xmlns:m="http://schemas.openxmlformats.org/officeDocument/2006/math">
+                    <m:f>
+                      <m:fPr>
+                        <m:ctrlPr>
+                          <a:rPr lang="de-DE" sz="3200" i="1">
+                            <a:solidFill>
+                              <a:schemeClr val="tx1"/>
+                            </a:solidFill>
+                            <a:latin typeface="Cambria Math" panose="02040503050406030204" pitchFamily="18" charset="0"/>
+                            <a:ea typeface="Cambria Math" panose="02040503050406030204" pitchFamily="18" charset="0"/>
+                            <a:cs typeface="Tahoma" panose="020B0604030504040204" pitchFamily="34" charset="0"/>
+                            <a:sym typeface="Wingdings" panose="05000000000000000000" pitchFamily="2" charset="2"/>
+                          </a:rPr>
+                        </m:ctrlPr>
+                      </m:fPr>
+                      <m:num>
+                        <m:r>
+                          <a:rPr lang="de-DE" sz="3200" i="1">
+                            <a:solidFill>
+                              <a:schemeClr val="tx1"/>
+                            </a:solidFill>
+                            <a:latin typeface="Cambria Math" panose="02040503050406030204" pitchFamily="18" charset="0"/>
+                            <a:ea typeface="Cambria Math" panose="02040503050406030204" pitchFamily="18" charset="0"/>
+                            <a:cs typeface="Tahoma" panose="020B0604030504040204" pitchFamily="34" charset="0"/>
+                            <a:sym typeface="Wingdings" panose="05000000000000000000" pitchFamily="2" charset="2"/>
+                          </a:rPr>
+                          <m:t>𝑃</m:t>
+                        </m:r>
+                        <m:r>
+                          <a:rPr lang="de-DE" sz="3200" i="1">
+                            <a:solidFill>
+                              <a:schemeClr val="tx1"/>
+                            </a:solidFill>
+                            <a:latin typeface="Cambria Math" panose="02040503050406030204" pitchFamily="18" charset="0"/>
+                            <a:ea typeface="Cambria Math" panose="02040503050406030204" pitchFamily="18" charset="0"/>
+                            <a:cs typeface="Tahoma" panose="020B0604030504040204" pitchFamily="34" charset="0"/>
+                            <a:sym typeface="Wingdings" panose="05000000000000000000" pitchFamily="2" charset="2"/>
+                          </a:rPr>
+                          <m:t>(60 </m:t>
+                        </m:r>
+                        <m:r>
+                          <a:rPr lang="de-DE" sz="3200" i="1">
+                            <a:solidFill>
+                              <a:schemeClr val="tx1"/>
+                            </a:solidFill>
+                            <a:latin typeface="Cambria Math" panose="02040503050406030204" pitchFamily="18" charset="0"/>
+                            <a:ea typeface="Cambria Math" panose="02040503050406030204" pitchFamily="18" charset="0"/>
+                            <a:cs typeface="Tahoma" panose="020B0604030504040204" pitchFamily="34" charset="0"/>
+                            <a:sym typeface="Wingdings" panose="05000000000000000000" pitchFamily="2" charset="2"/>
+                          </a:rPr>
+                          <m:t>𝑤𝑜𝑚𝑒𝑛</m:t>
+                        </m:r>
+                        <m:r>
+                          <a:rPr lang="de-DE" sz="3200" i="1">
+                            <a:solidFill>
+                              <a:schemeClr val="tx1"/>
+                            </a:solidFill>
+                            <a:latin typeface="Cambria Math" panose="02040503050406030204" pitchFamily="18" charset="0"/>
+                            <a:ea typeface="Cambria Math" panose="02040503050406030204" pitchFamily="18" charset="0"/>
+                            <a:cs typeface="Tahoma" panose="020B0604030504040204" pitchFamily="34" charset="0"/>
+                            <a:sym typeface="Wingdings" panose="05000000000000000000" pitchFamily="2" charset="2"/>
+                          </a:rPr>
+                          <m:t>|</m:t>
+                        </m:r>
+                        <m:r>
+                          <a:rPr lang="de-DE" sz="3200" i="1">
+                            <a:solidFill>
+                              <a:schemeClr val="tx1"/>
+                            </a:solidFill>
+                            <a:latin typeface="Cambria Math" panose="02040503050406030204" pitchFamily="18" charset="0"/>
+                            <a:ea typeface="Cambria Math" panose="02040503050406030204" pitchFamily="18" charset="0"/>
+                            <a:cs typeface="Tahoma" panose="020B0604030504040204" pitchFamily="34" charset="0"/>
+                            <a:sym typeface="Wingdings" panose="05000000000000000000" pitchFamily="2" charset="2"/>
+                          </a:rPr>
+                          <m:t>𝑆𝑒𝑥</m:t>
+                        </m:r>
+                        <m:r>
+                          <a:rPr lang="de-DE" sz="3200" i="1">
+                            <a:solidFill>
+                              <a:schemeClr val="tx1"/>
+                            </a:solidFill>
+                            <a:latin typeface="Cambria Math" panose="02040503050406030204" pitchFamily="18" charset="0"/>
+                            <a:ea typeface="Cambria Math" panose="02040503050406030204" pitchFamily="18" charset="0"/>
+                            <a:cs typeface="Tahoma" panose="020B0604030504040204" pitchFamily="34" charset="0"/>
+                            <a:sym typeface="Wingdings" panose="05000000000000000000" pitchFamily="2" charset="2"/>
+                          </a:rPr>
+                          <m:t> </m:t>
+                        </m:r>
+                        <m:r>
+                          <a:rPr lang="de-DE" sz="3200" i="1">
+                            <a:solidFill>
+                              <a:schemeClr val="tx1"/>
+                            </a:solidFill>
+                            <a:latin typeface="Cambria Math" panose="02040503050406030204" pitchFamily="18" charset="0"/>
+                            <a:ea typeface="Cambria Math" panose="02040503050406030204" pitchFamily="18" charset="0"/>
+                            <a:cs typeface="Tahoma" panose="020B0604030504040204" pitchFamily="34" charset="0"/>
+                            <a:sym typeface="Wingdings" panose="05000000000000000000" pitchFamily="2" charset="2"/>
+                          </a:rPr>
+                          <m:t>𝑅𝑎𝑡𝑖𝑜</m:t>
+                        </m:r>
+                        <m:r>
+                          <a:rPr lang="de-DE" sz="3200" i="1">
+                            <a:solidFill>
+                              <a:schemeClr val="tx1"/>
+                            </a:solidFill>
+                            <a:latin typeface="Cambria Math" panose="02040503050406030204" pitchFamily="18" charset="0"/>
+                            <a:ea typeface="Cambria Math" panose="02040503050406030204" pitchFamily="18" charset="0"/>
+                            <a:cs typeface="Tahoma" panose="020B0604030504040204" pitchFamily="34" charset="0"/>
+                            <a:sym typeface="Wingdings" panose="05000000000000000000" pitchFamily="2" charset="2"/>
+                          </a:rPr>
+                          <m:t>=50%)</m:t>
+                        </m:r>
+                        <m:r>
+                          <m:rPr>
+                            <m:nor/>
+                          </m:rPr>
+                          <a:rPr lang="en-US" sz="3200" dirty="0">
+                            <a:solidFill>
+                              <a:schemeClr val="tx1"/>
+                            </a:solidFill>
+                            <a:latin typeface="Cambria Math" panose="02040503050406030204" pitchFamily="18" charset="0"/>
+                            <a:ea typeface="Cambria Math" panose="02040503050406030204" pitchFamily="18" charset="0"/>
+                            <a:cs typeface="Tahoma" panose="020B0604030504040204" pitchFamily="34" charset="0"/>
+                            <a:sym typeface="Wingdings" panose="05000000000000000000" pitchFamily="2" charset="2"/>
+                          </a:rPr>
+                          <m:t> </m:t>
+                        </m:r>
+                      </m:num>
+                      <m:den>
+                        <m:r>
+                          <a:rPr lang="de-DE" sz="3200" i="1" smtClean="0">
+                            <a:solidFill>
+                              <a:schemeClr val="tx1"/>
+                            </a:solidFill>
+                            <a:latin typeface="Cambria Math" panose="02040503050406030204" pitchFamily="18" charset="0"/>
+                            <a:ea typeface="Cambria Math" panose="02040503050406030204" pitchFamily="18" charset="0"/>
+                            <a:cs typeface="Tahoma" panose="020B0604030504040204" pitchFamily="34" charset="0"/>
+                            <a:sym typeface="Wingdings" panose="05000000000000000000" pitchFamily="2" charset="2"/>
+                          </a:rPr>
+                          <m:t>𝑃</m:t>
+                        </m:r>
+                        <m:r>
+                          <a:rPr lang="de-DE" sz="3200" i="1" smtClean="0">
+                            <a:solidFill>
+                              <a:schemeClr val="tx1"/>
+                            </a:solidFill>
+                            <a:latin typeface="Cambria Math" panose="02040503050406030204" pitchFamily="18" charset="0"/>
+                            <a:ea typeface="Cambria Math" panose="02040503050406030204" pitchFamily="18" charset="0"/>
+                            <a:cs typeface="Tahoma" panose="020B0604030504040204" pitchFamily="34" charset="0"/>
+                            <a:sym typeface="Wingdings" panose="05000000000000000000" pitchFamily="2" charset="2"/>
+                          </a:rPr>
+                          <m:t>(60 </m:t>
+                        </m:r>
+                        <m:r>
+                          <a:rPr lang="de-DE" sz="3200" i="1" smtClean="0">
+                            <a:solidFill>
+                              <a:schemeClr val="tx1"/>
+                            </a:solidFill>
+                            <a:latin typeface="Cambria Math" panose="02040503050406030204" pitchFamily="18" charset="0"/>
+                            <a:ea typeface="Cambria Math" panose="02040503050406030204" pitchFamily="18" charset="0"/>
+                            <a:cs typeface="Tahoma" panose="020B0604030504040204" pitchFamily="34" charset="0"/>
+                            <a:sym typeface="Wingdings" panose="05000000000000000000" pitchFamily="2" charset="2"/>
+                          </a:rPr>
+                          <m:t>𝑤𝑜𝑚𝑒𝑛</m:t>
+                        </m:r>
+                        <m:r>
+                          <a:rPr lang="de-DE" sz="3200" i="1">
+                            <a:solidFill>
+                              <a:schemeClr val="tx1"/>
+                            </a:solidFill>
+                            <a:latin typeface="Cambria Math" panose="02040503050406030204" pitchFamily="18" charset="0"/>
+                            <a:ea typeface="Cambria Math" panose="02040503050406030204" pitchFamily="18" charset="0"/>
+                            <a:cs typeface="Tahoma" panose="020B0604030504040204" pitchFamily="34" charset="0"/>
+                            <a:sym typeface="Wingdings" panose="05000000000000000000" pitchFamily="2" charset="2"/>
+                          </a:rPr>
+                          <m:t>|</m:t>
+                        </m:r>
+                        <m:r>
+                          <a:rPr lang="de-DE" sz="3200" i="1">
+                            <a:solidFill>
+                              <a:schemeClr val="tx1"/>
+                            </a:solidFill>
+                            <a:latin typeface="Cambria Math" panose="02040503050406030204" pitchFamily="18" charset="0"/>
+                            <a:ea typeface="Cambria Math" panose="02040503050406030204" pitchFamily="18" charset="0"/>
+                            <a:cs typeface="Tahoma" panose="020B0604030504040204" pitchFamily="34" charset="0"/>
+                            <a:sym typeface="Wingdings" panose="05000000000000000000" pitchFamily="2" charset="2"/>
+                          </a:rPr>
+                          <m:t>𝑆𝑒𝑥</m:t>
+                        </m:r>
+                        <m:r>
+                          <a:rPr lang="de-DE" sz="3200" i="1">
+                            <a:solidFill>
+                              <a:schemeClr val="tx1"/>
+                            </a:solidFill>
+                            <a:latin typeface="Cambria Math" panose="02040503050406030204" pitchFamily="18" charset="0"/>
+                            <a:ea typeface="Cambria Math" panose="02040503050406030204" pitchFamily="18" charset="0"/>
+                            <a:cs typeface="Tahoma" panose="020B0604030504040204" pitchFamily="34" charset="0"/>
+                            <a:sym typeface="Wingdings" panose="05000000000000000000" pitchFamily="2" charset="2"/>
+                          </a:rPr>
+                          <m:t> </m:t>
+                        </m:r>
+                        <m:r>
+                          <a:rPr lang="de-DE" sz="3200" i="1">
+                            <a:solidFill>
+                              <a:schemeClr val="tx1"/>
+                            </a:solidFill>
+                            <a:latin typeface="Cambria Math" panose="02040503050406030204" pitchFamily="18" charset="0"/>
+                            <a:ea typeface="Cambria Math" panose="02040503050406030204" pitchFamily="18" charset="0"/>
+                            <a:cs typeface="Tahoma" panose="020B0604030504040204" pitchFamily="34" charset="0"/>
+                            <a:sym typeface="Wingdings" panose="05000000000000000000" pitchFamily="2" charset="2"/>
+                          </a:rPr>
+                          <m:t>𝑅𝑎𝑡𝑖𝑜</m:t>
+                        </m:r>
+                        <m:r>
+                          <a:rPr lang="de-DE" sz="3200" b="0" i="1" smtClean="0">
+                            <a:solidFill>
+                              <a:schemeClr val="tx1"/>
+                            </a:solidFill>
+                            <a:latin typeface="Cambria Math" panose="02040503050406030204" pitchFamily="18" charset="0"/>
+                            <a:ea typeface="Cambria Math" panose="02040503050406030204" pitchFamily="18" charset="0"/>
+                            <a:cs typeface="Tahoma" panose="020B0604030504040204" pitchFamily="34" charset="0"/>
+                            <a:sym typeface="Wingdings" panose="05000000000000000000" pitchFamily="2" charset="2"/>
+                          </a:rPr>
+                          <m:t>=</m:t>
+                        </m:r>
+                        <m:r>
+                          <a:rPr lang="de-DE" sz="3200" b="0" i="1" smtClean="0">
+                            <a:solidFill>
+                              <a:srgbClr val="FF0000"/>
+                            </a:solidFill>
+                            <a:latin typeface="Cambria Math" panose="02040503050406030204" pitchFamily="18" charset="0"/>
+                            <a:ea typeface="Cambria Math" panose="02040503050406030204" pitchFamily="18" charset="0"/>
+                            <a:cs typeface="Tahoma" panose="020B0604030504040204" pitchFamily="34" charset="0"/>
+                            <a:sym typeface="Wingdings" panose="05000000000000000000" pitchFamily="2" charset="2"/>
+                          </a:rPr>
+                          <m:t>𝑈𝑛𝑖𝑓𝑜𝑟𝑚</m:t>
+                        </m:r>
+                        <m:d>
+                          <m:dPr>
+                            <m:begChr m:val="["/>
+                            <m:endChr m:val="]"/>
+                            <m:ctrlPr>
+                              <a:rPr lang="de-DE" sz="3200" b="0" i="1" smtClean="0">
+                                <a:solidFill>
+                                  <a:srgbClr val="FF0000"/>
+                                </a:solidFill>
+                                <a:latin typeface="Cambria Math" panose="02040503050406030204" pitchFamily="18" charset="0"/>
+                                <a:ea typeface="Cambria Math" panose="02040503050406030204" pitchFamily="18" charset="0"/>
+                                <a:cs typeface="Tahoma" panose="020B0604030504040204" pitchFamily="34" charset="0"/>
+                                <a:sym typeface="Wingdings" panose="05000000000000000000" pitchFamily="2" charset="2"/>
+                              </a:rPr>
+                            </m:ctrlPr>
+                          </m:dPr>
+                          <m:e>
+                            <m:r>
+                              <a:rPr lang="de-DE" sz="3200" b="0" i="1" smtClean="0">
+                                <a:solidFill>
+                                  <a:srgbClr val="FF0000"/>
+                                </a:solidFill>
+                                <a:latin typeface="Cambria Math" panose="02040503050406030204" pitchFamily="18" charset="0"/>
+                                <a:ea typeface="Cambria Math" panose="02040503050406030204" pitchFamily="18" charset="0"/>
+                                <a:cs typeface="Tahoma" panose="020B0604030504040204" pitchFamily="34" charset="0"/>
+                                <a:sym typeface="Wingdings" panose="05000000000000000000" pitchFamily="2" charset="2"/>
+                              </a:rPr>
+                              <m:t>0,100</m:t>
+                            </m:r>
+                          </m:e>
+                        </m:d>
+                        <m:r>
+                          <a:rPr lang="de-DE" sz="3200" b="0" i="1" smtClean="0">
+                            <a:solidFill>
+                              <a:srgbClr val="FF0000"/>
+                            </a:solidFill>
+                            <a:latin typeface="Cambria Math" panose="02040503050406030204" pitchFamily="18" charset="0"/>
+                            <a:ea typeface="Cambria Math" panose="02040503050406030204" pitchFamily="18" charset="0"/>
+                            <a:cs typeface="Tahoma" panose="020B0604030504040204" pitchFamily="34" charset="0"/>
+                            <a:sym typeface="Wingdings" panose="05000000000000000000" pitchFamily="2" charset="2"/>
+                          </a:rPr>
+                          <m:t>)</m:t>
+                        </m:r>
+                        <m:r>
+                          <m:rPr>
+                            <m:nor/>
+                          </m:rPr>
+                          <a:rPr lang="en-US" sz="3200" dirty="0">
+                            <a:solidFill>
+                              <a:srgbClr val="FF0000"/>
+                            </a:solidFill>
+                            <a:latin typeface="Cambria Math" panose="02040503050406030204" pitchFamily="18" charset="0"/>
+                            <a:ea typeface="Cambria Math" panose="02040503050406030204" pitchFamily="18" charset="0"/>
+                            <a:cs typeface="Tahoma" panose="020B0604030504040204" pitchFamily="34" charset="0"/>
+                            <a:sym typeface="Wingdings" panose="05000000000000000000" pitchFamily="2" charset="2"/>
+                          </a:rPr>
+                          <m:t> </m:t>
+                        </m:r>
+                      </m:den>
+                    </m:f>
+                  </m:oMath>
+                </a14:m>
+                <a:r>
+                  <a:rPr lang="en-US" sz="2800" dirty="0">
+                    <a:solidFill>
+                      <a:schemeClr val="tx1"/>
+                    </a:solidFill>
+                    <a:latin typeface="Cambria Math" panose="02040503050406030204" pitchFamily="18" charset="0"/>
+                    <a:ea typeface="Cambria Math" panose="02040503050406030204" pitchFamily="18" charset="0"/>
+                    <a:cs typeface="Tahoma" panose="020B0604030504040204" pitchFamily="34" charset="0"/>
+                    <a:sym typeface="Wingdings" panose="05000000000000000000" pitchFamily="2" charset="2"/>
+                  </a:rPr>
+                  <a:t>= </a:t>
+                </a:r>
+                <a14:m>
+                  <m:oMath xmlns:m="http://schemas.openxmlformats.org/officeDocument/2006/math">
+                    <m:f>
+                      <m:fPr>
+                        <m:ctrlPr>
+                          <a:rPr lang="de-DE" sz="2800" i="1">
+                            <a:solidFill>
+                              <a:schemeClr val="tx1"/>
+                            </a:solidFill>
+                            <a:latin typeface="Cambria Math" panose="02040503050406030204" pitchFamily="18" charset="0"/>
+                            <a:ea typeface="Cambria Math" panose="02040503050406030204" pitchFamily="18" charset="0"/>
+                            <a:cs typeface="Tahoma" panose="020B0604030504040204" pitchFamily="34" charset="0"/>
+                            <a:sym typeface="Wingdings" panose="05000000000000000000" pitchFamily="2" charset="2"/>
+                          </a:rPr>
+                        </m:ctrlPr>
+                      </m:fPr>
+                      <m:num>
+                        <m:r>
+                          <a:rPr lang="de-DE" sz="2800" b="0" i="1" smtClean="0">
+                            <a:solidFill>
+                              <a:schemeClr val="tx1"/>
+                            </a:solidFill>
+                            <a:latin typeface="Cambria Math" panose="02040503050406030204" pitchFamily="18" charset="0"/>
+                            <a:ea typeface="Cambria Math" panose="02040503050406030204" pitchFamily="18" charset="0"/>
+                            <a:cs typeface="Tahoma" panose="020B0604030504040204" pitchFamily="34" charset="0"/>
+                            <a:sym typeface="Wingdings" panose="05000000000000000000" pitchFamily="2" charset="2"/>
+                          </a:rPr>
+                          <m:t>0.011</m:t>
+                        </m:r>
+                      </m:num>
+                      <m:den>
+                        <m:r>
+                          <a:rPr lang="de-DE" sz="2800" b="0" i="1" dirty="0" smtClean="0">
+                            <a:solidFill>
+                              <a:schemeClr val="tx1"/>
+                            </a:solidFill>
+                            <a:latin typeface="Cambria Math" panose="02040503050406030204" pitchFamily="18" charset="0"/>
+                            <a:ea typeface="Cambria Math" panose="02040503050406030204" pitchFamily="18" charset="0"/>
+                            <a:cs typeface="Tahoma" panose="020B0604030504040204" pitchFamily="34" charset="0"/>
+                            <a:sym typeface="Wingdings" panose="05000000000000000000" pitchFamily="2" charset="2"/>
+                          </a:rPr>
+                          <m:t>0.010</m:t>
+                        </m:r>
+                      </m:den>
+                    </m:f>
+                  </m:oMath>
+                </a14:m>
+                <a:r>
+                  <a:rPr lang="en-US" sz="3200" dirty="0">
+                    <a:solidFill>
+                      <a:schemeClr val="tx1"/>
+                    </a:solidFill>
+                    <a:latin typeface="Cambria Math" panose="02040503050406030204" pitchFamily="18" charset="0"/>
+                    <a:ea typeface="Cambria Math" panose="02040503050406030204" pitchFamily="18" charset="0"/>
+                    <a:cs typeface="Tahoma" panose="020B0604030504040204" pitchFamily="34" charset="0"/>
+                    <a:sym typeface="Wingdings" panose="05000000000000000000" pitchFamily="2" charset="2"/>
+                  </a:rPr>
+                  <a:t> = 1.1</a:t>
+                </a:r>
+                <a:endParaRPr lang="en-US" sz="2800" dirty="0">
+                  <a:solidFill>
+                    <a:srgbClr val="00B050"/>
+                  </a:solidFill>
+                  <a:latin typeface="Cambria Math" panose="02040503050406030204" pitchFamily="18" charset="0"/>
+                  <a:ea typeface="Cambria Math" panose="02040503050406030204" pitchFamily="18" charset="0"/>
+                </a:endParaRPr>
+              </a:p>
+            </p:txBody>
+          </p:sp>
+        </mc:Choice>
+        <mc:Fallback xmlns="">
+          <p:sp>
+            <p:nvSpPr>
+              <p:cNvPr id="5" name="Rectangle 4">
+                <a:extLst>
+                  <a:ext uri="{FF2B5EF4-FFF2-40B4-BE49-F238E27FC236}">
+                    <a16:creationId xmlns:a16="http://schemas.microsoft.com/office/drawing/2014/main" id="{B56A1602-F643-4762-88F4-FC7495CE59E1}"/>
+                  </a:ext>
+                </a:extLst>
+              </p:cNvPr>
+              <p:cNvSpPr>
+                <a:spLocks noRot="1" noChangeAspect="1" noMove="1" noResize="1" noEditPoints="1" noAdjustHandles="1" noChangeArrowheads="1" noChangeShapeType="1" noTextEdit="1"/>
+              </p:cNvSpPr>
+              <p:nvPr/>
+            </p:nvSpPr>
+            <p:spPr>
+              <a:xfrm>
+                <a:off x="6733309" y="4155562"/>
+                <a:ext cx="10613302" cy="876843"/>
+              </a:xfrm>
+              <a:prstGeom prst="rect">
+                <a:avLst/>
+              </a:prstGeom>
+              <a:blipFill>
+                <a:blip r:embed="rId4"/>
+                <a:stretch>
+                  <a:fillRect b="-1389"/>
+                </a:stretch>
+              </a:blipFill>
+            </p:spPr>
+            <p:txBody>
+              <a:bodyPr/>
+              <a:lstStyle/>
+              <a:p>
+                <a:r>
+                  <a:rPr lang="en-US">
+                    <a:noFill/>
+                  </a:rPr>
+                  <a:t> </a:t>
+                </a:r>
+              </a:p>
+            </p:txBody>
+          </p:sp>
+        </mc:Fallback>
+      </mc:AlternateContent>
+    </p:spTree>
+    <p:extLst>
+      <p:ext uri="{BB962C8B-B14F-4D97-AF65-F5344CB8AC3E}">
+        <p14:creationId xmlns:p14="http://schemas.microsoft.com/office/powerpoint/2010/main" val="3242068556"/>
+      </p:ext>
+    </p:extLst>
+  </p:cSld>
+  <p:clrMapOvr>
+    <a:masterClrMapping/>
+  </p:clrMapOvr>
+  <p:timing>
+    <p:tnLst>
+      <p:par>
+        <p:cTn id="1" dur="indefinite" restart="never" nodeType="tmRoot">
+          <p:childTnLst>
+            <p:seq concurrent="1" nextAc="seek">
+              <p:cTn id="2" dur="indefinite" nodeType="mainSeq">
+                <p:childTnLst>
+                  <p:par>
+                    <p:cTn id="3" fill="hold">
+                      <p:stCondLst>
+                        <p:cond delay="indefinite"/>
+                      </p:stCondLst>
+                      <p:childTnLst>
+                        <p:par>
+                          <p:cTn id="4" fill="hold">
+                            <p:stCondLst>
+                              <p:cond delay="0"/>
+                            </p:stCondLst>
+                            <p:childTnLst>
+                              <p:par>
+                                <p:cTn id="5" presetID="1" presetClass="entr" presetSubtype="0" fill="hold" grpId="0" nodeType="clickEffect">
+                                  <p:stCondLst>
+                                    <p:cond delay="0"/>
+                                  </p:stCondLst>
+                                  <p:childTnLst>
+                                    <p:set>
+                                      <p:cBhvr>
+                                        <p:cTn id="6" dur="1" fill="hold">
+                                          <p:stCondLst>
+                                            <p:cond delay="0"/>
+                                          </p:stCondLst>
+                                        </p:cTn>
+                                        <p:tgtEl>
+                                          <p:spTgt spid="5"/>
+                                        </p:tgtEl>
+                                        <p:attrNameLst>
+                                          <p:attrName>style.visibility</p:attrName>
+                                        </p:attrNameLst>
+                                      </p:cBhvr>
+                                      <p:to>
+                                        <p:strVal val="visible"/>
+                                      </p:to>
+                                    </p:set>
+                                  </p:childTnLst>
+                                </p:cTn>
+                              </p:par>
+                            </p:childTnLst>
+                          </p:cTn>
+                        </p:par>
+                      </p:childTnLst>
+                    </p:cTn>
+                  </p:par>
+                  <p:par>
+                    <p:cTn id="7" fill="hold">
+                      <p:stCondLst>
+                        <p:cond delay="indefinite"/>
+                      </p:stCondLst>
+                      <p:childTnLst>
+                        <p:par>
+                          <p:cTn id="8" fill="hold">
+                            <p:stCondLst>
+                              <p:cond delay="0"/>
+                            </p:stCondLst>
+                            <p:childTnLst>
+                              <p:par>
+                                <p:cTn id="9" presetID="1" presetClass="entr" presetSubtype="0" fill="hold" nodeType="clickEffect">
+                                  <p:stCondLst>
+                                    <p:cond delay="0"/>
+                                  </p:stCondLst>
+                                  <p:childTnLst>
+                                    <p:set>
+                                      <p:cBhvr>
+                                        <p:cTn id="10" dur="1" fill="hold">
+                                          <p:stCondLst>
+                                            <p:cond delay="0"/>
+                                          </p:stCondLst>
+                                        </p:cTn>
+                                        <p:tgtEl>
+                                          <p:spTgt spid="9">
+                                            <p:txEl>
+                                              <p:pRg st="11" end="11"/>
+                                            </p:txEl>
+                                          </p:spTgt>
+                                        </p:tgtEl>
+                                        <p:attrNameLst>
+                                          <p:attrName>style.visibility</p:attrName>
+                                        </p:attrNameLst>
+                                      </p:cBhvr>
+                                      <p:to>
+                                        <p:strVal val="visible"/>
+                                      </p:to>
+                                    </p:set>
+                                  </p:childTnLst>
+                                </p:cTn>
+                              </p:par>
+                              <p:par>
+                                <p:cTn id="11" presetID="1" presetClass="entr" presetSubtype="0" fill="hold" nodeType="withEffect">
+                                  <p:stCondLst>
+                                    <p:cond delay="0"/>
+                                  </p:stCondLst>
+                                  <p:childTnLst>
+                                    <p:set>
+                                      <p:cBhvr>
+                                        <p:cTn id="12" dur="1" fill="hold">
+                                          <p:stCondLst>
+                                            <p:cond delay="0"/>
+                                          </p:stCondLst>
+                                        </p:cTn>
+                                        <p:tgtEl>
+                                          <p:spTgt spid="9">
+                                            <p:txEl>
+                                              <p:pRg st="12" end="12"/>
+                                            </p:txEl>
+                                          </p:spTgt>
+                                        </p:tgtEl>
+                                        <p:attrNameLst>
+                                          <p:attrName>style.visibility</p:attrName>
+                                        </p:attrNameLst>
+                                      </p:cBhvr>
+                                      <p:to>
+                                        <p:strVal val="visible"/>
+                                      </p:to>
+                                    </p:set>
+                                  </p:childTnLst>
+                                </p:cTn>
+                              </p:par>
+                            </p:childTnLst>
+                          </p:cTn>
+                        </p:par>
+                      </p:childTnLst>
+                    </p:cTn>
+                  </p:par>
+                </p:childTnLst>
+              </p:cTn>
+              <p:prevCondLst>
+                <p:cond evt="onPrev" delay="0">
+                  <p:tgtEl>
+                    <p:sldTgt/>
+                  </p:tgtEl>
+                </p:cond>
+              </p:prevCondLst>
+              <p:nextCondLst>
+                <p:cond evt="onNext" delay="0">
+                  <p:tgtEl>
+                    <p:sldTgt/>
+                  </p:tgtEl>
+                </p:cond>
+              </p:nextCondLst>
+            </p:seq>
+          </p:childTnLst>
+        </p:cTn>
+      </p:par>
+    </p:tnLst>
+    <p:bldLst>
+      <p:bldP spid="5" grpId="0"/>
+    </p:bldLst>
+  </p:timing>
 </p:sld>
 </file>
 

--- a/extending_stats_toolbox_phd-day2019_short.pptx
+++ b/extending_stats_toolbox_phd-day2019_short.pptx
@@ -3689,8 +3689,8 @@
           </a:p>
         </p:txBody>
       </p:sp>
-      <mc:AlternateContent xmlns:mc="http://schemas.openxmlformats.org/markup-compatibility/2006">
-        <mc:Choice xmlns:a14="http://schemas.microsoft.com/office/drawing/2010/main" Requires="a14">
+      <mc:AlternateContent xmlns:mc="http://schemas.openxmlformats.org/markup-compatibility/2006" xmlns:a14="http://schemas.microsoft.com/office/drawing/2010/main">
+        <mc:Choice Requires="a14">
           <p:sp>
             <p:nvSpPr>
               <p:cNvPr id="4" name="Rectangle 3">
@@ -4374,7 +4374,7 @@
             </p:txBody>
           </p:sp>
         </mc:Choice>
-        <mc:Fallback>
+        <mc:Fallback xmlns="">
           <p:sp>
             <p:nvSpPr>
               <p:cNvPr id="4" name="Rectangle 3">
@@ -4419,8 +4419,8 @@
           </p:sp>
         </mc:Fallback>
       </mc:AlternateContent>
-      <mc:AlternateContent xmlns:mc="http://schemas.openxmlformats.org/markup-compatibility/2006">
-        <mc:Choice xmlns:a14="http://schemas.microsoft.com/office/drawing/2010/main" Requires="a14">
+      <mc:AlternateContent xmlns:mc="http://schemas.openxmlformats.org/markup-compatibility/2006" xmlns:a14="http://schemas.microsoft.com/office/drawing/2010/main">
+        <mc:Choice Requires="a14">
           <p:sp>
             <p:nvSpPr>
               <p:cNvPr id="2" name="Rectangle 1">
@@ -4967,7 +4967,7 @@
             </p:txBody>
           </p:sp>
         </mc:Choice>
-        <mc:Fallback>
+        <mc:Fallback xmlns="">
           <p:sp>
             <p:nvSpPr>
               <p:cNvPr id="2" name="Rectangle 1">
@@ -5012,8 +5012,8 @@
           </p:sp>
         </mc:Fallback>
       </mc:AlternateContent>
-      <mc:AlternateContent xmlns:mc="http://schemas.openxmlformats.org/markup-compatibility/2006">
-        <mc:Choice xmlns:a14="http://schemas.microsoft.com/office/drawing/2010/main" Requires="a14">
+      <mc:AlternateContent xmlns:mc="http://schemas.openxmlformats.org/markup-compatibility/2006" xmlns:a14="http://schemas.microsoft.com/office/drawing/2010/main">
+        <mc:Choice Requires="a14">
           <p:sp>
             <p:nvSpPr>
               <p:cNvPr id="6" name="Rectangle 5">
@@ -5718,7 +5718,7 @@
             </p:txBody>
           </p:sp>
         </mc:Choice>
-        <mc:Fallback>
+        <mc:Fallback xmlns="">
           <p:sp>
             <p:nvSpPr>
               <p:cNvPr id="6" name="Rectangle 5">
@@ -11392,6 +11392,48 @@
           </a:p>
         </p:txBody>
       </p:sp>
+      <p:sp>
+        <p:nvSpPr>
+          <p:cNvPr id="5" name="Rectangle 4">
+            <a:extLst>
+              <a:ext uri="{FF2B5EF4-FFF2-40B4-BE49-F238E27FC236}">
+                <a16:creationId xmlns:a16="http://schemas.microsoft.com/office/drawing/2014/main" id="{EE74DE73-E339-44CF-8F9B-98A7706560F4}"/>
+              </a:ext>
+            </a:extLst>
+          </p:cNvPr>
+          <p:cNvSpPr/>
+          <p:nvPr/>
+        </p:nvSpPr>
+        <p:spPr>
+          <a:xfrm>
+            <a:off x="6387129" y="6845203"/>
+            <a:ext cx="11174681" cy="923330"/>
+          </a:xfrm>
+          <a:prstGeom prst="rect">
+            <a:avLst/>
+          </a:prstGeom>
+        </p:spPr>
+        <p:txBody>
+          <a:bodyPr wrap="square">
+            <a:spAutoFit/>
+          </a:bodyPr>
+          <a:lstStyle/>
+          <a:p>
+            <a:r>
+              <a:rPr lang="en-US" sz="5400" b="1" dirty="0"/>
+              <a:t>Material + reading list on </a:t>
+            </a:r>
+            <a:r>
+              <a:rPr lang="en-US" sz="5400" b="1" dirty="0" err="1"/>
+              <a:t>Github</a:t>
+            </a:r>
+            <a:r>
+              <a:rPr lang="en-US" sz="5400" b="1" dirty="0"/>
+              <a:t>!</a:t>
+            </a:r>
+          </a:p>
+        </p:txBody>
+      </p:sp>
     </p:spTree>
     <p:extLst>
       <p:ext uri="{BB962C8B-B14F-4D97-AF65-F5344CB8AC3E}">
@@ -11402,6 +11444,84 @@
   <p:clrMapOvr>
     <a:masterClrMapping/>
   </p:clrMapOvr>
+  <p:timing>
+    <p:tnLst>
+      <p:par>
+        <p:cTn id="1" dur="indefinite" restart="never" nodeType="tmRoot">
+          <p:childTnLst>
+            <p:seq concurrent="1" nextAc="seek">
+              <p:cTn id="2" dur="indefinite" nodeType="mainSeq">
+                <p:childTnLst>
+                  <p:par>
+                    <p:cTn id="3" fill="hold">
+                      <p:stCondLst>
+                        <p:cond delay="indefinite"/>
+                      </p:stCondLst>
+                      <p:childTnLst>
+                        <p:par>
+                          <p:cTn id="4" fill="hold">
+                            <p:stCondLst>
+                              <p:cond delay="0"/>
+                            </p:stCondLst>
+                            <p:childTnLst>
+                              <p:par>
+                                <p:cTn id="5" presetID="1" presetClass="entr" presetSubtype="0" fill="hold" grpId="0" nodeType="clickEffect">
+                                  <p:stCondLst>
+                                    <p:cond delay="0"/>
+                                  </p:stCondLst>
+                                  <p:childTnLst>
+                                    <p:set>
+                                      <p:cBhvr>
+                                        <p:cTn id="6" dur="1" fill="hold">
+                                          <p:stCondLst>
+                                            <p:cond delay="0"/>
+                                          </p:stCondLst>
+                                        </p:cTn>
+                                        <p:tgtEl>
+                                          <p:spTgt spid="5"/>
+                                        </p:tgtEl>
+                                        <p:attrNameLst>
+                                          <p:attrName>style.visibility</p:attrName>
+                                        </p:attrNameLst>
+                                      </p:cBhvr>
+                                      <p:to>
+                                        <p:strVal val="visible"/>
+                                      </p:to>
+                                    </p:set>
+                                  </p:childTnLst>
+                                </p:cTn>
+                              </p:par>
+                            </p:childTnLst>
+                          </p:cTn>
+                        </p:par>
+                      </p:childTnLst>
+                    </p:cTn>
+                  </p:par>
+                </p:childTnLst>
+              </p:cTn>
+              <p:prevCondLst>
+                <p:cond evt="onPrev" delay="0">
+                  <p:tgtEl>
+                    <p:sldTgt/>
+                  </p:tgtEl>
+                </p:cond>
+              </p:prevCondLst>
+              <p:nextCondLst>
+                <p:cond evt="onNext" delay="0">
+                  <p:tgtEl>
+                    <p:sldTgt/>
+                  </p:tgtEl>
+                </p:cond>
+              </p:nextCondLst>
+            </p:seq>
+          </p:childTnLst>
+        </p:cTn>
+      </p:par>
+    </p:tnLst>
+    <p:bldLst>
+      <p:bldP spid="5" grpId="0"/>
+    </p:bldLst>
+  </p:timing>
 </p:sld>
 </file>
 
@@ -25322,8 +25442,8 @@
           </a:p>
         </p:txBody>
       </p:sp>
-      <mc:AlternateContent xmlns:mc="http://schemas.openxmlformats.org/markup-compatibility/2006">
-        <mc:Choice xmlns:a14="http://schemas.microsoft.com/office/drawing/2010/main" Requires="a14">
+      <mc:AlternateContent xmlns:mc="http://schemas.openxmlformats.org/markup-compatibility/2006" xmlns:a14="http://schemas.microsoft.com/office/drawing/2010/main">
+        <mc:Choice Requires="a14">
           <p:sp>
             <p:nvSpPr>
               <p:cNvPr id="9" name="Content Placeholder 2">
@@ -25845,7 +25965,7 @@
             </p:txBody>
           </p:sp>
         </mc:Choice>
-        <mc:Fallback>
+        <mc:Fallback xmlns="">
           <p:sp>
             <p:nvSpPr>
               <p:cNvPr id="9" name="Content Placeholder 2">

--- a/extending_stats_toolbox_phd-day2019_short.pptx
+++ b/extending_stats_toolbox_phd-day2019_short.pptx
@@ -22340,8 +22340,8 @@
         </p:nvSpPr>
         <p:spPr>
           <a:xfrm>
-            <a:off x="617" y="9036826"/>
-            <a:ext cx="12836624" cy="696064"/>
+            <a:off x="0" y="7268072"/>
+            <a:ext cx="15734188" cy="696064"/>
           </a:xfrm>
           <a:prstGeom prst="rect">
             <a:avLst/>

--- a/extending_stats_toolbox_phd-day2019_short.pptx
+++ b/extending_stats_toolbox_phd-day2019_short.pptx
@@ -302,7 +302,7 @@
             <a:fld id="{52EFB15A-F931-431E-9A9C-5531F9977950}" type="datetime1">
               <a:rPr lang="nl-NL"/>
               <a:pPr/>
-              <a:t>7-11-2019</a:t>
+              <a:t>8-11-2019</a:t>
             </a:fld>
             <a:endParaRPr lang="nl-NL"/>
           </a:p>
@@ -6641,37 +6641,7 @@
         </p:blipFill>
         <p:spPr>
           <a:xfrm>
-            <a:off x="9594574" y="3390752"/>
-            <a:ext cx="6741808" cy="4160658"/>
-          </a:xfrm>
-          <a:prstGeom prst="rect">
-            <a:avLst/>
-          </a:prstGeom>
-        </p:spPr>
-      </p:pic>
-      <p:pic>
-        <p:nvPicPr>
-          <p:cNvPr id="13" name="Picture 12">
-            <a:extLst>
-              <a:ext uri="{FF2B5EF4-FFF2-40B4-BE49-F238E27FC236}">
-                <a16:creationId xmlns:a16="http://schemas.microsoft.com/office/drawing/2014/main" id="{57B81107-9EF2-4815-A14A-1047FB1CB16B}"/>
-              </a:ext>
-            </a:extLst>
-          </p:cNvPr>
-          <p:cNvPicPr>
-            <a:picLocks noChangeAspect="1"/>
-          </p:cNvPicPr>
-          <p:nvPr/>
-        </p:nvPicPr>
-        <p:blipFill>
-          <a:blip r:embed="rId3"/>
-          <a:stretch>
-            <a:fillRect/>
-          </a:stretch>
-        </p:blipFill>
-        <p:spPr>
-          <a:xfrm>
-            <a:off x="1649896" y="3390751"/>
+            <a:off x="5128592" y="3332180"/>
             <a:ext cx="6741808" cy="4160658"/>
           </a:xfrm>
           <a:prstGeom prst="rect">
@@ -6802,45 +6772,27 @@
               <a:buChar char="Ø"/>
             </a:pPr>
             <a:r>
+              <a:rPr lang="en-US" sz="2800" b="1" dirty="0">
+                <a:latin typeface="Tahoma" panose="020B0604030504040204" pitchFamily="34" charset="0"/>
+                <a:ea typeface="Tahoma" panose="020B0604030504040204" pitchFamily="34" charset="0"/>
+                <a:cs typeface="Tahoma" panose="020B0604030504040204" pitchFamily="34" charset="0"/>
+              </a:rPr>
+              <a:t>We never know absolute truth so decisions can always be wrong!</a:t>
+            </a:r>
+          </a:p>
+          <a:p>
+            <a:pPr lvl="2">
+              <a:buFont typeface="Wingdings" panose="05000000000000000000" pitchFamily="2" charset="2"/>
+              <a:buChar char="Ø"/>
+            </a:pPr>
+            <a:r>
               <a:rPr lang="en-US" sz="2800" dirty="0">
                 <a:latin typeface="Tahoma" panose="020B0604030504040204" pitchFamily="34" charset="0"/>
                 <a:ea typeface="Tahoma" panose="020B0604030504040204" pitchFamily="34" charset="0"/>
                 <a:cs typeface="Tahoma" panose="020B0604030504040204" pitchFamily="34" charset="0"/>
               </a:rPr>
-              <a:t>They do not solve the problem of decision-making. </a:t>
-            </a:r>
-            <a:r>
-              <a:rPr lang="en-US" sz="2800" b="1" dirty="0">
-                <a:latin typeface="Tahoma" panose="020B0604030504040204" pitchFamily="34" charset="0"/>
-                <a:ea typeface="Tahoma" panose="020B0604030504040204" pitchFamily="34" charset="0"/>
-                <a:cs typeface="Tahoma" panose="020B0604030504040204" pitchFamily="34" charset="0"/>
-              </a:rPr>
-              <a:t>Decisions can always be wrong!</a:t>
-            </a:r>
-            <a:endParaRPr lang="en-US" sz="2800" dirty="0">
-              <a:latin typeface="Tahoma" panose="020B0604030504040204" pitchFamily="34" charset="0"/>
-              <a:ea typeface="Tahoma" panose="020B0604030504040204" pitchFamily="34" charset="0"/>
-              <a:cs typeface="Tahoma" panose="020B0604030504040204" pitchFamily="34" charset="0"/>
-            </a:endParaRPr>
-          </a:p>
-          <a:p>
-            <a:pPr lvl="2">
-              <a:buFont typeface="Wingdings" panose="05000000000000000000" pitchFamily="2" charset="2"/>
-              <a:buChar char="Ø"/>
-            </a:pPr>
-            <a:r>
-              <a:rPr lang="en-US" sz="2800" b="1" dirty="0">
-                <a:latin typeface="Tahoma" panose="020B0604030504040204" pitchFamily="34" charset="0"/>
-                <a:ea typeface="Tahoma" panose="020B0604030504040204" pitchFamily="34" charset="0"/>
-                <a:cs typeface="Tahoma" panose="020B0604030504040204" pitchFamily="34" charset="0"/>
-              </a:rPr>
               <a:t>Optional Stopping based on BF will systematically bias parameter estimates!</a:t>
             </a:r>
-            <a:endParaRPr lang="en-US" sz="2800" dirty="0">
-              <a:latin typeface="Tahoma" panose="020B0604030504040204" pitchFamily="34" charset="0"/>
-              <a:ea typeface="Tahoma" panose="020B0604030504040204" pitchFamily="34" charset="0"/>
-              <a:cs typeface="Tahoma" panose="020B0604030504040204" pitchFamily="34" charset="0"/>
-            </a:endParaRPr>
           </a:p>
           <a:p>
             <a:pPr lvl="2">
@@ -7025,33 +6977,6 @@
                                           </p:stCondLst>
                                         </p:cTn>
                                         <p:tgtEl>
-                                          <p:spTgt spid="13"/>
-                                        </p:tgtEl>
-                                        <p:attrNameLst>
-                                          <p:attrName>style.visibility</p:attrName>
-                                        </p:attrNameLst>
-                                      </p:cBhvr>
-                                      <p:to>
-                                        <p:strVal val="visible"/>
-                                      </p:to>
-                                    </p:set>
-                                  </p:childTnLst>
-                                </p:cTn>
-                              </p:par>
-                              <p:par>
-                                <p:cTn id="15" presetID="1" presetClass="entr" presetSubtype="0" fill="hold" nodeType="withEffect">
-                                  <p:stCondLst>
-                                    <p:cond delay="0"/>
-                                  </p:stCondLst>
-                                  <p:childTnLst>
-                                    <p:set>
-                                      <p:cBhvr>
-                                        <p:cTn id="16" dur="1" fill="hold">
-                                          <p:stCondLst>
-                                            <p:cond delay="0"/>
-                                          </p:stCondLst>
-                                        </p:cTn>
-                                        <p:tgtEl>
                                           <p:spTgt spid="9"/>
                                         </p:tgtEl>
                                         <p:attrNameLst>
@@ -7072,53 +6997,26 @@
                     </p:cTn>
                   </p:par>
                   <p:par>
-                    <p:cTn id="17" fill="hold">
+                    <p:cTn id="15" fill="hold">
                       <p:stCondLst>
                         <p:cond delay="indefinite"/>
                       </p:stCondLst>
                       <p:childTnLst>
                         <p:par>
-                          <p:cTn id="18" fill="hold">
+                          <p:cTn id="16" fill="hold">
                             <p:stCondLst>
                               <p:cond delay="0"/>
                             </p:stCondLst>
                             <p:childTnLst>
                               <p:par>
-                                <p:cTn id="19" presetID="1" presetClass="exit" presetSubtype="0" fill="hold" nodeType="clickEffect">
+                                <p:cTn id="17" presetID="1" presetClass="exit" presetSubtype="0" fill="hold" nodeType="clickEffect">
                                   <p:stCondLst>
                                     <p:cond delay="0"/>
                                   </p:stCondLst>
                                   <p:childTnLst>
                                     <p:set>
                                       <p:cBhvr>
-                                        <p:cTn id="20" dur="1" fill="hold">
-                                          <p:stCondLst>
-                                            <p:cond delay="0"/>
-                                          </p:stCondLst>
-                                        </p:cTn>
-                                        <p:tgtEl>
-                                          <p:spTgt spid="13"/>
-                                        </p:tgtEl>
-                                        <p:attrNameLst>
-                                          <p:attrName>style.visibility</p:attrName>
-                                        </p:attrNameLst>
-                                      </p:cBhvr>
-                                      <p:to>
-                                        <p:strVal val="hidden"/>
-                                      </p:to>
-                                    </p:set>
-                                  </p:childTnLst>
-                                </p:cTn>
-                              </p:par>
-                              <p:par>
-                                <p:cTn id="21" presetID="1" presetClass="exit" presetSubtype="0" fill="hold" nodeType="withEffect">
-                                  <p:stCondLst>
-                                    <p:cond delay="0"/>
-                                  </p:stCondLst>
-                                  <p:childTnLst>
-                                    <p:set>
-                                      <p:cBhvr>
-                                        <p:cTn id="22" dur="1" fill="hold">
+                                        <p:cTn id="18" dur="1" fill="hold">
                                           <p:stCondLst>
                                             <p:cond delay="0"/>
                                           </p:stCondLst>
@@ -7137,33 +7035,15 @@
                                   </p:childTnLst>
                                 </p:cTn>
                               </p:par>
-                            </p:childTnLst>
-                          </p:cTn>
-                        </p:par>
-                      </p:childTnLst>
-                    </p:cTn>
-                  </p:par>
-                  <p:par>
-                    <p:cTn id="23" fill="hold">
-                      <p:stCondLst>
-                        <p:cond delay="indefinite"/>
-                      </p:stCondLst>
-                      <p:childTnLst>
-                        <p:par>
-                          <p:cTn id="24" fill="hold">
-                            <p:stCondLst>
-                              <p:cond delay="0"/>
-                            </p:stCondLst>
-                            <p:childTnLst>
                               <p:par>
-                                <p:cTn id="25" presetID="1" presetClass="entr" presetSubtype="0" fill="hold" nodeType="clickEffect">
+                                <p:cTn id="19" presetID="1" presetClass="entr" presetSubtype="0" fill="hold" nodeType="withEffect">
                                   <p:stCondLst>
                                     <p:cond delay="0"/>
                                   </p:stCondLst>
                                   <p:childTnLst>
                                     <p:set>
                                       <p:cBhvr>
-                                        <p:cTn id="26" dur="1" fill="hold">
+                                        <p:cTn id="20" dur="1" fill="hold">
                                           <p:stCondLst>
                                             <p:cond delay="0"/>
                                           </p:stCondLst>
@@ -7193,26 +7073,26 @@
                     </p:cTn>
                   </p:par>
                   <p:par>
-                    <p:cTn id="27" fill="hold">
+                    <p:cTn id="21" fill="hold">
                       <p:stCondLst>
                         <p:cond delay="indefinite"/>
                       </p:stCondLst>
                       <p:childTnLst>
                         <p:par>
-                          <p:cTn id="28" fill="hold">
+                          <p:cTn id="22" fill="hold">
                             <p:stCondLst>
                               <p:cond delay="0"/>
                             </p:stCondLst>
                             <p:childTnLst>
                               <p:par>
-                                <p:cTn id="29" presetID="1" presetClass="entr" presetSubtype="0" fill="hold" nodeType="clickEffect">
+                                <p:cTn id="23" presetID="1" presetClass="entr" presetSubtype="0" fill="hold" nodeType="clickEffect">
                                   <p:stCondLst>
                                     <p:cond delay="0"/>
                                   </p:stCondLst>
                                   <p:childTnLst>
                                     <p:set>
                                       <p:cBhvr>
-                                        <p:cTn id="30" dur="1" fill="hold">
+                                        <p:cTn id="24" dur="1" fill="hold">
                                           <p:stCondLst>
                                             <p:cond delay="0"/>
                                           </p:stCondLst>
@@ -7242,26 +7122,26 @@
                     </p:cTn>
                   </p:par>
                   <p:par>
-                    <p:cTn id="31" fill="hold">
+                    <p:cTn id="25" fill="hold">
                       <p:stCondLst>
                         <p:cond delay="indefinite"/>
                       </p:stCondLst>
                       <p:childTnLst>
                         <p:par>
-                          <p:cTn id="32" fill="hold">
+                          <p:cTn id="26" fill="hold">
                             <p:stCondLst>
                               <p:cond delay="0"/>
                             </p:stCondLst>
                             <p:childTnLst>
                               <p:par>
-                                <p:cTn id="33" presetID="1" presetClass="entr" presetSubtype="0" fill="hold" nodeType="clickEffect">
+                                <p:cTn id="27" presetID="1" presetClass="entr" presetSubtype="0" fill="hold" nodeType="clickEffect">
                                   <p:stCondLst>
                                     <p:cond delay="0"/>
                                   </p:stCondLst>
                                   <p:childTnLst>
                                     <p:set>
                                       <p:cBhvr>
-                                        <p:cTn id="34" dur="1" fill="hold">
+                                        <p:cTn id="28" dur="1" fill="hold">
                                           <p:stCondLst>
                                             <p:cond delay="0"/>
                                           </p:stCondLst>
@@ -7291,26 +7171,26 @@
                     </p:cTn>
                   </p:par>
                   <p:par>
-                    <p:cTn id="35" fill="hold">
+                    <p:cTn id="29" fill="hold">
                       <p:stCondLst>
                         <p:cond delay="indefinite"/>
                       </p:stCondLst>
                       <p:childTnLst>
                         <p:par>
-                          <p:cTn id="36" fill="hold">
+                          <p:cTn id="30" fill="hold">
                             <p:stCondLst>
                               <p:cond delay="0"/>
                             </p:stCondLst>
                             <p:childTnLst>
                               <p:par>
-                                <p:cTn id="37" presetID="1" presetClass="entr" presetSubtype="0" fill="hold" nodeType="clickEffect">
+                                <p:cTn id="31" presetID="1" presetClass="entr" presetSubtype="0" fill="hold" nodeType="clickEffect">
                                   <p:stCondLst>
                                     <p:cond delay="0"/>
                                   </p:stCondLst>
                                   <p:childTnLst>
                                     <p:set>
                                       <p:cBhvr>
-                                        <p:cTn id="38" dur="1" fill="hold">
+                                        <p:cTn id="32" dur="1" fill="hold">
                                           <p:stCondLst>
                                             <p:cond delay="0"/>
                                           </p:stCondLst>
